--- a/002_SetupRunTensorflow.pptx
+++ b/002_SetupRunTensorflow.pptx
@@ -5,28 +5,35 @@
     <p:sldMasterId id="2147483648" r:id="rId1"/>
   </p:sldMasterIdLst>
   <p:notesMasterIdLst>
-    <p:notesMasterId r:id="rId21"/>
+    <p:notesMasterId r:id="rId28"/>
   </p:notesMasterIdLst>
   <p:sldIdLst>
     <p:sldId id="256" r:id="rId2"/>
     <p:sldId id="317" r:id="rId3"/>
     <p:sldId id="319" r:id="rId4"/>
-    <p:sldId id="318" r:id="rId5"/>
-    <p:sldId id="320" r:id="rId6"/>
-    <p:sldId id="307" r:id="rId7"/>
-    <p:sldId id="321" r:id="rId8"/>
-    <p:sldId id="322" r:id="rId9"/>
-    <p:sldId id="326" r:id="rId10"/>
-    <p:sldId id="323" r:id="rId11"/>
-    <p:sldId id="316" r:id="rId12"/>
-    <p:sldId id="324" r:id="rId13"/>
-    <p:sldId id="312" r:id="rId14"/>
-    <p:sldId id="313" r:id="rId15"/>
-    <p:sldId id="314" r:id="rId16"/>
-    <p:sldId id="315" r:id="rId17"/>
-    <p:sldId id="309" r:id="rId18"/>
-    <p:sldId id="325" r:id="rId19"/>
-    <p:sldId id="259" r:id="rId20"/>
+    <p:sldId id="328" r:id="rId5"/>
+    <p:sldId id="329" r:id="rId6"/>
+    <p:sldId id="330" r:id="rId7"/>
+    <p:sldId id="331" r:id="rId8"/>
+    <p:sldId id="332" r:id="rId9"/>
+    <p:sldId id="333" r:id="rId10"/>
+    <p:sldId id="327" r:id="rId11"/>
+    <p:sldId id="318" r:id="rId12"/>
+    <p:sldId id="320" r:id="rId13"/>
+    <p:sldId id="307" r:id="rId14"/>
+    <p:sldId id="321" r:id="rId15"/>
+    <p:sldId id="322" r:id="rId16"/>
+    <p:sldId id="326" r:id="rId17"/>
+    <p:sldId id="323" r:id="rId18"/>
+    <p:sldId id="316" r:id="rId19"/>
+    <p:sldId id="324" r:id="rId20"/>
+    <p:sldId id="312" r:id="rId21"/>
+    <p:sldId id="313" r:id="rId22"/>
+    <p:sldId id="314" r:id="rId23"/>
+    <p:sldId id="315" r:id="rId24"/>
+    <p:sldId id="309" r:id="rId25"/>
+    <p:sldId id="325" r:id="rId26"/>
+    <p:sldId id="259" r:id="rId27"/>
   </p:sldIdLst>
   <p:sldSz cx="9144000" cy="6858000" type="screen4x3"/>
   <p:notesSz cx="6858000" cy="9144000"/>
@@ -3483,7 +3490,7 @@
                   <a:srgbClr val="FFFF00"/>
                 </a:solidFill>
               </a:rPr>
-              <a:t>002 Install TensorFlow</a:t>
+              <a:t>2 Install TensorFlow</a:t>
             </a:r>
             <a:endParaRPr lang="zh-TW" altLang="en-US" sz="4800" b="1" dirty="0">
               <a:solidFill>
@@ -3647,7 +3654,7 @@
         </p:spPr>
         <p:txBody>
           <a:bodyPr>
-            <a:normAutofit fontScale="90000"/>
+            <a:normAutofit/>
           </a:bodyPr>
           <a:lstStyle/>
           <a:p>
@@ -3657,7 +3664,7 @@
                   <a:srgbClr val="FFFF00"/>
                 </a:solidFill>
               </a:rPr>
-              <a:t>94.4 Start Tensorflow Environments</a:t>
+              <a:t>2.2 Create Tensorflow Environment</a:t>
             </a:r>
             <a:endParaRPr lang="zh-TW" altLang="en-US" sz="4800" b="1" dirty="0">
               <a:solidFill>
@@ -3748,7 +3755,7 @@
     </p:spTree>
     <p:extLst>
       <p:ext uri="{BB962C8B-B14F-4D97-AF65-F5344CB8AC3E}">
-        <p14:creationId xmlns:p14="http://schemas.microsoft.com/office/powerpoint/2010/main" val="2361024071"/>
+        <p14:creationId xmlns:p14="http://schemas.microsoft.com/office/powerpoint/2010/main" val="1305646987"/>
       </p:ext>
     </p:extLst>
   </p:cSld>
@@ -3830,7 +3837,7 @@
                   <a:srgbClr val="FFFF00"/>
                 </a:solidFill>
               </a:rPr>
-              <a:t>94.4 Start Tensorflow Environments</a:t>
+              <a:t>2.2 Create Tensorflow Environment</a:t>
             </a:r>
             <a:endParaRPr lang="zh-TW" altLang="en-US" b="1" dirty="0">
               <a:solidFill>
@@ -3852,8 +3859,8 @@
         </p:nvSpPr>
         <p:spPr>
           <a:xfrm>
-            <a:off x="426368" y="1418787"/>
-            <a:ext cx="8291263" cy="1262752"/>
+            <a:off x="426368" y="1418786"/>
+            <a:ext cx="8291263" cy="1578166"/>
           </a:xfrm>
           <a:ln>
             <a:solidFill>
@@ -3881,7 +3888,7 @@
                   <a:srgbClr val="29303B"/>
                 </a:solidFill>
               </a:rPr>
-              <a:t>Start Tensorflow Environments</a:t>
+              <a:t>Create Tensorflow Environment</a:t>
             </a:r>
           </a:p>
           <a:p>
@@ -3894,12 +3901,17 @@
               <a:buChar char="u"/>
             </a:pPr>
             <a:r>
-              <a:rPr lang="en-US" sz="1800" b="1" dirty="0">
-                <a:solidFill>
-                  <a:srgbClr val="29303B"/>
-                </a:solidFill>
+              <a:rPr kumimoji="0" lang="en-US" altLang="en-US" sz="2000" b="1" i="0" u="none" strike="noStrike" cap="none" normalizeH="0" baseline="0" dirty="0">
+                <a:ln>
+                  <a:noFill/>
+                </a:ln>
+                <a:solidFill>
+                  <a:schemeClr val="tx1"/>
+                </a:solidFill>
+                <a:effectLst/>
+                <a:latin typeface="var(--ytd-video-primary-info-renderer-title-font-family, inherit)"/>
               </a:rPr>
-              <a:t>start anaconda prompt</a:t>
+              <a:t>2020, Installing TensorFlow 2.0, Keras, and Python 3.7 in Windows 10</a:t>
             </a:r>
           </a:p>
           <a:p>
@@ -3912,14 +3924,29 @@
               <a:buChar char="u"/>
             </a:pPr>
             <a:r>
-              <a:rPr lang="en-US" sz="1800" b="1" i="0" dirty="0">
-                <a:solidFill>
-                  <a:srgbClr val="29303B"/>
-                </a:solidFill>
-                <a:effectLst/>
+              <a:rPr lang="en-US" altLang="en-US" sz="2000" b="1" dirty="0">
+                <a:solidFill>
+                  <a:schemeClr val="tx1"/>
+                </a:solidFill>
+                <a:latin typeface="var(--ytd-video-primary-info-renderer-title-font-family, inherit)"/>
               </a:rPr>
-              <a:t>&gt; conda activate tensorflow</a:t>
-            </a:r>
+              <a:t>Download the </a:t>
+            </a:r>
+            <a:r>
+              <a:rPr lang="en-US" altLang="en-US" sz="2000" b="1" dirty="0" err="1">
+                <a:solidFill>
+                  <a:schemeClr val="tx1"/>
+                </a:solidFill>
+                <a:latin typeface="var(--ytd-video-primary-info-renderer-title-font-family, inherit)"/>
+              </a:rPr>
+              <a:t>tensroflow.yml</a:t>
+            </a:r>
+            <a:endParaRPr lang="en-US" altLang="en-US" sz="2000" b="1" dirty="0">
+              <a:solidFill>
+                <a:schemeClr val="tx1"/>
+              </a:solidFill>
+              <a:latin typeface="var(--ytd-video-primary-info-renderer-title-font-family, inherit)"/>
+            </a:endParaRPr>
           </a:p>
           <a:p>
             <a:pPr marL="342900" indent="-342900" algn="l">
@@ -3931,35 +3958,18 @@
               <a:buChar char="u"/>
             </a:pPr>
             <a:r>
-              <a:rPr lang="en-US" sz="1800" b="1" dirty="0">
-                <a:solidFill>
-                  <a:srgbClr val="29303B"/>
-                </a:solidFill>
+              <a:rPr kumimoji="0" lang="en-US" altLang="en-US" sz="2000" b="1" i="0" u="none" strike="noStrike" cap="none" normalizeH="0" baseline="0" dirty="0">
+                <a:ln>
+                  <a:noFill/>
+                </a:ln>
+                <a:solidFill>
+                  <a:schemeClr val="tx1"/>
+                </a:solidFill>
+                <a:effectLst/>
+                <a:latin typeface="var(--ytd-video-primary-info-renderer-title-font-family, inherit)"/>
               </a:rPr>
-              <a:t>&gt; </a:t>
-            </a:r>
-            <a:r>
-              <a:rPr lang="en-US" sz="1800" b="1">
-                <a:solidFill>
-                  <a:srgbClr val="29303B"/>
-                </a:solidFill>
-              </a:rPr>
-              <a:t>cd [work-folder</a:t>
-            </a:r>
-            <a:r>
-              <a:rPr lang="en-US" sz="1800" b="1" dirty="0">
-                <a:solidFill>
-                  <a:srgbClr val="29303B"/>
-                </a:solidFill>
-              </a:rPr>
-              <a:t>]</a:t>
-            </a:r>
-            <a:endParaRPr lang="en-US" sz="1800" b="1" i="0" dirty="0">
-              <a:solidFill>
-                <a:srgbClr val="29303B"/>
-              </a:solidFill>
-              <a:effectLst/>
-            </a:endParaRPr>
+              <a:t>This file contains the environment setup for us.</a:t>
+            </a:r>
           </a:p>
         </p:txBody>
       </p:sp>
@@ -4091,12 +4101,206 @@
           </a:p>
         </p:txBody>
       </p:sp>
+      <p:sp>
+        <p:nvSpPr>
+          <p:cNvPr id="16" name="Rectangle 10">
+            <a:hlinkClick r:id="rId2"/>
+            <a:extLst>
+              <a:ext uri="{FF2B5EF4-FFF2-40B4-BE49-F238E27FC236}">
+                <a16:creationId xmlns:a16="http://schemas.microsoft.com/office/drawing/2014/main" id="{62B2A935-4165-4F58-9F94-8EBD01713D35}"/>
+              </a:ext>
+            </a:extLst>
+          </p:cNvPr>
+          <p:cNvSpPr>
+            <a:spLocks noChangeArrowheads="1"/>
+          </p:cNvSpPr>
+          <p:nvPr/>
+        </p:nvSpPr>
+        <p:spPr bwMode="auto">
+          <a:xfrm>
+            <a:off x="152400" y="152400"/>
+            <a:ext cx="3933825" cy="0"/>
+          </a:xfrm>
+          <a:prstGeom prst="rect">
+            <a:avLst/>
+          </a:prstGeom>
+          <a:solidFill>
+            <a:srgbClr val="F9F9F9"/>
+          </a:solidFill>
+          <a:ln>
+            <a:noFill/>
+          </a:ln>
+          <a:effectLst/>
+          <a:extLst>
+            <a:ext uri="{91240B29-F687-4F45-9708-019B960494DF}">
+              <a14:hiddenLine xmlns:a14="http://schemas.microsoft.com/office/drawing/2010/main" w="9525">
+                <a:solidFill>
+                  <a:schemeClr val="tx1"/>
+                </a:solidFill>
+                <a:miter lim="800000"/>
+                <a:headEnd/>
+                <a:tailEnd/>
+              </a14:hiddenLine>
+            </a:ext>
+            <a:ext uri="{AF507438-7753-43E0-B8FC-AC1667EBCBE1}">
+              <a14:hiddenEffects xmlns:a14="http://schemas.microsoft.com/office/drawing/2010/main">
+                <a:effectLst>
+                  <a:outerShdw dist="35921" dir="2700000" algn="ctr" rotWithShape="0">
+                    <a:schemeClr val="bg2"/>
+                  </a:outerShdw>
+                </a:effectLst>
+              </a14:hiddenEffects>
+            </a:ext>
+          </a:extLst>
+        </p:spPr>
+        <p:txBody>
+          <a:bodyPr vert="horz" wrap="square" lIns="91440" tIns="45720" rIns="91440" bIns="45720" numCol="1" anchor="ctr" anchorCtr="0" compatLnSpc="1">
+            <a:prstTxWarp prst="textNoShape">
+              <a:avLst/>
+            </a:prstTxWarp>
+            <a:spAutoFit/>
+          </a:bodyPr>
+          <a:lstStyle/>
+          <a:p>
+            <a:endParaRPr lang="en-US"/>
+          </a:p>
+        </p:txBody>
+      </p:sp>
+      <p:sp>
+        <p:nvSpPr>
+          <p:cNvPr id="17" name="Rectangle 11">
+            <a:extLst>
+              <a:ext uri="{FF2B5EF4-FFF2-40B4-BE49-F238E27FC236}">
+                <a16:creationId xmlns:a16="http://schemas.microsoft.com/office/drawing/2014/main" id="{F1807D9A-DC3A-4776-8ADF-C87633FC6B84}"/>
+              </a:ext>
+            </a:extLst>
+          </p:cNvPr>
+          <p:cNvSpPr>
+            <a:spLocks noChangeArrowheads="1"/>
+          </p:cNvSpPr>
+          <p:nvPr/>
+        </p:nvSpPr>
+        <p:spPr bwMode="auto">
+          <a:xfrm>
+            <a:off x="152400" y="152400"/>
+            <a:ext cx="9144000" cy="0"/>
+          </a:xfrm>
+          <a:prstGeom prst="rect">
+            <a:avLst/>
+          </a:prstGeom>
+          <a:solidFill>
+            <a:srgbClr val="F9F9F9"/>
+          </a:solidFill>
+          <a:ln>
+            <a:noFill/>
+          </a:ln>
+          <a:effectLst/>
+          <a:extLst>
+            <a:ext uri="{91240B29-F687-4F45-9708-019B960494DF}">
+              <a14:hiddenLine xmlns:a14="http://schemas.microsoft.com/office/drawing/2010/main" w="9525">
+                <a:solidFill>
+                  <a:schemeClr val="tx1"/>
+                </a:solidFill>
+                <a:miter lim="800000"/>
+                <a:headEnd/>
+                <a:tailEnd/>
+              </a14:hiddenLine>
+            </a:ext>
+            <a:ext uri="{AF507438-7753-43E0-B8FC-AC1667EBCBE1}">
+              <a14:hiddenEffects xmlns:a14="http://schemas.microsoft.com/office/drawing/2010/main">
+                <a:effectLst>
+                  <a:outerShdw dist="35921" dir="2700000" algn="ctr" rotWithShape="0">
+                    <a:schemeClr val="bg2"/>
+                  </a:outerShdw>
+                </a:effectLst>
+              </a14:hiddenEffects>
+            </a:ext>
+          </a:extLst>
+        </p:spPr>
+        <p:txBody>
+          <a:bodyPr vert="horz" wrap="square" lIns="91440" tIns="45720" rIns="91440" bIns="45720" numCol="1" anchor="ctr" anchorCtr="0" compatLnSpc="1">
+            <a:prstTxWarp prst="textNoShape">
+              <a:avLst/>
+            </a:prstTxWarp>
+            <a:spAutoFit/>
+          </a:bodyPr>
+          <a:lstStyle/>
+          <a:p>
+            <a:endParaRPr lang="en-US"/>
+          </a:p>
+        </p:txBody>
+      </p:sp>
+      <p:sp>
+        <p:nvSpPr>
+          <p:cNvPr id="19" name="Rectangle 13">
+            <a:hlinkClick r:id="rId3" tooltip="Next (SHIFT+n)"/>
+            <a:extLst>
+              <a:ext uri="{FF2B5EF4-FFF2-40B4-BE49-F238E27FC236}">
+                <a16:creationId xmlns:a16="http://schemas.microsoft.com/office/drawing/2014/main" id="{E441ABD1-4629-43A1-A350-4BDCD5209807}"/>
+              </a:ext>
+            </a:extLst>
+          </p:cNvPr>
+          <p:cNvSpPr>
+            <a:spLocks noChangeArrowheads="1"/>
+          </p:cNvSpPr>
+          <p:nvPr/>
+        </p:nvSpPr>
+        <p:spPr bwMode="auto">
+          <a:xfrm>
+            <a:off x="152400" y="152400"/>
+            <a:ext cx="3819525" cy="0"/>
+          </a:xfrm>
+          <a:prstGeom prst="rect">
+            <a:avLst/>
+          </a:prstGeom>
+          <a:solidFill>
+            <a:srgbClr val="F9F9F9"/>
+          </a:solidFill>
+          <a:ln>
+            <a:noFill/>
+          </a:ln>
+          <a:effectLst/>
+          <a:extLst>
+            <a:ext uri="{91240B29-F687-4F45-9708-019B960494DF}">
+              <a14:hiddenLine xmlns:a14="http://schemas.microsoft.com/office/drawing/2010/main" w="9525">
+                <a:solidFill>
+                  <a:schemeClr val="tx1"/>
+                </a:solidFill>
+                <a:miter lim="800000"/>
+                <a:headEnd/>
+                <a:tailEnd/>
+              </a14:hiddenLine>
+            </a:ext>
+            <a:ext uri="{AF507438-7753-43E0-B8FC-AC1667EBCBE1}">
+              <a14:hiddenEffects xmlns:a14="http://schemas.microsoft.com/office/drawing/2010/main">
+                <a:effectLst>
+                  <a:outerShdw dist="35921" dir="2700000" algn="ctr" rotWithShape="0">
+                    <a:schemeClr val="bg2"/>
+                  </a:outerShdw>
+                </a:effectLst>
+              </a14:hiddenEffects>
+            </a:ext>
+          </a:extLst>
+        </p:spPr>
+        <p:txBody>
+          <a:bodyPr vert="horz" wrap="square" lIns="91440" tIns="45720" rIns="91440" bIns="45720" numCol="1" anchor="ctr" anchorCtr="0" compatLnSpc="1">
+            <a:prstTxWarp prst="textNoShape">
+              <a:avLst/>
+            </a:prstTxWarp>
+            <a:spAutoFit/>
+          </a:bodyPr>
+          <a:lstStyle/>
+          <a:p>
+            <a:endParaRPr lang="en-US"/>
+          </a:p>
+        </p:txBody>
+      </p:sp>
       <p:pic>
         <p:nvPicPr>
-          <p:cNvPr id="7" name="Picture 6">
+          <p:cNvPr id="23" name="Picture 22">
             <a:extLst>
               <a:ext uri="{FF2B5EF4-FFF2-40B4-BE49-F238E27FC236}">
-                <a16:creationId xmlns:a16="http://schemas.microsoft.com/office/drawing/2014/main" id="{B97497C3-3299-4B3F-B61A-7D525C18DEDF}"/>
+                <a16:creationId xmlns:a16="http://schemas.microsoft.com/office/drawing/2014/main" id="{177A1777-1F03-41BF-B0C3-E11965306E06}"/>
               </a:ext>
             </a:extLst>
           </p:cNvPr>
@@ -4106,15 +4310,15 @@
           <p:nvPr/>
         </p:nvPicPr>
         <p:blipFill>
-          <a:blip r:embed="rId2"/>
+          <a:blip r:embed="rId4"/>
           <a:stretch>
             <a:fillRect/>
           </a:stretch>
         </p:blipFill>
         <p:spPr>
           <a:xfrm>
-            <a:off x="611560" y="2862555"/>
-            <a:ext cx="2133600" cy="3676357"/>
+            <a:off x="6156176" y="2383671"/>
+            <a:ext cx="2636378" cy="4138216"/>
           </a:xfrm>
           <a:prstGeom prst="rect">
             <a:avLst/>
@@ -4126,45 +4330,10 @@
           </a:ln>
         </p:spPr>
       </p:pic>
-      <p:pic>
-        <p:nvPicPr>
-          <p:cNvPr id="9" name="Picture 8">
-            <a:extLst>
-              <a:ext uri="{FF2B5EF4-FFF2-40B4-BE49-F238E27FC236}">
-                <a16:creationId xmlns:a16="http://schemas.microsoft.com/office/drawing/2014/main" id="{73274987-F3AF-4F4B-A34C-C670E5484275}"/>
-              </a:ext>
-            </a:extLst>
-          </p:cNvPr>
-          <p:cNvPicPr>
-            <a:picLocks noChangeAspect="1"/>
-          </p:cNvPicPr>
-          <p:nvPr/>
-        </p:nvPicPr>
-        <p:blipFill>
-          <a:blip r:embed="rId3"/>
-          <a:stretch>
-            <a:fillRect/>
-          </a:stretch>
-        </p:blipFill>
-        <p:spPr>
-          <a:xfrm>
-            <a:off x="2483768" y="3340374"/>
-            <a:ext cx="6469267" cy="1262751"/>
-          </a:xfrm>
-          <a:prstGeom prst="rect">
-            <a:avLst/>
-          </a:prstGeom>
-          <a:ln>
-            <a:solidFill>
-              <a:srgbClr val="C00000"/>
-            </a:solidFill>
-          </a:ln>
-        </p:spPr>
-      </p:pic>
     </p:spTree>
     <p:extLst>
       <p:ext uri="{BB962C8B-B14F-4D97-AF65-F5344CB8AC3E}">
-        <p14:creationId xmlns:p14="http://schemas.microsoft.com/office/powerpoint/2010/main" val="1264361562"/>
+        <p14:creationId xmlns:p14="http://schemas.microsoft.com/office/powerpoint/2010/main" val="3778792603"/>
       </p:ext>
     </p:extLst>
   </p:cSld>
@@ -4222,7 +4391,7 @@
                   <a:srgbClr val="FFFF00"/>
                 </a:solidFill>
               </a:rPr>
-              <a:t>94.5 Run Jupyter Tensorflow</a:t>
+              <a:t>2.3 Install Jupyter</a:t>
             </a:r>
             <a:endParaRPr lang="zh-TW" altLang="en-US" sz="4800" b="1" dirty="0">
               <a:solidFill>
@@ -4313,7 +4482,7 @@
     </p:spTree>
     <p:extLst>
       <p:ext uri="{BB962C8B-B14F-4D97-AF65-F5344CB8AC3E}">
-        <p14:creationId xmlns:p14="http://schemas.microsoft.com/office/powerpoint/2010/main" val="2574770360"/>
+        <p14:creationId xmlns:p14="http://schemas.microsoft.com/office/powerpoint/2010/main" val="663254221"/>
       </p:ext>
     </p:extLst>
   </p:cSld>
@@ -4395,7 +4564,7 @@
                   <a:srgbClr val="FFFF00"/>
                 </a:solidFill>
               </a:rPr>
-              <a:t>94.5 Run Jupyter Tensorflow</a:t>
+              <a:t>2.3 Install Jupyter</a:t>
             </a:r>
             <a:endParaRPr lang="zh-TW" altLang="en-US" b="1" dirty="0">
               <a:solidFill>
@@ -4417,8 +4586,8 @@
         </p:nvSpPr>
         <p:spPr>
           <a:xfrm>
-            <a:off x="426368" y="1418787"/>
-            <a:ext cx="8291263" cy="1074110"/>
+            <a:off x="365761" y="1312209"/>
+            <a:ext cx="3198127" cy="1756751"/>
           </a:xfrm>
           <a:ln>
             <a:solidFill>
@@ -4446,7 +4615,7 @@
                   <a:srgbClr val="29303B"/>
                 </a:solidFill>
               </a:rPr>
-              <a:t>Start Jupyter Notebook</a:t>
+              <a:t>Install Jupyter</a:t>
             </a:r>
           </a:p>
           <a:p>
@@ -4459,12 +4628,13 @@
               <a:buChar char="u"/>
             </a:pPr>
             <a:r>
-              <a:rPr lang="en-US" sz="1800" b="1" dirty="0">
-                <a:solidFill>
-                  <a:srgbClr val="29303B"/>
-                </a:solidFill>
+              <a:rPr lang="en-US" altLang="en-US" sz="1800" b="1" dirty="0">
+                <a:solidFill>
+                  <a:schemeClr val="tx1"/>
+                </a:solidFill>
+                <a:latin typeface="var(--ytd-video-primary-info-renderer-title-font-family, inherit)"/>
               </a:rPr>
-              <a:t>&gt; ls</a:t>
+              <a:t>Under window 10 prompt or Anaconda prompt:</a:t>
             </a:r>
           </a:p>
           <a:p>
@@ -4477,13 +4647,13 @@
               <a:buChar char="u"/>
             </a:pPr>
             <a:r>
-              <a:rPr lang="en-US" sz="1800" b="1" i="0" dirty="0">
-                <a:solidFill>
-                  <a:srgbClr val="29303B"/>
-                </a:solidFill>
-                <a:effectLst/>
+              <a:rPr lang="en-US" altLang="en-US" sz="1800" b="1" dirty="0">
+                <a:solidFill>
+                  <a:schemeClr val="tx1"/>
+                </a:solidFill>
+                <a:latin typeface="var(--ytd-video-primary-info-renderer-title-font-family, inherit)"/>
               </a:rPr>
-              <a:t>&gt; jupyter notebook</a:t>
+              <a:t>&gt; conda install jupyter</a:t>
             </a:r>
           </a:p>
         </p:txBody>
@@ -4616,12 +4786,206 @@
           </a:p>
         </p:txBody>
       </p:sp>
+      <p:sp>
+        <p:nvSpPr>
+          <p:cNvPr id="16" name="Rectangle 10">
+            <a:hlinkClick r:id="rId2"/>
+            <a:extLst>
+              <a:ext uri="{FF2B5EF4-FFF2-40B4-BE49-F238E27FC236}">
+                <a16:creationId xmlns:a16="http://schemas.microsoft.com/office/drawing/2014/main" id="{62B2A935-4165-4F58-9F94-8EBD01713D35}"/>
+              </a:ext>
+            </a:extLst>
+          </p:cNvPr>
+          <p:cNvSpPr>
+            <a:spLocks noChangeArrowheads="1"/>
+          </p:cNvSpPr>
+          <p:nvPr/>
+        </p:nvSpPr>
+        <p:spPr bwMode="auto">
+          <a:xfrm>
+            <a:off x="152400" y="152400"/>
+            <a:ext cx="3933825" cy="0"/>
+          </a:xfrm>
+          <a:prstGeom prst="rect">
+            <a:avLst/>
+          </a:prstGeom>
+          <a:solidFill>
+            <a:srgbClr val="F9F9F9"/>
+          </a:solidFill>
+          <a:ln>
+            <a:noFill/>
+          </a:ln>
+          <a:effectLst/>
+          <a:extLst>
+            <a:ext uri="{91240B29-F687-4F45-9708-019B960494DF}">
+              <a14:hiddenLine xmlns:a14="http://schemas.microsoft.com/office/drawing/2010/main" w="9525">
+                <a:solidFill>
+                  <a:schemeClr val="tx1"/>
+                </a:solidFill>
+                <a:miter lim="800000"/>
+                <a:headEnd/>
+                <a:tailEnd/>
+              </a14:hiddenLine>
+            </a:ext>
+            <a:ext uri="{AF507438-7753-43E0-B8FC-AC1667EBCBE1}">
+              <a14:hiddenEffects xmlns:a14="http://schemas.microsoft.com/office/drawing/2010/main">
+                <a:effectLst>
+                  <a:outerShdw dist="35921" dir="2700000" algn="ctr" rotWithShape="0">
+                    <a:schemeClr val="bg2"/>
+                  </a:outerShdw>
+                </a:effectLst>
+              </a14:hiddenEffects>
+            </a:ext>
+          </a:extLst>
+        </p:spPr>
+        <p:txBody>
+          <a:bodyPr vert="horz" wrap="square" lIns="91440" tIns="45720" rIns="91440" bIns="45720" numCol="1" anchor="ctr" anchorCtr="0" compatLnSpc="1">
+            <a:prstTxWarp prst="textNoShape">
+              <a:avLst/>
+            </a:prstTxWarp>
+            <a:spAutoFit/>
+          </a:bodyPr>
+          <a:lstStyle/>
+          <a:p>
+            <a:endParaRPr lang="en-US"/>
+          </a:p>
+        </p:txBody>
+      </p:sp>
+      <p:sp>
+        <p:nvSpPr>
+          <p:cNvPr id="17" name="Rectangle 11">
+            <a:extLst>
+              <a:ext uri="{FF2B5EF4-FFF2-40B4-BE49-F238E27FC236}">
+                <a16:creationId xmlns:a16="http://schemas.microsoft.com/office/drawing/2014/main" id="{F1807D9A-DC3A-4776-8ADF-C87633FC6B84}"/>
+              </a:ext>
+            </a:extLst>
+          </p:cNvPr>
+          <p:cNvSpPr>
+            <a:spLocks noChangeArrowheads="1"/>
+          </p:cNvSpPr>
+          <p:nvPr/>
+        </p:nvSpPr>
+        <p:spPr bwMode="auto">
+          <a:xfrm>
+            <a:off x="152400" y="152400"/>
+            <a:ext cx="9144000" cy="0"/>
+          </a:xfrm>
+          <a:prstGeom prst="rect">
+            <a:avLst/>
+          </a:prstGeom>
+          <a:solidFill>
+            <a:srgbClr val="F9F9F9"/>
+          </a:solidFill>
+          <a:ln>
+            <a:noFill/>
+          </a:ln>
+          <a:effectLst/>
+          <a:extLst>
+            <a:ext uri="{91240B29-F687-4F45-9708-019B960494DF}">
+              <a14:hiddenLine xmlns:a14="http://schemas.microsoft.com/office/drawing/2010/main" w="9525">
+                <a:solidFill>
+                  <a:schemeClr val="tx1"/>
+                </a:solidFill>
+                <a:miter lim="800000"/>
+                <a:headEnd/>
+                <a:tailEnd/>
+              </a14:hiddenLine>
+            </a:ext>
+            <a:ext uri="{AF507438-7753-43E0-B8FC-AC1667EBCBE1}">
+              <a14:hiddenEffects xmlns:a14="http://schemas.microsoft.com/office/drawing/2010/main">
+                <a:effectLst>
+                  <a:outerShdw dist="35921" dir="2700000" algn="ctr" rotWithShape="0">
+                    <a:schemeClr val="bg2"/>
+                  </a:outerShdw>
+                </a:effectLst>
+              </a14:hiddenEffects>
+            </a:ext>
+          </a:extLst>
+        </p:spPr>
+        <p:txBody>
+          <a:bodyPr vert="horz" wrap="square" lIns="91440" tIns="45720" rIns="91440" bIns="45720" numCol="1" anchor="ctr" anchorCtr="0" compatLnSpc="1">
+            <a:prstTxWarp prst="textNoShape">
+              <a:avLst/>
+            </a:prstTxWarp>
+            <a:spAutoFit/>
+          </a:bodyPr>
+          <a:lstStyle/>
+          <a:p>
+            <a:endParaRPr lang="en-US"/>
+          </a:p>
+        </p:txBody>
+      </p:sp>
+      <p:sp>
+        <p:nvSpPr>
+          <p:cNvPr id="19" name="Rectangle 13">
+            <a:hlinkClick r:id="rId3" tooltip="Next (SHIFT+n)"/>
+            <a:extLst>
+              <a:ext uri="{FF2B5EF4-FFF2-40B4-BE49-F238E27FC236}">
+                <a16:creationId xmlns:a16="http://schemas.microsoft.com/office/drawing/2014/main" id="{E441ABD1-4629-43A1-A350-4BDCD5209807}"/>
+              </a:ext>
+            </a:extLst>
+          </p:cNvPr>
+          <p:cNvSpPr>
+            <a:spLocks noChangeArrowheads="1"/>
+          </p:cNvSpPr>
+          <p:nvPr/>
+        </p:nvSpPr>
+        <p:spPr bwMode="auto">
+          <a:xfrm>
+            <a:off x="152400" y="152400"/>
+            <a:ext cx="3819525" cy="0"/>
+          </a:xfrm>
+          <a:prstGeom prst="rect">
+            <a:avLst/>
+          </a:prstGeom>
+          <a:solidFill>
+            <a:srgbClr val="F9F9F9"/>
+          </a:solidFill>
+          <a:ln>
+            <a:noFill/>
+          </a:ln>
+          <a:effectLst/>
+          <a:extLst>
+            <a:ext uri="{91240B29-F687-4F45-9708-019B960494DF}">
+              <a14:hiddenLine xmlns:a14="http://schemas.microsoft.com/office/drawing/2010/main" w="9525">
+                <a:solidFill>
+                  <a:schemeClr val="tx1"/>
+                </a:solidFill>
+                <a:miter lim="800000"/>
+                <a:headEnd/>
+                <a:tailEnd/>
+              </a14:hiddenLine>
+            </a:ext>
+            <a:ext uri="{AF507438-7753-43E0-B8FC-AC1667EBCBE1}">
+              <a14:hiddenEffects xmlns:a14="http://schemas.microsoft.com/office/drawing/2010/main">
+                <a:effectLst>
+                  <a:outerShdw dist="35921" dir="2700000" algn="ctr" rotWithShape="0">
+                    <a:schemeClr val="bg2"/>
+                  </a:outerShdw>
+                </a:effectLst>
+              </a14:hiddenEffects>
+            </a:ext>
+          </a:extLst>
+        </p:spPr>
+        <p:txBody>
+          <a:bodyPr vert="horz" wrap="square" lIns="91440" tIns="45720" rIns="91440" bIns="45720" numCol="1" anchor="ctr" anchorCtr="0" compatLnSpc="1">
+            <a:prstTxWarp prst="textNoShape">
+              <a:avLst/>
+            </a:prstTxWarp>
+            <a:spAutoFit/>
+          </a:bodyPr>
+          <a:lstStyle/>
+          <a:p>
+            <a:endParaRPr lang="en-US"/>
+          </a:p>
+        </p:txBody>
+      </p:sp>
       <p:pic>
         <p:nvPicPr>
-          <p:cNvPr id="13" name="Picture 12">
+          <p:cNvPr id="7" name="Picture 6">
             <a:extLst>
               <a:ext uri="{FF2B5EF4-FFF2-40B4-BE49-F238E27FC236}">
-                <a16:creationId xmlns:a16="http://schemas.microsoft.com/office/drawing/2014/main" id="{E7B055B9-5242-4175-843D-405E32CB8FEE}"/>
+                <a16:creationId xmlns:a16="http://schemas.microsoft.com/office/drawing/2014/main" id="{E032919F-754F-4CEF-B996-41C63E4DF2E3}"/>
               </a:ext>
             </a:extLst>
           </p:cNvPr>
@@ -4631,15 +4995,53 @@
           <p:nvPr/>
         </p:nvPicPr>
         <p:blipFill>
-          <a:blip r:embed="rId2"/>
+          <a:blip r:embed="rId4"/>
           <a:stretch>
             <a:fillRect/>
           </a:stretch>
         </p:blipFill>
         <p:spPr>
           <a:xfrm>
-            <a:off x="1382152" y="2573346"/>
-            <a:ext cx="5148064" cy="3484390"/>
+            <a:off x="4264025" y="3933905"/>
+            <a:ext cx="4438650" cy="1695450"/>
+          </a:xfrm>
+          <a:prstGeom prst="rect">
+            <a:avLst/>
+          </a:prstGeom>
+          <a:solidFill>
+            <a:schemeClr val="accent2"/>
+          </a:solidFill>
+          <a:ln>
+            <a:solidFill>
+              <a:srgbClr val="C00000"/>
+            </a:solidFill>
+          </a:ln>
+        </p:spPr>
+      </p:pic>
+      <p:pic>
+        <p:nvPicPr>
+          <p:cNvPr id="8" name="Picture 7">
+            <a:extLst>
+              <a:ext uri="{FF2B5EF4-FFF2-40B4-BE49-F238E27FC236}">
+                <a16:creationId xmlns:a16="http://schemas.microsoft.com/office/drawing/2014/main" id="{33216648-87CC-4915-9778-DF09657876E1}"/>
+              </a:ext>
+            </a:extLst>
+          </p:cNvPr>
+          <p:cNvPicPr>
+            <a:picLocks noChangeAspect="1"/>
+          </p:cNvPicPr>
+          <p:nvPr/>
+        </p:nvPicPr>
+        <p:blipFill>
+          <a:blip r:embed="rId5"/>
+          <a:stretch>
+            <a:fillRect/>
+          </a:stretch>
+        </p:blipFill>
+        <p:spPr>
+          <a:xfrm>
+            <a:off x="4001125" y="1283327"/>
+            <a:ext cx="4624387" cy="2457219"/>
           </a:xfrm>
           <a:prstGeom prst="rect">
             <a:avLst/>
@@ -4654,7 +5056,7 @@
     </p:spTree>
     <p:extLst>
       <p:ext uri="{BB962C8B-B14F-4D97-AF65-F5344CB8AC3E}">
-        <p14:creationId xmlns:p14="http://schemas.microsoft.com/office/powerpoint/2010/main" val="970644658"/>
+        <p14:creationId xmlns:p14="http://schemas.microsoft.com/office/powerpoint/2010/main" val="2530418046"/>
       </p:ext>
     </p:extLst>
   </p:cSld>
@@ -4693,6 +5095,155 @@
         </p:nvSpPr>
         <p:spPr>
           <a:xfrm>
+            <a:off x="0" y="2130425"/>
+            <a:ext cx="9144000" cy="1470025"/>
+          </a:xfrm>
+          <a:solidFill>
+            <a:srgbClr val="00B0F0"/>
+          </a:solidFill>
+        </p:spPr>
+        <p:txBody>
+          <a:bodyPr>
+            <a:normAutofit fontScale="90000"/>
+          </a:bodyPr>
+          <a:lstStyle/>
+          <a:p>
+            <a:r>
+              <a:rPr lang="en-US" altLang="zh-TW" sz="4800" b="1" dirty="0">
+                <a:solidFill>
+                  <a:srgbClr val="FFFF00"/>
+                </a:solidFill>
+              </a:rPr>
+              <a:t>2.4 Install Tensorflow Environments</a:t>
+            </a:r>
+            <a:endParaRPr lang="zh-TW" altLang="en-US" sz="4800" b="1" dirty="0">
+              <a:solidFill>
+                <a:srgbClr val="FFFF00"/>
+              </a:solidFill>
+            </a:endParaRPr>
+          </a:p>
+        </p:txBody>
+      </p:sp>
+      <p:sp>
+        <p:nvSpPr>
+          <p:cNvPr id="5" name="日期版面配置區 4"/>
+          <p:cNvSpPr>
+            <a:spLocks noGrp="1"/>
+          </p:cNvSpPr>
+          <p:nvPr>
+            <p:ph type="dt" sz="half" idx="10"/>
+          </p:nvPr>
+        </p:nvSpPr>
+        <p:spPr/>
+        <p:txBody>
+          <a:bodyPr/>
+          <a:lstStyle/>
+          <a:p>
+            <a:fld id="{C389EDC9-19E3-47AC-9C57-C6A24DEA81AD}" type="datetime1">
+              <a:rPr lang="zh-TW" altLang="en-US" smtClean="0"/>
+              <a:pPr/>
+              <a:t>2020/9/24</a:t>
+            </a:fld>
+            <a:endParaRPr lang="zh-TW" altLang="en-US"/>
+          </a:p>
+        </p:txBody>
+      </p:sp>
+      <p:sp>
+        <p:nvSpPr>
+          <p:cNvPr id="6" name="投影片編號版面配置區 5"/>
+          <p:cNvSpPr>
+            <a:spLocks noGrp="1"/>
+          </p:cNvSpPr>
+          <p:nvPr>
+            <p:ph type="sldNum" sz="quarter" idx="12"/>
+          </p:nvPr>
+        </p:nvSpPr>
+        <p:spPr/>
+        <p:txBody>
+          <a:bodyPr/>
+          <a:lstStyle/>
+          <a:p>
+            <a:fld id="{E4D7E63D-91F2-4366-A2C4-1B00C9E2590E}" type="slidenum">
+              <a:rPr lang="zh-TW" altLang="en-US" smtClean="0"/>
+              <a:pPr/>
+              <a:t>14</a:t>
+            </a:fld>
+            <a:endParaRPr lang="zh-TW" altLang="en-US"/>
+          </a:p>
+        </p:txBody>
+      </p:sp>
+      <p:pic>
+        <p:nvPicPr>
+          <p:cNvPr id="7" name="Picture 6">
+            <a:extLst>
+              <a:ext uri="{FF2B5EF4-FFF2-40B4-BE49-F238E27FC236}">
+                <a16:creationId xmlns:a16="http://schemas.microsoft.com/office/drawing/2014/main" id="{1BE488C5-DA27-405E-9F7E-A4EF5DF95762}"/>
+              </a:ext>
+            </a:extLst>
+          </p:cNvPr>
+          <p:cNvPicPr>
+            <a:picLocks noChangeAspect="1"/>
+          </p:cNvPicPr>
+          <p:nvPr/>
+        </p:nvPicPr>
+        <p:blipFill>
+          <a:blip r:embed="rId2"/>
+          <a:stretch>
+            <a:fillRect/>
+          </a:stretch>
+        </p:blipFill>
+        <p:spPr>
+          <a:xfrm>
+            <a:off x="3923928" y="3695964"/>
+            <a:ext cx="1004960" cy="885164"/>
+          </a:xfrm>
+          <a:prstGeom prst="rect">
+            <a:avLst/>
+          </a:prstGeom>
+        </p:spPr>
+      </p:pic>
+    </p:spTree>
+    <p:extLst>
+      <p:ext uri="{BB962C8B-B14F-4D97-AF65-F5344CB8AC3E}">
+        <p14:creationId xmlns:p14="http://schemas.microsoft.com/office/powerpoint/2010/main" val="3356928856"/>
+      </p:ext>
+    </p:extLst>
+  </p:cSld>
+  <p:clrMapOvr>
+    <a:masterClrMapping/>
+  </p:clrMapOvr>
+</p:sld>
+</file>
+
+<file path=ppt/slides/slide15.xml><?xml version="1.0" encoding="utf-8"?>
+<p:sld xmlns:a="http://schemas.openxmlformats.org/drawingml/2006/main" xmlns:r="http://schemas.openxmlformats.org/officeDocument/2006/relationships" xmlns:p="http://schemas.openxmlformats.org/presentationml/2006/main">
+  <p:cSld>
+    <p:spTree>
+      <p:nvGrpSpPr>
+        <p:cNvPr id="1" name=""/>
+        <p:cNvGrpSpPr/>
+        <p:nvPr/>
+      </p:nvGrpSpPr>
+      <p:grpSpPr>
+        <a:xfrm>
+          <a:off x="0" y="0"/>
+          <a:ext cx="0" cy="0"/>
+          <a:chOff x="0" y="0"/>
+          <a:chExt cx="0" cy="0"/>
+        </a:xfrm>
+      </p:grpSpPr>
+      <p:sp>
+        <p:nvSpPr>
+          <p:cNvPr id="2" name="標題 1"/>
+          <p:cNvSpPr>
+            <a:spLocks noGrp="1"/>
+          </p:cNvSpPr>
+          <p:nvPr>
+            <p:ph type="ctrTitle"/>
+          </p:nvPr>
+        </p:nvSpPr>
+        <p:spPr>
+          <a:xfrm>
             <a:off x="0" y="0"/>
             <a:ext cx="9144000" cy="764704"/>
           </a:xfrm>
@@ -4736,7 +5287,7 @@
                   <a:srgbClr val="FFFF00"/>
                 </a:solidFill>
               </a:rPr>
-              <a:t>94.5 Run Jupyter Tensorflow</a:t>
+              <a:t>2.4 Install Tensorflow Environments</a:t>
             </a:r>
             <a:endParaRPr lang="zh-TW" altLang="en-US" b="1" dirty="0">
               <a:solidFill>
@@ -4758,8 +5309,8 @@
         </p:nvSpPr>
         <p:spPr>
           <a:xfrm>
-            <a:off x="426368" y="1418787"/>
-            <a:ext cx="8291263" cy="1074110"/>
+            <a:off x="426368" y="1418786"/>
+            <a:ext cx="8291263" cy="1716608"/>
           </a:xfrm>
           <a:ln>
             <a:solidFill>
@@ -4787,7 +5338,7 @@
                   <a:srgbClr val="29303B"/>
                 </a:solidFill>
               </a:rPr>
-              <a:t>Use Tensorflow 01</a:t>
+              <a:t>Install Tensorflow and Associated Environments</a:t>
             </a:r>
           </a:p>
           <a:p>
@@ -4800,28 +5351,12 @@
               <a:buChar char="u"/>
             </a:pPr>
             <a:r>
-              <a:rPr lang="en-US" sz="1800" b="1" dirty="0">
-                <a:solidFill>
-                  <a:srgbClr val="29303B"/>
+              <a:rPr lang="en-US" altLang="en-US" sz="1800" b="1" dirty="0">
+                <a:solidFill>
+                  <a:srgbClr val="C00000"/>
                 </a:solidFill>
               </a:rPr>
-              <a:t>We can see “</a:t>
-            </a:r>
-            <a:r>
-              <a:rPr lang="en-US" sz="1800" b="1" dirty="0" err="1">
-                <a:solidFill>
-                  <a:srgbClr val="29303B"/>
-                </a:solidFill>
-              </a:rPr>
-              <a:t>Tensorflw.ipynb</a:t>
-            </a:r>
-            <a:r>
-              <a:rPr lang="en-US" sz="1800" b="1" dirty="0">
-                <a:solidFill>
-                  <a:srgbClr val="29303B"/>
-                </a:solidFill>
-              </a:rPr>
-              <a:t>”</a:t>
+              <a:t>This is very important: </a:t>
             </a:r>
           </a:p>
           <a:p>
@@ -4834,14 +5369,58 @@
               <a:buChar char="u"/>
             </a:pPr>
             <a:r>
-              <a:rPr lang="en-US" sz="1800" b="1" i="0" dirty="0">
-                <a:solidFill>
-                  <a:srgbClr val="29303B"/>
-                </a:solidFill>
-                <a:effectLst/>
+              <a:rPr lang="en-US" altLang="en-US" sz="1800" b="1" dirty="0">
+                <a:solidFill>
+                  <a:srgbClr val="C00000"/>
+                </a:solidFill>
               </a:rPr>
-              <a:t>Double click to open</a:t>
-            </a:r>
+              <a:t>Download tensorflow.yml includes the verified dependencies and frameworks.</a:t>
+            </a:r>
+          </a:p>
+          <a:p>
+            <a:pPr marL="342900" indent="-342900" algn="l">
+              <a:buClr>
+                <a:srgbClr val="0070C0"/>
+              </a:buClr>
+              <a:buSzPct val="80000"/>
+              <a:buFont typeface="Wingdings" pitchFamily="2" charset="2"/>
+              <a:buChar char="u"/>
+            </a:pPr>
+            <a:r>
+              <a:rPr lang="en-US" altLang="en-US" sz="1800" b="1" dirty="0">
+                <a:solidFill>
+                  <a:srgbClr val="C00000"/>
+                </a:solidFill>
+              </a:rPr>
+              <a:t>This prevent us to use incompatible dependencies and very difficult to fix.</a:t>
+            </a:r>
+          </a:p>
+          <a:p>
+            <a:pPr marL="342900" indent="-342900" algn="l">
+              <a:buClr>
+                <a:srgbClr val="0070C0"/>
+              </a:buClr>
+              <a:buSzPct val="80000"/>
+              <a:buFont typeface="Wingdings" pitchFamily="2" charset="2"/>
+              <a:buChar char="u"/>
+            </a:pPr>
+            <a:r>
+              <a:rPr lang="en-US" altLang="en-US" sz="1800" b="1" dirty="0">
+                <a:solidFill>
+                  <a:schemeClr val="tx1"/>
+                </a:solidFill>
+              </a:rPr>
+              <a:t>C:\[work-folder] &gt; conda env create -v -f tensorflow.yml</a:t>
+            </a:r>
+            <a:endParaRPr kumimoji="0" lang="en-US" altLang="en-US" sz="1800" b="1" i="0" u="none" strike="noStrike" cap="none" normalizeH="0" baseline="0" dirty="0">
+              <a:ln>
+                <a:noFill/>
+              </a:ln>
+              <a:solidFill>
+                <a:schemeClr val="tx1"/>
+              </a:solidFill>
+              <a:effectLst/>
+            </a:endParaRPr>
           </a:p>
         </p:txBody>
       </p:sp>
@@ -4967,18 +5546,212 @@
             <a:fld id="{E4D7E63D-91F2-4366-A2C4-1B00C9E2590E}" type="slidenum">
               <a:rPr lang="zh-TW" altLang="en-US" smtClean="0"/>
               <a:pPr/>
-              <a:t>14</a:t>
+              <a:t>15</a:t>
             </a:fld>
             <a:endParaRPr lang="zh-TW" altLang="en-US"/>
           </a:p>
         </p:txBody>
       </p:sp>
+      <p:sp>
+        <p:nvSpPr>
+          <p:cNvPr id="16" name="Rectangle 10">
+            <a:hlinkClick r:id="rId2"/>
+            <a:extLst>
+              <a:ext uri="{FF2B5EF4-FFF2-40B4-BE49-F238E27FC236}">
+                <a16:creationId xmlns:a16="http://schemas.microsoft.com/office/drawing/2014/main" id="{62B2A935-4165-4F58-9F94-8EBD01713D35}"/>
+              </a:ext>
+            </a:extLst>
+          </p:cNvPr>
+          <p:cNvSpPr>
+            <a:spLocks noChangeArrowheads="1"/>
+          </p:cNvSpPr>
+          <p:nvPr/>
+        </p:nvSpPr>
+        <p:spPr bwMode="auto">
+          <a:xfrm>
+            <a:off x="152400" y="152400"/>
+            <a:ext cx="3933825" cy="0"/>
+          </a:xfrm>
+          <a:prstGeom prst="rect">
+            <a:avLst/>
+          </a:prstGeom>
+          <a:solidFill>
+            <a:srgbClr val="F9F9F9"/>
+          </a:solidFill>
+          <a:ln>
+            <a:noFill/>
+          </a:ln>
+          <a:effectLst/>
+          <a:extLst>
+            <a:ext uri="{91240B29-F687-4F45-9708-019B960494DF}">
+              <a14:hiddenLine xmlns:a14="http://schemas.microsoft.com/office/drawing/2010/main" w="9525">
+                <a:solidFill>
+                  <a:schemeClr val="tx1"/>
+                </a:solidFill>
+                <a:miter lim="800000"/>
+                <a:headEnd/>
+                <a:tailEnd/>
+              </a14:hiddenLine>
+            </a:ext>
+            <a:ext uri="{AF507438-7753-43E0-B8FC-AC1667EBCBE1}">
+              <a14:hiddenEffects xmlns:a14="http://schemas.microsoft.com/office/drawing/2010/main">
+                <a:effectLst>
+                  <a:outerShdw dist="35921" dir="2700000" algn="ctr" rotWithShape="0">
+                    <a:schemeClr val="bg2"/>
+                  </a:outerShdw>
+                </a:effectLst>
+              </a14:hiddenEffects>
+            </a:ext>
+          </a:extLst>
+        </p:spPr>
+        <p:txBody>
+          <a:bodyPr vert="horz" wrap="square" lIns="91440" tIns="45720" rIns="91440" bIns="45720" numCol="1" anchor="ctr" anchorCtr="0" compatLnSpc="1">
+            <a:prstTxWarp prst="textNoShape">
+              <a:avLst/>
+            </a:prstTxWarp>
+            <a:spAutoFit/>
+          </a:bodyPr>
+          <a:lstStyle/>
+          <a:p>
+            <a:endParaRPr lang="en-US"/>
+          </a:p>
+        </p:txBody>
+      </p:sp>
+      <p:sp>
+        <p:nvSpPr>
+          <p:cNvPr id="17" name="Rectangle 11">
+            <a:extLst>
+              <a:ext uri="{FF2B5EF4-FFF2-40B4-BE49-F238E27FC236}">
+                <a16:creationId xmlns:a16="http://schemas.microsoft.com/office/drawing/2014/main" id="{F1807D9A-DC3A-4776-8ADF-C87633FC6B84}"/>
+              </a:ext>
+            </a:extLst>
+          </p:cNvPr>
+          <p:cNvSpPr>
+            <a:spLocks noChangeArrowheads="1"/>
+          </p:cNvSpPr>
+          <p:nvPr/>
+        </p:nvSpPr>
+        <p:spPr bwMode="auto">
+          <a:xfrm>
+            <a:off x="152400" y="152400"/>
+            <a:ext cx="9144000" cy="0"/>
+          </a:xfrm>
+          <a:prstGeom prst="rect">
+            <a:avLst/>
+          </a:prstGeom>
+          <a:solidFill>
+            <a:srgbClr val="F9F9F9"/>
+          </a:solidFill>
+          <a:ln>
+            <a:noFill/>
+          </a:ln>
+          <a:effectLst/>
+          <a:extLst>
+            <a:ext uri="{91240B29-F687-4F45-9708-019B960494DF}">
+              <a14:hiddenLine xmlns:a14="http://schemas.microsoft.com/office/drawing/2010/main" w="9525">
+                <a:solidFill>
+                  <a:schemeClr val="tx1"/>
+                </a:solidFill>
+                <a:miter lim="800000"/>
+                <a:headEnd/>
+                <a:tailEnd/>
+              </a14:hiddenLine>
+            </a:ext>
+            <a:ext uri="{AF507438-7753-43E0-B8FC-AC1667EBCBE1}">
+              <a14:hiddenEffects xmlns:a14="http://schemas.microsoft.com/office/drawing/2010/main">
+                <a:effectLst>
+                  <a:outerShdw dist="35921" dir="2700000" algn="ctr" rotWithShape="0">
+                    <a:schemeClr val="bg2"/>
+                  </a:outerShdw>
+                </a:effectLst>
+              </a14:hiddenEffects>
+            </a:ext>
+          </a:extLst>
+        </p:spPr>
+        <p:txBody>
+          <a:bodyPr vert="horz" wrap="square" lIns="91440" tIns="45720" rIns="91440" bIns="45720" numCol="1" anchor="ctr" anchorCtr="0" compatLnSpc="1">
+            <a:prstTxWarp prst="textNoShape">
+              <a:avLst/>
+            </a:prstTxWarp>
+            <a:spAutoFit/>
+          </a:bodyPr>
+          <a:lstStyle/>
+          <a:p>
+            <a:endParaRPr lang="en-US"/>
+          </a:p>
+        </p:txBody>
+      </p:sp>
+      <p:sp>
+        <p:nvSpPr>
+          <p:cNvPr id="19" name="Rectangle 13">
+            <a:hlinkClick r:id="rId3" tooltip="Next (SHIFT+n)"/>
+            <a:extLst>
+              <a:ext uri="{FF2B5EF4-FFF2-40B4-BE49-F238E27FC236}">
+                <a16:creationId xmlns:a16="http://schemas.microsoft.com/office/drawing/2014/main" id="{E441ABD1-4629-43A1-A350-4BDCD5209807}"/>
+              </a:ext>
+            </a:extLst>
+          </p:cNvPr>
+          <p:cNvSpPr>
+            <a:spLocks noChangeArrowheads="1"/>
+          </p:cNvSpPr>
+          <p:nvPr/>
+        </p:nvSpPr>
+        <p:spPr bwMode="auto">
+          <a:xfrm>
+            <a:off x="152400" y="152400"/>
+            <a:ext cx="3819525" cy="0"/>
+          </a:xfrm>
+          <a:prstGeom prst="rect">
+            <a:avLst/>
+          </a:prstGeom>
+          <a:solidFill>
+            <a:srgbClr val="F9F9F9"/>
+          </a:solidFill>
+          <a:ln>
+            <a:noFill/>
+          </a:ln>
+          <a:effectLst/>
+          <a:extLst>
+            <a:ext uri="{91240B29-F687-4F45-9708-019B960494DF}">
+              <a14:hiddenLine xmlns:a14="http://schemas.microsoft.com/office/drawing/2010/main" w="9525">
+                <a:solidFill>
+                  <a:schemeClr val="tx1"/>
+                </a:solidFill>
+                <a:miter lim="800000"/>
+                <a:headEnd/>
+                <a:tailEnd/>
+              </a14:hiddenLine>
+            </a:ext>
+            <a:ext uri="{AF507438-7753-43E0-B8FC-AC1667EBCBE1}">
+              <a14:hiddenEffects xmlns:a14="http://schemas.microsoft.com/office/drawing/2010/main">
+                <a:effectLst>
+                  <a:outerShdw dist="35921" dir="2700000" algn="ctr" rotWithShape="0">
+                    <a:schemeClr val="bg2"/>
+                  </a:outerShdw>
+                </a:effectLst>
+              </a14:hiddenEffects>
+            </a:ext>
+          </a:extLst>
+        </p:spPr>
+        <p:txBody>
+          <a:bodyPr vert="horz" wrap="square" lIns="91440" tIns="45720" rIns="91440" bIns="45720" numCol="1" anchor="ctr" anchorCtr="0" compatLnSpc="1">
+            <a:prstTxWarp prst="textNoShape">
+              <a:avLst/>
+            </a:prstTxWarp>
+            <a:spAutoFit/>
+          </a:bodyPr>
+          <a:lstStyle/>
+          <a:p>
+            <a:endParaRPr lang="en-US"/>
+          </a:p>
+        </p:txBody>
+      </p:sp>
       <p:pic>
         <p:nvPicPr>
-          <p:cNvPr id="8" name="Picture 7">
+          <p:cNvPr id="25" name="Picture 24">
             <a:extLst>
               <a:ext uri="{FF2B5EF4-FFF2-40B4-BE49-F238E27FC236}">
-                <a16:creationId xmlns:a16="http://schemas.microsoft.com/office/drawing/2014/main" id="{45F7BC22-49DF-48C6-B6B5-28637D9AE1A3}"/>
+                <a16:creationId xmlns:a16="http://schemas.microsoft.com/office/drawing/2014/main" id="{9966AE01-0DB2-40B9-ACBB-BD2E6C9E343A}"/>
               </a:ext>
             </a:extLst>
           </p:cNvPr>
@@ -4988,15 +5761,15 @@
           <p:nvPr/>
         </p:nvPicPr>
         <p:blipFill>
-          <a:blip r:embed="rId2"/>
+          <a:blip r:embed="rId4"/>
           <a:stretch>
             <a:fillRect/>
           </a:stretch>
         </p:blipFill>
         <p:spPr>
           <a:xfrm>
-            <a:off x="2622272" y="2793404"/>
-            <a:ext cx="3048000" cy="2857500"/>
+            <a:off x="2615326" y="3176128"/>
+            <a:ext cx="4361656" cy="2023042"/>
           </a:xfrm>
           <a:prstGeom prst="rect">
             <a:avLst/>
@@ -5011,7 +5784,7 @@
     </p:spTree>
     <p:extLst>
       <p:ext uri="{BB962C8B-B14F-4D97-AF65-F5344CB8AC3E}">
-        <p14:creationId xmlns:p14="http://schemas.microsoft.com/office/powerpoint/2010/main" val="3663180903"/>
+        <p14:creationId xmlns:p14="http://schemas.microsoft.com/office/powerpoint/2010/main" val="4058583412"/>
       </p:ext>
     </p:extLst>
   </p:cSld>
@@ -5021,7 +5794,7 @@
 </p:sld>
 </file>
 
-<file path=ppt/slides/slide15.xml><?xml version="1.0" encoding="utf-8"?>
+<file path=ppt/slides/slide16.xml><?xml version="1.0" encoding="utf-8"?>
 <p:sld xmlns:a="http://schemas.openxmlformats.org/drawingml/2006/main" xmlns:r="http://schemas.openxmlformats.org/officeDocument/2006/relationships" xmlns:p="http://schemas.openxmlformats.org/presentationml/2006/main">
   <p:cSld>
     <p:spTree>
@@ -5093,7 +5866,7 @@
                   <a:srgbClr val="FFFF00"/>
                 </a:solidFill>
               </a:rPr>
-              <a:t>94.5 Run Jupyter Tensorflow</a:t>
+              <a:t>2.4 Install Tensorflow Environments</a:t>
             </a:r>
             <a:endParaRPr lang="zh-TW" altLang="en-US" b="1" dirty="0">
               <a:solidFill>
@@ -5115,8 +5888,8 @@
         </p:nvSpPr>
         <p:spPr>
           <a:xfrm>
-            <a:off x="426368" y="1418787"/>
-            <a:ext cx="8291263" cy="1074110"/>
+            <a:off x="426368" y="1418785"/>
+            <a:ext cx="8291263" cy="1729823"/>
           </a:xfrm>
           <a:ln>
             <a:solidFill>
@@ -5141,10 +5914,10 @@
             <a:r>
               <a:rPr lang="en-US" altLang="en-US" sz="1800" b="1" dirty="0">
                 <a:solidFill>
-                  <a:srgbClr val="29303B"/>
+                  <a:schemeClr val="tx1"/>
                 </a:solidFill>
               </a:rPr>
-              <a:t>Use Tensorflow 01</a:t>
+              <a:t>Install Tensorflow and Associated Environments</a:t>
             </a:r>
           </a:p>
           <a:p>
@@ -5157,28 +5930,12 @@
               <a:buChar char="u"/>
             </a:pPr>
             <a:r>
-              <a:rPr lang="en-US" sz="1800" b="1" dirty="0">
-                <a:solidFill>
-                  <a:srgbClr val="29303B"/>
+              <a:rPr lang="en-US" altLang="en-US" sz="1800" b="1" dirty="0">
+                <a:solidFill>
+                  <a:schemeClr val="tx1"/>
                 </a:solidFill>
               </a:rPr>
-              <a:t>We can see “</a:t>
-            </a:r>
-            <a:r>
-              <a:rPr lang="en-US" sz="1800" b="1" dirty="0" err="1">
-                <a:solidFill>
-                  <a:srgbClr val="29303B"/>
-                </a:solidFill>
-              </a:rPr>
-              <a:t>Tensorflw.ipynb</a:t>
-            </a:r>
-            <a:r>
-              <a:rPr lang="en-US" sz="1800" b="1" dirty="0">
-                <a:solidFill>
-                  <a:srgbClr val="29303B"/>
-                </a:solidFill>
-              </a:rPr>
-              <a:t>”</a:t>
+              <a:t>After tensroflow.yml installed, we have the following message:</a:t>
             </a:r>
           </a:p>
           <a:p>
@@ -5191,14 +5948,103 @@
               <a:buChar char="u"/>
             </a:pPr>
             <a:r>
-              <a:rPr lang="en-US" sz="1800" b="1" i="0" dirty="0">
-                <a:solidFill>
-                  <a:srgbClr val="29303B"/>
+              <a:rPr lang="en-US" altLang="en-US" sz="1800" b="1" dirty="0">
+                <a:solidFill>
+                  <a:schemeClr val="tx1"/>
+                </a:solidFill>
+              </a:rPr>
+              <a:t>Start anaconda prompt</a:t>
+            </a:r>
+          </a:p>
+          <a:p>
+            <a:pPr marL="342900" indent="-342900" algn="l">
+              <a:buClr>
+                <a:srgbClr val="0070C0"/>
+              </a:buClr>
+              <a:buSzPct val="80000"/>
+              <a:buFont typeface="Wingdings" pitchFamily="2" charset="2"/>
+              <a:buChar char="u"/>
+            </a:pPr>
+            <a:r>
+              <a:rPr lang="en-US" altLang="en-US" sz="1800" b="1" dirty="0">
+                <a:solidFill>
+                  <a:schemeClr val="tx1"/>
+                </a:solidFill>
+              </a:rPr>
+              <a:t>(base) </a:t>
+            </a:r>
+            <a:r>
+              <a:rPr kumimoji="0" lang="en-US" altLang="en-US" sz="1800" b="1" i="0" u="none" strike="noStrike" cap="none" normalizeH="0" baseline="0" dirty="0">
+                <a:ln>
+                  <a:noFill/>
+                </a:ln>
+                <a:solidFill>
+                  <a:schemeClr val="tx1"/>
                 </a:solidFill>
                 <a:effectLst/>
               </a:rPr>
-              <a:t>Double click to open</a:t>
-            </a:r>
+              <a:t>&gt; conda activate </a:t>
+            </a:r>
+            <a:r>
+              <a:rPr kumimoji="0" lang="en-US" altLang="en-US" sz="1800" b="1" i="0" u="none" strike="noStrike" cap="none" normalizeH="0" baseline="0" dirty="0" err="1">
+                <a:ln>
+                  <a:noFill/>
+                </a:ln>
+                <a:solidFill>
+                  <a:schemeClr val="tx1"/>
+                </a:solidFill>
+                <a:effectLst/>
+              </a:rPr>
+              <a:t>tensroflow</a:t>
+            </a:r>
+            <a:endParaRPr kumimoji="0" lang="en-US" altLang="en-US" sz="1800" b="1" i="0" u="none" strike="noStrike" cap="none" normalizeH="0" baseline="0" dirty="0">
+              <a:ln>
+                <a:noFill/>
+              </a:ln>
+              <a:solidFill>
+                <a:schemeClr val="tx1"/>
+              </a:solidFill>
+              <a:effectLst/>
+            </a:endParaRPr>
+          </a:p>
+          <a:p>
+            <a:pPr marL="342900" indent="-342900" algn="l">
+              <a:buClr>
+                <a:srgbClr val="0070C0"/>
+              </a:buClr>
+              <a:buSzPct val="80000"/>
+              <a:buFont typeface="Wingdings" pitchFamily="2" charset="2"/>
+              <a:buChar char="u"/>
+            </a:pPr>
+            <a:r>
+              <a:rPr kumimoji="0" lang="en-US" altLang="en-US" sz="1800" b="1" i="0" u="none" strike="noStrike" cap="none" normalizeH="0" baseline="0" dirty="0">
+                <a:ln>
+                  <a:noFill/>
+                </a:ln>
+                <a:solidFill>
+                  <a:schemeClr val="tx1"/>
+                </a:solidFill>
+                <a:effectLst/>
+              </a:rPr>
+              <a:t>(tensorflow</a:t>
+            </a:r>
+            <a:r>
+              <a:rPr lang="en-US" altLang="en-US" sz="1800" b="1" dirty="0">
+                <a:solidFill>
+                  <a:schemeClr val="tx1"/>
+                </a:solidFill>
+              </a:rPr>
+              <a:t>) &gt; conda deactivate</a:t>
+            </a:r>
+            <a:endParaRPr kumimoji="0" lang="en-US" altLang="en-US" sz="1800" b="1" i="0" u="none" strike="noStrike" cap="none" normalizeH="0" baseline="0" dirty="0">
+              <a:ln>
+                <a:noFill/>
+              </a:ln>
+              <a:solidFill>
+                <a:schemeClr val="tx1"/>
+              </a:solidFill>
+              <a:effectLst/>
+            </a:endParaRPr>
           </a:p>
         </p:txBody>
       </p:sp>
@@ -5324,18 +6170,212 @@
             <a:fld id="{E4D7E63D-91F2-4366-A2C4-1B00C9E2590E}" type="slidenum">
               <a:rPr lang="zh-TW" altLang="en-US" smtClean="0"/>
               <a:pPr/>
-              <a:t>15</a:t>
+              <a:t>16</a:t>
             </a:fld>
             <a:endParaRPr lang="zh-TW" altLang="en-US"/>
           </a:p>
         </p:txBody>
       </p:sp>
+      <p:sp>
+        <p:nvSpPr>
+          <p:cNvPr id="16" name="Rectangle 10">
+            <a:hlinkClick r:id="rId2"/>
+            <a:extLst>
+              <a:ext uri="{FF2B5EF4-FFF2-40B4-BE49-F238E27FC236}">
+                <a16:creationId xmlns:a16="http://schemas.microsoft.com/office/drawing/2014/main" id="{62B2A935-4165-4F58-9F94-8EBD01713D35}"/>
+              </a:ext>
+            </a:extLst>
+          </p:cNvPr>
+          <p:cNvSpPr>
+            <a:spLocks noChangeArrowheads="1"/>
+          </p:cNvSpPr>
+          <p:nvPr/>
+        </p:nvSpPr>
+        <p:spPr bwMode="auto">
+          <a:xfrm>
+            <a:off x="152400" y="152400"/>
+            <a:ext cx="3933825" cy="0"/>
+          </a:xfrm>
+          <a:prstGeom prst="rect">
+            <a:avLst/>
+          </a:prstGeom>
+          <a:solidFill>
+            <a:srgbClr val="F9F9F9"/>
+          </a:solidFill>
+          <a:ln>
+            <a:noFill/>
+          </a:ln>
+          <a:effectLst/>
+          <a:extLst>
+            <a:ext uri="{91240B29-F687-4F45-9708-019B960494DF}">
+              <a14:hiddenLine xmlns:a14="http://schemas.microsoft.com/office/drawing/2010/main" w="9525">
+                <a:solidFill>
+                  <a:schemeClr val="tx1"/>
+                </a:solidFill>
+                <a:miter lim="800000"/>
+                <a:headEnd/>
+                <a:tailEnd/>
+              </a14:hiddenLine>
+            </a:ext>
+            <a:ext uri="{AF507438-7753-43E0-B8FC-AC1667EBCBE1}">
+              <a14:hiddenEffects xmlns:a14="http://schemas.microsoft.com/office/drawing/2010/main">
+                <a:effectLst>
+                  <a:outerShdw dist="35921" dir="2700000" algn="ctr" rotWithShape="0">
+                    <a:schemeClr val="bg2"/>
+                  </a:outerShdw>
+                </a:effectLst>
+              </a14:hiddenEffects>
+            </a:ext>
+          </a:extLst>
+        </p:spPr>
+        <p:txBody>
+          <a:bodyPr vert="horz" wrap="square" lIns="91440" tIns="45720" rIns="91440" bIns="45720" numCol="1" anchor="ctr" anchorCtr="0" compatLnSpc="1">
+            <a:prstTxWarp prst="textNoShape">
+              <a:avLst/>
+            </a:prstTxWarp>
+            <a:spAutoFit/>
+          </a:bodyPr>
+          <a:lstStyle/>
+          <a:p>
+            <a:endParaRPr lang="en-US"/>
+          </a:p>
+        </p:txBody>
+      </p:sp>
+      <p:sp>
+        <p:nvSpPr>
+          <p:cNvPr id="17" name="Rectangle 11">
+            <a:extLst>
+              <a:ext uri="{FF2B5EF4-FFF2-40B4-BE49-F238E27FC236}">
+                <a16:creationId xmlns:a16="http://schemas.microsoft.com/office/drawing/2014/main" id="{F1807D9A-DC3A-4776-8ADF-C87633FC6B84}"/>
+              </a:ext>
+            </a:extLst>
+          </p:cNvPr>
+          <p:cNvSpPr>
+            <a:spLocks noChangeArrowheads="1"/>
+          </p:cNvSpPr>
+          <p:nvPr/>
+        </p:nvSpPr>
+        <p:spPr bwMode="auto">
+          <a:xfrm>
+            <a:off x="152400" y="152400"/>
+            <a:ext cx="9144000" cy="0"/>
+          </a:xfrm>
+          <a:prstGeom prst="rect">
+            <a:avLst/>
+          </a:prstGeom>
+          <a:solidFill>
+            <a:srgbClr val="F9F9F9"/>
+          </a:solidFill>
+          <a:ln>
+            <a:noFill/>
+          </a:ln>
+          <a:effectLst/>
+          <a:extLst>
+            <a:ext uri="{91240B29-F687-4F45-9708-019B960494DF}">
+              <a14:hiddenLine xmlns:a14="http://schemas.microsoft.com/office/drawing/2010/main" w="9525">
+                <a:solidFill>
+                  <a:schemeClr val="tx1"/>
+                </a:solidFill>
+                <a:miter lim="800000"/>
+                <a:headEnd/>
+                <a:tailEnd/>
+              </a14:hiddenLine>
+            </a:ext>
+            <a:ext uri="{AF507438-7753-43E0-B8FC-AC1667EBCBE1}">
+              <a14:hiddenEffects xmlns:a14="http://schemas.microsoft.com/office/drawing/2010/main">
+                <a:effectLst>
+                  <a:outerShdw dist="35921" dir="2700000" algn="ctr" rotWithShape="0">
+                    <a:schemeClr val="bg2"/>
+                  </a:outerShdw>
+                </a:effectLst>
+              </a14:hiddenEffects>
+            </a:ext>
+          </a:extLst>
+        </p:spPr>
+        <p:txBody>
+          <a:bodyPr vert="horz" wrap="square" lIns="91440" tIns="45720" rIns="91440" bIns="45720" numCol="1" anchor="ctr" anchorCtr="0" compatLnSpc="1">
+            <a:prstTxWarp prst="textNoShape">
+              <a:avLst/>
+            </a:prstTxWarp>
+            <a:spAutoFit/>
+          </a:bodyPr>
+          <a:lstStyle/>
+          <a:p>
+            <a:endParaRPr lang="en-US"/>
+          </a:p>
+        </p:txBody>
+      </p:sp>
+      <p:sp>
+        <p:nvSpPr>
+          <p:cNvPr id="19" name="Rectangle 13">
+            <a:hlinkClick r:id="rId3" tooltip="Next (SHIFT+n)"/>
+            <a:extLst>
+              <a:ext uri="{FF2B5EF4-FFF2-40B4-BE49-F238E27FC236}">
+                <a16:creationId xmlns:a16="http://schemas.microsoft.com/office/drawing/2014/main" id="{E441ABD1-4629-43A1-A350-4BDCD5209807}"/>
+              </a:ext>
+            </a:extLst>
+          </p:cNvPr>
+          <p:cNvSpPr>
+            <a:spLocks noChangeArrowheads="1"/>
+          </p:cNvSpPr>
+          <p:nvPr/>
+        </p:nvSpPr>
+        <p:spPr bwMode="auto">
+          <a:xfrm>
+            <a:off x="152400" y="152400"/>
+            <a:ext cx="3819525" cy="0"/>
+          </a:xfrm>
+          <a:prstGeom prst="rect">
+            <a:avLst/>
+          </a:prstGeom>
+          <a:solidFill>
+            <a:srgbClr val="F9F9F9"/>
+          </a:solidFill>
+          <a:ln>
+            <a:noFill/>
+          </a:ln>
+          <a:effectLst/>
+          <a:extLst>
+            <a:ext uri="{91240B29-F687-4F45-9708-019B960494DF}">
+              <a14:hiddenLine xmlns:a14="http://schemas.microsoft.com/office/drawing/2010/main" w="9525">
+                <a:solidFill>
+                  <a:schemeClr val="tx1"/>
+                </a:solidFill>
+                <a:miter lim="800000"/>
+                <a:headEnd/>
+                <a:tailEnd/>
+              </a14:hiddenLine>
+            </a:ext>
+            <a:ext uri="{AF507438-7753-43E0-B8FC-AC1667EBCBE1}">
+              <a14:hiddenEffects xmlns:a14="http://schemas.microsoft.com/office/drawing/2010/main">
+                <a:effectLst>
+                  <a:outerShdw dist="35921" dir="2700000" algn="ctr" rotWithShape="0">
+                    <a:schemeClr val="bg2"/>
+                  </a:outerShdw>
+                </a:effectLst>
+              </a14:hiddenEffects>
+            </a:ext>
+          </a:extLst>
+        </p:spPr>
+        <p:txBody>
+          <a:bodyPr vert="horz" wrap="square" lIns="91440" tIns="45720" rIns="91440" bIns="45720" numCol="1" anchor="ctr" anchorCtr="0" compatLnSpc="1">
+            <a:prstTxWarp prst="textNoShape">
+              <a:avLst/>
+            </a:prstTxWarp>
+            <a:spAutoFit/>
+          </a:bodyPr>
+          <a:lstStyle/>
+          <a:p>
+            <a:endParaRPr lang="en-US"/>
+          </a:p>
+        </p:txBody>
+      </p:sp>
       <p:pic>
         <p:nvPicPr>
-          <p:cNvPr id="9" name="Picture 8">
+          <p:cNvPr id="24" name="Picture 23">
             <a:extLst>
               <a:ext uri="{FF2B5EF4-FFF2-40B4-BE49-F238E27FC236}">
-                <a16:creationId xmlns:a16="http://schemas.microsoft.com/office/drawing/2014/main" id="{0DD582E9-2185-4283-9458-9585A2EE2540}"/>
+                <a16:creationId xmlns:a16="http://schemas.microsoft.com/office/drawing/2014/main" id="{C62A9996-771E-4763-9942-5268CE9B8960}"/>
               </a:ext>
             </a:extLst>
           </p:cNvPr>
@@ -5345,15 +6385,15 @@
           <p:nvPr/>
         </p:nvPicPr>
         <p:blipFill>
-          <a:blip r:embed="rId2"/>
+          <a:blip r:embed="rId4"/>
           <a:stretch>
             <a:fillRect/>
           </a:stretch>
         </p:blipFill>
         <p:spPr>
           <a:xfrm>
-            <a:off x="674104" y="2699611"/>
-            <a:ext cx="7795789" cy="3330986"/>
+            <a:off x="1952624" y="3429000"/>
+            <a:ext cx="3706763" cy="1729823"/>
           </a:xfrm>
           <a:prstGeom prst="rect">
             <a:avLst/>
@@ -5368,186 +6408,7 @@
     </p:spTree>
     <p:extLst>
       <p:ext uri="{BB962C8B-B14F-4D97-AF65-F5344CB8AC3E}">
-        <p14:creationId xmlns:p14="http://schemas.microsoft.com/office/powerpoint/2010/main" val="3857927933"/>
-      </p:ext>
-    </p:extLst>
-  </p:cSld>
-  <p:clrMapOvr>
-    <a:masterClrMapping/>
-  </p:clrMapOvr>
-</p:sld>
-</file>
-
-<file path=ppt/slides/slide16.xml><?xml version="1.0" encoding="utf-8"?>
-<p:sld xmlns:a="http://schemas.openxmlformats.org/drawingml/2006/main" xmlns:r="http://schemas.openxmlformats.org/officeDocument/2006/relationships" xmlns:p="http://schemas.openxmlformats.org/presentationml/2006/main">
-  <p:cSld>
-    <p:spTree>
-      <p:nvGrpSpPr>
-        <p:cNvPr id="1" name=""/>
-        <p:cNvGrpSpPr/>
-        <p:nvPr/>
-      </p:nvGrpSpPr>
-      <p:grpSpPr>
-        <a:xfrm>
-          <a:off x="0" y="0"/>
-          <a:ext cx="0" cy="0"/>
-          <a:chOff x="0" y="0"/>
-          <a:chExt cx="0" cy="0"/>
-        </a:xfrm>
-      </p:grpSpPr>
-      <p:sp>
-        <p:nvSpPr>
-          <p:cNvPr id="2" name="標題 1"/>
-          <p:cNvSpPr>
-            <a:spLocks noGrp="1"/>
-          </p:cNvSpPr>
-          <p:nvPr>
-            <p:ph type="ctrTitle"/>
-          </p:nvPr>
-        </p:nvSpPr>
-        <p:spPr>
-          <a:xfrm>
-            <a:off x="0" y="2130425"/>
-            <a:ext cx="9144000" cy="1470025"/>
-          </a:xfrm>
-          <a:solidFill>
-            <a:srgbClr val="00B0F0"/>
-          </a:solidFill>
-        </p:spPr>
-        <p:txBody>
-          <a:bodyPr>
-            <a:normAutofit/>
-          </a:bodyPr>
-          <a:lstStyle/>
-          <a:p>
-            <a:r>
-              <a:rPr lang="en-US" altLang="zh-TW" sz="4800" b="1" dirty="0">
-                <a:solidFill>
-                  <a:srgbClr val="FFFF00"/>
-                </a:solidFill>
-              </a:rPr>
-              <a:t>94.6 Run Python Tensorflow</a:t>
-            </a:r>
-            <a:endParaRPr lang="zh-TW" altLang="en-US" sz="4800" b="1" dirty="0">
-              <a:solidFill>
-                <a:srgbClr val="FFFF00"/>
-              </a:solidFill>
-            </a:endParaRPr>
-          </a:p>
-        </p:txBody>
-      </p:sp>
-      <p:sp>
-        <p:nvSpPr>
-          <p:cNvPr id="3" name="副標題 2"/>
-          <p:cNvSpPr>
-            <a:spLocks noGrp="1"/>
-          </p:cNvSpPr>
-          <p:nvPr>
-            <p:ph type="subTitle" idx="1"/>
-          </p:nvPr>
-        </p:nvSpPr>
-        <p:spPr>
-          <a:xfrm>
-            <a:off x="1259632" y="4581128"/>
-            <a:ext cx="6400800" cy="694928"/>
-          </a:xfrm>
-        </p:spPr>
-        <p:txBody>
-          <a:bodyPr>
-            <a:normAutofit/>
-          </a:bodyPr>
-          <a:lstStyle/>
-          <a:p>
-            <a:r>
-              <a:rPr lang="en-US" altLang="zh-TW"/>
-              <a:t>Peter H. Chen</a:t>
-            </a:r>
-            <a:endParaRPr lang="zh-TW" altLang="en-US"/>
-          </a:p>
-        </p:txBody>
-      </p:sp>
-      <p:sp>
-        <p:nvSpPr>
-          <p:cNvPr id="5" name="日期版面配置區 4"/>
-          <p:cNvSpPr>
-            <a:spLocks noGrp="1"/>
-          </p:cNvSpPr>
-          <p:nvPr>
-            <p:ph type="dt" sz="half" idx="10"/>
-          </p:nvPr>
-        </p:nvSpPr>
-        <p:spPr/>
-        <p:txBody>
-          <a:bodyPr/>
-          <a:lstStyle/>
-          <a:p>
-            <a:fld id="{C389EDC9-19E3-47AC-9C57-C6A24DEA81AD}" type="datetime1">
-              <a:rPr lang="zh-TW" altLang="en-US" smtClean="0"/>
-              <a:pPr/>
-              <a:t>2020/9/24</a:t>
-            </a:fld>
-            <a:endParaRPr lang="zh-TW" altLang="en-US"/>
-          </a:p>
-        </p:txBody>
-      </p:sp>
-      <p:sp>
-        <p:nvSpPr>
-          <p:cNvPr id="6" name="投影片編號版面配置區 5"/>
-          <p:cNvSpPr>
-            <a:spLocks noGrp="1"/>
-          </p:cNvSpPr>
-          <p:nvPr>
-            <p:ph type="sldNum" sz="quarter" idx="12"/>
-          </p:nvPr>
-        </p:nvSpPr>
-        <p:spPr/>
-        <p:txBody>
-          <a:bodyPr/>
-          <a:lstStyle/>
-          <a:p>
-            <a:fld id="{E4D7E63D-91F2-4366-A2C4-1B00C9E2590E}" type="slidenum">
-              <a:rPr lang="zh-TW" altLang="en-US" smtClean="0"/>
-              <a:pPr/>
-              <a:t>16</a:t>
-            </a:fld>
-            <a:endParaRPr lang="zh-TW" altLang="en-US"/>
-          </a:p>
-        </p:txBody>
-      </p:sp>
-      <p:pic>
-        <p:nvPicPr>
-          <p:cNvPr id="7" name="Picture 6">
-            <a:extLst>
-              <a:ext uri="{FF2B5EF4-FFF2-40B4-BE49-F238E27FC236}">
-                <a16:creationId xmlns:a16="http://schemas.microsoft.com/office/drawing/2014/main" id="{1BE488C5-DA27-405E-9F7E-A4EF5DF95762}"/>
-              </a:ext>
-            </a:extLst>
-          </p:cNvPr>
-          <p:cNvPicPr>
-            <a:picLocks noChangeAspect="1"/>
-          </p:cNvPicPr>
-          <p:nvPr/>
-        </p:nvPicPr>
-        <p:blipFill>
-          <a:blip r:embed="rId2"/>
-          <a:stretch>
-            <a:fillRect/>
-          </a:stretch>
-        </p:blipFill>
-        <p:spPr>
-          <a:xfrm>
-            <a:off x="3923928" y="3695964"/>
-            <a:ext cx="1004960" cy="885164"/>
-          </a:xfrm>
-          <a:prstGeom prst="rect">
-            <a:avLst/>
-          </a:prstGeom>
-        </p:spPr>
-      </p:pic>
-    </p:spTree>
-    <p:extLst>
-      <p:ext uri="{BB962C8B-B14F-4D97-AF65-F5344CB8AC3E}">
-        <p14:creationId xmlns:p14="http://schemas.microsoft.com/office/powerpoint/2010/main" val="1773814922"/>
+        <p14:creationId xmlns:p14="http://schemas.microsoft.com/office/powerpoint/2010/main" val="1105509270"/>
       </p:ext>
     </p:extLst>
   </p:cSld>
@@ -5586,6 +6447,155 @@
         </p:nvSpPr>
         <p:spPr>
           <a:xfrm>
+            <a:off x="0" y="2130425"/>
+            <a:ext cx="9144000" cy="1470025"/>
+          </a:xfrm>
+          <a:solidFill>
+            <a:srgbClr val="00B0F0"/>
+          </a:solidFill>
+        </p:spPr>
+        <p:txBody>
+          <a:bodyPr>
+            <a:normAutofit/>
+          </a:bodyPr>
+          <a:lstStyle/>
+          <a:p>
+            <a:r>
+              <a:rPr lang="en-US" altLang="zh-TW" sz="4800" b="1" dirty="0">
+                <a:solidFill>
+                  <a:srgbClr val="FFFF00"/>
+                </a:solidFill>
+              </a:rPr>
+              <a:t>2.5 Start Tensorflow Environments</a:t>
+            </a:r>
+            <a:endParaRPr lang="zh-TW" altLang="en-US" sz="4800" b="1" dirty="0">
+              <a:solidFill>
+                <a:srgbClr val="FFFF00"/>
+              </a:solidFill>
+            </a:endParaRPr>
+          </a:p>
+        </p:txBody>
+      </p:sp>
+      <p:sp>
+        <p:nvSpPr>
+          <p:cNvPr id="5" name="日期版面配置區 4"/>
+          <p:cNvSpPr>
+            <a:spLocks noGrp="1"/>
+          </p:cNvSpPr>
+          <p:nvPr>
+            <p:ph type="dt" sz="half" idx="10"/>
+          </p:nvPr>
+        </p:nvSpPr>
+        <p:spPr/>
+        <p:txBody>
+          <a:bodyPr/>
+          <a:lstStyle/>
+          <a:p>
+            <a:fld id="{C389EDC9-19E3-47AC-9C57-C6A24DEA81AD}" type="datetime1">
+              <a:rPr lang="zh-TW" altLang="en-US" smtClean="0"/>
+              <a:pPr/>
+              <a:t>2020/9/24</a:t>
+            </a:fld>
+            <a:endParaRPr lang="zh-TW" altLang="en-US"/>
+          </a:p>
+        </p:txBody>
+      </p:sp>
+      <p:sp>
+        <p:nvSpPr>
+          <p:cNvPr id="6" name="投影片編號版面配置區 5"/>
+          <p:cNvSpPr>
+            <a:spLocks noGrp="1"/>
+          </p:cNvSpPr>
+          <p:nvPr>
+            <p:ph type="sldNum" sz="quarter" idx="12"/>
+          </p:nvPr>
+        </p:nvSpPr>
+        <p:spPr/>
+        <p:txBody>
+          <a:bodyPr/>
+          <a:lstStyle/>
+          <a:p>
+            <a:fld id="{E4D7E63D-91F2-4366-A2C4-1B00C9E2590E}" type="slidenum">
+              <a:rPr lang="zh-TW" altLang="en-US" smtClean="0"/>
+              <a:pPr/>
+              <a:t>17</a:t>
+            </a:fld>
+            <a:endParaRPr lang="zh-TW" altLang="en-US"/>
+          </a:p>
+        </p:txBody>
+      </p:sp>
+      <p:pic>
+        <p:nvPicPr>
+          <p:cNvPr id="7" name="Picture 6">
+            <a:extLst>
+              <a:ext uri="{FF2B5EF4-FFF2-40B4-BE49-F238E27FC236}">
+                <a16:creationId xmlns:a16="http://schemas.microsoft.com/office/drawing/2014/main" id="{1BE488C5-DA27-405E-9F7E-A4EF5DF95762}"/>
+              </a:ext>
+            </a:extLst>
+          </p:cNvPr>
+          <p:cNvPicPr>
+            <a:picLocks noChangeAspect="1"/>
+          </p:cNvPicPr>
+          <p:nvPr/>
+        </p:nvPicPr>
+        <p:blipFill>
+          <a:blip r:embed="rId2"/>
+          <a:stretch>
+            <a:fillRect/>
+          </a:stretch>
+        </p:blipFill>
+        <p:spPr>
+          <a:xfrm>
+            <a:off x="3923928" y="3695964"/>
+            <a:ext cx="1004960" cy="885164"/>
+          </a:xfrm>
+          <a:prstGeom prst="rect">
+            <a:avLst/>
+          </a:prstGeom>
+        </p:spPr>
+      </p:pic>
+    </p:spTree>
+    <p:extLst>
+      <p:ext uri="{BB962C8B-B14F-4D97-AF65-F5344CB8AC3E}">
+        <p14:creationId xmlns:p14="http://schemas.microsoft.com/office/powerpoint/2010/main" val="2361024071"/>
+      </p:ext>
+    </p:extLst>
+  </p:cSld>
+  <p:clrMapOvr>
+    <a:masterClrMapping/>
+  </p:clrMapOvr>
+</p:sld>
+</file>
+
+<file path=ppt/slides/slide18.xml><?xml version="1.0" encoding="utf-8"?>
+<p:sld xmlns:a="http://schemas.openxmlformats.org/drawingml/2006/main" xmlns:r="http://schemas.openxmlformats.org/officeDocument/2006/relationships" xmlns:p="http://schemas.openxmlformats.org/presentationml/2006/main">
+  <p:cSld>
+    <p:spTree>
+      <p:nvGrpSpPr>
+        <p:cNvPr id="1" name=""/>
+        <p:cNvGrpSpPr/>
+        <p:nvPr/>
+      </p:nvGrpSpPr>
+      <p:grpSpPr>
+        <a:xfrm>
+          <a:off x="0" y="0"/>
+          <a:ext cx="0" cy="0"/>
+          <a:chOff x="0" y="0"/>
+          <a:chExt cx="0" cy="0"/>
+        </a:xfrm>
+      </p:grpSpPr>
+      <p:sp>
+        <p:nvSpPr>
+          <p:cNvPr id="2" name="標題 1"/>
+          <p:cNvSpPr>
+            <a:spLocks noGrp="1"/>
+          </p:cNvSpPr>
+          <p:nvPr>
+            <p:ph type="ctrTitle"/>
+          </p:nvPr>
+        </p:nvSpPr>
+        <p:spPr>
+          <a:xfrm>
             <a:off x="0" y="0"/>
             <a:ext cx="9144000" cy="764704"/>
           </a:xfrm>
@@ -5629,7 +6639,7 @@
                   <a:srgbClr val="FFFF00"/>
                 </a:solidFill>
               </a:rPr>
-              <a:t>94.6 Run Python Tensorflow</a:t>
+              <a:t>2.5 Start Tensorflow Environments</a:t>
             </a:r>
             <a:endParaRPr lang="zh-TW" altLang="en-US" b="1" dirty="0">
               <a:solidFill>
@@ -5651,8 +6661,8 @@
         </p:nvSpPr>
         <p:spPr>
           <a:xfrm>
-            <a:off x="395537" y="1418787"/>
-            <a:ext cx="3528391" cy="1074109"/>
+            <a:off x="426368" y="1418787"/>
+            <a:ext cx="8291263" cy="1262752"/>
           </a:xfrm>
           <a:ln>
             <a:solidFill>
@@ -5680,7 +6690,7 @@
                   <a:srgbClr val="29303B"/>
                 </a:solidFill>
               </a:rPr>
-              <a:t>Run Python Tensorflow</a:t>
+              <a:t>Start Tensorflow Environments</a:t>
             </a:r>
           </a:p>
           <a:p>
@@ -5693,12 +6703,12 @@
               <a:buChar char="u"/>
             </a:pPr>
             <a:r>
-              <a:rPr lang="en-US" altLang="en-US" sz="1800" b="1" dirty="0">
+              <a:rPr lang="en-US" sz="1800" b="1" dirty="0">
                 <a:solidFill>
                   <a:srgbClr val="29303B"/>
                 </a:solidFill>
               </a:rPr>
-              <a:t>Under window 10</a:t>
+              <a:t>start anaconda prompt</a:t>
             </a:r>
           </a:p>
           <a:p>
@@ -5711,12 +6721,13 @@
               <a:buChar char="u"/>
             </a:pPr>
             <a:r>
-              <a:rPr lang="en-US" altLang="en-US" sz="1800" b="1" dirty="0">
+              <a:rPr lang="en-US" sz="1800" b="1" i="0" dirty="0">
                 <a:solidFill>
                   <a:srgbClr val="29303B"/>
                 </a:solidFill>
+                <a:effectLst/>
               </a:rPr>
-              <a:t>Search “anaconda”</a:t>
+              <a:t>&gt; conda activate tensorflow</a:t>
             </a:r>
           </a:p>
           <a:p>
@@ -5728,10 +6739,35 @@
               <a:buFont typeface="Wingdings" pitchFamily="2" charset="2"/>
               <a:buChar char="u"/>
             </a:pPr>
-            <a:endParaRPr lang="en-US" altLang="en-US" sz="1800" b="1" dirty="0">
+            <a:r>
+              <a:rPr lang="en-US" sz="1800" b="1" dirty="0">
+                <a:solidFill>
+                  <a:srgbClr val="29303B"/>
+                </a:solidFill>
+              </a:rPr>
+              <a:t>&gt; </a:t>
+            </a:r>
+            <a:r>
+              <a:rPr lang="en-US" sz="1800" b="1">
+                <a:solidFill>
+                  <a:srgbClr val="29303B"/>
+                </a:solidFill>
+              </a:rPr>
+              <a:t>cd [work-folder</a:t>
+            </a:r>
+            <a:r>
+              <a:rPr lang="en-US" sz="1800" b="1" dirty="0">
+                <a:solidFill>
+                  <a:srgbClr val="29303B"/>
+                </a:solidFill>
+              </a:rPr>
+              <a:t>]</a:t>
+            </a:r>
+            <a:endParaRPr lang="en-US" sz="1800" b="1" i="0" dirty="0">
               <a:solidFill>
                 <a:srgbClr val="29303B"/>
               </a:solidFill>
+              <a:effectLst/>
             </a:endParaRPr>
           </a:p>
         </p:txBody>
@@ -5858,7 +6894,7 @@
             <a:fld id="{E4D7E63D-91F2-4366-A2C4-1B00C9E2590E}" type="slidenum">
               <a:rPr lang="zh-TW" altLang="en-US" smtClean="0"/>
               <a:pPr/>
-              <a:t>17</a:t>
+              <a:t>18</a:t>
             </a:fld>
             <a:endParaRPr lang="zh-TW" altLang="en-US"/>
           </a:p>
@@ -5869,7 +6905,7 @@
           <p:cNvPr id="7" name="Picture 6">
             <a:extLst>
               <a:ext uri="{FF2B5EF4-FFF2-40B4-BE49-F238E27FC236}">
-                <a16:creationId xmlns:a16="http://schemas.microsoft.com/office/drawing/2014/main" id="{9EDFE498-C60C-4AE0-923B-2A325791B65C}"/>
+                <a16:creationId xmlns:a16="http://schemas.microsoft.com/office/drawing/2014/main" id="{B97497C3-3299-4B3F-B61A-7D525C18DEDF}"/>
               </a:ext>
             </a:extLst>
           </p:cNvPr>
@@ -5886,8 +6922,8 @@
         </p:blipFill>
         <p:spPr>
           <a:xfrm>
-            <a:off x="4683678" y="1295870"/>
-            <a:ext cx="2908610" cy="5429405"/>
+            <a:off x="611560" y="2862555"/>
+            <a:ext cx="2133600" cy="3676357"/>
           </a:xfrm>
           <a:prstGeom prst="rect">
             <a:avLst/>
@@ -5899,10 +6935,45 @@
           </a:ln>
         </p:spPr>
       </p:pic>
+      <p:pic>
+        <p:nvPicPr>
+          <p:cNvPr id="9" name="Picture 8">
+            <a:extLst>
+              <a:ext uri="{FF2B5EF4-FFF2-40B4-BE49-F238E27FC236}">
+                <a16:creationId xmlns:a16="http://schemas.microsoft.com/office/drawing/2014/main" id="{73274987-F3AF-4F4B-A34C-C670E5484275}"/>
+              </a:ext>
+            </a:extLst>
+          </p:cNvPr>
+          <p:cNvPicPr>
+            <a:picLocks noChangeAspect="1"/>
+          </p:cNvPicPr>
+          <p:nvPr/>
+        </p:nvPicPr>
+        <p:blipFill>
+          <a:blip r:embed="rId3"/>
+          <a:stretch>
+            <a:fillRect/>
+          </a:stretch>
+        </p:blipFill>
+        <p:spPr>
+          <a:xfrm>
+            <a:off x="2483768" y="3340374"/>
+            <a:ext cx="6469267" cy="1262751"/>
+          </a:xfrm>
+          <a:prstGeom prst="rect">
+            <a:avLst/>
+          </a:prstGeom>
+          <a:ln>
+            <a:solidFill>
+              <a:srgbClr val="C00000"/>
+            </a:solidFill>
+          </a:ln>
+        </p:spPr>
+      </p:pic>
     </p:spTree>
     <p:extLst>
       <p:ext uri="{BB962C8B-B14F-4D97-AF65-F5344CB8AC3E}">
-        <p14:creationId xmlns:p14="http://schemas.microsoft.com/office/powerpoint/2010/main" val="2775507659"/>
+        <p14:creationId xmlns:p14="http://schemas.microsoft.com/office/powerpoint/2010/main" val="1264361562"/>
       </p:ext>
     </p:extLst>
   </p:cSld>
@@ -5912,7 +6983,156 @@
 </p:sld>
 </file>
 
-<file path=ppt/slides/slide18.xml><?xml version="1.0" encoding="utf-8"?>
+<file path=ppt/slides/slide19.xml><?xml version="1.0" encoding="utf-8"?>
+<p:sld xmlns:a="http://schemas.openxmlformats.org/drawingml/2006/main" xmlns:r="http://schemas.openxmlformats.org/officeDocument/2006/relationships" xmlns:p="http://schemas.openxmlformats.org/presentationml/2006/main">
+  <p:cSld>
+    <p:spTree>
+      <p:nvGrpSpPr>
+        <p:cNvPr id="1" name=""/>
+        <p:cNvGrpSpPr/>
+        <p:nvPr/>
+      </p:nvGrpSpPr>
+      <p:grpSpPr>
+        <a:xfrm>
+          <a:off x="0" y="0"/>
+          <a:ext cx="0" cy="0"/>
+          <a:chOff x="0" y="0"/>
+          <a:chExt cx="0" cy="0"/>
+        </a:xfrm>
+      </p:grpSpPr>
+      <p:sp>
+        <p:nvSpPr>
+          <p:cNvPr id="2" name="標題 1"/>
+          <p:cNvSpPr>
+            <a:spLocks noGrp="1"/>
+          </p:cNvSpPr>
+          <p:nvPr>
+            <p:ph type="ctrTitle"/>
+          </p:nvPr>
+        </p:nvSpPr>
+        <p:spPr>
+          <a:xfrm>
+            <a:off x="0" y="2130425"/>
+            <a:ext cx="9144000" cy="1470025"/>
+          </a:xfrm>
+          <a:solidFill>
+            <a:srgbClr val="00B0F0"/>
+          </a:solidFill>
+        </p:spPr>
+        <p:txBody>
+          <a:bodyPr>
+            <a:normAutofit/>
+          </a:bodyPr>
+          <a:lstStyle/>
+          <a:p>
+            <a:r>
+              <a:rPr lang="en-US" altLang="zh-TW" sz="4800" b="1" dirty="0">
+                <a:solidFill>
+                  <a:srgbClr val="FFFF00"/>
+                </a:solidFill>
+              </a:rPr>
+              <a:t>2.6 Run Jupyter Tensorflow</a:t>
+            </a:r>
+            <a:endParaRPr lang="zh-TW" altLang="en-US" sz="4800" b="1" dirty="0">
+              <a:solidFill>
+                <a:srgbClr val="FFFF00"/>
+              </a:solidFill>
+            </a:endParaRPr>
+          </a:p>
+        </p:txBody>
+      </p:sp>
+      <p:sp>
+        <p:nvSpPr>
+          <p:cNvPr id="5" name="日期版面配置區 4"/>
+          <p:cNvSpPr>
+            <a:spLocks noGrp="1"/>
+          </p:cNvSpPr>
+          <p:nvPr>
+            <p:ph type="dt" sz="half" idx="10"/>
+          </p:nvPr>
+        </p:nvSpPr>
+        <p:spPr/>
+        <p:txBody>
+          <a:bodyPr/>
+          <a:lstStyle/>
+          <a:p>
+            <a:fld id="{C389EDC9-19E3-47AC-9C57-C6A24DEA81AD}" type="datetime1">
+              <a:rPr lang="zh-TW" altLang="en-US" smtClean="0"/>
+              <a:pPr/>
+              <a:t>2020/9/24</a:t>
+            </a:fld>
+            <a:endParaRPr lang="zh-TW" altLang="en-US"/>
+          </a:p>
+        </p:txBody>
+      </p:sp>
+      <p:sp>
+        <p:nvSpPr>
+          <p:cNvPr id="6" name="投影片編號版面配置區 5"/>
+          <p:cNvSpPr>
+            <a:spLocks noGrp="1"/>
+          </p:cNvSpPr>
+          <p:nvPr>
+            <p:ph type="sldNum" sz="quarter" idx="12"/>
+          </p:nvPr>
+        </p:nvSpPr>
+        <p:spPr/>
+        <p:txBody>
+          <a:bodyPr/>
+          <a:lstStyle/>
+          <a:p>
+            <a:fld id="{E4D7E63D-91F2-4366-A2C4-1B00C9E2590E}" type="slidenum">
+              <a:rPr lang="zh-TW" altLang="en-US" smtClean="0"/>
+              <a:pPr/>
+              <a:t>19</a:t>
+            </a:fld>
+            <a:endParaRPr lang="zh-TW" altLang="en-US"/>
+          </a:p>
+        </p:txBody>
+      </p:sp>
+      <p:pic>
+        <p:nvPicPr>
+          <p:cNvPr id="7" name="Picture 6">
+            <a:extLst>
+              <a:ext uri="{FF2B5EF4-FFF2-40B4-BE49-F238E27FC236}">
+                <a16:creationId xmlns:a16="http://schemas.microsoft.com/office/drawing/2014/main" id="{1BE488C5-DA27-405E-9F7E-A4EF5DF95762}"/>
+              </a:ext>
+            </a:extLst>
+          </p:cNvPr>
+          <p:cNvPicPr>
+            <a:picLocks noChangeAspect="1"/>
+          </p:cNvPicPr>
+          <p:nvPr/>
+        </p:nvPicPr>
+        <p:blipFill>
+          <a:blip r:embed="rId2"/>
+          <a:stretch>
+            <a:fillRect/>
+          </a:stretch>
+        </p:blipFill>
+        <p:spPr>
+          <a:xfrm>
+            <a:off x="3923928" y="3695964"/>
+            <a:ext cx="1004960" cy="885164"/>
+          </a:xfrm>
+          <a:prstGeom prst="rect">
+            <a:avLst/>
+          </a:prstGeom>
+        </p:spPr>
+      </p:pic>
+    </p:spTree>
+    <p:extLst>
+      <p:ext uri="{BB962C8B-B14F-4D97-AF65-F5344CB8AC3E}">
+        <p14:creationId xmlns:p14="http://schemas.microsoft.com/office/powerpoint/2010/main" val="2574770360"/>
+      </p:ext>
+    </p:extLst>
+  </p:cSld>
+  <p:clrMapOvr>
+    <a:masterClrMapping/>
+  </p:clrMapOvr>
+</p:sld>
+</file>
+
+<file path=ppt/slides/slide2.xml><?xml version="1.0" encoding="utf-8"?>
 <p:sld xmlns:a="http://schemas.openxmlformats.org/drawingml/2006/main" xmlns:r="http://schemas.openxmlformats.org/officeDocument/2006/relationships" xmlns:p="http://schemas.openxmlformats.org/presentationml/2006/main">
   <p:cSld>
     <p:spTree>
@@ -5984,7 +7204,7 @@
                   <a:srgbClr val="FFFF00"/>
                 </a:solidFill>
               </a:rPr>
-              <a:t>94.6 Run Python Tensorflow</a:t>
+              <a:t>2 Install TensorFlow</a:t>
             </a:r>
             <a:endParaRPr lang="zh-TW" altLang="en-US" b="1" dirty="0">
               <a:solidFill>
@@ -6006,8 +7226,8 @@
         </p:nvSpPr>
         <p:spPr>
           <a:xfrm>
-            <a:off x="395537" y="1418787"/>
-            <a:ext cx="8424935" cy="1650173"/>
+            <a:off x="426368" y="1418786"/>
+            <a:ext cx="8291263" cy="4026438"/>
           </a:xfrm>
           <a:ln>
             <a:solidFill>
@@ -6035,7 +7255,7 @@
                   <a:srgbClr val="29303B"/>
                 </a:solidFill>
               </a:rPr>
-              <a:t>Run Python Tensorflow</a:t>
+              <a:t>Install Tensorflow</a:t>
             </a:r>
           </a:p>
           <a:p>
@@ -6053,7 +7273,7 @@
                   <a:srgbClr val="29303B"/>
                 </a:solidFill>
               </a:rPr>
-              <a:t>Activate TensorFlow environment</a:t>
+              <a:t>Under the Windows 10 (Linux or MacOS), Tensorflow 2.0 has dependencies for Anaconda 3, Python 3, and numpy, scikit-learn (formal name is SciKits  or SciPy Toolkit), and associated frameworks. </a:t>
             </a:r>
           </a:p>
           <a:p>
@@ -6071,7 +7291,7 @@
                   <a:srgbClr val="29303B"/>
                 </a:solidFill>
               </a:rPr>
-              <a:t>(base) &gt; conda activate tensorflow</a:t>
+              <a:t>After environment update for many years, it is very difficult to fix with tons of error messages.</a:t>
             </a:r>
           </a:p>
           <a:p>
@@ -6089,7 +7309,7 @@
                   <a:srgbClr val="29303B"/>
                 </a:solidFill>
               </a:rPr>
-              <a:t>(tensorflow) &gt; cd [work folder]</a:t>
+              <a:t>It is easier to install a clean system with Python and associated Tensorflow dependencies. </a:t>
             </a:r>
           </a:p>
           <a:p>
@@ -6107,8 +7327,92 @@
                   <a:srgbClr val="29303B"/>
                 </a:solidFill>
               </a:rPr>
-              <a:t>(tensorflow) &gt; [work folder] &gt; python 01_tnesorflow_01.py </a:t>
-            </a:r>
+              <a:t>Jeff Heaton provides the video and yaml file tensorflow.yml.</a:t>
+            </a:r>
+          </a:p>
+          <a:p>
+            <a:pPr marL="342900" indent="-342900" algn="l">
+              <a:buClr>
+                <a:srgbClr val="0070C0"/>
+              </a:buClr>
+              <a:buSzPct val="80000"/>
+              <a:buFont typeface="Wingdings" pitchFamily="2" charset="2"/>
+              <a:buChar char="u"/>
+            </a:pPr>
+            <a:r>
+              <a:rPr lang="en-US" altLang="en-US" sz="1800" b="1" dirty="0">
+                <a:solidFill>
+                  <a:srgbClr val="29303B"/>
+                </a:solidFill>
+              </a:rPr>
+              <a:t>YouTube video:</a:t>
+            </a:r>
+          </a:p>
+          <a:p>
+            <a:pPr marL="342900" indent="-342900" algn="l">
+              <a:buClr>
+                <a:srgbClr val="0070C0"/>
+              </a:buClr>
+              <a:buSzPct val="80000"/>
+              <a:buFont typeface="Wingdings" pitchFamily="2" charset="2"/>
+              <a:buChar char="u"/>
+            </a:pPr>
+            <a:r>
+              <a:rPr lang="en-US" altLang="en-US" sz="1800" b="1" dirty="0">
+                <a:solidFill>
+                  <a:srgbClr val="29303B"/>
+                </a:solidFill>
+                <a:hlinkClick r:id="rId2"/>
+              </a:rPr>
+              <a:t>https://www.youtube.com/watch?v=RgO8BBNGB8w&amp;t=376s</a:t>
+            </a:r>
+            <a:endParaRPr lang="en-US" altLang="en-US" sz="1800" b="1" dirty="0">
+              <a:solidFill>
+                <a:srgbClr val="29303B"/>
+              </a:solidFill>
+            </a:endParaRPr>
+          </a:p>
+          <a:p>
+            <a:pPr marL="342900" indent="-342900" algn="l">
+              <a:buClr>
+                <a:srgbClr val="0070C0"/>
+              </a:buClr>
+              <a:buSzPct val="80000"/>
+              <a:buFont typeface="Wingdings" pitchFamily="2" charset="2"/>
+              <a:buChar char="u"/>
+            </a:pPr>
+            <a:r>
+              <a:rPr lang="en-US" altLang="en-US" sz="1800" b="1" dirty="0">
+                <a:solidFill>
+                  <a:srgbClr val="29303B"/>
+                </a:solidFill>
+              </a:rPr>
+              <a:t>Jeff Heaton GitHub:</a:t>
+            </a:r>
+          </a:p>
+          <a:p>
+            <a:pPr marL="342900" indent="-342900" algn="l">
+              <a:buClr>
+                <a:srgbClr val="0070C0"/>
+              </a:buClr>
+              <a:buSzPct val="80000"/>
+              <a:buFont typeface="Wingdings" pitchFamily="2" charset="2"/>
+              <a:buChar char="u"/>
+            </a:pPr>
+            <a:r>
+              <a:rPr lang="en-US" altLang="en-US" sz="1800" b="1" dirty="0">
+                <a:solidFill>
+                  <a:srgbClr val="29303B"/>
+                </a:solidFill>
+                <a:hlinkClick r:id="rId3"/>
+              </a:rPr>
+              <a:t>https://github.com/jeffheaton/t81_558_deep_learning</a:t>
+            </a:r>
+            <a:endParaRPr lang="en-US" altLang="en-US" sz="1800" b="1" dirty="0">
+              <a:solidFill>
+                <a:srgbClr val="29303B"/>
+              </a:solidFill>
+            </a:endParaRPr>
           </a:p>
           <a:p>
             <a:pPr marL="342900" indent="-342900" algn="l">
@@ -6123,6 +7427,41 @@
               <a:solidFill>
                 <a:srgbClr val="29303B"/>
               </a:solidFill>
+            </a:endParaRPr>
+          </a:p>
+          <a:p>
+            <a:pPr marL="342900" indent="-342900" algn="l">
+              <a:buClr>
+                <a:srgbClr val="0070C0"/>
+              </a:buClr>
+              <a:buSzPct val="80000"/>
+              <a:buFont typeface="Wingdings" pitchFamily="2" charset="2"/>
+              <a:buChar char="u"/>
+            </a:pPr>
+            <a:endParaRPr lang="en-US" altLang="en-US" sz="1800" b="1" dirty="0">
+              <a:solidFill>
+                <a:srgbClr val="29303B"/>
+              </a:solidFill>
+            </a:endParaRPr>
+          </a:p>
+          <a:p>
+            <a:pPr marL="342900" indent="-342900" algn="l">
+              <a:buClr>
+                <a:srgbClr val="0070C0"/>
+              </a:buClr>
+              <a:buSzPct val="80000"/>
+              <a:buFont typeface="Wingdings" pitchFamily="2" charset="2"/>
+              <a:buChar char="u"/>
+            </a:pPr>
+            <a:endParaRPr kumimoji="0" lang="en-US" altLang="en-US" sz="2000" b="1" i="0" u="none" strike="noStrike" cap="none" normalizeH="0" baseline="0" dirty="0">
+              <a:ln>
+                <a:noFill/>
+              </a:ln>
+              <a:solidFill>
+                <a:schemeClr val="tx1"/>
+              </a:solidFill>
+              <a:effectLst/>
+              <a:latin typeface="var(--ytd-video-primary-info-renderer-title-font-family, inherit)"/>
             </a:endParaRPr>
           </a:p>
         </p:txBody>
@@ -6249,51 +7588,210 @@
             <a:fld id="{E4D7E63D-91F2-4366-A2C4-1B00C9E2590E}" type="slidenum">
               <a:rPr lang="zh-TW" altLang="en-US" smtClean="0"/>
               <a:pPr/>
-              <a:t>18</a:t>
+              <a:t>2</a:t>
             </a:fld>
             <a:endParaRPr lang="zh-TW" altLang="en-US"/>
           </a:p>
         </p:txBody>
       </p:sp>
-      <p:pic>
-        <p:nvPicPr>
-          <p:cNvPr id="8" name="Picture 7">
+      <p:sp>
+        <p:nvSpPr>
+          <p:cNvPr id="16" name="Rectangle 10">
+            <a:hlinkClick r:id="rId4"/>
             <a:extLst>
               <a:ext uri="{FF2B5EF4-FFF2-40B4-BE49-F238E27FC236}">
-                <a16:creationId xmlns:a16="http://schemas.microsoft.com/office/drawing/2014/main" id="{A942202C-0542-486C-A0C6-389EBCF1A396}"/>
+                <a16:creationId xmlns:a16="http://schemas.microsoft.com/office/drawing/2014/main" id="{62B2A935-4165-4F58-9F94-8EBD01713D35}"/>
               </a:ext>
             </a:extLst>
           </p:cNvPr>
-          <p:cNvPicPr>
-            <a:picLocks noChangeAspect="1"/>
-          </p:cNvPicPr>
+          <p:cNvSpPr>
+            <a:spLocks noChangeArrowheads="1"/>
+          </p:cNvSpPr>
           <p:nvPr/>
-        </p:nvPicPr>
-        <p:blipFill>
-          <a:blip r:embed="rId2"/>
-          <a:stretch>
-            <a:fillRect/>
-          </a:stretch>
-        </p:blipFill>
-        <p:spPr>
-          <a:xfrm>
-            <a:off x="791073" y="3288690"/>
-            <a:ext cx="7703840" cy="3021221"/>
+        </p:nvSpPr>
+        <p:spPr bwMode="auto">
+          <a:xfrm>
+            <a:off x="152400" y="152400"/>
+            <a:ext cx="3933825" cy="0"/>
           </a:xfrm>
           <a:prstGeom prst="rect">
             <a:avLst/>
           </a:prstGeom>
+          <a:solidFill>
+            <a:srgbClr val="F9F9F9"/>
+          </a:solidFill>
           <a:ln>
-            <a:solidFill>
-              <a:srgbClr val="C00000"/>
-            </a:solidFill>
+            <a:noFill/>
           </a:ln>
-        </p:spPr>
-      </p:pic>
+          <a:effectLst/>
+          <a:extLst>
+            <a:ext uri="{91240B29-F687-4F45-9708-019B960494DF}">
+              <a14:hiddenLine xmlns:a14="http://schemas.microsoft.com/office/drawing/2010/main" w="9525">
+                <a:solidFill>
+                  <a:schemeClr val="tx1"/>
+                </a:solidFill>
+                <a:miter lim="800000"/>
+                <a:headEnd/>
+                <a:tailEnd/>
+              </a14:hiddenLine>
+            </a:ext>
+            <a:ext uri="{AF507438-7753-43E0-B8FC-AC1667EBCBE1}">
+              <a14:hiddenEffects xmlns:a14="http://schemas.microsoft.com/office/drawing/2010/main">
+                <a:effectLst>
+                  <a:outerShdw dist="35921" dir="2700000" algn="ctr" rotWithShape="0">
+                    <a:schemeClr val="bg2"/>
+                  </a:outerShdw>
+                </a:effectLst>
+              </a14:hiddenEffects>
+            </a:ext>
+          </a:extLst>
+        </p:spPr>
+        <p:txBody>
+          <a:bodyPr vert="horz" wrap="square" lIns="91440" tIns="45720" rIns="91440" bIns="45720" numCol="1" anchor="ctr" anchorCtr="0" compatLnSpc="1">
+            <a:prstTxWarp prst="textNoShape">
+              <a:avLst/>
+            </a:prstTxWarp>
+            <a:spAutoFit/>
+          </a:bodyPr>
+          <a:lstStyle/>
+          <a:p>
+            <a:endParaRPr lang="en-US"/>
+          </a:p>
+        </p:txBody>
+      </p:sp>
+      <p:sp>
+        <p:nvSpPr>
+          <p:cNvPr id="17" name="Rectangle 11">
+            <a:extLst>
+              <a:ext uri="{FF2B5EF4-FFF2-40B4-BE49-F238E27FC236}">
+                <a16:creationId xmlns:a16="http://schemas.microsoft.com/office/drawing/2014/main" id="{F1807D9A-DC3A-4776-8ADF-C87633FC6B84}"/>
+              </a:ext>
+            </a:extLst>
+          </p:cNvPr>
+          <p:cNvSpPr>
+            <a:spLocks noChangeArrowheads="1"/>
+          </p:cNvSpPr>
+          <p:nvPr/>
+        </p:nvSpPr>
+        <p:spPr bwMode="auto">
+          <a:xfrm>
+            <a:off x="152400" y="152400"/>
+            <a:ext cx="9144000" cy="0"/>
+          </a:xfrm>
+          <a:prstGeom prst="rect">
+            <a:avLst/>
+          </a:prstGeom>
+          <a:solidFill>
+            <a:srgbClr val="F9F9F9"/>
+          </a:solidFill>
+          <a:ln>
+            <a:noFill/>
+          </a:ln>
+          <a:effectLst/>
+          <a:extLst>
+            <a:ext uri="{91240B29-F687-4F45-9708-019B960494DF}">
+              <a14:hiddenLine xmlns:a14="http://schemas.microsoft.com/office/drawing/2010/main" w="9525">
+                <a:solidFill>
+                  <a:schemeClr val="tx1"/>
+                </a:solidFill>
+                <a:miter lim="800000"/>
+                <a:headEnd/>
+                <a:tailEnd/>
+              </a14:hiddenLine>
+            </a:ext>
+            <a:ext uri="{AF507438-7753-43E0-B8FC-AC1667EBCBE1}">
+              <a14:hiddenEffects xmlns:a14="http://schemas.microsoft.com/office/drawing/2010/main">
+                <a:effectLst>
+                  <a:outerShdw dist="35921" dir="2700000" algn="ctr" rotWithShape="0">
+                    <a:schemeClr val="bg2"/>
+                  </a:outerShdw>
+                </a:effectLst>
+              </a14:hiddenEffects>
+            </a:ext>
+          </a:extLst>
+        </p:spPr>
+        <p:txBody>
+          <a:bodyPr vert="horz" wrap="square" lIns="91440" tIns="45720" rIns="91440" bIns="45720" numCol="1" anchor="ctr" anchorCtr="0" compatLnSpc="1">
+            <a:prstTxWarp prst="textNoShape">
+              <a:avLst/>
+            </a:prstTxWarp>
+            <a:spAutoFit/>
+          </a:bodyPr>
+          <a:lstStyle/>
+          <a:p>
+            <a:endParaRPr lang="en-US"/>
+          </a:p>
+        </p:txBody>
+      </p:sp>
+      <p:sp>
+        <p:nvSpPr>
+          <p:cNvPr id="19" name="Rectangle 13">
+            <a:hlinkClick r:id="rId5" tooltip="Next (SHIFT+n)"/>
+            <a:extLst>
+              <a:ext uri="{FF2B5EF4-FFF2-40B4-BE49-F238E27FC236}">
+                <a16:creationId xmlns:a16="http://schemas.microsoft.com/office/drawing/2014/main" id="{E441ABD1-4629-43A1-A350-4BDCD5209807}"/>
+              </a:ext>
+            </a:extLst>
+          </p:cNvPr>
+          <p:cNvSpPr>
+            <a:spLocks noChangeArrowheads="1"/>
+          </p:cNvSpPr>
+          <p:nvPr/>
+        </p:nvSpPr>
+        <p:spPr bwMode="auto">
+          <a:xfrm>
+            <a:off x="152400" y="152400"/>
+            <a:ext cx="3819525" cy="0"/>
+          </a:xfrm>
+          <a:prstGeom prst="rect">
+            <a:avLst/>
+          </a:prstGeom>
+          <a:solidFill>
+            <a:srgbClr val="F9F9F9"/>
+          </a:solidFill>
+          <a:ln>
+            <a:noFill/>
+          </a:ln>
+          <a:effectLst/>
+          <a:extLst>
+            <a:ext uri="{91240B29-F687-4F45-9708-019B960494DF}">
+              <a14:hiddenLine xmlns:a14="http://schemas.microsoft.com/office/drawing/2010/main" w="9525">
+                <a:solidFill>
+                  <a:schemeClr val="tx1"/>
+                </a:solidFill>
+                <a:miter lim="800000"/>
+                <a:headEnd/>
+                <a:tailEnd/>
+              </a14:hiddenLine>
+            </a:ext>
+            <a:ext uri="{AF507438-7753-43E0-B8FC-AC1667EBCBE1}">
+              <a14:hiddenEffects xmlns:a14="http://schemas.microsoft.com/office/drawing/2010/main">
+                <a:effectLst>
+                  <a:outerShdw dist="35921" dir="2700000" algn="ctr" rotWithShape="0">
+                    <a:schemeClr val="bg2"/>
+                  </a:outerShdw>
+                </a:effectLst>
+              </a14:hiddenEffects>
+            </a:ext>
+          </a:extLst>
+        </p:spPr>
+        <p:txBody>
+          <a:bodyPr vert="horz" wrap="square" lIns="91440" tIns="45720" rIns="91440" bIns="45720" numCol="1" anchor="ctr" anchorCtr="0" compatLnSpc="1">
+            <a:prstTxWarp prst="textNoShape">
+              <a:avLst/>
+            </a:prstTxWarp>
+            <a:spAutoFit/>
+          </a:bodyPr>
+          <a:lstStyle/>
+          <a:p>
+            <a:endParaRPr lang="en-US"/>
+          </a:p>
+        </p:txBody>
+      </p:sp>
     </p:spTree>
     <p:extLst>
       <p:ext uri="{BB962C8B-B14F-4D97-AF65-F5344CB8AC3E}">
-        <p14:creationId xmlns:p14="http://schemas.microsoft.com/office/powerpoint/2010/main" val="3066294093"/>
+        <p14:creationId xmlns:p14="http://schemas.microsoft.com/office/powerpoint/2010/main" val="863615227"/>
       </p:ext>
     </p:extLst>
   </p:cSld>
@@ -6303,144 +7801,7 @@
 </p:sld>
 </file>
 
-<file path=ppt/slides/slide19.xml><?xml version="1.0" encoding="utf-8"?>
-<p:sld xmlns:a="http://schemas.openxmlformats.org/drawingml/2006/main" xmlns:r="http://schemas.openxmlformats.org/officeDocument/2006/relationships" xmlns:p="http://schemas.openxmlformats.org/presentationml/2006/main">
-  <p:cSld>
-    <p:spTree>
-      <p:nvGrpSpPr>
-        <p:cNvPr id="1" name=""/>
-        <p:cNvGrpSpPr/>
-        <p:nvPr/>
-      </p:nvGrpSpPr>
-      <p:grpSpPr>
-        <a:xfrm>
-          <a:off x="0" y="0"/>
-          <a:ext cx="0" cy="0"/>
-          <a:chOff x="0" y="0"/>
-          <a:chExt cx="0" cy="0"/>
-        </a:xfrm>
-      </p:grpSpPr>
-      <p:sp>
-        <p:nvSpPr>
-          <p:cNvPr id="2" name="標題 1"/>
-          <p:cNvSpPr>
-            <a:spLocks noGrp="1"/>
-          </p:cNvSpPr>
-          <p:nvPr>
-            <p:ph type="ctrTitle"/>
-          </p:nvPr>
-        </p:nvSpPr>
-        <p:spPr>
-          <a:xfrm>
-            <a:off x="0" y="2130425"/>
-            <a:ext cx="9144000" cy="1470025"/>
-          </a:xfrm>
-          <a:gradFill flip="none" rotWithShape="1">
-            <a:gsLst>
-              <a:gs pos="0">
-                <a:srgbClr val="00B0F0">
-                  <a:shade val="30000"/>
-                  <a:satMod val="115000"/>
-                </a:srgbClr>
-              </a:gs>
-              <a:gs pos="50000">
-                <a:srgbClr val="00B0F0">
-                  <a:shade val="67500"/>
-                  <a:satMod val="115000"/>
-                </a:srgbClr>
-              </a:gs>
-              <a:gs pos="100000">
-                <a:srgbClr val="00B0F0">
-                  <a:shade val="100000"/>
-                  <a:satMod val="115000"/>
-                </a:srgbClr>
-              </a:gs>
-            </a:gsLst>
-            <a:path path="circle">
-              <a:fillToRect t="100000" r="100000"/>
-            </a:path>
-            <a:tileRect l="-100000" b="-100000"/>
-          </a:gradFill>
-        </p:spPr>
-        <p:txBody>
-          <a:bodyPr>
-            <a:normAutofit/>
-          </a:bodyPr>
-          <a:lstStyle/>
-          <a:p>
-            <a:r>
-              <a:rPr lang="en-US" altLang="zh-TW" sz="6000" b="1">
-                <a:solidFill>
-                  <a:srgbClr val="FFFF00"/>
-                </a:solidFill>
-              </a:rPr>
-              <a:t>End of Chapter</a:t>
-            </a:r>
-            <a:endParaRPr lang="zh-TW" altLang="en-US" sz="6000" b="1">
-              <a:solidFill>
-                <a:srgbClr val="FFFF00"/>
-              </a:solidFill>
-            </a:endParaRPr>
-          </a:p>
-        </p:txBody>
-      </p:sp>
-      <p:sp>
-        <p:nvSpPr>
-          <p:cNvPr id="5" name="日期版面配置區 4"/>
-          <p:cNvSpPr>
-            <a:spLocks noGrp="1"/>
-          </p:cNvSpPr>
-          <p:nvPr>
-            <p:ph type="dt" sz="half" idx="10"/>
-          </p:nvPr>
-        </p:nvSpPr>
-        <p:spPr/>
-        <p:txBody>
-          <a:bodyPr/>
-          <a:lstStyle/>
-          <a:p>
-            <a:fld id="{4E46BE27-E923-4EC2-B046-3272AE2A3E5C}" type="datetime1">
-              <a:rPr lang="zh-TW" altLang="en-US" smtClean="0"/>
-              <a:pPr/>
-              <a:t>2020/9/24</a:t>
-            </a:fld>
-            <a:endParaRPr lang="zh-TW" altLang="en-US"/>
-          </a:p>
-        </p:txBody>
-      </p:sp>
-      <p:sp>
-        <p:nvSpPr>
-          <p:cNvPr id="6" name="投影片編號版面配置區 5"/>
-          <p:cNvSpPr>
-            <a:spLocks noGrp="1"/>
-          </p:cNvSpPr>
-          <p:nvPr>
-            <p:ph type="sldNum" sz="quarter" idx="12"/>
-          </p:nvPr>
-        </p:nvSpPr>
-        <p:spPr/>
-        <p:txBody>
-          <a:bodyPr/>
-          <a:lstStyle/>
-          <a:p>
-            <a:fld id="{E4D7E63D-91F2-4366-A2C4-1B00C9E2590E}" type="slidenum">
-              <a:rPr lang="zh-TW" altLang="en-US" smtClean="0"/>
-              <a:pPr/>
-              <a:t>19</a:t>
-            </a:fld>
-            <a:endParaRPr lang="zh-TW" altLang="en-US"/>
-          </a:p>
-        </p:txBody>
-      </p:sp>
-    </p:spTree>
-  </p:cSld>
-  <p:clrMapOvr>
-    <a:masterClrMapping/>
-  </p:clrMapOvr>
-</p:sld>
-</file>
-
-<file path=ppt/slides/slide2.xml><?xml version="1.0" encoding="utf-8"?>
+<file path=ppt/slides/slide20.xml><?xml version="1.0" encoding="utf-8"?>
 <p:sld xmlns:a="http://schemas.openxmlformats.org/drawingml/2006/main" xmlns:r="http://schemas.openxmlformats.org/officeDocument/2006/relationships" xmlns:p="http://schemas.openxmlformats.org/presentationml/2006/main">
   <p:cSld>
     <p:spTree>
@@ -6512,7 +7873,7 @@
                   <a:srgbClr val="FFFF00"/>
                 </a:solidFill>
               </a:rPr>
-              <a:t>002 Install TensorFlow</a:t>
+              <a:t>2.6 Run Jupyter Tensorflow</a:t>
             </a:r>
             <a:endParaRPr lang="zh-TW" altLang="en-US" b="1" dirty="0">
               <a:solidFill>
@@ -6534,8 +7895,8 @@
         </p:nvSpPr>
         <p:spPr>
           <a:xfrm>
-            <a:off x="426368" y="1418786"/>
-            <a:ext cx="8291263" cy="4026438"/>
+            <a:off x="426368" y="1418787"/>
+            <a:ext cx="8291263" cy="1074110"/>
           </a:xfrm>
           <a:ln>
             <a:solidFill>
@@ -6563,7 +7924,7 @@
                   <a:srgbClr val="29303B"/>
                 </a:solidFill>
               </a:rPr>
-              <a:t>Install Tensorflow</a:t>
+              <a:t>Start Jupyter Notebook</a:t>
             </a:r>
           </a:p>
           <a:p>
@@ -6576,12 +7937,12 @@
               <a:buChar char="u"/>
             </a:pPr>
             <a:r>
-              <a:rPr lang="en-US" altLang="en-US" sz="1800" b="1" dirty="0">
+              <a:rPr lang="en-US" sz="1800" b="1" dirty="0">
                 <a:solidFill>
                   <a:srgbClr val="29303B"/>
                 </a:solidFill>
               </a:rPr>
-              <a:t>Under the Windows 10 (Linux or MacOS), Tensorflow 2.0 has dependencies for Anaconda 3, Python 3, and numpy, scikit-learn (formal name is SciKits  or SciPy Toolkit), and associated frameworks. </a:t>
+              <a:t>&gt; ls</a:t>
             </a:r>
           </a:p>
           <a:p>
@@ -6594,183 +7955,14 @@
               <a:buChar char="u"/>
             </a:pPr>
             <a:r>
-              <a:rPr lang="en-US" altLang="en-US" sz="1800" b="1" dirty="0">
+              <a:rPr lang="en-US" sz="1800" b="1" i="0" dirty="0">
                 <a:solidFill>
                   <a:srgbClr val="29303B"/>
                 </a:solidFill>
+                <a:effectLst/>
               </a:rPr>
-              <a:t>After environment update for many years, it is very difficult to fix with tons of error messages.</a:t>
-            </a:r>
-          </a:p>
-          <a:p>
-            <a:pPr marL="342900" indent="-342900" algn="l">
-              <a:buClr>
-                <a:srgbClr val="0070C0"/>
-              </a:buClr>
-              <a:buSzPct val="80000"/>
-              <a:buFont typeface="Wingdings" pitchFamily="2" charset="2"/>
-              <a:buChar char="u"/>
-            </a:pPr>
-            <a:r>
-              <a:rPr lang="en-US" altLang="en-US" sz="1800" b="1" dirty="0">
-                <a:solidFill>
-                  <a:srgbClr val="29303B"/>
-                </a:solidFill>
-              </a:rPr>
-              <a:t>It is easier to install a clean system with Python and associated Tensorflow dependencies. </a:t>
-            </a:r>
-          </a:p>
-          <a:p>
-            <a:pPr marL="342900" indent="-342900" algn="l">
-              <a:buClr>
-                <a:srgbClr val="0070C0"/>
-              </a:buClr>
-              <a:buSzPct val="80000"/>
-              <a:buFont typeface="Wingdings" pitchFamily="2" charset="2"/>
-              <a:buChar char="u"/>
-            </a:pPr>
-            <a:r>
-              <a:rPr lang="en-US" altLang="en-US" sz="1800" b="1" dirty="0">
-                <a:solidFill>
-                  <a:srgbClr val="29303B"/>
-                </a:solidFill>
-              </a:rPr>
-              <a:t>Jeff Heaton provides the video and yaml file tensorflow.yml.</a:t>
-            </a:r>
-          </a:p>
-          <a:p>
-            <a:pPr marL="342900" indent="-342900" algn="l">
-              <a:buClr>
-                <a:srgbClr val="0070C0"/>
-              </a:buClr>
-              <a:buSzPct val="80000"/>
-              <a:buFont typeface="Wingdings" pitchFamily="2" charset="2"/>
-              <a:buChar char="u"/>
-            </a:pPr>
-            <a:r>
-              <a:rPr lang="en-US" altLang="en-US" sz="1800" b="1" dirty="0">
-                <a:solidFill>
-                  <a:srgbClr val="29303B"/>
-                </a:solidFill>
-              </a:rPr>
-              <a:t>YouTube video:</a:t>
-            </a:r>
-          </a:p>
-          <a:p>
-            <a:pPr marL="342900" indent="-342900" algn="l">
-              <a:buClr>
-                <a:srgbClr val="0070C0"/>
-              </a:buClr>
-              <a:buSzPct val="80000"/>
-              <a:buFont typeface="Wingdings" pitchFamily="2" charset="2"/>
-              <a:buChar char="u"/>
-            </a:pPr>
-            <a:r>
-              <a:rPr lang="en-US" altLang="en-US" sz="1800" b="1" dirty="0">
-                <a:solidFill>
-                  <a:srgbClr val="29303B"/>
-                </a:solidFill>
-                <a:hlinkClick r:id="rId2"/>
-              </a:rPr>
-              <a:t>https://www.youtube.com/watch?v=RgO8BBNGB8w&amp;t=376s</a:t>
-            </a:r>
-            <a:endParaRPr lang="en-US" altLang="en-US" sz="1800" b="1" dirty="0">
-              <a:solidFill>
-                <a:srgbClr val="29303B"/>
-              </a:solidFill>
-            </a:endParaRPr>
-          </a:p>
-          <a:p>
-            <a:pPr marL="342900" indent="-342900" algn="l">
-              <a:buClr>
-                <a:srgbClr val="0070C0"/>
-              </a:buClr>
-              <a:buSzPct val="80000"/>
-              <a:buFont typeface="Wingdings" pitchFamily="2" charset="2"/>
-              <a:buChar char="u"/>
-            </a:pPr>
-            <a:r>
-              <a:rPr lang="en-US" altLang="en-US" sz="1800" b="1" dirty="0">
-                <a:solidFill>
-                  <a:srgbClr val="29303B"/>
-                </a:solidFill>
-              </a:rPr>
-              <a:t>Jeff Heaton GitHub:</a:t>
-            </a:r>
-          </a:p>
-          <a:p>
-            <a:pPr marL="342900" indent="-342900" algn="l">
-              <a:buClr>
-                <a:srgbClr val="0070C0"/>
-              </a:buClr>
-              <a:buSzPct val="80000"/>
-              <a:buFont typeface="Wingdings" pitchFamily="2" charset="2"/>
-              <a:buChar char="u"/>
-            </a:pPr>
-            <a:r>
-              <a:rPr lang="en-US" altLang="en-US" sz="1800" b="1" dirty="0">
-                <a:solidFill>
-                  <a:srgbClr val="29303B"/>
-                </a:solidFill>
-                <a:hlinkClick r:id="rId3"/>
-              </a:rPr>
-              <a:t>https://github.com/jeffheaton/t81_558_deep_learning</a:t>
-            </a:r>
-            <a:endParaRPr lang="en-US" altLang="en-US" sz="1800" b="1" dirty="0">
-              <a:solidFill>
-                <a:srgbClr val="29303B"/>
-              </a:solidFill>
-            </a:endParaRPr>
-          </a:p>
-          <a:p>
-            <a:pPr marL="342900" indent="-342900" algn="l">
-              <a:buClr>
-                <a:srgbClr val="0070C0"/>
-              </a:buClr>
-              <a:buSzPct val="80000"/>
-              <a:buFont typeface="Wingdings" pitchFamily="2" charset="2"/>
-              <a:buChar char="u"/>
-            </a:pPr>
-            <a:endParaRPr lang="en-US" altLang="en-US" sz="1800" b="1" dirty="0">
-              <a:solidFill>
-                <a:srgbClr val="29303B"/>
-              </a:solidFill>
-            </a:endParaRPr>
-          </a:p>
-          <a:p>
-            <a:pPr marL="342900" indent="-342900" algn="l">
-              <a:buClr>
-                <a:srgbClr val="0070C0"/>
-              </a:buClr>
-              <a:buSzPct val="80000"/>
-              <a:buFont typeface="Wingdings" pitchFamily="2" charset="2"/>
-              <a:buChar char="u"/>
-            </a:pPr>
-            <a:endParaRPr lang="en-US" altLang="en-US" sz="1800" b="1" dirty="0">
-              <a:solidFill>
-                <a:srgbClr val="29303B"/>
-              </a:solidFill>
-            </a:endParaRPr>
-          </a:p>
-          <a:p>
-            <a:pPr marL="342900" indent="-342900" algn="l">
-              <a:buClr>
-                <a:srgbClr val="0070C0"/>
-              </a:buClr>
-              <a:buSzPct val="80000"/>
-              <a:buFont typeface="Wingdings" pitchFamily="2" charset="2"/>
-              <a:buChar char="u"/>
-            </a:pPr>
-            <a:endParaRPr kumimoji="0" lang="en-US" altLang="en-US" sz="2000" b="1" i="0" u="none" strike="noStrike" cap="none" normalizeH="0" baseline="0" dirty="0">
-              <a:ln>
-                <a:noFill/>
-              </a:ln>
-              <a:solidFill>
-                <a:schemeClr val="tx1"/>
-              </a:solidFill>
-              <a:effectLst/>
-              <a:latin typeface="var(--ytd-video-primary-info-renderer-title-font-family, inherit)"/>
-            </a:endParaRPr>
+              <a:t>&gt; jupyter notebook</a:t>
+            </a:r>
           </a:p>
         </p:txBody>
       </p:sp>
@@ -6896,212 +8088,1829 @@
             <a:fld id="{E4D7E63D-91F2-4366-A2C4-1B00C9E2590E}" type="slidenum">
               <a:rPr lang="zh-TW" altLang="en-US" smtClean="0"/>
               <a:pPr/>
-              <a:t>2</a:t>
+              <a:t>20</a:t>
             </a:fld>
             <a:endParaRPr lang="zh-TW" altLang="en-US"/>
           </a:p>
         </p:txBody>
       </p:sp>
-      <p:sp>
-        <p:nvSpPr>
-          <p:cNvPr id="16" name="Rectangle 10">
-            <a:hlinkClick r:id="rId4"/>
+      <p:pic>
+        <p:nvPicPr>
+          <p:cNvPr id="13" name="Picture 12">
             <a:extLst>
               <a:ext uri="{FF2B5EF4-FFF2-40B4-BE49-F238E27FC236}">
-                <a16:creationId xmlns:a16="http://schemas.microsoft.com/office/drawing/2014/main" id="{62B2A935-4165-4F58-9F94-8EBD01713D35}"/>
+                <a16:creationId xmlns:a16="http://schemas.microsoft.com/office/drawing/2014/main" id="{E7B055B9-5242-4175-843D-405E32CB8FEE}"/>
               </a:ext>
             </a:extLst>
           </p:cNvPr>
-          <p:cNvSpPr>
-            <a:spLocks noChangeArrowheads="1"/>
-          </p:cNvSpPr>
+          <p:cNvPicPr>
+            <a:picLocks noChangeAspect="1"/>
+          </p:cNvPicPr>
           <p:nvPr/>
-        </p:nvSpPr>
-        <p:spPr bwMode="auto">
-          <a:xfrm>
-            <a:off x="152400" y="152400"/>
-            <a:ext cx="3933825" cy="0"/>
+        </p:nvPicPr>
+        <p:blipFill>
+          <a:blip r:embed="rId2"/>
+          <a:stretch>
+            <a:fillRect/>
+          </a:stretch>
+        </p:blipFill>
+        <p:spPr>
+          <a:xfrm>
+            <a:off x="1382152" y="2573346"/>
+            <a:ext cx="5148064" cy="3484390"/>
           </a:xfrm>
           <a:prstGeom prst="rect">
             <a:avLst/>
           </a:prstGeom>
-          <a:solidFill>
-            <a:srgbClr val="F9F9F9"/>
-          </a:solidFill>
           <a:ln>
-            <a:noFill/>
+            <a:solidFill>
+              <a:srgbClr val="C00000"/>
+            </a:solidFill>
           </a:ln>
-          <a:effectLst/>
-          <a:extLst>
-            <a:ext uri="{91240B29-F687-4F45-9708-019B960494DF}">
-              <a14:hiddenLine xmlns:a14="http://schemas.microsoft.com/office/drawing/2010/main" w="9525">
-                <a:solidFill>
-                  <a:schemeClr val="tx1"/>
-                </a:solidFill>
-                <a:miter lim="800000"/>
-                <a:headEnd/>
-                <a:tailEnd/>
-              </a14:hiddenLine>
-            </a:ext>
-            <a:ext uri="{AF507438-7753-43E0-B8FC-AC1667EBCBE1}">
-              <a14:hiddenEffects xmlns:a14="http://schemas.microsoft.com/office/drawing/2010/main">
-                <a:effectLst>
-                  <a:outerShdw dist="35921" dir="2700000" algn="ctr" rotWithShape="0">
-                    <a:schemeClr val="bg2"/>
-                  </a:outerShdw>
-                </a:effectLst>
-              </a14:hiddenEffects>
-            </a:ext>
-          </a:extLst>
-        </p:spPr>
-        <p:txBody>
-          <a:bodyPr vert="horz" wrap="square" lIns="91440" tIns="45720" rIns="91440" bIns="45720" numCol="1" anchor="ctr" anchorCtr="0" compatLnSpc="1">
-            <a:prstTxWarp prst="textNoShape">
-              <a:avLst/>
-            </a:prstTxWarp>
-            <a:spAutoFit/>
+        </p:spPr>
+      </p:pic>
+    </p:spTree>
+    <p:extLst>
+      <p:ext uri="{BB962C8B-B14F-4D97-AF65-F5344CB8AC3E}">
+        <p14:creationId xmlns:p14="http://schemas.microsoft.com/office/powerpoint/2010/main" val="970644658"/>
+      </p:ext>
+    </p:extLst>
+  </p:cSld>
+  <p:clrMapOvr>
+    <a:masterClrMapping/>
+  </p:clrMapOvr>
+</p:sld>
+</file>
+
+<file path=ppt/slides/slide21.xml><?xml version="1.0" encoding="utf-8"?>
+<p:sld xmlns:a="http://schemas.openxmlformats.org/drawingml/2006/main" xmlns:r="http://schemas.openxmlformats.org/officeDocument/2006/relationships" xmlns:p="http://schemas.openxmlformats.org/presentationml/2006/main">
+  <p:cSld>
+    <p:spTree>
+      <p:nvGrpSpPr>
+        <p:cNvPr id="1" name=""/>
+        <p:cNvGrpSpPr/>
+        <p:nvPr/>
+      </p:nvGrpSpPr>
+      <p:grpSpPr>
+        <a:xfrm>
+          <a:off x="0" y="0"/>
+          <a:ext cx="0" cy="0"/>
+          <a:chOff x="0" y="0"/>
+          <a:chExt cx="0" cy="0"/>
+        </a:xfrm>
+      </p:grpSpPr>
+      <p:sp>
+        <p:nvSpPr>
+          <p:cNvPr id="2" name="標題 1"/>
+          <p:cNvSpPr>
+            <a:spLocks noGrp="1"/>
+          </p:cNvSpPr>
+          <p:nvPr>
+            <p:ph type="ctrTitle"/>
+          </p:nvPr>
+        </p:nvSpPr>
+        <p:spPr>
+          <a:xfrm>
+            <a:off x="0" y="0"/>
+            <a:ext cx="9144000" cy="764704"/>
+          </a:xfrm>
+          <a:gradFill flip="none" rotWithShape="1">
+            <a:gsLst>
+              <a:gs pos="0">
+                <a:srgbClr val="C00000">
+                  <a:shade val="30000"/>
+                  <a:satMod val="115000"/>
+                </a:srgbClr>
+              </a:gs>
+              <a:gs pos="50000">
+                <a:srgbClr val="C00000">
+                  <a:shade val="67500"/>
+                  <a:satMod val="115000"/>
+                </a:srgbClr>
+              </a:gs>
+              <a:gs pos="100000">
+                <a:srgbClr val="C00000">
+                  <a:shade val="100000"/>
+                  <a:satMod val="115000"/>
+                </a:srgbClr>
+              </a:gs>
+            </a:gsLst>
+            <a:path path="circle">
+              <a:fillToRect t="100000" r="100000"/>
+            </a:path>
+            <a:tileRect l="-100000" b="-100000"/>
+          </a:gradFill>
+        </p:spPr>
+        <p:txBody>
+          <a:bodyPr>
+            <a:normAutofit/>
           </a:bodyPr>
           <a:lstStyle/>
           <a:p>
-            <a:endParaRPr lang="en-US"/>
-          </a:p>
-        </p:txBody>
-      </p:sp>
-      <p:sp>
-        <p:nvSpPr>
-          <p:cNvPr id="17" name="Rectangle 11">
+            <a:pPr algn="l"/>
+            <a:r>
+              <a:rPr lang="en-US" altLang="zh-TW" sz="4400" b="1" dirty="0">
+                <a:solidFill>
+                  <a:srgbClr val="FFFF00"/>
+                </a:solidFill>
+              </a:rPr>
+              <a:t>2.6 Run Jupyter Tensorflow</a:t>
+            </a:r>
+            <a:endParaRPr lang="zh-TW" altLang="en-US" b="1" dirty="0">
+              <a:solidFill>
+                <a:srgbClr val="FFFF00"/>
+              </a:solidFill>
+            </a:endParaRPr>
+          </a:p>
+        </p:txBody>
+      </p:sp>
+      <p:sp>
+        <p:nvSpPr>
+          <p:cNvPr id="3" name="副標題 2"/>
+          <p:cNvSpPr>
+            <a:spLocks noGrp="1"/>
+          </p:cNvSpPr>
+          <p:nvPr>
+            <p:ph type="subTitle" idx="1"/>
+          </p:nvPr>
+        </p:nvSpPr>
+        <p:spPr>
+          <a:xfrm>
+            <a:off x="426368" y="1418787"/>
+            <a:ext cx="8291263" cy="1074110"/>
+          </a:xfrm>
+          <a:ln>
+            <a:solidFill>
+              <a:srgbClr val="C00000"/>
+            </a:solidFill>
+          </a:ln>
+        </p:spPr>
+        <p:txBody>
+          <a:bodyPr>
+            <a:noAutofit/>
+          </a:bodyPr>
+          <a:lstStyle/>
+          <a:p>
+            <a:pPr marL="342900" indent="-342900" algn="l">
+              <a:buClr>
+                <a:srgbClr val="0070C0"/>
+              </a:buClr>
+              <a:buSzPct val="80000"/>
+              <a:buFont typeface="Wingdings" pitchFamily="2" charset="2"/>
+              <a:buChar char="u"/>
+            </a:pPr>
+            <a:r>
+              <a:rPr lang="en-US" altLang="en-US" sz="1800" b="1" dirty="0">
+                <a:solidFill>
+                  <a:srgbClr val="29303B"/>
+                </a:solidFill>
+              </a:rPr>
+              <a:t>Use Tensorflow 01</a:t>
+            </a:r>
+          </a:p>
+          <a:p>
+            <a:pPr marL="342900" indent="-342900" algn="l">
+              <a:buClr>
+                <a:srgbClr val="0070C0"/>
+              </a:buClr>
+              <a:buSzPct val="80000"/>
+              <a:buFont typeface="Wingdings" pitchFamily="2" charset="2"/>
+              <a:buChar char="u"/>
+            </a:pPr>
+            <a:r>
+              <a:rPr lang="en-US" sz="1800" b="1" dirty="0">
+                <a:solidFill>
+                  <a:srgbClr val="29303B"/>
+                </a:solidFill>
+              </a:rPr>
+              <a:t>We can see “</a:t>
+            </a:r>
+            <a:r>
+              <a:rPr lang="en-US" sz="1800" b="1" dirty="0" err="1">
+                <a:solidFill>
+                  <a:srgbClr val="29303B"/>
+                </a:solidFill>
+              </a:rPr>
+              <a:t>Tensorflw.ipynb</a:t>
+            </a:r>
+            <a:r>
+              <a:rPr lang="en-US" sz="1800" b="1" dirty="0">
+                <a:solidFill>
+                  <a:srgbClr val="29303B"/>
+                </a:solidFill>
+              </a:rPr>
+              <a:t>”</a:t>
+            </a:r>
+          </a:p>
+          <a:p>
+            <a:pPr marL="342900" indent="-342900" algn="l">
+              <a:buClr>
+                <a:srgbClr val="0070C0"/>
+              </a:buClr>
+              <a:buSzPct val="80000"/>
+              <a:buFont typeface="Wingdings" pitchFamily="2" charset="2"/>
+              <a:buChar char="u"/>
+            </a:pPr>
+            <a:r>
+              <a:rPr lang="en-US" sz="1800" b="1" i="0" dirty="0">
+                <a:solidFill>
+                  <a:srgbClr val="29303B"/>
+                </a:solidFill>
+                <a:effectLst/>
+              </a:rPr>
+              <a:t>Double click to open</a:t>
+            </a:r>
+          </a:p>
+        </p:txBody>
+      </p:sp>
+      <p:sp>
+        <p:nvSpPr>
+          <p:cNvPr id="4" name="標題 1"/>
+          <p:cNvSpPr txBox="1">
+            <a:spLocks/>
+          </p:cNvSpPr>
+          <p:nvPr/>
+        </p:nvSpPr>
+        <p:spPr>
+          <a:xfrm>
+            <a:off x="0" y="764704"/>
+            <a:ext cx="9144000" cy="360040"/>
+          </a:xfrm>
+          <a:prstGeom prst="rect">
+            <a:avLst/>
+          </a:prstGeom>
+          <a:gradFill flip="none" rotWithShape="1">
+            <a:gsLst>
+              <a:gs pos="0">
+                <a:srgbClr val="00B0F0">
+                  <a:shade val="30000"/>
+                  <a:satMod val="115000"/>
+                </a:srgbClr>
+              </a:gs>
+              <a:gs pos="50000">
+                <a:srgbClr val="00B0F0">
+                  <a:shade val="67500"/>
+                  <a:satMod val="115000"/>
+                </a:srgbClr>
+              </a:gs>
+              <a:gs pos="100000">
+                <a:srgbClr val="00B0F0">
+                  <a:shade val="100000"/>
+                  <a:satMod val="115000"/>
+                </a:srgbClr>
+              </a:gs>
+            </a:gsLst>
+            <a:path path="circle">
+              <a:fillToRect t="100000" r="100000"/>
+            </a:path>
+            <a:tileRect l="-100000" b="-100000"/>
+          </a:gradFill>
+        </p:spPr>
+        <p:txBody>
+          <a:bodyPr vert="horz" lIns="91440" tIns="45720" rIns="91440" bIns="45720" rtlCol="0" anchor="ctr">
+            <a:normAutofit/>
+          </a:bodyPr>
+          <a:lstStyle/>
+          <a:p>
+            <a:pPr lvl="0">
+              <a:spcBef>
+                <a:spcPct val="0"/>
+              </a:spcBef>
+            </a:pPr>
+            <a:r>
+              <a:rPr lang="en-US" sz="1600" dirty="0"/>
+              <a:t>https://github.com/peterhchen/930_Python_ML_DS_DL</a:t>
+            </a:r>
+            <a:endParaRPr kumimoji="0" lang="zh-TW" altLang="en-US" sz="1600" b="0" i="0" u="none" strike="noStrike" kern="1200" cap="none" spc="0" normalizeH="0" baseline="0" noProof="0" dirty="0">
+              <a:ln>
+                <a:noFill/>
+              </a:ln>
+              <a:solidFill>
+                <a:schemeClr val="tx1"/>
+              </a:solidFill>
+              <a:effectLst/>
+              <a:uLnTx/>
+              <a:uFillTx/>
+              <a:latin typeface="+mj-lt"/>
+              <a:ea typeface="+mj-ea"/>
+              <a:cs typeface="+mj-cs"/>
+            </a:endParaRPr>
+          </a:p>
+        </p:txBody>
+      </p:sp>
+      <p:sp>
+        <p:nvSpPr>
+          <p:cNvPr id="5" name="日期版面配置區 4"/>
+          <p:cNvSpPr>
+            <a:spLocks noGrp="1"/>
+          </p:cNvSpPr>
+          <p:nvPr>
+            <p:ph type="dt" sz="half" idx="10"/>
+          </p:nvPr>
+        </p:nvSpPr>
+        <p:spPr>
+          <a:xfrm>
+            <a:off x="457200" y="6343695"/>
+            <a:ext cx="2133600" cy="365125"/>
+          </a:xfrm>
+        </p:spPr>
+        <p:txBody>
+          <a:bodyPr/>
+          <a:lstStyle/>
+          <a:p>
+            <a:fld id="{A4F910E6-8D00-4BAF-8C48-9688E0B449D3}" type="datetime1">
+              <a:rPr lang="zh-TW" altLang="en-US" smtClean="0"/>
+              <a:pPr/>
+              <a:t>2020/9/24</a:t>
+            </a:fld>
+            <a:endParaRPr lang="zh-TW" altLang="en-US"/>
+          </a:p>
+        </p:txBody>
+      </p:sp>
+      <p:sp>
+        <p:nvSpPr>
+          <p:cNvPr id="6" name="投影片編號版面配置區 5"/>
+          <p:cNvSpPr>
+            <a:spLocks noGrp="1"/>
+          </p:cNvSpPr>
+          <p:nvPr>
+            <p:ph type="sldNum" sz="quarter" idx="12"/>
+          </p:nvPr>
+        </p:nvSpPr>
+        <p:spPr/>
+        <p:txBody>
+          <a:bodyPr/>
+          <a:lstStyle/>
+          <a:p>
+            <a:fld id="{E4D7E63D-91F2-4366-A2C4-1B00C9E2590E}" type="slidenum">
+              <a:rPr lang="zh-TW" altLang="en-US" smtClean="0"/>
+              <a:pPr/>
+              <a:t>21</a:t>
+            </a:fld>
+            <a:endParaRPr lang="zh-TW" altLang="en-US"/>
+          </a:p>
+        </p:txBody>
+      </p:sp>
+      <p:pic>
+        <p:nvPicPr>
+          <p:cNvPr id="8" name="Picture 7">
             <a:extLst>
               <a:ext uri="{FF2B5EF4-FFF2-40B4-BE49-F238E27FC236}">
-                <a16:creationId xmlns:a16="http://schemas.microsoft.com/office/drawing/2014/main" id="{F1807D9A-DC3A-4776-8ADF-C87633FC6B84}"/>
+                <a16:creationId xmlns:a16="http://schemas.microsoft.com/office/drawing/2014/main" id="{45F7BC22-49DF-48C6-B6B5-28637D9AE1A3}"/>
               </a:ext>
             </a:extLst>
           </p:cNvPr>
-          <p:cNvSpPr>
-            <a:spLocks noChangeArrowheads="1"/>
-          </p:cNvSpPr>
+          <p:cNvPicPr>
+            <a:picLocks noChangeAspect="1"/>
+          </p:cNvPicPr>
           <p:nvPr/>
-        </p:nvSpPr>
-        <p:spPr bwMode="auto">
-          <a:xfrm>
-            <a:off x="152400" y="152400"/>
-            <a:ext cx="9144000" cy="0"/>
+        </p:nvPicPr>
+        <p:blipFill>
+          <a:blip r:embed="rId2"/>
+          <a:stretch>
+            <a:fillRect/>
+          </a:stretch>
+        </p:blipFill>
+        <p:spPr>
+          <a:xfrm>
+            <a:off x="2622272" y="2793404"/>
+            <a:ext cx="3048000" cy="2857500"/>
           </a:xfrm>
           <a:prstGeom prst="rect">
             <a:avLst/>
           </a:prstGeom>
-          <a:solidFill>
-            <a:srgbClr val="F9F9F9"/>
-          </a:solidFill>
           <a:ln>
-            <a:noFill/>
+            <a:solidFill>
+              <a:srgbClr val="C00000"/>
+            </a:solidFill>
           </a:ln>
-          <a:effectLst/>
-          <a:extLst>
-            <a:ext uri="{91240B29-F687-4F45-9708-019B960494DF}">
-              <a14:hiddenLine xmlns:a14="http://schemas.microsoft.com/office/drawing/2010/main" w="9525">
-                <a:solidFill>
-                  <a:schemeClr val="tx1"/>
-                </a:solidFill>
-                <a:miter lim="800000"/>
-                <a:headEnd/>
-                <a:tailEnd/>
-              </a14:hiddenLine>
-            </a:ext>
-            <a:ext uri="{AF507438-7753-43E0-B8FC-AC1667EBCBE1}">
-              <a14:hiddenEffects xmlns:a14="http://schemas.microsoft.com/office/drawing/2010/main">
-                <a:effectLst>
-                  <a:outerShdw dist="35921" dir="2700000" algn="ctr" rotWithShape="0">
-                    <a:schemeClr val="bg2"/>
-                  </a:outerShdw>
-                </a:effectLst>
-              </a14:hiddenEffects>
-            </a:ext>
-          </a:extLst>
-        </p:spPr>
-        <p:txBody>
-          <a:bodyPr vert="horz" wrap="square" lIns="91440" tIns="45720" rIns="91440" bIns="45720" numCol="1" anchor="ctr" anchorCtr="0" compatLnSpc="1">
-            <a:prstTxWarp prst="textNoShape">
-              <a:avLst/>
-            </a:prstTxWarp>
-            <a:spAutoFit/>
+        </p:spPr>
+      </p:pic>
+    </p:spTree>
+    <p:extLst>
+      <p:ext uri="{BB962C8B-B14F-4D97-AF65-F5344CB8AC3E}">
+        <p14:creationId xmlns:p14="http://schemas.microsoft.com/office/powerpoint/2010/main" val="3663180903"/>
+      </p:ext>
+    </p:extLst>
+  </p:cSld>
+  <p:clrMapOvr>
+    <a:masterClrMapping/>
+  </p:clrMapOvr>
+</p:sld>
+</file>
+
+<file path=ppt/slides/slide22.xml><?xml version="1.0" encoding="utf-8"?>
+<p:sld xmlns:a="http://schemas.openxmlformats.org/drawingml/2006/main" xmlns:r="http://schemas.openxmlformats.org/officeDocument/2006/relationships" xmlns:p="http://schemas.openxmlformats.org/presentationml/2006/main">
+  <p:cSld>
+    <p:spTree>
+      <p:nvGrpSpPr>
+        <p:cNvPr id="1" name=""/>
+        <p:cNvGrpSpPr/>
+        <p:nvPr/>
+      </p:nvGrpSpPr>
+      <p:grpSpPr>
+        <a:xfrm>
+          <a:off x="0" y="0"/>
+          <a:ext cx="0" cy="0"/>
+          <a:chOff x="0" y="0"/>
+          <a:chExt cx="0" cy="0"/>
+        </a:xfrm>
+      </p:grpSpPr>
+      <p:sp>
+        <p:nvSpPr>
+          <p:cNvPr id="2" name="標題 1"/>
+          <p:cNvSpPr>
+            <a:spLocks noGrp="1"/>
+          </p:cNvSpPr>
+          <p:nvPr>
+            <p:ph type="ctrTitle"/>
+          </p:nvPr>
+        </p:nvSpPr>
+        <p:spPr>
+          <a:xfrm>
+            <a:off x="0" y="0"/>
+            <a:ext cx="9144000" cy="764704"/>
+          </a:xfrm>
+          <a:gradFill flip="none" rotWithShape="1">
+            <a:gsLst>
+              <a:gs pos="0">
+                <a:srgbClr val="C00000">
+                  <a:shade val="30000"/>
+                  <a:satMod val="115000"/>
+                </a:srgbClr>
+              </a:gs>
+              <a:gs pos="50000">
+                <a:srgbClr val="C00000">
+                  <a:shade val="67500"/>
+                  <a:satMod val="115000"/>
+                </a:srgbClr>
+              </a:gs>
+              <a:gs pos="100000">
+                <a:srgbClr val="C00000">
+                  <a:shade val="100000"/>
+                  <a:satMod val="115000"/>
+                </a:srgbClr>
+              </a:gs>
+            </a:gsLst>
+            <a:path path="circle">
+              <a:fillToRect t="100000" r="100000"/>
+            </a:path>
+            <a:tileRect l="-100000" b="-100000"/>
+          </a:gradFill>
+        </p:spPr>
+        <p:txBody>
+          <a:bodyPr>
+            <a:normAutofit/>
           </a:bodyPr>
           <a:lstStyle/>
           <a:p>
-            <a:endParaRPr lang="en-US"/>
-          </a:p>
-        </p:txBody>
-      </p:sp>
-      <p:sp>
-        <p:nvSpPr>
-          <p:cNvPr id="19" name="Rectangle 13">
-            <a:hlinkClick r:id="rId5" tooltip="Next (SHIFT+n)"/>
+            <a:pPr algn="l"/>
+            <a:r>
+              <a:rPr lang="en-US" altLang="zh-TW" sz="4400" b="1" dirty="0">
+                <a:solidFill>
+                  <a:srgbClr val="FFFF00"/>
+                </a:solidFill>
+              </a:rPr>
+              <a:t>2.6 Run Jupyter Tensorflow</a:t>
+            </a:r>
+            <a:endParaRPr lang="zh-TW" altLang="en-US" b="1" dirty="0">
+              <a:solidFill>
+                <a:srgbClr val="FFFF00"/>
+              </a:solidFill>
+            </a:endParaRPr>
+          </a:p>
+        </p:txBody>
+      </p:sp>
+      <p:sp>
+        <p:nvSpPr>
+          <p:cNvPr id="3" name="副標題 2"/>
+          <p:cNvSpPr>
+            <a:spLocks noGrp="1"/>
+          </p:cNvSpPr>
+          <p:nvPr>
+            <p:ph type="subTitle" idx="1"/>
+          </p:nvPr>
+        </p:nvSpPr>
+        <p:spPr>
+          <a:xfrm>
+            <a:off x="426368" y="1418787"/>
+            <a:ext cx="8291263" cy="1074110"/>
+          </a:xfrm>
+          <a:ln>
+            <a:solidFill>
+              <a:srgbClr val="C00000"/>
+            </a:solidFill>
+          </a:ln>
+        </p:spPr>
+        <p:txBody>
+          <a:bodyPr>
+            <a:noAutofit/>
+          </a:bodyPr>
+          <a:lstStyle/>
+          <a:p>
+            <a:pPr marL="342900" indent="-342900" algn="l">
+              <a:buClr>
+                <a:srgbClr val="0070C0"/>
+              </a:buClr>
+              <a:buSzPct val="80000"/>
+              <a:buFont typeface="Wingdings" pitchFamily="2" charset="2"/>
+              <a:buChar char="u"/>
+            </a:pPr>
+            <a:r>
+              <a:rPr lang="en-US" altLang="en-US" sz="1800" b="1" dirty="0">
+                <a:solidFill>
+                  <a:srgbClr val="29303B"/>
+                </a:solidFill>
+              </a:rPr>
+              <a:t>Use Tensorflow 01</a:t>
+            </a:r>
+          </a:p>
+          <a:p>
+            <a:pPr marL="342900" indent="-342900" algn="l">
+              <a:buClr>
+                <a:srgbClr val="0070C0"/>
+              </a:buClr>
+              <a:buSzPct val="80000"/>
+              <a:buFont typeface="Wingdings" pitchFamily="2" charset="2"/>
+              <a:buChar char="u"/>
+            </a:pPr>
+            <a:r>
+              <a:rPr lang="en-US" sz="1800" b="1" dirty="0">
+                <a:solidFill>
+                  <a:srgbClr val="29303B"/>
+                </a:solidFill>
+              </a:rPr>
+              <a:t>We can see “</a:t>
+            </a:r>
+            <a:r>
+              <a:rPr lang="en-US" sz="1800" b="1" dirty="0" err="1">
+                <a:solidFill>
+                  <a:srgbClr val="29303B"/>
+                </a:solidFill>
+              </a:rPr>
+              <a:t>Tensorflw.ipynb</a:t>
+            </a:r>
+            <a:r>
+              <a:rPr lang="en-US" sz="1800" b="1" dirty="0">
+                <a:solidFill>
+                  <a:srgbClr val="29303B"/>
+                </a:solidFill>
+              </a:rPr>
+              <a:t>”</a:t>
+            </a:r>
+          </a:p>
+          <a:p>
+            <a:pPr marL="342900" indent="-342900" algn="l">
+              <a:buClr>
+                <a:srgbClr val="0070C0"/>
+              </a:buClr>
+              <a:buSzPct val="80000"/>
+              <a:buFont typeface="Wingdings" pitchFamily="2" charset="2"/>
+              <a:buChar char="u"/>
+            </a:pPr>
+            <a:r>
+              <a:rPr lang="en-US" sz="1800" b="1" i="0" dirty="0">
+                <a:solidFill>
+                  <a:srgbClr val="29303B"/>
+                </a:solidFill>
+                <a:effectLst/>
+              </a:rPr>
+              <a:t>Double click to open</a:t>
+            </a:r>
+          </a:p>
+        </p:txBody>
+      </p:sp>
+      <p:sp>
+        <p:nvSpPr>
+          <p:cNvPr id="4" name="標題 1"/>
+          <p:cNvSpPr txBox="1">
+            <a:spLocks/>
+          </p:cNvSpPr>
+          <p:nvPr/>
+        </p:nvSpPr>
+        <p:spPr>
+          <a:xfrm>
+            <a:off x="0" y="764704"/>
+            <a:ext cx="9144000" cy="360040"/>
+          </a:xfrm>
+          <a:prstGeom prst="rect">
+            <a:avLst/>
+          </a:prstGeom>
+          <a:gradFill flip="none" rotWithShape="1">
+            <a:gsLst>
+              <a:gs pos="0">
+                <a:srgbClr val="00B0F0">
+                  <a:shade val="30000"/>
+                  <a:satMod val="115000"/>
+                </a:srgbClr>
+              </a:gs>
+              <a:gs pos="50000">
+                <a:srgbClr val="00B0F0">
+                  <a:shade val="67500"/>
+                  <a:satMod val="115000"/>
+                </a:srgbClr>
+              </a:gs>
+              <a:gs pos="100000">
+                <a:srgbClr val="00B0F0">
+                  <a:shade val="100000"/>
+                  <a:satMod val="115000"/>
+                </a:srgbClr>
+              </a:gs>
+            </a:gsLst>
+            <a:path path="circle">
+              <a:fillToRect t="100000" r="100000"/>
+            </a:path>
+            <a:tileRect l="-100000" b="-100000"/>
+          </a:gradFill>
+        </p:spPr>
+        <p:txBody>
+          <a:bodyPr vert="horz" lIns="91440" tIns="45720" rIns="91440" bIns="45720" rtlCol="0" anchor="ctr">
+            <a:normAutofit/>
+          </a:bodyPr>
+          <a:lstStyle/>
+          <a:p>
+            <a:pPr lvl="0">
+              <a:spcBef>
+                <a:spcPct val="0"/>
+              </a:spcBef>
+            </a:pPr>
+            <a:r>
+              <a:rPr lang="en-US" sz="1600" dirty="0"/>
+              <a:t>https://github.com/peterhchen/930_Python_ML_DS_DL</a:t>
+            </a:r>
+            <a:endParaRPr kumimoji="0" lang="zh-TW" altLang="en-US" sz="1600" b="0" i="0" u="none" strike="noStrike" kern="1200" cap="none" spc="0" normalizeH="0" baseline="0" noProof="0" dirty="0">
+              <a:ln>
+                <a:noFill/>
+              </a:ln>
+              <a:solidFill>
+                <a:schemeClr val="tx1"/>
+              </a:solidFill>
+              <a:effectLst/>
+              <a:uLnTx/>
+              <a:uFillTx/>
+              <a:latin typeface="+mj-lt"/>
+              <a:ea typeface="+mj-ea"/>
+              <a:cs typeface="+mj-cs"/>
+            </a:endParaRPr>
+          </a:p>
+        </p:txBody>
+      </p:sp>
+      <p:sp>
+        <p:nvSpPr>
+          <p:cNvPr id="5" name="日期版面配置區 4"/>
+          <p:cNvSpPr>
+            <a:spLocks noGrp="1"/>
+          </p:cNvSpPr>
+          <p:nvPr>
+            <p:ph type="dt" sz="half" idx="10"/>
+          </p:nvPr>
+        </p:nvSpPr>
+        <p:spPr>
+          <a:xfrm>
+            <a:off x="457200" y="6343695"/>
+            <a:ext cx="2133600" cy="365125"/>
+          </a:xfrm>
+        </p:spPr>
+        <p:txBody>
+          <a:bodyPr/>
+          <a:lstStyle/>
+          <a:p>
+            <a:fld id="{A4F910E6-8D00-4BAF-8C48-9688E0B449D3}" type="datetime1">
+              <a:rPr lang="zh-TW" altLang="en-US" smtClean="0"/>
+              <a:pPr/>
+              <a:t>2020/9/24</a:t>
+            </a:fld>
+            <a:endParaRPr lang="zh-TW" altLang="en-US"/>
+          </a:p>
+        </p:txBody>
+      </p:sp>
+      <p:sp>
+        <p:nvSpPr>
+          <p:cNvPr id="6" name="投影片編號版面配置區 5"/>
+          <p:cNvSpPr>
+            <a:spLocks noGrp="1"/>
+          </p:cNvSpPr>
+          <p:nvPr>
+            <p:ph type="sldNum" sz="quarter" idx="12"/>
+          </p:nvPr>
+        </p:nvSpPr>
+        <p:spPr/>
+        <p:txBody>
+          <a:bodyPr/>
+          <a:lstStyle/>
+          <a:p>
+            <a:fld id="{E4D7E63D-91F2-4366-A2C4-1B00C9E2590E}" type="slidenum">
+              <a:rPr lang="zh-TW" altLang="en-US" smtClean="0"/>
+              <a:pPr/>
+              <a:t>22</a:t>
+            </a:fld>
+            <a:endParaRPr lang="zh-TW" altLang="en-US"/>
+          </a:p>
+        </p:txBody>
+      </p:sp>
+      <p:pic>
+        <p:nvPicPr>
+          <p:cNvPr id="9" name="Picture 8">
             <a:extLst>
               <a:ext uri="{FF2B5EF4-FFF2-40B4-BE49-F238E27FC236}">
-                <a16:creationId xmlns:a16="http://schemas.microsoft.com/office/drawing/2014/main" id="{E441ABD1-4629-43A1-A350-4BDCD5209807}"/>
+                <a16:creationId xmlns:a16="http://schemas.microsoft.com/office/drawing/2014/main" id="{0DD582E9-2185-4283-9458-9585A2EE2540}"/>
               </a:ext>
             </a:extLst>
           </p:cNvPr>
-          <p:cNvSpPr>
-            <a:spLocks noChangeArrowheads="1"/>
-          </p:cNvSpPr>
+          <p:cNvPicPr>
+            <a:picLocks noChangeAspect="1"/>
+          </p:cNvPicPr>
           <p:nvPr/>
-        </p:nvSpPr>
-        <p:spPr bwMode="auto">
-          <a:xfrm>
-            <a:off x="152400" y="152400"/>
-            <a:ext cx="3819525" cy="0"/>
+        </p:nvPicPr>
+        <p:blipFill>
+          <a:blip r:embed="rId2"/>
+          <a:stretch>
+            <a:fillRect/>
+          </a:stretch>
+        </p:blipFill>
+        <p:spPr>
+          <a:xfrm>
+            <a:off x="674104" y="2699611"/>
+            <a:ext cx="7795789" cy="3330986"/>
           </a:xfrm>
           <a:prstGeom prst="rect">
             <a:avLst/>
           </a:prstGeom>
-          <a:solidFill>
-            <a:srgbClr val="F9F9F9"/>
-          </a:solidFill>
           <a:ln>
-            <a:noFill/>
+            <a:solidFill>
+              <a:srgbClr val="C00000"/>
+            </a:solidFill>
           </a:ln>
-          <a:effectLst/>
-          <a:extLst>
-            <a:ext uri="{91240B29-F687-4F45-9708-019B960494DF}">
-              <a14:hiddenLine xmlns:a14="http://schemas.microsoft.com/office/drawing/2010/main" w="9525">
-                <a:solidFill>
-                  <a:schemeClr val="tx1"/>
-                </a:solidFill>
-                <a:miter lim="800000"/>
-                <a:headEnd/>
-                <a:tailEnd/>
-              </a14:hiddenLine>
-            </a:ext>
-            <a:ext uri="{AF507438-7753-43E0-B8FC-AC1667EBCBE1}">
-              <a14:hiddenEffects xmlns:a14="http://schemas.microsoft.com/office/drawing/2010/main">
-                <a:effectLst>
-                  <a:outerShdw dist="35921" dir="2700000" algn="ctr" rotWithShape="0">
-                    <a:schemeClr val="bg2"/>
-                  </a:outerShdw>
-                </a:effectLst>
-              </a14:hiddenEffects>
-            </a:ext>
-          </a:extLst>
-        </p:spPr>
-        <p:txBody>
-          <a:bodyPr vert="horz" wrap="square" lIns="91440" tIns="45720" rIns="91440" bIns="45720" numCol="1" anchor="ctr" anchorCtr="0" compatLnSpc="1">
-            <a:prstTxWarp prst="textNoShape">
-              <a:avLst/>
-            </a:prstTxWarp>
-            <a:spAutoFit/>
-          </a:bodyPr>
-          <a:lstStyle/>
-          <a:p>
-            <a:endParaRPr lang="en-US"/>
-          </a:p>
-        </p:txBody>
-      </p:sp>
+        </p:spPr>
+      </p:pic>
     </p:spTree>
     <p:extLst>
       <p:ext uri="{BB962C8B-B14F-4D97-AF65-F5344CB8AC3E}">
-        <p14:creationId xmlns:p14="http://schemas.microsoft.com/office/powerpoint/2010/main" val="863615227"/>
+        <p14:creationId xmlns:p14="http://schemas.microsoft.com/office/powerpoint/2010/main" val="3857927933"/>
       </p:ext>
     </p:extLst>
+  </p:cSld>
+  <p:clrMapOvr>
+    <a:masterClrMapping/>
+  </p:clrMapOvr>
+</p:sld>
+</file>
+
+<file path=ppt/slides/slide23.xml><?xml version="1.0" encoding="utf-8"?>
+<p:sld xmlns:a="http://schemas.openxmlformats.org/drawingml/2006/main" xmlns:r="http://schemas.openxmlformats.org/officeDocument/2006/relationships" xmlns:p="http://schemas.openxmlformats.org/presentationml/2006/main">
+  <p:cSld>
+    <p:spTree>
+      <p:nvGrpSpPr>
+        <p:cNvPr id="1" name=""/>
+        <p:cNvGrpSpPr/>
+        <p:nvPr/>
+      </p:nvGrpSpPr>
+      <p:grpSpPr>
+        <a:xfrm>
+          <a:off x="0" y="0"/>
+          <a:ext cx="0" cy="0"/>
+          <a:chOff x="0" y="0"/>
+          <a:chExt cx="0" cy="0"/>
+        </a:xfrm>
+      </p:grpSpPr>
+      <p:sp>
+        <p:nvSpPr>
+          <p:cNvPr id="2" name="標題 1"/>
+          <p:cNvSpPr>
+            <a:spLocks noGrp="1"/>
+          </p:cNvSpPr>
+          <p:nvPr>
+            <p:ph type="ctrTitle"/>
+          </p:nvPr>
+        </p:nvSpPr>
+        <p:spPr>
+          <a:xfrm>
+            <a:off x="0" y="2130425"/>
+            <a:ext cx="9144000" cy="1470025"/>
+          </a:xfrm>
+          <a:solidFill>
+            <a:srgbClr val="00B0F0"/>
+          </a:solidFill>
+        </p:spPr>
+        <p:txBody>
+          <a:bodyPr>
+            <a:normAutofit/>
+          </a:bodyPr>
+          <a:lstStyle/>
+          <a:p>
+            <a:r>
+              <a:rPr lang="en-US" altLang="zh-TW" sz="4800" b="1" dirty="0">
+                <a:solidFill>
+                  <a:srgbClr val="FFFF00"/>
+                </a:solidFill>
+              </a:rPr>
+              <a:t>2.7 Run Python Tensorflow</a:t>
+            </a:r>
+            <a:endParaRPr lang="zh-TW" altLang="en-US" sz="4800" b="1" dirty="0">
+              <a:solidFill>
+                <a:srgbClr val="FFFF00"/>
+              </a:solidFill>
+            </a:endParaRPr>
+          </a:p>
+        </p:txBody>
+      </p:sp>
+      <p:sp>
+        <p:nvSpPr>
+          <p:cNvPr id="3" name="副標題 2"/>
+          <p:cNvSpPr>
+            <a:spLocks noGrp="1"/>
+          </p:cNvSpPr>
+          <p:nvPr>
+            <p:ph type="subTitle" idx="1"/>
+          </p:nvPr>
+        </p:nvSpPr>
+        <p:spPr>
+          <a:xfrm>
+            <a:off x="1259632" y="4581128"/>
+            <a:ext cx="6400800" cy="694928"/>
+          </a:xfrm>
+        </p:spPr>
+        <p:txBody>
+          <a:bodyPr>
+            <a:normAutofit/>
+          </a:bodyPr>
+          <a:lstStyle/>
+          <a:p>
+            <a:r>
+              <a:rPr lang="en-US" altLang="zh-TW"/>
+              <a:t>Peter H. Chen</a:t>
+            </a:r>
+            <a:endParaRPr lang="zh-TW" altLang="en-US"/>
+          </a:p>
+        </p:txBody>
+      </p:sp>
+      <p:sp>
+        <p:nvSpPr>
+          <p:cNvPr id="5" name="日期版面配置區 4"/>
+          <p:cNvSpPr>
+            <a:spLocks noGrp="1"/>
+          </p:cNvSpPr>
+          <p:nvPr>
+            <p:ph type="dt" sz="half" idx="10"/>
+          </p:nvPr>
+        </p:nvSpPr>
+        <p:spPr/>
+        <p:txBody>
+          <a:bodyPr/>
+          <a:lstStyle/>
+          <a:p>
+            <a:fld id="{C389EDC9-19E3-47AC-9C57-C6A24DEA81AD}" type="datetime1">
+              <a:rPr lang="zh-TW" altLang="en-US" smtClean="0"/>
+              <a:pPr/>
+              <a:t>2020/9/24</a:t>
+            </a:fld>
+            <a:endParaRPr lang="zh-TW" altLang="en-US"/>
+          </a:p>
+        </p:txBody>
+      </p:sp>
+      <p:sp>
+        <p:nvSpPr>
+          <p:cNvPr id="6" name="投影片編號版面配置區 5"/>
+          <p:cNvSpPr>
+            <a:spLocks noGrp="1"/>
+          </p:cNvSpPr>
+          <p:nvPr>
+            <p:ph type="sldNum" sz="quarter" idx="12"/>
+          </p:nvPr>
+        </p:nvSpPr>
+        <p:spPr/>
+        <p:txBody>
+          <a:bodyPr/>
+          <a:lstStyle/>
+          <a:p>
+            <a:fld id="{E4D7E63D-91F2-4366-A2C4-1B00C9E2590E}" type="slidenum">
+              <a:rPr lang="zh-TW" altLang="en-US" smtClean="0"/>
+              <a:pPr/>
+              <a:t>23</a:t>
+            </a:fld>
+            <a:endParaRPr lang="zh-TW" altLang="en-US"/>
+          </a:p>
+        </p:txBody>
+      </p:sp>
+      <p:pic>
+        <p:nvPicPr>
+          <p:cNvPr id="7" name="Picture 6">
+            <a:extLst>
+              <a:ext uri="{FF2B5EF4-FFF2-40B4-BE49-F238E27FC236}">
+                <a16:creationId xmlns:a16="http://schemas.microsoft.com/office/drawing/2014/main" id="{1BE488C5-DA27-405E-9F7E-A4EF5DF95762}"/>
+              </a:ext>
+            </a:extLst>
+          </p:cNvPr>
+          <p:cNvPicPr>
+            <a:picLocks noChangeAspect="1"/>
+          </p:cNvPicPr>
+          <p:nvPr/>
+        </p:nvPicPr>
+        <p:blipFill>
+          <a:blip r:embed="rId2"/>
+          <a:stretch>
+            <a:fillRect/>
+          </a:stretch>
+        </p:blipFill>
+        <p:spPr>
+          <a:xfrm>
+            <a:off x="3923928" y="3695964"/>
+            <a:ext cx="1004960" cy="885164"/>
+          </a:xfrm>
+          <a:prstGeom prst="rect">
+            <a:avLst/>
+          </a:prstGeom>
+        </p:spPr>
+      </p:pic>
+    </p:spTree>
+    <p:extLst>
+      <p:ext uri="{BB962C8B-B14F-4D97-AF65-F5344CB8AC3E}">
+        <p14:creationId xmlns:p14="http://schemas.microsoft.com/office/powerpoint/2010/main" val="1773814922"/>
+      </p:ext>
+    </p:extLst>
+  </p:cSld>
+  <p:clrMapOvr>
+    <a:masterClrMapping/>
+  </p:clrMapOvr>
+</p:sld>
+</file>
+
+<file path=ppt/slides/slide24.xml><?xml version="1.0" encoding="utf-8"?>
+<p:sld xmlns:a="http://schemas.openxmlformats.org/drawingml/2006/main" xmlns:r="http://schemas.openxmlformats.org/officeDocument/2006/relationships" xmlns:p="http://schemas.openxmlformats.org/presentationml/2006/main">
+  <p:cSld>
+    <p:spTree>
+      <p:nvGrpSpPr>
+        <p:cNvPr id="1" name=""/>
+        <p:cNvGrpSpPr/>
+        <p:nvPr/>
+      </p:nvGrpSpPr>
+      <p:grpSpPr>
+        <a:xfrm>
+          <a:off x="0" y="0"/>
+          <a:ext cx="0" cy="0"/>
+          <a:chOff x="0" y="0"/>
+          <a:chExt cx="0" cy="0"/>
+        </a:xfrm>
+      </p:grpSpPr>
+      <p:sp>
+        <p:nvSpPr>
+          <p:cNvPr id="2" name="標題 1"/>
+          <p:cNvSpPr>
+            <a:spLocks noGrp="1"/>
+          </p:cNvSpPr>
+          <p:nvPr>
+            <p:ph type="ctrTitle"/>
+          </p:nvPr>
+        </p:nvSpPr>
+        <p:spPr>
+          <a:xfrm>
+            <a:off x="0" y="0"/>
+            <a:ext cx="9144000" cy="764704"/>
+          </a:xfrm>
+          <a:gradFill flip="none" rotWithShape="1">
+            <a:gsLst>
+              <a:gs pos="0">
+                <a:srgbClr val="C00000">
+                  <a:shade val="30000"/>
+                  <a:satMod val="115000"/>
+                </a:srgbClr>
+              </a:gs>
+              <a:gs pos="50000">
+                <a:srgbClr val="C00000">
+                  <a:shade val="67500"/>
+                  <a:satMod val="115000"/>
+                </a:srgbClr>
+              </a:gs>
+              <a:gs pos="100000">
+                <a:srgbClr val="C00000">
+                  <a:shade val="100000"/>
+                  <a:satMod val="115000"/>
+                </a:srgbClr>
+              </a:gs>
+            </a:gsLst>
+            <a:path path="circle">
+              <a:fillToRect t="100000" r="100000"/>
+            </a:path>
+            <a:tileRect l="-100000" b="-100000"/>
+          </a:gradFill>
+        </p:spPr>
+        <p:txBody>
+          <a:bodyPr>
+            <a:normAutofit/>
+          </a:bodyPr>
+          <a:lstStyle/>
+          <a:p>
+            <a:pPr algn="l"/>
+            <a:r>
+              <a:rPr lang="en-US" altLang="zh-TW" sz="4400" b="1" dirty="0">
+                <a:solidFill>
+                  <a:srgbClr val="FFFF00"/>
+                </a:solidFill>
+              </a:rPr>
+              <a:t>2.7 Run Python Tensorflow</a:t>
+            </a:r>
+            <a:endParaRPr lang="zh-TW" altLang="en-US" b="1" dirty="0">
+              <a:solidFill>
+                <a:srgbClr val="FFFF00"/>
+              </a:solidFill>
+            </a:endParaRPr>
+          </a:p>
+        </p:txBody>
+      </p:sp>
+      <p:sp>
+        <p:nvSpPr>
+          <p:cNvPr id="3" name="副標題 2"/>
+          <p:cNvSpPr>
+            <a:spLocks noGrp="1"/>
+          </p:cNvSpPr>
+          <p:nvPr>
+            <p:ph type="subTitle" idx="1"/>
+          </p:nvPr>
+        </p:nvSpPr>
+        <p:spPr>
+          <a:xfrm>
+            <a:off x="395537" y="1418787"/>
+            <a:ext cx="3528391" cy="1074109"/>
+          </a:xfrm>
+          <a:ln>
+            <a:solidFill>
+              <a:srgbClr val="C00000"/>
+            </a:solidFill>
+          </a:ln>
+        </p:spPr>
+        <p:txBody>
+          <a:bodyPr>
+            <a:noAutofit/>
+          </a:bodyPr>
+          <a:lstStyle/>
+          <a:p>
+            <a:pPr marL="342900" indent="-342900" algn="l">
+              <a:buClr>
+                <a:srgbClr val="0070C0"/>
+              </a:buClr>
+              <a:buSzPct val="80000"/>
+              <a:buFont typeface="Wingdings" pitchFamily="2" charset="2"/>
+              <a:buChar char="u"/>
+            </a:pPr>
+            <a:r>
+              <a:rPr lang="en-US" altLang="en-US" sz="1800" b="1" dirty="0">
+                <a:solidFill>
+                  <a:srgbClr val="29303B"/>
+                </a:solidFill>
+              </a:rPr>
+              <a:t>Run Python Tensorflow</a:t>
+            </a:r>
+          </a:p>
+          <a:p>
+            <a:pPr marL="342900" indent="-342900" algn="l">
+              <a:buClr>
+                <a:srgbClr val="0070C0"/>
+              </a:buClr>
+              <a:buSzPct val="80000"/>
+              <a:buFont typeface="Wingdings" pitchFamily="2" charset="2"/>
+              <a:buChar char="u"/>
+            </a:pPr>
+            <a:r>
+              <a:rPr lang="en-US" altLang="en-US" sz="1800" b="1" dirty="0">
+                <a:solidFill>
+                  <a:srgbClr val="29303B"/>
+                </a:solidFill>
+              </a:rPr>
+              <a:t>Under window 10</a:t>
+            </a:r>
+          </a:p>
+          <a:p>
+            <a:pPr marL="342900" indent="-342900" algn="l">
+              <a:buClr>
+                <a:srgbClr val="0070C0"/>
+              </a:buClr>
+              <a:buSzPct val="80000"/>
+              <a:buFont typeface="Wingdings" pitchFamily="2" charset="2"/>
+              <a:buChar char="u"/>
+            </a:pPr>
+            <a:r>
+              <a:rPr lang="en-US" altLang="en-US" sz="1800" b="1" dirty="0">
+                <a:solidFill>
+                  <a:srgbClr val="29303B"/>
+                </a:solidFill>
+              </a:rPr>
+              <a:t>Search “anaconda”</a:t>
+            </a:r>
+          </a:p>
+          <a:p>
+            <a:pPr marL="342900" indent="-342900" algn="l">
+              <a:buClr>
+                <a:srgbClr val="0070C0"/>
+              </a:buClr>
+              <a:buSzPct val="80000"/>
+              <a:buFont typeface="Wingdings" pitchFamily="2" charset="2"/>
+              <a:buChar char="u"/>
+            </a:pPr>
+            <a:endParaRPr lang="en-US" altLang="en-US" sz="1800" b="1" dirty="0">
+              <a:solidFill>
+                <a:srgbClr val="29303B"/>
+              </a:solidFill>
+            </a:endParaRPr>
+          </a:p>
+        </p:txBody>
+      </p:sp>
+      <p:sp>
+        <p:nvSpPr>
+          <p:cNvPr id="4" name="標題 1"/>
+          <p:cNvSpPr txBox="1">
+            <a:spLocks/>
+          </p:cNvSpPr>
+          <p:nvPr/>
+        </p:nvSpPr>
+        <p:spPr>
+          <a:xfrm>
+            <a:off x="0" y="764704"/>
+            <a:ext cx="9144000" cy="360040"/>
+          </a:xfrm>
+          <a:prstGeom prst="rect">
+            <a:avLst/>
+          </a:prstGeom>
+          <a:gradFill flip="none" rotWithShape="1">
+            <a:gsLst>
+              <a:gs pos="0">
+                <a:srgbClr val="00B0F0">
+                  <a:shade val="30000"/>
+                  <a:satMod val="115000"/>
+                </a:srgbClr>
+              </a:gs>
+              <a:gs pos="50000">
+                <a:srgbClr val="00B0F0">
+                  <a:shade val="67500"/>
+                  <a:satMod val="115000"/>
+                </a:srgbClr>
+              </a:gs>
+              <a:gs pos="100000">
+                <a:srgbClr val="00B0F0">
+                  <a:shade val="100000"/>
+                  <a:satMod val="115000"/>
+                </a:srgbClr>
+              </a:gs>
+            </a:gsLst>
+            <a:path path="circle">
+              <a:fillToRect t="100000" r="100000"/>
+            </a:path>
+            <a:tileRect l="-100000" b="-100000"/>
+          </a:gradFill>
+        </p:spPr>
+        <p:txBody>
+          <a:bodyPr vert="horz" lIns="91440" tIns="45720" rIns="91440" bIns="45720" rtlCol="0" anchor="ctr">
+            <a:normAutofit/>
+          </a:bodyPr>
+          <a:lstStyle/>
+          <a:p>
+            <a:pPr lvl="0">
+              <a:spcBef>
+                <a:spcPct val="0"/>
+              </a:spcBef>
+            </a:pPr>
+            <a:r>
+              <a:rPr lang="en-US" sz="1600" dirty="0"/>
+              <a:t>https://github.com/peterhchen/930_Python_ML_DS_DL</a:t>
+            </a:r>
+            <a:endParaRPr kumimoji="0" lang="zh-TW" altLang="en-US" sz="1600" b="0" i="0" u="none" strike="noStrike" kern="1200" cap="none" spc="0" normalizeH="0" baseline="0" noProof="0" dirty="0">
+              <a:ln>
+                <a:noFill/>
+              </a:ln>
+              <a:solidFill>
+                <a:schemeClr val="tx1"/>
+              </a:solidFill>
+              <a:effectLst/>
+              <a:uLnTx/>
+              <a:uFillTx/>
+              <a:latin typeface="+mj-lt"/>
+              <a:ea typeface="+mj-ea"/>
+              <a:cs typeface="+mj-cs"/>
+            </a:endParaRPr>
+          </a:p>
+        </p:txBody>
+      </p:sp>
+      <p:sp>
+        <p:nvSpPr>
+          <p:cNvPr id="5" name="日期版面配置區 4"/>
+          <p:cNvSpPr>
+            <a:spLocks noGrp="1"/>
+          </p:cNvSpPr>
+          <p:nvPr>
+            <p:ph type="dt" sz="half" idx="10"/>
+          </p:nvPr>
+        </p:nvSpPr>
+        <p:spPr>
+          <a:xfrm>
+            <a:off x="457200" y="6343695"/>
+            <a:ext cx="2133600" cy="365125"/>
+          </a:xfrm>
+        </p:spPr>
+        <p:txBody>
+          <a:bodyPr/>
+          <a:lstStyle/>
+          <a:p>
+            <a:fld id="{A4F910E6-8D00-4BAF-8C48-9688E0B449D3}" type="datetime1">
+              <a:rPr lang="zh-TW" altLang="en-US" smtClean="0"/>
+              <a:pPr/>
+              <a:t>2020/9/24</a:t>
+            </a:fld>
+            <a:endParaRPr lang="zh-TW" altLang="en-US"/>
+          </a:p>
+        </p:txBody>
+      </p:sp>
+      <p:sp>
+        <p:nvSpPr>
+          <p:cNvPr id="6" name="投影片編號版面配置區 5"/>
+          <p:cNvSpPr>
+            <a:spLocks noGrp="1"/>
+          </p:cNvSpPr>
+          <p:nvPr>
+            <p:ph type="sldNum" sz="quarter" idx="12"/>
+          </p:nvPr>
+        </p:nvSpPr>
+        <p:spPr/>
+        <p:txBody>
+          <a:bodyPr/>
+          <a:lstStyle/>
+          <a:p>
+            <a:fld id="{E4D7E63D-91F2-4366-A2C4-1B00C9E2590E}" type="slidenum">
+              <a:rPr lang="zh-TW" altLang="en-US" smtClean="0"/>
+              <a:pPr/>
+              <a:t>24</a:t>
+            </a:fld>
+            <a:endParaRPr lang="zh-TW" altLang="en-US"/>
+          </a:p>
+        </p:txBody>
+      </p:sp>
+      <p:pic>
+        <p:nvPicPr>
+          <p:cNvPr id="7" name="Picture 6">
+            <a:extLst>
+              <a:ext uri="{FF2B5EF4-FFF2-40B4-BE49-F238E27FC236}">
+                <a16:creationId xmlns:a16="http://schemas.microsoft.com/office/drawing/2014/main" id="{9EDFE498-C60C-4AE0-923B-2A325791B65C}"/>
+              </a:ext>
+            </a:extLst>
+          </p:cNvPr>
+          <p:cNvPicPr>
+            <a:picLocks noChangeAspect="1"/>
+          </p:cNvPicPr>
+          <p:nvPr/>
+        </p:nvPicPr>
+        <p:blipFill>
+          <a:blip r:embed="rId2"/>
+          <a:stretch>
+            <a:fillRect/>
+          </a:stretch>
+        </p:blipFill>
+        <p:spPr>
+          <a:xfrm>
+            <a:off x="4683678" y="1295870"/>
+            <a:ext cx="2908610" cy="5429405"/>
+          </a:xfrm>
+          <a:prstGeom prst="rect">
+            <a:avLst/>
+          </a:prstGeom>
+          <a:ln>
+            <a:solidFill>
+              <a:srgbClr val="C00000"/>
+            </a:solidFill>
+          </a:ln>
+        </p:spPr>
+      </p:pic>
+    </p:spTree>
+    <p:extLst>
+      <p:ext uri="{BB962C8B-B14F-4D97-AF65-F5344CB8AC3E}">
+        <p14:creationId xmlns:p14="http://schemas.microsoft.com/office/powerpoint/2010/main" val="2775507659"/>
+      </p:ext>
+    </p:extLst>
+  </p:cSld>
+  <p:clrMapOvr>
+    <a:masterClrMapping/>
+  </p:clrMapOvr>
+</p:sld>
+</file>
+
+<file path=ppt/slides/slide25.xml><?xml version="1.0" encoding="utf-8"?>
+<p:sld xmlns:a="http://schemas.openxmlformats.org/drawingml/2006/main" xmlns:r="http://schemas.openxmlformats.org/officeDocument/2006/relationships" xmlns:p="http://schemas.openxmlformats.org/presentationml/2006/main">
+  <p:cSld>
+    <p:spTree>
+      <p:nvGrpSpPr>
+        <p:cNvPr id="1" name=""/>
+        <p:cNvGrpSpPr/>
+        <p:nvPr/>
+      </p:nvGrpSpPr>
+      <p:grpSpPr>
+        <a:xfrm>
+          <a:off x="0" y="0"/>
+          <a:ext cx="0" cy="0"/>
+          <a:chOff x="0" y="0"/>
+          <a:chExt cx="0" cy="0"/>
+        </a:xfrm>
+      </p:grpSpPr>
+      <p:sp>
+        <p:nvSpPr>
+          <p:cNvPr id="2" name="標題 1"/>
+          <p:cNvSpPr>
+            <a:spLocks noGrp="1"/>
+          </p:cNvSpPr>
+          <p:nvPr>
+            <p:ph type="ctrTitle"/>
+          </p:nvPr>
+        </p:nvSpPr>
+        <p:spPr>
+          <a:xfrm>
+            <a:off x="0" y="0"/>
+            <a:ext cx="9144000" cy="764704"/>
+          </a:xfrm>
+          <a:gradFill flip="none" rotWithShape="1">
+            <a:gsLst>
+              <a:gs pos="0">
+                <a:srgbClr val="C00000">
+                  <a:shade val="30000"/>
+                  <a:satMod val="115000"/>
+                </a:srgbClr>
+              </a:gs>
+              <a:gs pos="50000">
+                <a:srgbClr val="C00000">
+                  <a:shade val="67500"/>
+                  <a:satMod val="115000"/>
+                </a:srgbClr>
+              </a:gs>
+              <a:gs pos="100000">
+                <a:srgbClr val="C00000">
+                  <a:shade val="100000"/>
+                  <a:satMod val="115000"/>
+                </a:srgbClr>
+              </a:gs>
+            </a:gsLst>
+            <a:path path="circle">
+              <a:fillToRect t="100000" r="100000"/>
+            </a:path>
+            <a:tileRect l="-100000" b="-100000"/>
+          </a:gradFill>
+        </p:spPr>
+        <p:txBody>
+          <a:bodyPr>
+            <a:normAutofit/>
+          </a:bodyPr>
+          <a:lstStyle/>
+          <a:p>
+            <a:pPr algn="l"/>
+            <a:r>
+              <a:rPr lang="en-US" altLang="zh-TW" sz="4400" b="1" dirty="0">
+                <a:solidFill>
+                  <a:srgbClr val="FFFF00"/>
+                </a:solidFill>
+              </a:rPr>
+              <a:t>2.7 Run Python Tensorflow</a:t>
+            </a:r>
+            <a:endParaRPr lang="zh-TW" altLang="en-US" b="1" dirty="0">
+              <a:solidFill>
+                <a:srgbClr val="FFFF00"/>
+              </a:solidFill>
+            </a:endParaRPr>
+          </a:p>
+        </p:txBody>
+      </p:sp>
+      <p:sp>
+        <p:nvSpPr>
+          <p:cNvPr id="3" name="副標題 2"/>
+          <p:cNvSpPr>
+            <a:spLocks noGrp="1"/>
+          </p:cNvSpPr>
+          <p:nvPr>
+            <p:ph type="subTitle" idx="1"/>
+          </p:nvPr>
+        </p:nvSpPr>
+        <p:spPr>
+          <a:xfrm>
+            <a:off x="395537" y="1418787"/>
+            <a:ext cx="8424935" cy="1650173"/>
+          </a:xfrm>
+          <a:ln>
+            <a:solidFill>
+              <a:srgbClr val="C00000"/>
+            </a:solidFill>
+          </a:ln>
+        </p:spPr>
+        <p:txBody>
+          <a:bodyPr>
+            <a:noAutofit/>
+          </a:bodyPr>
+          <a:lstStyle/>
+          <a:p>
+            <a:pPr marL="342900" indent="-342900" algn="l">
+              <a:buClr>
+                <a:srgbClr val="0070C0"/>
+              </a:buClr>
+              <a:buSzPct val="80000"/>
+              <a:buFont typeface="Wingdings" pitchFamily="2" charset="2"/>
+              <a:buChar char="u"/>
+            </a:pPr>
+            <a:r>
+              <a:rPr lang="en-US" altLang="en-US" sz="1800" b="1" dirty="0">
+                <a:solidFill>
+                  <a:srgbClr val="29303B"/>
+                </a:solidFill>
+              </a:rPr>
+              <a:t>Run Python Tensorflow</a:t>
+            </a:r>
+          </a:p>
+          <a:p>
+            <a:pPr marL="342900" indent="-342900" algn="l">
+              <a:buClr>
+                <a:srgbClr val="0070C0"/>
+              </a:buClr>
+              <a:buSzPct val="80000"/>
+              <a:buFont typeface="Wingdings" pitchFamily="2" charset="2"/>
+              <a:buChar char="u"/>
+            </a:pPr>
+            <a:r>
+              <a:rPr lang="en-US" altLang="en-US" sz="1800" b="1" dirty="0">
+                <a:solidFill>
+                  <a:srgbClr val="29303B"/>
+                </a:solidFill>
+              </a:rPr>
+              <a:t>Activate TensorFlow environment</a:t>
+            </a:r>
+          </a:p>
+          <a:p>
+            <a:pPr marL="342900" indent="-342900" algn="l">
+              <a:buClr>
+                <a:srgbClr val="0070C0"/>
+              </a:buClr>
+              <a:buSzPct val="80000"/>
+              <a:buFont typeface="Wingdings" pitchFamily="2" charset="2"/>
+              <a:buChar char="u"/>
+            </a:pPr>
+            <a:r>
+              <a:rPr lang="en-US" altLang="en-US" sz="1800" b="1" dirty="0">
+                <a:solidFill>
+                  <a:srgbClr val="29303B"/>
+                </a:solidFill>
+              </a:rPr>
+              <a:t>(base) &gt; conda activate tensorflow</a:t>
+            </a:r>
+          </a:p>
+          <a:p>
+            <a:pPr marL="342900" indent="-342900" algn="l">
+              <a:buClr>
+                <a:srgbClr val="0070C0"/>
+              </a:buClr>
+              <a:buSzPct val="80000"/>
+              <a:buFont typeface="Wingdings" pitchFamily="2" charset="2"/>
+              <a:buChar char="u"/>
+            </a:pPr>
+            <a:r>
+              <a:rPr lang="en-US" altLang="en-US" sz="1800" b="1" dirty="0">
+                <a:solidFill>
+                  <a:srgbClr val="29303B"/>
+                </a:solidFill>
+              </a:rPr>
+              <a:t>(tensorflow) &gt; cd [work folder]</a:t>
+            </a:r>
+          </a:p>
+          <a:p>
+            <a:pPr marL="342900" indent="-342900" algn="l">
+              <a:buClr>
+                <a:srgbClr val="0070C0"/>
+              </a:buClr>
+              <a:buSzPct val="80000"/>
+              <a:buFont typeface="Wingdings" pitchFamily="2" charset="2"/>
+              <a:buChar char="u"/>
+            </a:pPr>
+            <a:r>
+              <a:rPr lang="en-US" altLang="en-US" sz="1800" b="1" dirty="0">
+                <a:solidFill>
+                  <a:srgbClr val="29303B"/>
+                </a:solidFill>
+              </a:rPr>
+              <a:t>(tensorflow) &gt; [work folder] &gt; python 01_tnesorflow_01.py </a:t>
+            </a:r>
+          </a:p>
+          <a:p>
+            <a:pPr marL="342900" indent="-342900" algn="l">
+              <a:buClr>
+                <a:srgbClr val="0070C0"/>
+              </a:buClr>
+              <a:buSzPct val="80000"/>
+              <a:buFont typeface="Wingdings" pitchFamily="2" charset="2"/>
+              <a:buChar char="u"/>
+            </a:pPr>
+            <a:endParaRPr lang="en-US" altLang="en-US" sz="1800" b="1" dirty="0">
+              <a:solidFill>
+                <a:srgbClr val="29303B"/>
+              </a:solidFill>
+            </a:endParaRPr>
+          </a:p>
+        </p:txBody>
+      </p:sp>
+      <p:sp>
+        <p:nvSpPr>
+          <p:cNvPr id="4" name="標題 1"/>
+          <p:cNvSpPr txBox="1">
+            <a:spLocks/>
+          </p:cNvSpPr>
+          <p:nvPr/>
+        </p:nvSpPr>
+        <p:spPr>
+          <a:xfrm>
+            <a:off x="0" y="764704"/>
+            <a:ext cx="9144000" cy="360040"/>
+          </a:xfrm>
+          <a:prstGeom prst="rect">
+            <a:avLst/>
+          </a:prstGeom>
+          <a:gradFill flip="none" rotWithShape="1">
+            <a:gsLst>
+              <a:gs pos="0">
+                <a:srgbClr val="00B0F0">
+                  <a:shade val="30000"/>
+                  <a:satMod val="115000"/>
+                </a:srgbClr>
+              </a:gs>
+              <a:gs pos="50000">
+                <a:srgbClr val="00B0F0">
+                  <a:shade val="67500"/>
+                  <a:satMod val="115000"/>
+                </a:srgbClr>
+              </a:gs>
+              <a:gs pos="100000">
+                <a:srgbClr val="00B0F0">
+                  <a:shade val="100000"/>
+                  <a:satMod val="115000"/>
+                </a:srgbClr>
+              </a:gs>
+            </a:gsLst>
+            <a:path path="circle">
+              <a:fillToRect t="100000" r="100000"/>
+            </a:path>
+            <a:tileRect l="-100000" b="-100000"/>
+          </a:gradFill>
+        </p:spPr>
+        <p:txBody>
+          <a:bodyPr vert="horz" lIns="91440" tIns="45720" rIns="91440" bIns="45720" rtlCol="0" anchor="ctr">
+            <a:normAutofit/>
+          </a:bodyPr>
+          <a:lstStyle/>
+          <a:p>
+            <a:pPr lvl="0">
+              <a:spcBef>
+                <a:spcPct val="0"/>
+              </a:spcBef>
+            </a:pPr>
+            <a:r>
+              <a:rPr lang="en-US" sz="1600" dirty="0"/>
+              <a:t>https://github.com/peterhchen/930_Python_ML_DS_DL</a:t>
+            </a:r>
+            <a:endParaRPr kumimoji="0" lang="zh-TW" altLang="en-US" sz="1600" b="0" i="0" u="none" strike="noStrike" kern="1200" cap="none" spc="0" normalizeH="0" baseline="0" noProof="0" dirty="0">
+              <a:ln>
+                <a:noFill/>
+              </a:ln>
+              <a:solidFill>
+                <a:schemeClr val="tx1"/>
+              </a:solidFill>
+              <a:effectLst/>
+              <a:uLnTx/>
+              <a:uFillTx/>
+              <a:latin typeface="+mj-lt"/>
+              <a:ea typeface="+mj-ea"/>
+              <a:cs typeface="+mj-cs"/>
+            </a:endParaRPr>
+          </a:p>
+        </p:txBody>
+      </p:sp>
+      <p:sp>
+        <p:nvSpPr>
+          <p:cNvPr id="5" name="日期版面配置區 4"/>
+          <p:cNvSpPr>
+            <a:spLocks noGrp="1"/>
+          </p:cNvSpPr>
+          <p:nvPr>
+            <p:ph type="dt" sz="half" idx="10"/>
+          </p:nvPr>
+        </p:nvSpPr>
+        <p:spPr>
+          <a:xfrm>
+            <a:off x="457200" y="6343695"/>
+            <a:ext cx="2133600" cy="365125"/>
+          </a:xfrm>
+        </p:spPr>
+        <p:txBody>
+          <a:bodyPr/>
+          <a:lstStyle/>
+          <a:p>
+            <a:fld id="{A4F910E6-8D00-4BAF-8C48-9688E0B449D3}" type="datetime1">
+              <a:rPr lang="zh-TW" altLang="en-US" smtClean="0"/>
+              <a:pPr/>
+              <a:t>2020/9/24</a:t>
+            </a:fld>
+            <a:endParaRPr lang="zh-TW" altLang="en-US"/>
+          </a:p>
+        </p:txBody>
+      </p:sp>
+      <p:sp>
+        <p:nvSpPr>
+          <p:cNvPr id="6" name="投影片編號版面配置區 5"/>
+          <p:cNvSpPr>
+            <a:spLocks noGrp="1"/>
+          </p:cNvSpPr>
+          <p:nvPr>
+            <p:ph type="sldNum" sz="quarter" idx="12"/>
+          </p:nvPr>
+        </p:nvSpPr>
+        <p:spPr/>
+        <p:txBody>
+          <a:bodyPr/>
+          <a:lstStyle/>
+          <a:p>
+            <a:fld id="{E4D7E63D-91F2-4366-A2C4-1B00C9E2590E}" type="slidenum">
+              <a:rPr lang="zh-TW" altLang="en-US" smtClean="0"/>
+              <a:pPr/>
+              <a:t>25</a:t>
+            </a:fld>
+            <a:endParaRPr lang="zh-TW" altLang="en-US"/>
+          </a:p>
+        </p:txBody>
+      </p:sp>
+      <p:pic>
+        <p:nvPicPr>
+          <p:cNvPr id="8" name="Picture 7">
+            <a:extLst>
+              <a:ext uri="{FF2B5EF4-FFF2-40B4-BE49-F238E27FC236}">
+                <a16:creationId xmlns:a16="http://schemas.microsoft.com/office/drawing/2014/main" id="{A942202C-0542-486C-A0C6-389EBCF1A396}"/>
+              </a:ext>
+            </a:extLst>
+          </p:cNvPr>
+          <p:cNvPicPr>
+            <a:picLocks noChangeAspect="1"/>
+          </p:cNvPicPr>
+          <p:nvPr/>
+        </p:nvPicPr>
+        <p:blipFill>
+          <a:blip r:embed="rId2"/>
+          <a:stretch>
+            <a:fillRect/>
+          </a:stretch>
+        </p:blipFill>
+        <p:spPr>
+          <a:xfrm>
+            <a:off x="791073" y="3288690"/>
+            <a:ext cx="7703840" cy="3021221"/>
+          </a:xfrm>
+          <a:prstGeom prst="rect">
+            <a:avLst/>
+          </a:prstGeom>
+          <a:ln>
+            <a:solidFill>
+              <a:srgbClr val="C00000"/>
+            </a:solidFill>
+          </a:ln>
+        </p:spPr>
+      </p:pic>
+    </p:spTree>
+    <p:extLst>
+      <p:ext uri="{BB962C8B-B14F-4D97-AF65-F5344CB8AC3E}">
+        <p14:creationId xmlns:p14="http://schemas.microsoft.com/office/powerpoint/2010/main" val="3066294093"/>
+      </p:ext>
+    </p:extLst>
+  </p:cSld>
+  <p:clrMapOvr>
+    <a:masterClrMapping/>
+  </p:clrMapOvr>
+</p:sld>
+</file>
+
+<file path=ppt/slides/slide26.xml><?xml version="1.0" encoding="utf-8"?>
+<p:sld xmlns:a="http://schemas.openxmlformats.org/drawingml/2006/main" xmlns:r="http://schemas.openxmlformats.org/officeDocument/2006/relationships" xmlns:p="http://schemas.openxmlformats.org/presentationml/2006/main">
+  <p:cSld>
+    <p:spTree>
+      <p:nvGrpSpPr>
+        <p:cNvPr id="1" name=""/>
+        <p:cNvGrpSpPr/>
+        <p:nvPr/>
+      </p:nvGrpSpPr>
+      <p:grpSpPr>
+        <a:xfrm>
+          <a:off x="0" y="0"/>
+          <a:ext cx="0" cy="0"/>
+          <a:chOff x="0" y="0"/>
+          <a:chExt cx="0" cy="0"/>
+        </a:xfrm>
+      </p:grpSpPr>
+      <p:sp>
+        <p:nvSpPr>
+          <p:cNvPr id="2" name="標題 1"/>
+          <p:cNvSpPr>
+            <a:spLocks noGrp="1"/>
+          </p:cNvSpPr>
+          <p:nvPr>
+            <p:ph type="ctrTitle"/>
+          </p:nvPr>
+        </p:nvSpPr>
+        <p:spPr>
+          <a:xfrm>
+            <a:off x="0" y="2130425"/>
+            <a:ext cx="9144000" cy="1470025"/>
+          </a:xfrm>
+          <a:gradFill flip="none" rotWithShape="1">
+            <a:gsLst>
+              <a:gs pos="0">
+                <a:srgbClr val="00B0F0">
+                  <a:shade val="30000"/>
+                  <a:satMod val="115000"/>
+                </a:srgbClr>
+              </a:gs>
+              <a:gs pos="50000">
+                <a:srgbClr val="00B0F0">
+                  <a:shade val="67500"/>
+                  <a:satMod val="115000"/>
+                </a:srgbClr>
+              </a:gs>
+              <a:gs pos="100000">
+                <a:srgbClr val="00B0F0">
+                  <a:shade val="100000"/>
+                  <a:satMod val="115000"/>
+                </a:srgbClr>
+              </a:gs>
+            </a:gsLst>
+            <a:path path="circle">
+              <a:fillToRect t="100000" r="100000"/>
+            </a:path>
+            <a:tileRect l="-100000" b="-100000"/>
+          </a:gradFill>
+        </p:spPr>
+        <p:txBody>
+          <a:bodyPr>
+            <a:normAutofit/>
+          </a:bodyPr>
+          <a:lstStyle/>
+          <a:p>
+            <a:r>
+              <a:rPr lang="en-US" altLang="zh-TW" sz="6000" b="1">
+                <a:solidFill>
+                  <a:srgbClr val="FFFF00"/>
+                </a:solidFill>
+              </a:rPr>
+              <a:t>End of Chapter</a:t>
+            </a:r>
+            <a:endParaRPr lang="zh-TW" altLang="en-US" sz="6000" b="1">
+              <a:solidFill>
+                <a:srgbClr val="FFFF00"/>
+              </a:solidFill>
+            </a:endParaRPr>
+          </a:p>
+        </p:txBody>
+      </p:sp>
+      <p:sp>
+        <p:nvSpPr>
+          <p:cNvPr id="5" name="日期版面配置區 4"/>
+          <p:cNvSpPr>
+            <a:spLocks noGrp="1"/>
+          </p:cNvSpPr>
+          <p:nvPr>
+            <p:ph type="dt" sz="half" idx="10"/>
+          </p:nvPr>
+        </p:nvSpPr>
+        <p:spPr/>
+        <p:txBody>
+          <a:bodyPr/>
+          <a:lstStyle/>
+          <a:p>
+            <a:fld id="{4E46BE27-E923-4EC2-B046-3272AE2A3E5C}" type="datetime1">
+              <a:rPr lang="zh-TW" altLang="en-US" smtClean="0"/>
+              <a:pPr/>
+              <a:t>2020/9/24</a:t>
+            </a:fld>
+            <a:endParaRPr lang="zh-TW" altLang="en-US"/>
+          </a:p>
+        </p:txBody>
+      </p:sp>
+      <p:sp>
+        <p:nvSpPr>
+          <p:cNvPr id="6" name="投影片編號版面配置區 5"/>
+          <p:cNvSpPr>
+            <a:spLocks noGrp="1"/>
+          </p:cNvSpPr>
+          <p:nvPr>
+            <p:ph type="sldNum" sz="quarter" idx="12"/>
+          </p:nvPr>
+        </p:nvSpPr>
+        <p:spPr/>
+        <p:txBody>
+          <a:bodyPr/>
+          <a:lstStyle/>
+          <a:p>
+            <a:fld id="{E4D7E63D-91F2-4366-A2C4-1B00C9E2590E}" type="slidenum">
+              <a:rPr lang="zh-TW" altLang="en-US" smtClean="0"/>
+              <a:pPr/>
+              <a:t>26</a:t>
+            </a:fld>
+            <a:endParaRPr lang="zh-TW" altLang="en-US"/>
+          </a:p>
+        </p:txBody>
+      </p:sp>
+    </p:spTree>
   </p:cSld>
   <p:clrMapOvr>
     <a:masterClrMapping/>
@@ -7147,7 +9956,7 @@
         </p:spPr>
         <p:txBody>
           <a:bodyPr>
-            <a:normAutofit fontScale="90000"/>
+            <a:normAutofit/>
           </a:bodyPr>
           <a:lstStyle/>
           <a:p>
@@ -7157,7 +9966,7 @@
                   <a:srgbClr val="FFFF00"/>
                 </a:solidFill>
               </a:rPr>
-              <a:t>94.1 Create Tensorflow Environment</a:t>
+              <a:t>2.1 Install Anaconda</a:t>
             </a:r>
             <a:endParaRPr lang="zh-TW" altLang="en-US" sz="4800" b="1" dirty="0">
               <a:solidFill>
@@ -7330,7 +10139,7 @@
                   <a:srgbClr val="FFFF00"/>
                 </a:solidFill>
               </a:rPr>
-              <a:t>94.1 Create Tensorflow Environment</a:t>
+              <a:t>2.1 Install Anaconda</a:t>
             </a:r>
             <a:endParaRPr lang="zh-TW" altLang="en-US" b="1" dirty="0">
               <a:solidFill>
@@ -7353,7 +10162,7 @@
         <p:spPr>
           <a:xfrm>
             <a:off x="426368" y="1418786"/>
-            <a:ext cx="8291263" cy="1578166"/>
+            <a:ext cx="8291263" cy="714070"/>
           </a:xfrm>
           <a:ln>
             <a:solidFill>
@@ -7381,7 +10190,7 @@
                   <a:srgbClr val="29303B"/>
                 </a:solidFill>
               </a:rPr>
-              <a:t>Create Tensorflow Environment</a:t>
+              <a:t>Install Anaconda</a:t>
             </a:r>
           </a:p>
           <a:p>
@@ -7394,17 +10203,12 @@
               <a:buChar char="u"/>
             </a:pPr>
             <a:r>
-              <a:rPr kumimoji="0" lang="en-US" altLang="en-US" sz="2000" b="1" i="0" u="none" strike="noStrike" cap="none" normalizeH="0" baseline="0" dirty="0">
-                <a:ln>
-                  <a:noFill/>
-                </a:ln>
-                <a:solidFill>
-                  <a:schemeClr val="tx1"/>
-                </a:solidFill>
-                <a:effectLst/>
-                <a:latin typeface="var(--ytd-video-primary-info-renderer-title-font-family, inherit)"/>
+              <a:rPr lang="en-US" altLang="en-US" sz="1800" b="1" dirty="0">
+                <a:solidFill>
+                  <a:srgbClr val="29303B"/>
+                </a:solidFill>
               </a:rPr>
-              <a:t>2020, Installing TensorFlow 2.0, Keras, and Python 3.7 in Windows 10</a:t>
+              <a:t>Google search for “Anaconda download” and select “Individual Edition”.</a:t>
             </a:r>
           </a:p>
           <a:p>
@@ -7416,29 +10220,10 @@
               <a:buFont typeface="Wingdings" pitchFamily="2" charset="2"/>
               <a:buChar char="u"/>
             </a:pPr>
-            <a:r>
-              <a:rPr lang="en-US" altLang="en-US" sz="2000" b="1" dirty="0">
-                <a:solidFill>
-                  <a:schemeClr val="tx1"/>
-                </a:solidFill>
-                <a:latin typeface="var(--ytd-video-primary-info-renderer-title-font-family, inherit)"/>
-              </a:rPr>
-              <a:t>Download the </a:t>
-            </a:r>
-            <a:r>
-              <a:rPr lang="en-US" altLang="en-US" sz="2000" b="1" dirty="0" err="1">
-                <a:solidFill>
-                  <a:schemeClr val="tx1"/>
-                </a:solidFill>
-                <a:latin typeface="var(--ytd-video-primary-info-renderer-title-font-family, inherit)"/>
-              </a:rPr>
-              <a:t>tensroflow.yml</a:t>
-            </a:r>
-            <a:endParaRPr lang="en-US" altLang="en-US" sz="2000" b="1" dirty="0">
+            <a:endParaRPr lang="en-US" altLang="en-US" sz="1800" b="1" dirty="0">
               <a:solidFill>
-                <a:schemeClr val="tx1"/>
+                <a:srgbClr val="29303B"/>
               </a:solidFill>
-              <a:latin typeface="var(--ytd-video-primary-info-renderer-title-font-family, inherit)"/>
             </a:endParaRPr>
           </a:p>
           <a:p>
@@ -7450,19 +10235,31 @@
               <a:buFont typeface="Wingdings" pitchFamily="2" charset="2"/>
               <a:buChar char="u"/>
             </a:pPr>
-            <a:r>
-              <a:rPr kumimoji="0" lang="en-US" altLang="en-US" sz="2000" b="1" i="0" u="none" strike="noStrike" cap="none" normalizeH="0" baseline="0" dirty="0">
-                <a:ln>
-                  <a:noFill/>
-                </a:ln>
-                <a:solidFill>
-                  <a:schemeClr val="tx1"/>
-                </a:solidFill>
-                <a:effectLst/>
-                <a:latin typeface="var(--ytd-video-primary-info-renderer-title-font-family, inherit)"/>
-              </a:rPr>
-              <a:t>This file contains the environment setup for us.</a:t>
-            </a:r>
+            <a:endParaRPr lang="en-US" altLang="en-US" sz="1800" b="1" dirty="0">
+              <a:solidFill>
+                <a:srgbClr val="29303B"/>
+              </a:solidFill>
+            </a:endParaRPr>
+          </a:p>
+          <a:p>
+            <a:pPr marL="342900" indent="-342900" algn="l">
+              <a:buClr>
+                <a:srgbClr val="0070C0"/>
+              </a:buClr>
+              <a:buSzPct val="80000"/>
+              <a:buFont typeface="Wingdings" pitchFamily="2" charset="2"/>
+              <a:buChar char="u"/>
+            </a:pPr>
+            <a:endParaRPr kumimoji="0" lang="en-US" altLang="en-US" sz="2000" b="1" i="0" u="none" strike="noStrike" cap="none" normalizeH="0" baseline="0" dirty="0">
+              <a:ln>
+                <a:noFill/>
+              </a:ln>
+              <a:solidFill>
+                <a:schemeClr val="tx1"/>
+              </a:solidFill>
+              <a:effectLst/>
+              <a:latin typeface="var(--ytd-video-primary-info-renderer-title-font-family, inherit)"/>
+            </a:endParaRPr>
           </a:p>
         </p:txBody>
       </p:sp>
@@ -7790,10 +10587,10 @@
       </p:sp>
       <p:pic>
         <p:nvPicPr>
-          <p:cNvPr id="23" name="Picture 22">
+          <p:cNvPr id="7" name="Picture 6">
             <a:extLst>
               <a:ext uri="{FF2B5EF4-FFF2-40B4-BE49-F238E27FC236}">
-                <a16:creationId xmlns:a16="http://schemas.microsoft.com/office/drawing/2014/main" id="{177A1777-1F03-41BF-B0C3-E11965306E06}"/>
+                <a16:creationId xmlns:a16="http://schemas.microsoft.com/office/drawing/2014/main" id="{FEE5DBE9-F142-4BB2-880D-D4A3D0D725CC}"/>
               </a:ext>
             </a:extLst>
           </p:cNvPr>
@@ -7810,8 +10607,8 @@
         </p:blipFill>
         <p:spPr>
           <a:xfrm>
-            <a:off x="6156176" y="2383671"/>
-            <a:ext cx="2636378" cy="4138216"/>
+            <a:off x="1368177" y="2262337"/>
+            <a:ext cx="5436096" cy="3986470"/>
           </a:xfrm>
           <a:prstGeom prst="rect">
             <a:avLst/>
@@ -7826,7 +10623,7 @@
     </p:spTree>
     <p:extLst>
       <p:ext uri="{BB962C8B-B14F-4D97-AF65-F5344CB8AC3E}">
-        <p14:creationId xmlns:p14="http://schemas.microsoft.com/office/powerpoint/2010/main" val="3778792603"/>
+        <p14:creationId xmlns:p14="http://schemas.microsoft.com/office/powerpoint/2010/main" val="4221128172"/>
       </p:ext>
     </p:extLst>
   </p:cSld>
@@ -7865,155 +10662,6 @@
         </p:nvSpPr>
         <p:spPr>
           <a:xfrm>
-            <a:off x="0" y="2130425"/>
-            <a:ext cx="9144000" cy="1470025"/>
-          </a:xfrm>
-          <a:solidFill>
-            <a:srgbClr val="00B0F0"/>
-          </a:solidFill>
-        </p:spPr>
-        <p:txBody>
-          <a:bodyPr>
-            <a:normAutofit/>
-          </a:bodyPr>
-          <a:lstStyle/>
-          <a:p>
-            <a:r>
-              <a:rPr lang="en-US" altLang="zh-TW" sz="4800" b="1" dirty="0">
-                <a:solidFill>
-                  <a:srgbClr val="FFFF00"/>
-                </a:solidFill>
-              </a:rPr>
-              <a:t>94.2 Install Jupyter</a:t>
-            </a:r>
-            <a:endParaRPr lang="zh-TW" altLang="en-US" sz="4800" b="1" dirty="0">
-              <a:solidFill>
-                <a:srgbClr val="FFFF00"/>
-              </a:solidFill>
-            </a:endParaRPr>
-          </a:p>
-        </p:txBody>
-      </p:sp>
-      <p:sp>
-        <p:nvSpPr>
-          <p:cNvPr id="5" name="日期版面配置區 4"/>
-          <p:cNvSpPr>
-            <a:spLocks noGrp="1"/>
-          </p:cNvSpPr>
-          <p:nvPr>
-            <p:ph type="dt" sz="half" idx="10"/>
-          </p:nvPr>
-        </p:nvSpPr>
-        <p:spPr/>
-        <p:txBody>
-          <a:bodyPr/>
-          <a:lstStyle/>
-          <a:p>
-            <a:fld id="{C389EDC9-19E3-47AC-9C57-C6A24DEA81AD}" type="datetime1">
-              <a:rPr lang="zh-TW" altLang="en-US" smtClean="0"/>
-              <a:pPr/>
-              <a:t>2020/9/24</a:t>
-            </a:fld>
-            <a:endParaRPr lang="zh-TW" altLang="en-US"/>
-          </a:p>
-        </p:txBody>
-      </p:sp>
-      <p:sp>
-        <p:nvSpPr>
-          <p:cNvPr id="6" name="投影片編號版面配置區 5"/>
-          <p:cNvSpPr>
-            <a:spLocks noGrp="1"/>
-          </p:cNvSpPr>
-          <p:nvPr>
-            <p:ph type="sldNum" sz="quarter" idx="12"/>
-          </p:nvPr>
-        </p:nvSpPr>
-        <p:spPr/>
-        <p:txBody>
-          <a:bodyPr/>
-          <a:lstStyle/>
-          <a:p>
-            <a:fld id="{E4D7E63D-91F2-4366-A2C4-1B00C9E2590E}" type="slidenum">
-              <a:rPr lang="zh-TW" altLang="en-US" smtClean="0"/>
-              <a:pPr/>
-              <a:t>5</a:t>
-            </a:fld>
-            <a:endParaRPr lang="zh-TW" altLang="en-US"/>
-          </a:p>
-        </p:txBody>
-      </p:sp>
-      <p:pic>
-        <p:nvPicPr>
-          <p:cNvPr id="7" name="Picture 6">
-            <a:extLst>
-              <a:ext uri="{FF2B5EF4-FFF2-40B4-BE49-F238E27FC236}">
-                <a16:creationId xmlns:a16="http://schemas.microsoft.com/office/drawing/2014/main" id="{1BE488C5-DA27-405E-9F7E-A4EF5DF95762}"/>
-              </a:ext>
-            </a:extLst>
-          </p:cNvPr>
-          <p:cNvPicPr>
-            <a:picLocks noChangeAspect="1"/>
-          </p:cNvPicPr>
-          <p:nvPr/>
-        </p:nvPicPr>
-        <p:blipFill>
-          <a:blip r:embed="rId2"/>
-          <a:stretch>
-            <a:fillRect/>
-          </a:stretch>
-        </p:blipFill>
-        <p:spPr>
-          <a:xfrm>
-            <a:off x="3923928" y="3695964"/>
-            <a:ext cx="1004960" cy="885164"/>
-          </a:xfrm>
-          <a:prstGeom prst="rect">
-            <a:avLst/>
-          </a:prstGeom>
-        </p:spPr>
-      </p:pic>
-    </p:spTree>
-    <p:extLst>
-      <p:ext uri="{BB962C8B-B14F-4D97-AF65-F5344CB8AC3E}">
-        <p14:creationId xmlns:p14="http://schemas.microsoft.com/office/powerpoint/2010/main" val="663254221"/>
-      </p:ext>
-    </p:extLst>
-  </p:cSld>
-  <p:clrMapOvr>
-    <a:masterClrMapping/>
-  </p:clrMapOvr>
-</p:sld>
-</file>
-
-<file path=ppt/slides/slide6.xml><?xml version="1.0" encoding="utf-8"?>
-<p:sld xmlns:a="http://schemas.openxmlformats.org/drawingml/2006/main" xmlns:r="http://schemas.openxmlformats.org/officeDocument/2006/relationships" xmlns:p="http://schemas.openxmlformats.org/presentationml/2006/main">
-  <p:cSld>
-    <p:spTree>
-      <p:nvGrpSpPr>
-        <p:cNvPr id="1" name=""/>
-        <p:cNvGrpSpPr/>
-        <p:nvPr/>
-      </p:nvGrpSpPr>
-      <p:grpSpPr>
-        <a:xfrm>
-          <a:off x="0" y="0"/>
-          <a:ext cx="0" cy="0"/>
-          <a:chOff x="0" y="0"/>
-          <a:chExt cx="0" cy="0"/>
-        </a:xfrm>
-      </p:grpSpPr>
-      <p:sp>
-        <p:nvSpPr>
-          <p:cNvPr id="2" name="標題 1"/>
-          <p:cNvSpPr>
-            <a:spLocks noGrp="1"/>
-          </p:cNvSpPr>
-          <p:nvPr>
-            <p:ph type="ctrTitle"/>
-          </p:nvPr>
-        </p:nvSpPr>
-        <p:spPr>
-          <a:xfrm>
             <a:off x="0" y="0"/>
             <a:ext cx="9144000" cy="764704"/>
           </a:xfrm>
@@ -8057,7 +10705,7 @@
                   <a:srgbClr val="FFFF00"/>
                 </a:solidFill>
               </a:rPr>
-              <a:t>94.2 Install Jupyter</a:t>
+              <a:t>2.1 Install Anaconda</a:t>
             </a:r>
             <a:endParaRPr lang="zh-TW" altLang="en-US" b="1" dirty="0">
               <a:solidFill>
@@ -8079,8 +10727,8 @@
         </p:nvSpPr>
         <p:spPr>
           <a:xfrm>
-            <a:off x="365761" y="1312209"/>
-            <a:ext cx="3198127" cy="1756751"/>
+            <a:off x="426368" y="1418786"/>
+            <a:ext cx="8291263" cy="714070"/>
           </a:xfrm>
           <a:ln>
             <a:solidFill>
@@ -8108,7 +10756,7 @@
                   <a:srgbClr val="29303B"/>
                 </a:solidFill>
               </a:rPr>
-              <a:t>Install Jupyter</a:t>
+              <a:t>Install Anaconda</a:t>
             </a:r>
           </a:p>
           <a:p>
@@ -8123,11 +10771,26 @@
             <a:r>
               <a:rPr lang="en-US" altLang="en-US" sz="1800" b="1" dirty="0">
                 <a:solidFill>
-                  <a:schemeClr val="tx1"/>
-                </a:solidFill>
-                <a:latin typeface="var(--ytd-video-primary-info-renderer-title-font-family, inherit)"/>
+                  <a:srgbClr val="29303B"/>
+                </a:solidFill>
               </a:rPr>
-              <a:t>Download Anaconda or MiniConda on window 10.</a:t>
+              <a:t>Select Python 3.7. </a:t>
+            </a:r>
+            <a:r>
+              <a:rPr lang="en-US" altLang="en-US" sz="1800" b="1">
+                <a:solidFill>
+                  <a:srgbClr val="29303B"/>
+                </a:solidFill>
+              </a:rPr>
+              <a:t>Anaconda container come </a:t>
+            </a:r>
+            <a:r>
+              <a:rPr lang="en-US" altLang="en-US" sz="1800" b="1" dirty="0">
+                <a:solidFill>
+                  <a:srgbClr val="29303B"/>
+                </a:solidFill>
+              </a:rPr>
+              <a:t>with Python 3.7.</a:t>
             </a:r>
           </a:p>
           <a:p>
@@ -8139,15 +10802,11 @@
               <a:buFont typeface="Wingdings" pitchFamily="2" charset="2"/>
               <a:buChar char="u"/>
             </a:pPr>
-            <a:r>
-              <a:rPr lang="en-US" altLang="en-US" sz="1800" b="1" dirty="0">
-                <a:solidFill>
-                  <a:schemeClr val="tx1"/>
-                </a:solidFill>
-                <a:latin typeface="var(--ytd-video-primary-info-renderer-title-font-family, inherit)"/>
-              </a:rPr>
-              <a:t>Under window 10</a:t>
-            </a:r>
+            <a:endParaRPr lang="en-US" altLang="en-US" sz="1800" b="1" dirty="0">
+              <a:solidFill>
+                <a:srgbClr val="29303B"/>
+              </a:solidFill>
+            </a:endParaRPr>
           </a:p>
           <a:p>
             <a:pPr marL="342900" indent="-342900" algn="l">
@@ -8158,15 +10817,31 @@
               <a:buFont typeface="Wingdings" pitchFamily="2" charset="2"/>
               <a:buChar char="u"/>
             </a:pPr>
-            <a:r>
-              <a:rPr lang="en-US" altLang="en-US" sz="1800" b="1" dirty="0">
-                <a:solidFill>
-                  <a:schemeClr val="tx1"/>
-                </a:solidFill>
-                <a:latin typeface="var(--ytd-video-primary-info-renderer-title-font-family, inherit)"/>
-              </a:rPr>
-              <a:t>&gt; conda install jupyter</a:t>
-            </a:r>
+            <a:endParaRPr lang="en-US" altLang="en-US" sz="1800" b="1" dirty="0">
+              <a:solidFill>
+                <a:srgbClr val="29303B"/>
+              </a:solidFill>
+            </a:endParaRPr>
+          </a:p>
+          <a:p>
+            <a:pPr marL="342900" indent="-342900" algn="l">
+              <a:buClr>
+                <a:srgbClr val="0070C0"/>
+              </a:buClr>
+              <a:buSzPct val="80000"/>
+              <a:buFont typeface="Wingdings" pitchFamily="2" charset="2"/>
+              <a:buChar char="u"/>
+            </a:pPr>
+            <a:endParaRPr kumimoji="0" lang="en-US" altLang="en-US" sz="2000" b="1" i="0" u="none" strike="noStrike" cap="none" normalizeH="0" baseline="0" dirty="0">
+              <a:ln>
+                <a:noFill/>
+              </a:ln>
+              <a:solidFill>
+                <a:schemeClr val="tx1"/>
+              </a:solidFill>
+              <a:effectLst/>
+              <a:latin typeface="var(--ytd-video-primary-info-renderer-title-font-family, inherit)"/>
+            </a:endParaRPr>
           </a:p>
         </p:txBody>
       </p:sp>
@@ -8292,7 +10967,7 @@
             <a:fld id="{E4D7E63D-91F2-4366-A2C4-1B00C9E2590E}" type="slidenum">
               <a:rPr lang="zh-TW" altLang="en-US" smtClean="0"/>
               <a:pPr/>
-              <a:t>6</a:t>
+              <a:t>5</a:t>
             </a:fld>
             <a:endParaRPr lang="zh-TW" altLang="en-US"/>
           </a:p>
@@ -8494,10 +11169,10 @@
       </p:sp>
       <p:pic>
         <p:nvPicPr>
-          <p:cNvPr id="7" name="Picture 6">
+          <p:cNvPr id="8" name="Picture 7">
             <a:extLst>
               <a:ext uri="{FF2B5EF4-FFF2-40B4-BE49-F238E27FC236}">
-                <a16:creationId xmlns:a16="http://schemas.microsoft.com/office/drawing/2014/main" id="{E032919F-754F-4CEF-B996-41C63E4DF2E3}"/>
+                <a16:creationId xmlns:a16="http://schemas.microsoft.com/office/drawing/2014/main" id="{E6066B02-63AB-4A8E-8689-AEF026D338BB}"/>
               </a:ext>
             </a:extLst>
           </p:cNvPr>
@@ -8514,46 +11189,8 @@
         </p:blipFill>
         <p:spPr>
           <a:xfrm>
-            <a:off x="4264025" y="3933905"/>
-            <a:ext cx="4438650" cy="1695450"/>
-          </a:xfrm>
-          <a:prstGeom prst="rect">
-            <a:avLst/>
-          </a:prstGeom>
-          <a:solidFill>
-            <a:schemeClr val="accent2"/>
-          </a:solidFill>
-          <a:ln>
-            <a:solidFill>
-              <a:srgbClr val="C00000"/>
-            </a:solidFill>
-          </a:ln>
-        </p:spPr>
-      </p:pic>
-      <p:pic>
-        <p:nvPicPr>
-          <p:cNvPr id="8" name="Picture 7">
-            <a:extLst>
-              <a:ext uri="{FF2B5EF4-FFF2-40B4-BE49-F238E27FC236}">
-                <a16:creationId xmlns:a16="http://schemas.microsoft.com/office/drawing/2014/main" id="{33216648-87CC-4915-9778-DF09657876E1}"/>
-              </a:ext>
-            </a:extLst>
-          </p:cNvPr>
-          <p:cNvPicPr>
-            <a:picLocks noChangeAspect="1"/>
-          </p:cNvPicPr>
-          <p:nvPr/>
-        </p:nvPicPr>
-        <p:blipFill>
-          <a:blip r:embed="rId5"/>
-          <a:stretch>
-            <a:fillRect/>
-          </a:stretch>
-        </p:blipFill>
-        <p:spPr>
-          <a:xfrm>
-            <a:off x="4001125" y="1283327"/>
-            <a:ext cx="4624387" cy="2457219"/>
+            <a:off x="971600" y="2432370"/>
+            <a:ext cx="6829425" cy="3152775"/>
           </a:xfrm>
           <a:prstGeom prst="rect">
             <a:avLst/>
@@ -8568,7 +11205,7 @@
     </p:spTree>
     <p:extLst>
       <p:ext uri="{BB962C8B-B14F-4D97-AF65-F5344CB8AC3E}">
-        <p14:creationId xmlns:p14="http://schemas.microsoft.com/office/powerpoint/2010/main" val="2530418046"/>
+        <p14:creationId xmlns:p14="http://schemas.microsoft.com/office/powerpoint/2010/main" val="3409833308"/>
       </p:ext>
     </p:extLst>
   </p:cSld>
@@ -8578,156 +11215,7 @@
 </p:sld>
 </file>
 
-<file path=ppt/slides/slide7.xml><?xml version="1.0" encoding="utf-8"?>
-<p:sld xmlns:a="http://schemas.openxmlformats.org/drawingml/2006/main" xmlns:r="http://schemas.openxmlformats.org/officeDocument/2006/relationships" xmlns:p="http://schemas.openxmlformats.org/presentationml/2006/main">
-  <p:cSld>
-    <p:spTree>
-      <p:nvGrpSpPr>
-        <p:cNvPr id="1" name=""/>
-        <p:cNvGrpSpPr/>
-        <p:nvPr/>
-      </p:nvGrpSpPr>
-      <p:grpSpPr>
-        <a:xfrm>
-          <a:off x="0" y="0"/>
-          <a:ext cx="0" cy="0"/>
-          <a:chOff x="0" y="0"/>
-          <a:chExt cx="0" cy="0"/>
-        </a:xfrm>
-      </p:grpSpPr>
-      <p:sp>
-        <p:nvSpPr>
-          <p:cNvPr id="2" name="標題 1"/>
-          <p:cNvSpPr>
-            <a:spLocks noGrp="1"/>
-          </p:cNvSpPr>
-          <p:nvPr>
-            <p:ph type="ctrTitle"/>
-          </p:nvPr>
-        </p:nvSpPr>
-        <p:spPr>
-          <a:xfrm>
-            <a:off x="0" y="2130425"/>
-            <a:ext cx="9144000" cy="1470025"/>
-          </a:xfrm>
-          <a:solidFill>
-            <a:srgbClr val="00B0F0"/>
-          </a:solidFill>
-        </p:spPr>
-        <p:txBody>
-          <a:bodyPr>
-            <a:normAutofit fontScale="90000"/>
-          </a:bodyPr>
-          <a:lstStyle/>
-          <a:p>
-            <a:r>
-              <a:rPr lang="en-US" altLang="zh-TW" sz="4800" b="1" dirty="0">
-                <a:solidFill>
-                  <a:srgbClr val="FFFF00"/>
-                </a:solidFill>
-              </a:rPr>
-              <a:t>94.3 Install Tensorflow Environments</a:t>
-            </a:r>
-            <a:endParaRPr lang="zh-TW" altLang="en-US" sz="4800" b="1" dirty="0">
-              <a:solidFill>
-                <a:srgbClr val="FFFF00"/>
-              </a:solidFill>
-            </a:endParaRPr>
-          </a:p>
-        </p:txBody>
-      </p:sp>
-      <p:sp>
-        <p:nvSpPr>
-          <p:cNvPr id="5" name="日期版面配置區 4"/>
-          <p:cNvSpPr>
-            <a:spLocks noGrp="1"/>
-          </p:cNvSpPr>
-          <p:nvPr>
-            <p:ph type="dt" sz="half" idx="10"/>
-          </p:nvPr>
-        </p:nvSpPr>
-        <p:spPr/>
-        <p:txBody>
-          <a:bodyPr/>
-          <a:lstStyle/>
-          <a:p>
-            <a:fld id="{C389EDC9-19E3-47AC-9C57-C6A24DEA81AD}" type="datetime1">
-              <a:rPr lang="zh-TW" altLang="en-US" smtClean="0"/>
-              <a:pPr/>
-              <a:t>2020/9/24</a:t>
-            </a:fld>
-            <a:endParaRPr lang="zh-TW" altLang="en-US"/>
-          </a:p>
-        </p:txBody>
-      </p:sp>
-      <p:sp>
-        <p:nvSpPr>
-          <p:cNvPr id="6" name="投影片編號版面配置區 5"/>
-          <p:cNvSpPr>
-            <a:spLocks noGrp="1"/>
-          </p:cNvSpPr>
-          <p:nvPr>
-            <p:ph type="sldNum" sz="quarter" idx="12"/>
-          </p:nvPr>
-        </p:nvSpPr>
-        <p:spPr/>
-        <p:txBody>
-          <a:bodyPr/>
-          <a:lstStyle/>
-          <a:p>
-            <a:fld id="{E4D7E63D-91F2-4366-A2C4-1B00C9E2590E}" type="slidenum">
-              <a:rPr lang="zh-TW" altLang="en-US" smtClean="0"/>
-              <a:pPr/>
-              <a:t>7</a:t>
-            </a:fld>
-            <a:endParaRPr lang="zh-TW" altLang="en-US"/>
-          </a:p>
-        </p:txBody>
-      </p:sp>
-      <p:pic>
-        <p:nvPicPr>
-          <p:cNvPr id="7" name="Picture 6">
-            <a:extLst>
-              <a:ext uri="{FF2B5EF4-FFF2-40B4-BE49-F238E27FC236}">
-                <a16:creationId xmlns:a16="http://schemas.microsoft.com/office/drawing/2014/main" id="{1BE488C5-DA27-405E-9F7E-A4EF5DF95762}"/>
-              </a:ext>
-            </a:extLst>
-          </p:cNvPr>
-          <p:cNvPicPr>
-            <a:picLocks noChangeAspect="1"/>
-          </p:cNvPicPr>
-          <p:nvPr/>
-        </p:nvPicPr>
-        <p:blipFill>
-          <a:blip r:embed="rId2"/>
-          <a:stretch>
-            <a:fillRect/>
-          </a:stretch>
-        </p:blipFill>
-        <p:spPr>
-          <a:xfrm>
-            <a:off x="3923928" y="3695964"/>
-            <a:ext cx="1004960" cy="885164"/>
-          </a:xfrm>
-          <a:prstGeom prst="rect">
-            <a:avLst/>
-          </a:prstGeom>
-        </p:spPr>
-      </p:pic>
-    </p:spTree>
-    <p:extLst>
-      <p:ext uri="{BB962C8B-B14F-4D97-AF65-F5344CB8AC3E}">
-        <p14:creationId xmlns:p14="http://schemas.microsoft.com/office/powerpoint/2010/main" val="3356928856"/>
-      </p:ext>
-    </p:extLst>
-  </p:cSld>
-  <p:clrMapOvr>
-    <a:masterClrMapping/>
-  </p:clrMapOvr>
-</p:sld>
-</file>
-
-<file path=ppt/slides/slide8.xml><?xml version="1.0" encoding="utf-8"?>
+<file path=ppt/slides/slide6.xml><?xml version="1.0" encoding="utf-8"?>
 <p:sld xmlns:a="http://schemas.openxmlformats.org/drawingml/2006/main" xmlns:r="http://schemas.openxmlformats.org/officeDocument/2006/relationships" xmlns:p="http://schemas.openxmlformats.org/presentationml/2006/main">
   <p:cSld>
     <p:spTree>
@@ -8799,7 +11287,7 @@
                   <a:srgbClr val="FFFF00"/>
                 </a:solidFill>
               </a:rPr>
-              <a:t>94.3 Install Tensorflow Environments</a:t>
+              <a:t>2.1 Install Anaconda</a:t>
             </a:r>
             <a:endParaRPr lang="zh-TW" altLang="en-US" b="1" dirty="0">
               <a:solidFill>
@@ -8822,7 +11310,7 @@
         <p:spPr>
           <a:xfrm>
             <a:off x="426368" y="1418786"/>
-            <a:ext cx="8291263" cy="1716608"/>
+            <a:ext cx="8291263" cy="714070"/>
           </a:xfrm>
           <a:ln>
             <a:solidFill>
@@ -8850,7 +11338,7 @@
                   <a:srgbClr val="29303B"/>
                 </a:solidFill>
               </a:rPr>
-              <a:t>Install Tensorflow and Associated Environments</a:t>
+              <a:t>Install Anaconda</a:t>
             </a:r>
           </a:p>
           <a:p>
@@ -8865,10 +11353,10 @@
             <a:r>
               <a:rPr lang="en-US" altLang="en-US" sz="1800" b="1" dirty="0">
                 <a:solidFill>
-                  <a:srgbClr val="C00000"/>
+                  <a:srgbClr val="29303B"/>
                 </a:solidFill>
               </a:rPr>
-              <a:t>This is very important: </a:t>
+              <a:t>Click Next.</a:t>
             </a:r>
           </a:p>
           <a:p>
@@ -8880,14 +11368,11 @@
               <a:buFont typeface="Wingdings" pitchFamily="2" charset="2"/>
               <a:buChar char="u"/>
             </a:pPr>
-            <a:r>
-              <a:rPr lang="en-US" altLang="en-US" sz="1800" b="1" dirty="0">
-                <a:solidFill>
-                  <a:srgbClr val="C00000"/>
-                </a:solidFill>
-              </a:rPr>
-              <a:t>Download tensorflow.yml includes the verified dependencies and frameworks.</a:t>
-            </a:r>
+            <a:endParaRPr lang="en-US" altLang="en-US" sz="1800" b="1" dirty="0">
+              <a:solidFill>
+                <a:srgbClr val="29303B"/>
+              </a:solidFill>
+            </a:endParaRPr>
           </a:p>
           <a:p>
             <a:pPr marL="342900" indent="-342900" algn="l">
@@ -8898,14 +11383,11 @@
               <a:buFont typeface="Wingdings" pitchFamily="2" charset="2"/>
               <a:buChar char="u"/>
             </a:pPr>
-            <a:r>
-              <a:rPr lang="en-US" altLang="en-US" sz="1800" b="1" dirty="0">
-                <a:solidFill>
-                  <a:srgbClr val="C00000"/>
-                </a:solidFill>
-              </a:rPr>
-              <a:t>This prevent us to use incompatible dependencies and very difficult to fix.</a:t>
-            </a:r>
+            <a:endParaRPr lang="en-US" altLang="en-US" sz="1800" b="1" dirty="0">
+              <a:solidFill>
+                <a:srgbClr val="29303B"/>
+              </a:solidFill>
+            </a:endParaRPr>
           </a:p>
           <a:p>
             <a:pPr marL="342900" indent="-342900" algn="l">
@@ -8916,15 +11398,7 @@
               <a:buFont typeface="Wingdings" pitchFamily="2" charset="2"/>
               <a:buChar char="u"/>
             </a:pPr>
-            <a:r>
-              <a:rPr lang="en-US" altLang="en-US" sz="1800" b="1" dirty="0">
-                <a:solidFill>
-                  <a:schemeClr val="tx1"/>
-                </a:solidFill>
-              </a:rPr>
-              <a:t>C:\[work-folder] &gt; conda env create -v -f tensorflow.yml</a:t>
-            </a:r>
-            <a:endParaRPr kumimoji="0" lang="en-US" altLang="en-US" sz="1800" b="1" i="0" u="none" strike="noStrike" cap="none" normalizeH="0" baseline="0" dirty="0">
+            <a:endParaRPr kumimoji="0" lang="en-US" altLang="en-US" sz="2000" b="1" i="0" u="none" strike="noStrike" cap="none" normalizeH="0" baseline="0" dirty="0">
               <a:ln>
                 <a:noFill/>
               </a:ln>
@@ -8932,6 +11406,7 @@
                 <a:schemeClr val="tx1"/>
               </a:solidFill>
               <a:effectLst/>
+              <a:latin typeface="var(--ytd-video-primary-info-renderer-title-font-family, inherit)"/>
             </a:endParaRPr>
           </a:p>
         </p:txBody>
@@ -9058,7 +11533,7 @@
             <a:fld id="{E4D7E63D-91F2-4366-A2C4-1B00C9E2590E}" type="slidenum">
               <a:rPr lang="zh-TW" altLang="en-US" smtClean="0"/>
               <a:pPr/>
-              <a:t>8</a:t>
+              <a:t>6</a:t>
             </a:fld>
             <a:endParaRPr lang="zh-TW" altLang="en-US"/>
           </a:p>
@@ -9260,10 +11735,10 @@
       </p:sp>
       <p:pic>
         <p:nvPicPr>
-          <p:cNvPr id="25" name="Picture 24">
+          <p:cNvPr id="7" name="Picture 6">
             <a:extLst>
               <a:ext uri="{FF2B5EF4-FFF2-40B4-BE49-F238E27FC236}">
-                <a16:creationId xmlns:a16="http://schemas.microsoft.com/office/drawing/2014/main" id="{9966AE01-0DB2-40B9-ACBB-BD2E6C9E343A}"/>
+                <a16:creationId xmlns:a16="http://schemas.microsoft.com/office/drawing/2014/main" id="{AFDCED78-DFAE-425F-B94E-982B798CF44F}"/>
               </a:ext>
             </a:extLst>
           </p:cNvPr>
@@ -9280,8 +11755,8 @@
         </p:blipFill>
         <p:spPr>
           <a:xfrm>
-            <a:off x="2615326" y="3176128"/>
-            <a:ext cx="4361656" cy="2023042"/>
+            <a:off x="1043608" y="2450331"/>
+            <a:ext cx="6829425" cy="3876675"/>
           </a:xfrm>
           <a:prstGeom prst="rect">
             <a:avLst/>
@@ -9296,7 +11771,7 @@
     </p:spTree>
     <p:extLst>
       <p:ext uri="{BB962C8B-B14F-4D97-AF65-F5344CB8AC3E}">
-        <p14:creationId xmlns:p14="http://schemas.microsoft.com/office/powerpoint/2010/main" val="4058583412"/>
+        <p14:creationId xmlns:p14="http://schemas.microsoft.com/office/powerpoint/2010/main" val="4008486904"/>
       </p:ext>
     </p:extLst>
   </p:cSld>
@@ -9306,7 +11781,7 @@
 </p:sld>
 </file>
 
-<file path=ppt/slides/slide9.xml><?xml version="1.0" encoding="utf-8"?>
+<file path=ppt/slides/slide7.xml><?xml version="1.0" encoding="utf-8"?>
 <p:sld xmlns:a="http://schemas.openxmlformats.org/drawingml/2006/main" xmlns:r="http://schemas.openxmlformats.org/officeDocument/2006/relationships" xmlns:p="http://schemas.openxmlformats.org/presentationml/2006/main">
   <p:cSld>
     <p:spTree>
@@ -9378,7 +11853,7 @@
                   <a:srgbClr val="FFFF00"/>
                 </a:solidFill>
               </a:rPr>
-              <a:t>94.3 Install Tensorflow Environments</a:t>
+              <a:t>2.1 Install Anaconda</a:t>
             </a:r>
             <a:endParaRPr lang="zh-TW" altLang="en-US" b="1" dirty="0">
               <a:solidFill>
@@ -9400,8 +11875,8 @@
         </p:nvSpPr>
         <p:spPr>
           <a:xfrm>
-            <a:off x="426368" y="1418785"/>
-            <a:ext cx="8291263" cy="1729823"/>
+            <a:off x="426368" y="1418786"/>
+            <a:ext cx="8291263" cy="714070"/>
           </a:xfrm>
           <a:ln>
             <a:solidFill>
@@ -9426,10 +11901,10 @@
             <a:r>
               <a:rPr lang="en-US" altLang="en-US" sz="1800" b="1" dirty="0">
                 <a:solidFill>
-                  <a:schemeClr val="tx1"/>
+                  <a:srgbClr val="29303B"/>
                 </a:solidFill>
               </a:rPr>
-              <a:t>Install Tensorflow and Associated Environments</a:t>
+              <a:t>Install Anaconda</a:t>
             </a:r>
           </a:p>
           <a:p>
@@ -9444,10 +11919,10 @@
             <a:r>
               <a:rPr lang="en-US" altLang="en-US" sz="1800" b="1" dirty="0">
                 <a:solidFill>
-                  <a:schemeClr val="tx1"/>
+                  <a:srgbClr val="29303B"/>
                 </a:solidFill>
               </a:rPr>
-              <a:t>After tensroflow.yml installed, we have the following message:</a:t>
+              <a:t>Click “I Agree”, and click default to install.</a:t>
             </a:r>
           </a:p>
           <a:p>
@@ -9459,14 +11934,11 @@
               <a:buFont typeface="Wingdings" pitchFamily="2" charset="2"/>
               <a:buChar char="u"/>
             </a:pPr>
-            <a:r>
-              <a:rPr lang="en-US" altLang="en-US" sz="1800" b="1" dirty="0">
-                <a:solidFill>
-                  <a:schemeClr val="tx1"/>
-                </a:solidFill>
-              </a:rPr>
-              <a:t>Start anaconda prompt</a:t>
-            </a:r>
+            <a:endParaRPr lang="en-US" altLang="en-US" sz="1800" b="1" dirty="0">
+              <a:solidFill>
+                <a:srgbClr val="29303B"/>
+              </a:solidFill>
+            </a:endParaRPr>
           </a:p>
           <a:p>
             <a:pPr marL="342900" indent="-342900" algn="l">
@@ -9477,46 +11949,10 @@
               <a:buFont typeface="Wingdings" pitchFamily="2" charset="2"/>
               <a:buChar char="u"/>
             </a:pPr>
-            <a:r>
-              <a:rPr lang="en-US" altLang="en-US" sz="1800" b="1" dirty="0">
-                <a:solidFill>
-                  <a:schemeClr val="tx1"/>
-                </a:solidFill>
-              </a:rPr>
-              <a:t>(base) </a:t>
-            </a:r>
-            <a:r>
-              <a:rPr kumimoji="0" lang="en-US" altLang="en-US" sz="1800" b="1" i="0" u="none" strike="noStrike" cap="none" normalizeH="0" baseline="0" dirty="0">
-                <a:ln>
-                  <a:noFill/>
-                </a:ln>
-                <a:solidFill>
-                  <a:schemeClr val="tx1"/>
-                </a:solidFill>
-                <a:effectLst/>
-              </a:rPr>
-              <a:t>&gt; conda activate </a:t>
-            </a:r>
-            <a:r>
-              <a:rPr kumimoji="0" lang="en-US" altLang="en-US" sz="1800" b="1" i="0" u="none" strike="noStrike" cap="none" normalizeH="0" baseline="0" dirty="0" err="1">
-                <a:ln>
-                  <a:noFill/>
-                </a:ln>
-                <a:solidFill>
-                  <a:schemeClr val="tx1"/>
-                </a:solidFill>
-                <a:effectLst/>
-              </a:rPr>
-              <a:t>tensroflow</a:t>
-            </a:r>
-            <a:endParaRPr kumimoji="0" lang="en-US" altLang="en-US" sz="1800" b="1" i="0" u="none" strike="noStrike" cap="none" normalizeH="0" baseline="0" dirty="0">
-              <a:ln>
-                <a:noFill/>
-              </a:ln>
+            <a:endParaRPr lang="en-US" altLang="en-US" sz="1800" b="1" dirty="0">
               <a:solidFill>
-                <a:schemeClr val="tx1"/>
+                <a:srgbClr val="29303B"/>
               </a:solidFill>
-              <a:effectLst/>
             </a:endParaRPr>
           </a:p>
           <a:p>
@@ -9528,27 +11964,7 @@
               <a:buFont typeface="Wingdings" pitchFamily="2" charset="2"/>
               <a:buChar char="u"/>
             </a:pPr>
-            <a:r>
-              <a:rPr kumimoji="0" lang="en-US" altLang="en-US" sz="1800" b="1" i="0" u="none" strike="noStrike" cap="none" normalizeH="0" baseline="0" dirty="0">
-                <a:ln>
-                  <a:noFill/>
-                </a:ln>
-                <a:solidFill>
-                  <a:schemeClr val="tx1"/>
-                </a:solidFill>
-                <a:effectLst/>
-              </a:rPr>
-              <a:t>(tensorflow</a:t>
-            </a:r>
-            <a:r>
-              <a:rPr lang="en-US" altLang="en-US" sz="1800" b="1" dirty="0">
-                <a:solidFill>
-                  <a:schemeClr val="tx1"/>
-                </a:solidFill>
-              </a:rPr>
-              <a:t>) &gt; conda deactivate</a:t>
-            </a:r>
-            <a:endParaRPr kumimoji="0" lang="en-US" altLang="en-US" sz="1800" b="1" i="0" u="none" strike="noStrike" cap="none" normalizeH="0" baseline="0" dirty="0">
+            <a:endParaRPr kumimoji="0" lang="en-US" altLang="en-US" sz="2000" b="1" i="0" u="none" strike="noStrike" cap="none" normalizeH="0" baseline="0" dirty="0">
               <a:ln>
                 <a:noFill/>
               </a:ln>
@@ -9556,6 +11972,7 @@
                 <a:schemeClr val="tx1"/>
               </a:solidFill>
               <a:effectLst/>
+              <a:latin typeface="var(--ytd-video-primary-info-renderer-title-font-family, inherit)"/>
             </a:endParaRPr>
           </a:p>
         </p:txBody>
@@ -9682,7 +12099,7 @@
             <a:fld id="{E4D7E63D-91F2-4366-A2C4-1B00C9E2590E}" type="slidenum">
               <a:rPr lang="zh-TW" altLang="en-US" smtClean="0"/>
               <a:pPr/>
-              <a:t>9</a:t>
+              <a:t>7</a:t>
             </a:fld>
             <a:endParaRPr lang="zh-TW" altLang="en-US"/>
           </a:p>
@@ -9884,10 +12301,10 @@
       </p:sp>
       <p:pic>
         <p:nvPicPr>
-          <p:cNvPr id="24" name="Picture 23">
+          <p:cNvPr id="8" name="Picture 7">
             <a:extLst>
               <a:ext uri="{FF2B5EF4-FFF2-40B4-BE49-F238E27FC236}">
-                <a16:creationId xmlns:a16="http://schemas.microsoft.com/office/drawing/2014/main" id="{C62A9996-771E-4763-9942-5268CE9B8960}"/>
+                <a16:creationId xmlns:a16="http://schemas.microsoft.com/office/drawing/2014/main" id="{24B9ED64-367A-4B31-9BFC-EFF402156295}"/>
               </a:ext>
             </a:extLst>
           </p:cNvPr>
@@ -9904,8 +12321,8 @@
         </p:blipFill>
         <p:spPr>
           <a:xfrm>
-            <a:off x="1952624" y="3429000"/>
-            <a:ext cx="3706763" cy="1729823"/>
+            <a:off x="1157286" y="2334840"/>
+            <a:ext cx="6829425" cy="3819525"/>
           </a:xfrm>
           <a:prstGeom prst="rect">
             <a:avLst/>
@@ -9920,7 +12337,1139 @@
     </p:spTree>
     <p:extLst>
       <p:ext uri="{BB962C8B-B14F-4D97-AF65-F5344CB8AC3E}">
-        <p14:creationId xmlns:p14="http://schemas.microsoft.com/office/powerpoint/2010/main" val="1105509270"/>
+        <p14:creationId xmlns:p14="http://schemas.microsoft.com/office/powerpoint/2010/main" val="335319712"/>
+      </p:ext>
+    </p:extLst>
+  </p:cSld>
+  <p:clrMapOvr>
+    <a:masterClrMapping/>
+  </p:clrMapOvr>
+</p:sld>
+</file>
+
+<file path=ppt/slides/slide8.xml><?xml version="1.0" encoding="utf-8"?>
+<p:sld xmlns:a="http://schemas.openxmlformats.org/drawingml/2006/main" xmlns:r="http://schemas.openxmlformats.org/officeDocument/2006/relationships" xmlns:p="http://schemas.openxmlformats.org/presentationml/2006/main">
+  <p:cSld>
+    <p:spTree>
+      <p:nvGrpSpPr>
+        <p:cNvPr id="1" name=""/>
+        <p:cNvGrpSpPr/>
+        <p:nvPr/>
+      </p:nvGrpSpPr>
+      <p:grpSpPr>
+        <a:xfrm>
+          <a:off x="0" y="0"/>
+          <a:ext cx="0" cy="0"/>
+          <a:chOff x="0" y="0"/>
+          <a:chExt cx="0" cy="0"/>
+        </a:xfrm>
+      </p:grpSpPr>
+      <p:sp>
+        <p:nvSpPr>
+          <p:cNvPr id="2" name="標題 1"/>
+          <p:cNvSpPr>
+            <a:spLocks noGrp="1"/>
+          </p:cNvSpPr>
+          <p:nvPr>
+            <p:ph type="ctrTitle"/>
+          </p:nvPr>
+        </p:nvSpPr>
+        <p:spPr>
+          <a:xfrm>
+            <a:off x="0" y="0"/>
+            <a:ext cx="9144000" cy="764704"/>
+          </a:xfrm>
+          <a:gradFill flip="none" rotWithShape="1">
+            <a:gsLst>
+              <a:gs pos="0">
+                <a:srgbClr val="C00000">
+                  <a:shade val="30000"/>
+                  <a:satMod val="115000"/>
+                </a:srgbClr>
+              </a:gs>
+              <a:gs pos="50000">
+                <a:srgbClr val="C00000">
+                  <a:shade val="67500"/>
+                  <a:satMod val="115000"/>
+                </a:srgbClr>
+              </a:gs>
+              <a:gs pos="100000">
+                <a:srgbClr val="C00000">
+                  <a:shade val="100000"/>
+                  <a:satMod val="115000"/>
+                </a:srgbClr>
+              </a:gs>
+            </a:gsLst>
+            <a:path path="circle">
+              <a:fillToRect t="100000" r="100000"/>
+            </a:path>
+            <a:tileRect l="-100000" b="-100000"/>
+          </a:gradFill>
+        </p:spPr>
+        <p:txBody>
+          <a:bodyPr>
+            <a:normAutofit/>
+          </a:bodyPr>
+          <a:lstStyle/>
+          <a:p>
+            <a:pPr algn="l"/>
+            <a:r>
+              <a:rPr lang="en-US" altLang="zh-TW" sz="4400" b="1" dirty="0">
+                <a:solidFill>
+                  <a:srgbClr val="FFFF00"/>
+                </a:solidFill>
+              </a:rPr>
+              <a:t>2.1 Install Anaconda</a:t>
+            </a:r>
+            <a:endParaRPr lang="zh-TW" altLang="en-US" b="1" dirty="0">
+              <a:solidFill>
+                <a:srgbClr val="FFFF00"/>
+              </a:solidFill>
+            </a:endParaRPr>
+          </a:p>
+        </p:txBody>
+      </p:sp>
+      <p:sp>
+        <p:nvSpPr>
+          <p:cNvPr id="3" name="副標題 2"/>
+          <p:cNvSpPr>
+            <a:spLocks noGrp="1"/>
+          </p:cNvSpPr>
+          <p:nvPr>
+            <p:ph type="subTitle" idx="1"/>
+          </p:nvPr>
+        </p:nvSpPr>
+        <p:spPr>
+          <a:xfrm>
+            <a:off x="426368" y="1418786"/>
+            <a:ext cx="8291263" cy="714070"/>
+          </a:xfrm>
+          <a:ln>
+            <a:solidFill>
+              <a:srgbClr val="C00000"/>
+            </a:solidFill>
+          </a:ln>
+        </p:spPr>
+        <p:txBody>
+          <a:bodyPr>
+            <a:noAutofit/>
+          </a:bodyPr>
+          <a:lstStyle/>
+          <a:p>
+            <a:pPr marL="342900" indent="-342900" algn="l">
+              <a:buClr>
+                <a:srgbClr val="0070C0"/>
+              </a:buClr>
+              <a:buSzPct val="80000"/>
+              <a:buFont typeface="Wingdings" pitchFamily="2" charset="2"/>
+              <a:buChar char="u"/>
+            </a:pPr>
+            <a:r>
+              <a:rPr lang="en-US" altLang="en-US" sz="1800" b="1" dirty="0">
+                <a:solidFill>
+                  <a:srgbClr val="29303B"/>
+                </a:solidFill>
+              </a:rPr>
+              <a:t>Install Anaconda</a:t>
+            </a:r>
+          </a:p>
+          <a:p>
+            <a:pPr marL="342900" indent="-342900" algn="l">
+              <a:buClr>
+                <a:srgbClr val="0070C0"/>
+              </a:buClr>
+              <a:buSzPct val="80000"/>
+              <a:buFont typeface="Wingdings" pitchFamily="2" charset="2"/>
+              <a:buChar char="u"/>
+            </a:pPr>
+            <a:r>
+              <a:rPr lang="en-US" altLang="en-US" sz="1800" b="1" dirty="0">
+                <a:solidFill>
+                  <a:srgbClr val="29303B"/>
+                </a:solidFill>
+              </a:rPr>
+              <a:t>After finished installation, we can bring “Anaconda prompt”</a:t>
+            </a:r>
+          </a:p>
+          <a:p>
+            <a:pPr marL="342900" indent="-342900" algn="l">
+              <a:buClr>
+                <a:srgbClr val="0070C0"/>
+              </a:buClr>
+              <a:buSzPct val="80000"/>
+              <a:buFont typeface="Wingdings" pitchFamily="2" charset="2"/>
+              <a:buChar char="u"/>
+            </a:pPr>
+            <a:endParaRPr lang="en-US" altLang="en-US" sz="1800" b="1" dirty="0">
+              <a:solidFill>
+                <a:srgbClr val="29303B"/>
+              </a:solidFill>
+            </a:endParaRPr>
+          </a:p>
+          <a:p>
+            <a:pPr marL="342900" indent="-342900" algn="l">
+              <a:buClr>
+                <a:srgbClr val="0070C0"/>
+              </a:buClr>
+              <a:buSzPct val="80000"/>
+              <a:buFont typeface="Wingdings" pitchFamily="2" charset="2"/>
+              <a:buChar char="u"/>
+            </a:pPr>
+            <a:endParaRPr lang="en-US" altLang="en-US" sz="1800" b="1" dirty="0">
+              <a:solidFill>
+                <a:srgbClr val="29303B"/>
+              </a:solidFill>
+            </a:endParaRPr>
+          </a:p>
+          <a:p>
+            <a:pPr marL="342900" indent="-342900" algn="l">
+              <a:buClr>
+                <a:srgbClr val="0070C0"/>
+              </a:buClr>
+              <a:buSzPct val="80000"/>
+              <a:buFont typeface="Wingdings" pitchFamily="2" charset="2"/>
+              <a:buChar char="u"/>
+            </a:pPr>
+            <a:endParaRPr kumimoji="0" lang="en-US" altLang="en-US" sz="2000" b="1" i="0" u="none" strike="noStrike" cap="none" normalizeH="0" baseline="0" dirty="0">
+              <a:ln>
+                <a:noFill/>
+              </a:ln>
+              <a:solidFill>
+                <a:schemeClr val="tx1"/>
+              </a:solidFill>
+              <a:effectLst/>
+              <a:latin typeface="var(--ytd-video-primary-info-renderer-title-font-family, inherit)"/>
+            </a:endParaRPr>
+          </a:p>
+        </p:txBody>
+      </p:sp>
+      <p:sp>
+        <p:nvSpPr>
+          <p:cNvPr id="4" name="標題 1"/>
+          <p:cNvSpPr txBox="1">
+            <a:spLocks/>
+          </p:cNvSpPr>
+          <p:nvPr/>
+        </p:nvSpPr>
+        <p:spPr>
+          <a:xfrm>
+            <a:off x="0" y="764704"/>
+            <a:ext cx="9144000" cy="360040"/>
+          </a:xfrm>
+          <a:prstGeom prst="rect">
+            <a:avLst/>
+          </a:prstGeom>
+          <a:gradFill flip="none" rotWithShape="1">
+            <a:gsLst>
+              <a:gs pos="0">
+                <a:srgbClr val="00B0F0">
+                  <a:shade val="30000"/>
+                  <a:satMod val="115000"/>
+                </a:srgbClr>
+              </a:gs>
+              <a:gs pos="50000">
+                <a:srgbClr val="00B0F0">
+                  <a:shade val="67500"/>
+                  <a:satMod val="115000"/>
+                </a:srgbClr>
+              </a:gs>
+              <a:gs pos="100000">
+                <a:srgbClr val="00B0F0">
+                  <a:shade val="100000"/>
+                  <a:satMod val="115000"/>
+                </a:srgbClr>
+              </a:gs>
+            </a:gsLst>
+            <a:path path="circle">
+              <a:fillToRect t="100000" r="100000"/>
+            </a:path>
+            <a:tileRect l="-100000" b="-100000"/>
+          </a:gradFill>
+        </p:spPr>
+        <p:txBody>
+          <a:bodyPr vert="horz" lIns="91440" tIns="45720" rIns="91440" bIns="45720" rtlCol="0" anchor="ctr">
+            <a:normAutofit/>
+          </a:bodyPr>
+          <a:lstStyle/>
+          <a:p>
+            <a:pPr lvl="0">
+              <a:spcBef>
+                <a:spcPct val="0"/>
+              </a:spcBef>
+            </a:pPr>
+            <a:r>
+              <a:rPr lang="en-US" sz="1600" dirty="0"/>
+              <a:t>https://github.com/peterhchen/930_Python_ML_DS_DL</a:t>
+            </a:r>
+            <a:endParaRPr kumimoji="0" lang="zh-TW" altLang="en-US" sz="1600" b="0" i="0" u="none" strike="noStrike" kern="1200" cap="none" spc="0" normalizeH="0" baseline="0" noProof="0" dirty="0">
+              <a:ln>
+                <a:noFill/>
+              </a:ln>
+              <a:solidFill>
+                <a:schemeClr val="tx1"/>
+              </a:solidFill>
+              <a:effectLst/>
+              <a:uLnTx/>
+              <a:uFillTx/>
+              <a:latin typeface="+mj-lt"/>
+              <a:ea typeface="+mj-ea"/>
+              <a:cs typeface="+mj-cs"/>
+            </a:endParaRPr>
+          </a:p>
+        </p:txBody>
+      </p:sp>
+      <p:sp>
+        <p:nvSpPr>
+          <p:cNvPr id="5" name="日期版面配置區 4"/>
+          <p:cNvSpPr>
+            <a:spLocks noGrp="1"/>
+          </p:cNvSpPr>
+          <p:nvPr>
+            <p:ph type="dt" sz="half" idx="10"/>
+          </p:nvPr>
+        </p:nvSpPr>
+        <p:spPr>
+          <a:xfrm>
+            <a:off x="457200" y="6343695"/>
+            <a:ext cx="2133600" cy="365125"/>
+          </a:xfrm>
+        </p:spPr>
+        <p:txBody>
+          <a:bodyPr/>
+          <a:lstStyle/>
+          <a:p>
+            <a:fld id="{A4F910E6-8D00-4BAF-8C48-9688E0B449D3}" type="datetime1">
+              <a:rPr lang="zh-TW" altLang="en-US" smtClean="0"/>
+              <a:pPr/>
+              <a:t>2020/9/24</a:t>
+            </a:fld>
+            <a:endParaRPr lang="zh-TW" altLang="en-US"/>
+          </a:p>
+        </p:txBody>
+      </p:sp>
+      <p:sp>
+        <p:nvSpPr>
+          <p:cNvPr id="6" name="投影片編號版面配置區 5"/>
+          <p:cNvSpPr>
+            <a:spLocks noGrp="1"/>
+          </p:cNvSpPr>
+          <p:nvPr>
+            <p:ph type="sldNum" sz="quarter" idx="12"/>
+          </p:nvPr>
+        </p:nvSpPr>
+        <p:spPr/>
+        <p:txBody>
+          <a:bodyPr/>
+          <a:lstStyle/>
+          <a:p>
+            <a:fld id="{E4D7E63D-91F2-4366-A2C4-1B00C9E2590E}" type="slidenum">
+              <a:rPr lang="zh-TW" altLang="en-US" smtClean="0"/>
+              <a:pPr/>
+              <a:t>8</a:t>
+            </a:fld>
+            <a:endParaRPr lang="zh-TW" altLang="en-US"/>
+          </a:p>
+        </p:txBody>
+      </p:sp>
+      <p:sp>
+        <p:nvSpPr>
+          <p:cNvPr id="16" name="Rectangle 10">
+            <a:hlinkClick r:id="rId2"/>
+            <a:extLst>
+              <a:ext uri="{FF2B5EF4-FFF2-40B4-BE49-F238E27FC236}">
+                <a16:creationId xmlns:a16="http://schemas.microsoft.com/office/drawing/2014/main" id="{62B2A935-4165-4F58-9F94-8EBD01713D35}"/>
+              </a:ext>
+            </a:extLst>
+          </p:cNvPr>
+          <p:cNvSpPr>
+            <a:spLocks noChangeArrowheads="1"/>
+          </p:cNvSpPr>
+          <p:nvPr/>
+        </p:nvSpPr>
+        <p:spPr bwMode="auto">
+          <a:xfrm>
+            <a:off x="152400" y="152400"/>
+            <a:ext cx="3933825" cy="0"/>
+          </a:xfrm>
+          <a:prstGeom prst="rect">
+            <a:avLst/>
+          </a:prstGeom>
+          <a:solidFill>
+            <a:srgbClr val="F9F9F9"/>
+          </a:solidFill>
+          <a:ln>
+            <a:noFill/>
+          </a:ln>
+          <a:effectLst/>
+          <a:extLst>
+            <a:ext uri="{91240B29-F687-4F45-9708-019B960494DF}">
+              <a14:hiddenLine xmlns:a14="http://schemas.microsoft.com/office/drawing/2010/main" w="9525">
+                <a:solidFill>
+                  <a:schemeClr val="tx1"/>
+                </a:solidFill>
+                <a:miter lim="800000"/>
+                <a:headEnd/>
+                <a:tailEnd/>
+              </a14:hiddenLine>
+            </a:ext>
+            <a:ext uri="{AF507438-7753-43E0-B8FC-AC1667EBCBE1}">
+              <a14:hiddenEffects xmlns:a14="http://schemas.microsoft.com/office/drawing/2010/main">
+                <a:effectLst>
+                  <a:outerShdw dist="35921" dir="2700000" algn="ctr" rotWithShape="0">
+                    <a:schemeClr val="bg2"/>
+                  </a:outerShdw>
+                </a:effectLst>
+              </a14:hiddenEffects>
+            </a:ext>
+          </a:extLst>
+        </p:spPr>
+        <p:txBody>
+          <a:bodyPr vert="horz" wrap="square" lIns="91440" tIns="45720" rIns="91440" bIns="45720" numCol="1" anchor="ctr" anchorCtr="0" compatLnSpc="1">
+            <a:prstTxWarp prst="textNoShape">
+              <a:avLst/>
+            </a:prstTxWarp>
+            <a:spAutoFit/>
+          </a:bodyPr>
+          <a:lstStyle/>
+          <a:p>
+            <a:endParaRPr lang="en-US"/>
+          </a:p>
+        </p:txBody>
+      </p:sp>
+      <p:sp>
+        <p:nvSpPr>
+          <p:cNvPr id="17" name="Rectangle 11">
+            <a:extLst>
+              <a:ext uri="{FF2B5EF4-FFF2-40B4-BE49-F238E27FC236}">
+                <a16:creationId xmlns:a16="http://schemas.microsoft.com/office/drawing/2014/main" id="{F1807D9A-DC3A-4776-8ADF-C87633FC6B84}"/>
+              </a:ext>
+            </a:extLst>
+          </p:cNvPr>
+          <p:cNvSpPr>
+            <a:spLocks noChangeArrowheads="1"/>
+          </p:cNvSpPr>
+          <p:nvPr/>
+        </p:nvSpPr>
+        <p:spPr bwMode="auto">
+          <a:xfrm>
+            <a:off x="152400" y="152400"/>
+            <a:ext cx="9144000" cy="0"/>
+          </a:xfrm>
+          <a:prstGeom prst="rect">
+            <a:avLst/>
+          </a:prstGeom>
+          <a:solidFill>
+            <a:srgbClr val="F9F9F9"/>
+          </a:solidFill>
+          <a:ln>
+            <a:noFill/>
+          </a:ln>
+          <a:effectLst/>
+          <a:extLst>
+            <a:ext uri="{91240B29-F687-4F45-9708-019B960494DF}">
+              <a14:hiddenLine xmlns:a14="http://schemas.microsoft.com/office/drawing/2010/main" w="9525">
+                <a:solidFill>
+                  <a:schemeClr val="tx1"/>
+                </a:solidFill>
+                <a:miter lim="800000"/>
+                <a:headEnd/>
+                <a:tailEnd/>
+              </a14:hiddenLine>
+            </a:ext>
+            <a:ext uri="{AF507438-7753-43E0-B8FC-AC1667EBCBE1}">
+              <a14:hiddenEffects xmlns:a14="http://schemas.microsoft.com/office/drawing/2010/main">
+                <a:effectLst>
+                  <a:outerShdw dist="35921" dir="2700000" algn="ctr" rotWithShape="0">
+                    <a:schemeClr val="bg2"/>
+                  </a:outerShdw>
+                </a:effectLst>
+              </a14:hiddenEffects>
+            </a:ext>
+          </a:extLst>
+        </p:spPr>
+        <p:txBody>
+          <a:bodyPr vert="horz" wrap="square" lIns="91440" tIns="45720" rIns="91440" bIns="45720" numCol="1" anchor="ctr" anchorCtr="0" compatLnSpc="1">
+            <a:prstTxWarp prst="textNoShape">
+              <a:avLst/>
+            </a:prstTxWarp>
+            <a:spAutoFit/>
+          </a:bodyPr>
+          <a:lstStyle/>
+          <a:p>
+            <a:endParaRPr lang="en-US"/>
+          </a:p>
+        </p:txBody>
+      </p:sp>
+      <p:sp>
+        <p:nvSpPr>
+          <p:cNvPr id="19" name="Rectangle 13">
+            <a:hlinkClick r:id="rId3" tooltip="Next (SHIFT+n)"/>
+            <a:extLst>
+              <a:ext uri="{FF2B5EF4-FFF2-40B4-BE49-F238E27FC236}">
+                <a16:creationId xmlns:a16="http://schemas.microsoft.com/office/drawing/2014/main" id="{E441ABD1-4629-43A1-A350-4BDCD5209807}"/>
+              </a:ext>
+            </a:extLst>
+          </p:cNvPr>
+          <p:cNvSpPr>
+            <a:spLocks noChangeArrowheads="1"/>
+          </p:cNvSpPr>
+          <p:nvPr/>
+        </p:nvSpPr>
+        <p:spPr bwMode="auto">
+          <a:xfrm>
+            <a:off x="152400" y="152400"/>
+            <a:ext cx="3819525" cy="0"/>
+          </a:xfrm>
+          <a:prstGeom prst="rect">
+            <a:avLst/>
+          </a:prstGeom>
+          <a:solidFill>
+            <a:srgbClr val="F9F9F9"/>
+          </a:solidFill>
+          <a:ln>
+            <a:noFill/>
+          </a:ln>
+          <a:effectLst/>
+          <a:extLst>
+            <a:ext uri="{91240B29-F687-4F45-9708-019B960494DF}">
+              <a14:hiddenLine xmlns:a14="http://schemas.microsoft.com/office/drawing/2010/main" w="9525">
+                <a:solidFill>
+                  <a:schemeClr val="tx1"/>
+                </a:solidFill>
+                <a:miter lim="800000"/>
+                <a:headEnd/>
+                <a:tailEnd/>
+              </a14:hiddenLine>
+            </a:ext>
+            <a:ext uri="{AF507438-7753-43E0-B8FC-AC1667EBCBE1}">
+              <a14:hiddenEffects xmlns:a14="http://schemas.microsoft.com/office/drawing/2010/main">
+                <a:effectLst>
+                  <a:outerShdw dist="35921" dir="2700000" algn="ctr" rotWithShape="0">
+                    <a:schemeClr val="bg2"/>
+                  </a:outerShdw>
+                </a:effectLst>
+              </a14:hiddenEffects>
+            </a:ext>
+          </a:extLst>
+        </p:spPr>
+        <p:txBody>
+          <a:bodyPr vert="horz" wrap="square" lIns="91440" tIns="45720" rIns="91440" bIns="45720" numCol="1" anchor="ctr" anchorCtr="0" compatLnSpc="1">
+            <a:prstTxWarp prst="textNoShape">
+              <a:avLst/>
+            </a:prstTxWarp>
+            <a:spAutoFit/>
+          </a:bodyPr>
+          <a:lstStyle/>
+          <a:p>
+            <a:endParaRPr lang="en-US"/>
+          </a:p>
+        </p:txBody>
+      </p:sp>
+      <p:pic>
+        <p:nvPicPr>
+          <p:cNvPr id="7" name="Picture 6">
+            <a:extLst>
+              <a:ext uri="{FF2B5EF4-FFF2-40B4-BE49-F238E27FC236}">
+                <a16:creationId xmlns:a16="http://schemas.microsoft.com/office/drawing/2014/main" id="{6C0A4EF8-4494-41C8-9D67-8BB5FA577A4B}"/>
+              </a:ext>
+            </a:extLst>
+          </p:cNvPr>
+          <p:cNvPicPr>
+            <a:picLocks noChangeAspect="1"/>
+          </p:cNvPicPr>
+          <p:nvPr/>
+        </p:nvPicPr>
+        <p:blipFill>
+          <a:blip r:embed="rId4"/>
+          <a:stretch>
+            <a:fillRect/>
+          </a:stretch>
+        </p:blipFill>
+        <p:spPr>
+          <a:xfrm>
+            <a:off x="2061527" y="2266988"/>
+            <a:ext cx="4991273" cy="4271924"/>
+          </a:xfrm>
+          <a:prstGeom prst="rect">
+            <a:avLst/>
+          </a:prstGeom>
+          <a:ln>
+            <a:solidFill>
+              <a:srgbClr val="C00000"/>
+            </a:solidFill>
+          </a:ln>
+        </p:spPr>
+      </p:pic>
+    </p:spTree>
+    <p:extLst>
+      <p:ext uri="{BB962C8B-B14F-4D97-AF65-F5344CB8AC3E}">
+        <p14:creationId xmlns:p14="http://schemas.microsoft.com/office/powerpoint/2010/main" val="2175075444"/>
+      </p:ext>
+    </p:extLst>
+  </p:cSld>
+  <p:clrMapOvr>
+    <a:masterClrMapping/>
+  </p:clrMapOvr>
+</p:sld>
+</file>
+
+<file path=ppt/slides/slide9.xml><?xml version="1.0" encoding="utf-8"?>
+<p:sld xmlns:a="http://schemas.openxmlformats.org/drawingml/2006/main" xmlns:r="http://schemas.openxmlformats.org/officeDocument/2006/relationships" xmlns:p="http://schemas.openxmlformats.org/presentationml/2006/main">
+  <p:cSld>
+    <p:spTree>
+      <p:nvGrpSpPr>
+        <p:cNvPr id="1" name=""/>
+        <p:cNvGrpSpPr/>
+        <p:nvPr/>
+      </p:nvGrpSpPr>
+      <p:grpSpPr>
+        <a:xfrm>
+          <a:off x="0" y="0"/>
+          <a:ext cx="0" cy="0"/>
+          <a:chOff x="0" y="0"/>
+          <a:chExt cx="0" cy="0"/>
+        </a:xfrm>
+      </p:grpSpPr>
+      <p:sp>
+        <p:nvSpPr>
+          <p:cNvPr id="2" name="標題 1"/>
+          <p:cNvSpPr>
+            <a:spLocks noGrp="1"/>
+          </p:cNvSpPr>
+          <p:nvPr>
+            <p:ph type="ctrTitle"/>
+          </p:nvPr>
+        </p:nvSpPr>
+        <p:spPr>
+          <a:xfrm>
+            <a:off x="0" y="0"/>
+            <a:ext cx="9144000" cy="764704"/>
+          </a:xfrm>
+          <a:gradFill flip="none" rotWithShape="1">
+            <a:gsLst>
+              <a:gs pos="0">
+                <a:srgbClr val="C00000">
+                  <a:shade val="30000"/>
+                  <a:satMod val="115000"/>
+                </a:srgbClr>
+              </a:gs>
+              <a:gs pos="50000">
+                <a:srgbClr val="C00000">
+                  <a:shade val="67500"/>
+                  <a:satMod val="115000"/>
+                </a:srgbClr>
+              </a:gs>
+              <a:gs pos="100000">
+                <a:srgbClr val="C00000">
+                  <a:shade val="100000"/>
+                  <a:satMod val="115000"/>
+                </a:srgbClr>
+              </a:gs>
+            </a:gsLst>
+            <a:path path="circle">
+              <a:fillToRect t="100000" r="100000"/>
+            </a:path>
+            <a:tileRect l="-100000" b="-100000"/>
+          </a:gradFill>
+        </p:spPr>
+        <p:txBody>
+          <a:bodyPr>
+            <a:normAutofit/>
+          </a:bodyPr>
+          <a:lstStyle/>
+          <a:p>
+            <a:pPr algn="l"/>
+            <a:r>
+              <a:rPr lang="en-US" altLang="zh-TW" sz="4400" b="1" dirty="0">
+                <a:solidFill>
+                  <a:srgbClr val="FFFF00"/>
+                </a:solidFill>
+              </a:rPr>
+              <a:t>2.1 Install Anaconda</a:t>
+            </a:r>
+            <a:endParaRPr lang="zh-TW" altLang="en-US" b="1" dirty="0">
+              <a:solidFill>
+                <a:srgbClr val="FFFF00"/>
+              </a:solidFill>
+            </a:endParaRPr>
+          </a:p>
+        </p:txBody>
+      </p:sp>
+      <p:sp>
+        <p:nvSpPr>
+          <p:cNvPr id="3" name="副標題 2"/>
+          <p:cNvSpPr>
+            <a:spLocks noGrp="1"/>
+          </p:cNvSpPr>
+          <p:nvPr>
+            <p:ph type="subTitle" idx="1"/>
+          </p:nvPr>
+        </p:nvSpPr>
+        <p:spPr>
+          <a:xfrm>
+            <a:off x="426368" y="1418786"/>
+            <a:ext cx="8291263" cy="714070"/>
+          </a:xfrm>
+          <a:ln>
+            <a:solidFill>
+              <a:srgbClr val="C00000"/>
+            </a:solidFill>
+          </a:ln>
+        </p:spPr>
+        <p:txBody>
+          <a:bodyPr>
+            <a:noAutofit/>
+          </a:bodyPr>
+          <a:lstStyle/>
+          <a:p>
+            <a:pPr marL="342900" indent="-342900" algn="l">
+              <a:buClr>
+                <a:srgbClr val="0070C0"/>
+              </a:buClr>
+              <a:buSzPct val="80000"/>
+              <a:buFont typeface="Wingdings" pitchFamily="2" charset="2"/>
+              <a:buChar char="u"/>
+            </a:pPr>
+            <a:r>
+              <a:rPr lang="en-US" altLang="en-US" sz="1800" b="1" dirty="0">
+                <a:solidFill>
+                  <a:srgbClr val="29303B"/>
+                </a:solidFill>
+              </a:rPr>
+              <a:t>Install Anaconda</a:t>
+            </a:r>
+          </a:p>
+          <a:p>
+            <a:pPr marL="342900" indent="-342900" algn="l">
+              <a:buClr>
+                <a:srgbClr val="0070C0"/>
+              </a:buClr>
+              <a:buSzPct val="80000"/>
+              <a:buFont typeface="Wingdings" pitchFamily="2" charset="2"/>
+              <a:buChar char="u"/>
+            </a:pPr>
+            <a:r>
+              <a:rPr lang="en-US" altLang="en-US" sz="1800" b="1" dirty="0">
+                <a:solidFill>
+                  <a:srgbClr val="29303B"/>
+                </a:solidFill>
+              </a:rPr>
+              <a:t>We have the default Anaconda prompt.</a:t>
+            </a:r>
+          </a:p>
+          <a:p>
+            <a:pPr marL="342900" indent="-342900" algn="l">
+              <a:buClr>
+                <a:srgbClr val="0070C0"/>
+              </a:buClr>
+              <a:buSzPct val="80000"/>
+              <a:buFont typeface="Wingdings" pitchFamily="2" charset="2"/>
+              <a:buChar char="u"/>
+            </a:pPr>
+            <a:endParaRPr lang="en-US" altLang="en-US" sz="1800" b="1" dirty="0">
+              <a:solidFill>
+                <a:srgbClr val="29303B"/>
+              </a:solidFill>
+            </a:endParaRPr>
+          </a:p>
+          <a:p>
+            <a:pPr marL="342900" indent="-342900" algn="l">
+              <a:buClr>
+                <a:srgbClr val="0070C0"/>
+              </a:buClr>
+              <a:buSzPct val="80000"/>
+              <a:buFont typeface="Wingdings" pitchFamily="2" charset="2"/>
+              <a:buChar char="u"/>
+            </a:pPr>
+            <a:endParaRPr lang="en-US" altLang="en-US" sz="1800" b="1" dirty="0">
+              <a:solidFill>
+                <a:srgbClr val="29303B"/>
+              </a:solidFill>
+            </a:endParaRPr>
+          </a:p>
+          <a:p>
+            <a:pPr marL="342900" indent="-342900" algn="l">
+              <a:buClr>
+                <a:srgbClr val="0070C0"/>
+              </a:buClr>
+              <a:buSzPct val="80000"/>
+              <a:buFont typeface="Wingdings" pitchFamily="2" charset="2"/>
+              <a:buChar char="u"/>
+            </a:pPr>
+            <a:endParaRPr kumimoji="0" lang="en-US" altLang="en-US" sz="2000" b="1" i="0" u="none" strike="noStrike" cap="none" normalizeH="0" baseline="0" dirty="0">
+              <a:ln>
+                <a:noFill/>
+              </a:ln>
+              <a:solidFill>
+                <a:schemeClr val="tx1"/>
+              </a:solidFill>
+              <a:effectLst/>
+              <a:latin typeface="var(--ytd-video-primary-info-renderer-title-font-family, inherit)"/>
+            </a:endParaRPr>
+          </a:p>
+        </p:txBody>
+      </p:sp>
+      <p:sp>
+        <p:nvSpPr>
+          <p:cNvPr id="4" name="標題 1"/>
+          <p:cNvSpPr txBox="1">
+            <a:spLocks/>
+          </p:cNvSpPr>
+          <p:nvPr/>
+        </p:nvSpPr>
+        <p:spPr>
+          <a:xfrm>
+            <a:off x="0" y="764704"/>
+            <a:ext cx="9144000" cy="360040"/>
+          </a:xfrm>
+          <a:prstGeom prst="rect">
+            <a:avLst/>
+          </a:prstGeom>
+          <a:gradFill flip="none" rotWithShape="1">
+            <a:gsLst>
+              <a:gs pos="0">
+                <a:srgbClr val="00B0F0">
+                  <a:shade val="30000"/>
+                  <a:satMod val="115000"/>
+                </a:srgbClr>
+              </a:gs>
+              <a:gs pos="50000">
+                <a:srgbClr val="00B0F0">
+                  <a:shade val="67500"/>
+                  <a:satMod val="115000"/>
+                </a:srgbClr>
+              </a:gs>
+              <a:gs pos="100000">
+                <a:srgbClr val="00B0F0">
+                  <a:shade val="100000"/>
+                  <a:satMod val="115000"/>
+                </a:srgbClr>
+              </a:gs>
+            </a:gsLst>
+            <a:path path="circle">
+              <a:fillToRect t="100000" r="100000"/>
+            </a:path>
+            <a:tileRect l="-100000" b="-100000"/>
+          </a:gradFill>
+        </p:spPr>
+        <p:txBody>
+          <a:bodyPr vert="horz" lIns="91440" tIns="45720" rIns="91440" bIns="45720" rtlCol="0" anchor="ctr">
+            <a:normAutofit/>
+          </a:bodyPr>
+          <a:lstStyle/>
+          <a:p>
+            <a:pPr lvl="0">
+              <a:spcBef>
+                <a:spcPct val="0"/>
+              </a:spcBef>
+            </a:pPr>
+            <a:r>
+              <a:rPr lang="en-US" sz="1600" dirty="0"/>
+              <a:t>https://github.com/peterhchen/930_Python_ML_DS_DL</a:t>
+            </a:r>
+            <a:endParaRPr kumimoji="0" lang="zh-TW" altLang="en-US" sz="1600" b="0" i="0" u="none" strike="noStrike" kern="1200" cap="none" spc="0" normalizeH="0" baseline="0" noProof="0" dirty="0">
+              <a:ln>
+                <a:noFill/>
+              </a:ln>
+              <a:solidFill>
+                <a:schemeClr val="tx1"/>
+              </a:solidFill>
+              <a:effectLst/>
+              <a:uLnTx/>
+              <a:uFillTx/>
+              <a:latin typeface="+mj-lt"/>
+              <a:ea typeface="+mj-ea"/>
+              <a:cs typeface="+mj-cs"/>
+            </a:endParaRPr>
+          </a:p>
+        </p:txBody>
+      </p:sp>
+      <p:sp>
+        <p:nvSpPr>
+          <p:cNvPr id="5" name="日期版面配置區 4"/>
+          <p:cNvSpPr>
+            <a:spLocks noGrp="1"/>
+          </p:cNvSpPr>
+          <p:nvPr>
+            <p:ph type="dt" sz="half" idx="10"/>
+          </p:nvPr>
+        </p:nvSpPr>
+        <p:spPr>
+          <a:xfrm>
+            <a:off x="457200" y="6343695"/>
+            <a:ext cx="2133600" cy="365125"/>
+          </a:xfrm>
+        </p:spPr>
+        <p:txBody>
+          <a:bodyPr/>
+          <a:lstStyle/>
+          <a:p>
+            <a:fld id="{A4F910E6-8D00-4BAF-8C48-9688E0B449D3}" type="datetime1">
+              <a:rPr lang="zh-TW" altLang="en-US" smtClean="0"/>
+              <a:pPr/>
+              <a:t>2020/9/24</a:t>
+            </a:fld>
+            <a:endParaRPr lang="zh-TW" altLang="en-US"/>
+          </a:p>
+        </p:txBody>
+      </p:sp>
+      <p:sp>
+        <p:nvSpPr>
+          <p:cNvPr id="6" name="投影片編號版面配置區 5"/>
+          <p:cNvSpPr>
+            <a:spLocks noGrp="1"/>
+          </p:cNvSpPr>
+          <p:nvPr>
+            <p:ph type="sldNum" sz="quarter" idx="12"/>
+          </p:nvPr>
+        </p:nvSpPr>
+        <p:spPr/>
+        <p:txBody>
+          <a:bodyPr/>
+          <a:lstStyle/>
+          <a:p>
+            <a:fld id="{E4D7E63D-91F2-4366-A2C4-1B00C9E2590E}" type="slidenum">
+              <a:rPr lang="zh-TW" altLang="en-US" smtClean="0"/>
+              <a:pPr/>
+              <a:t>9</a:t>
+            </a:fld>
+            <a:endParaRPr lang="zh-TW" altLang="en-US"/>
+          </a:p>
+        </p:txBody>
+      </p:sp>
+      <p:sp>
+        <p:nvSpPr>
+          <p:cNvPr id="16" name="Rectangle 10">
+            <a:hlinkClick r:id="rId2"/>
+            <a:extLst>
+              <a:ext uri="{FF2B5EF4-FFF2-40B4-BE49-F238E27FC236}">
+                <a16:creationId xmlns:a16="http://schemas.microsoft.com/office/drawing/2014/main" id="{62B2A935-4165-4F58-9F94-8EBD01713D35}"/>
+              </a:ext>
+            </a:extLst>
+          </p:cNvPr>
+          <p:cNvSpPr>
+            <a:spLocks noChangeArrowheads="1"/>
+          </p:cNvSpPr>
+          <p:nvPr/>
+        </p:nvSpPr>
+        <p:spPr bwMode="auto">
+          <a:xfrm>
+            <a:off x="152400" y="152400"/>
+            <a:ext cx="3933825" cy="0"/>
+          </a:xfrm>
+          <a:prstGeom prst="rect">
+            <a:avLst/>
+          </a:prstGeom>
+          <a:solidFill>
+            <a:srgbClr val="F9F9F9"/>
+          </a:solidFill>
+          <a:ln>
+            <a:noFill/>
+          </a:ln>
+          <a:effectLst/>
+          <a:extLst>
+            <a:ext uri="{91240B29-F687-4F45-9708-019B960494DF}">
+              <a14:hiddenLine xmlns:a14="http://schemas.microsoft.com/office/drawing/2010/main" w="9525">
+                <a:solidFill>
+                  <a:schemeClr val="tx1"/>
+                </a:solidFill>
+                <a:miter lim="800000"/>
+                <a:headEnd/>
+                <a:tailEnd/>
+              </a14:hiddenLine>
+            </a:ext>
+            <a:ext uri="{AF507438-7753-43E0-B8FC-AC1667EBCBE1}">
+              <a14:hiddenEffects xmlns:a14="http://schemas.microsoft.com/office/drawing/2010/main">
+                <a:effectLst>
+                  <a:outerShdw dist="35921" dir="2700000" algn="ctr" rotWithShape="0">
+                    <a:schemeClr val="bg2"/>
+                  </a:outerShdw>
+                </a:effectLst>
+              </a14:hiddenEffects>
+            </a:ext>
+          </a:extLst>
+        </p:spPr>
+        <p:txBody>
+          <a:bodyPr vert="horz" wrap="square" lIns="91440" tIns="45720" rIns="91440" bIns="45720" numCol="1" anchor="ctr" anchorCtr="0" compatLnSpc="1">
+            <a:prstTxWarp prst="textNoShape">
+              <a:avLst/>
+            </a:prstTxWarp>
+            <a:spAutoFit/>
+          </a:bodyPr>
+          <a:lstStyle/>
+          <a:p>
+            <a:endParaRPr lang="en-US"/>
+          </a:p>
+        </p:txBody>
+      </p:sp>
+      <p:sp>
+        <p:nvSpPr>
+          <p:cNvPr id="17" name="Rectangle 11">
+            <a:extLst>
+              <a:ext uri="{FF2B5EF4-FFF2-40B4-BE49-F238E27FC236}">
+                <a16:creationId xmlns:a16="http://schemas.microsoft.com/office/drawing/2014/main" id="{F1807D9A-DC3A-4776-8ADF-C87633FC6B84}"/>
+              </a:ext>
+            </a:extLst>
+          </p:cNvPr>
+          <p:cNvSpPr>
+            <a:spLocks noChangeArrowheads="1"/>
+          </p:cNvSpPr>
+          <p:nvPr/>
+        </p:nvSpPr>
+        <p:spPr bwMode="auto">
+          <a:xfrm>
+            <a:off x="152400" y="152400"/>
+            <a:ext cx="9144000" cy="0"/>
+          </a:xfrm>
+          <a:prstGeom prst="rect">
+            <a:avLst/>
+          </a:prstGeom>
+          <a:solidFill>
+            <a:srgbClr val="F9F9F9"/>
+          </a:solidFill>
+          <a:ln>
+            <a:noFill/>
+          </a:ln>
+          <a:effectLst/>
+          <a:extLst>
+            <a:ext uri="{91240B29-F687-4F45-9708-019B960494DF}">
+              <a14:hiddenLine xmlns:a14="http://schemas.microsoft.com/office/drawing/2010/main" w="9525">
+                <a:solidFill>
+                  <a:schemeClr val="tx1"/>
+                </a:solidFill>
+                <a:miter lim="800000"/>
+                <a:headEnd/>
+                <a:tailEnd/>
+              </a14:hiddenLine>
+            </a:ext>
+            <a:ext uri="{AF507438-7753-43E0-B8FC-AC1667EBCBE1}">
+              <a14:hiddenEffects xmlns:a14="http://schemas.microsoft.com/office/drawing/2010/main">
+                <a:effectLst>
+                  <a:outerShdw dist="35921" dir="2700000" algn="ctr" rotWithShape="0">
+                    <a:schemeClr val="bg2"/>
+                  </a:outerShdw>
+                </a:effectLst>
+              </a14:hiddenEffects>
+            </a:ext>
+          </a:extLst>
+        </p:spPr>
+        <p:txBody>
+          <a:bodyPr vert="horz" wrap="square" lIns="91440" tIns="45720" rIns="91440" bIns="45720" numCol="1" anchor="ctr" anchorCtr="0" compatLnSpc="1">
+            <a:prstTxWarp prst="textNoShape">
+              <a:avLst/>
+            </a:prstTxWarp>
+            <a:spAutoFit/>
+          </a:bodyPr>
+          <a:lstStyle/>
+          <a:p>
+            <a:endParaRPr lang="en-US"/>
+          </a:p>
+        </p:txBody>
+      </p:sp>
+      <p:sp>
+        <p:nvSpPr>
+          <p:cNvPr id="19" name="Rectangle 13">
+            <a:hlinkClick r:id="rId3" tooltip="Next (SHIFT+n)"/>
+            <a:extLst>
+              <a:ext uri="{FF2B5EF4-FFF2-40B4-BE49-F238E27FC236}">
+                <a16:creationId xmlns:a16="http://schemas.microsoft.com/office/drawing/2014/main" id="{E441ABD1-4629-43A1-A350-4BDCD5209807}"/>
+              </a:ext>
+            </a:extLst>
+          </p:cNvPr>
+          <p:cNvSpPr>
+            <a:spLocks noChangeArrowheads="1"/>
+          </p:cNvSpPr>
+          <p:nvPr/>
+        </p:nvSpPr>
+        <p:spPr bwMode="auto">
+          <a:xfrm>
+            <a:off x="152400" y="152400"/>
+            <a:ext cx="3819525" cy="0"/>
+          </a:xfrm>
+          <a:prstGeom prst="rect">
+            <a:avLst/>
+          </a:prstGeom>
+          <a:solidFill>
+            <a:srgbClr val="F9F9F9"/>
+          </a:solidFill>
+          <a:ln>
+            <a:noFill/>
+          </a:ln>
+          <a:effectLst/>
+          <a:extLst>
+            <a:ext uri="{91240B29-F687-4F45-9708-019B960494DF}">
+              <a14:hiddenLine xmlns:a14="http://schemas.microsoft.com/office/drawing/2010/main" w="9525">
+                <a:solidFill>
+                  <a:schemeClr val="tx1"/>
+                </a:solidFill>
+                <a:miter lim="800000"/>
+                <a:headEnd/>
+                <a:tailEnd/>
+              </a14:hiddenLine>
+            </a:ext>
+            <a:ext uri="{AF507438-7753-43E0-B8FC-AC1667EBCBE1}">
+              <a14:hiddenEffects xmlns:a14="http://schemas.microsoft.com/office/drawing/2010/main">
+                <a:effectLst>
+                  <a:outerShdw dist="35921" dir="2700000" algn="ctr" rotWithShape="0">
+                    <a:schemeClr val="bg2"/>
+                  </a:outerShdw>
+                </a:effectLst>
+              </a14:hiddenEffects>
+            </a:ext>
+          </a:extLst>
+        </p:spPr>
+        <p:txBody>
+          <a:bodyPr vert="horz" wrap="square" lIns="91440" tIns="45720" rIns="91440" bIns="45720" numCol="1" anchor="ctr" anchorCtr="0" compatLnSpc="1">
+            <a:prstTxWarp prst="textNoShape">
+              <a:avLst/>
+            </a:prstTxWarp>
+            <a:spAutoFit/>
+          </a:bodyPr>
+          <a:lstStyle/>
+          <a:p>
+            <a:endParaRPr lang="en-US"/>
+          </a:p>
+        </p:txBody>
+      </p:sp>
+      <p:pic>
+        <p:nvPicPr>
+          <p:cNvPr id="8" name="Picture 7">
+            <a:extLst>
+              <a:ext uri="{FF2B5EF4-FFF2-40B4-BE49-F238E27FC236}">
+                <a16:creationId xmlns:a16="http://schemas.microsoft.com/office/drawing/2014/main" id="{71E58737-672B-4C28-AFFA-0A01AEC988E3}"/>
+              </a:ext>
+            </a:extLst>
+          </p:cNvPr>
+          <p:cNvPicPr>
+            <a:picLocks noChangeAspect="1"/>
+          </p:cNvPicPr>
+          <p:nvPr/>
+        </p:nvPicPr>
+        <p:blipFill>
+          <a:blip r:embed="rId4"/>
+          <a:stretch>
+            <a:fillRect/>
+          </a:stretch>
+        </p:blipFill>
+        <p:spPr>
+          <a:xfrm>
+            <a:off x="1691680" y="2317660"/>
+            <a:ext cx="5532660" cy="4026035"/>
+          </a:xfrm>
+          <a:prstGeom prst="rect">
+            <a:avLst/>
+          </a:prstGeom>
+          <a:ln>
+            <a:solidFill>
+              <a:srgbClr val="C00000"/>
+            </a:solidFill>
+          </a:ln>
+        </p:spPr>
+      </p:pic>
+    </p:spTree>
+    <p:extLst>
+      <p:ext uri="{BB962C8B-B14F-4D97-AF65-F5344CB8AC3E}">
+        <p14:creationId xmlns:p14="http://schemas.microsoft.com/office/powerpoint/2010/main" val="3295072273"/>
       </p:ext>
     </p:extLst>
   </p:cSld>

--- a/002_SetupRunTensorflow.pptx
+++ b/002_SetupRunTensorflow.pptx
@@ -5,7 +5,7 @@
     <p:sldMasterId id="2147483648" r:id="rId1"/>
   </p:sldMasterIdLst>
   <p:notesMasterIdLst>
-    <p:notesMasterId r:id="rId28"/>
+    <p:notesMasterId r:id="rId29"/>
   </p:notesMasterIdLst>
   <p:sldIdLst>
     <p:sldId id="256" r:id="rId2"/>
@@ -17,23 +17,24 @@
     <p:sldId id="331" r:id="rId8"/>
     <p:sldId id="332" r:id="rId9"/>
     <p:sldId id="333" r:id="rId10"/>
-    <p:sldId id="327" r:id="rId11"/>
-    <p:sldId id="318" r:id="rId12"/>
-    <p:sldId id="320" r:id="rId13"/>
-    <p:sldId id="307" r:id="rId14"/>
-    <p:sldId id="321" r:id="rId15"/>
-    <p:sldId id="322" r:id="rId16"/>
-    <p:sldId id="326" r:id="rId17"/>
-    <p:sldId id="323" r:id="rId18"/>
-    <p:sldId id="316" r:id="rId19"/>
-    <p:sldId id="324" r:id="rId20"/>
-    <p:sldId id="312" r:id="rId21"/>
-    <p:sldId id="313" r:id="rId22"/>
-    <p:sldId id="314" r:id="rId23"/>
-    <p:sldId id="315" r:id="rId24"/>
-    <p:sldId id="309" r:id="rId25"/>
-    <p:sldId id="325" r:id="rId26"/>
-    <p:sldId id="259" r:id="rId27"/>
+    <p:sldId id="334" r:id="rId11"/>
+    <p:sldId id="327" r:id="rId12"/>
+    <p:sldId id="318" r:id="rId13"/>
+    <p:sldId id="320" r:id="rId14"/>
+    <p:sldId id="307" r:id="rId15"/>
+    <p:sldId id="321" r:id="rId16"/>
+    <p:sldId id="322" r:id="rId17"/>
+    <p:sldId id="326" r:id="rId18"/>
+    <p:sldId id="323" r:id="rId19"/>
+    <p:sldId id="316" r:id="rId20"/>
+    <p:sldId id="324" r:id="rId21"/>
+    <p:sldId id="312" r:id="rId22"/>
+    <p:sldId id="313" r:id="rId23"/>
+    <p:sldId id="314" r:id="rId24"/>
+    <p:sldId id="315" r:id="rId25"/>
+    <p:sldId id="309" r:id="rId26"/>
+    <p:sldId id="325" r:id="rId27"/>
+    <p:sldId id="259" r:id="rId28"/>
   </p:sldIdLst>
   <p:sldSz cx="9144000" cy="6858000" type="screen4x3"/>
   <p:notesSz cx="6858000" cy="9144000"/>
@@ -3645,155 +3646,6 @@
         </p:nvSpPr>
         <p:spPr>
           <a:xfrm>
-            <a:off x="0" y="2130425"/>
-            <a:ext cx="9144000" cy="1470025"/>
-          </a:xfrm>
-          <a:solidFill>
-            <a:srgbClr val="00B0F0"/>
-          </a:solidFill>
-        </p:spPr>
-        <p:txBody>
-          <a:bodyPr>
-            <a:normAutofit/>
-          </a:bodyPr>
-          <a:lstStyle/>
-          <a:p>
-            <a:r>
-              <a:rPr lang="en-US" altLang="zh-TW" sz="4800" b="1" dirty="0">
-                <a:solidFill>
-                  <a:srgbClr val="FFFF00"/>
-                </a:solidFill>
-              </a:rPr>
-              <a:t>2.2 Create Tensorflow Environment</a:t>
-            </a:r>
-            <a:endParaRPr lang="zh-TW" altLang="en-US" sz="4800" b="1" dirty="0">
-              <a:solidFill>
-                <a:srgbClr val="FFFF00"/>
-              </a:solidFill>
-            </a:endParaRPr>
-          </a:p>
-        </p:txBody>
-      </p:sp>
-      <p:sp>
-        <p:nvSpPr>
-          <p:cNvPr id="5" name="日期版面配置區 4"/>
-          <p:cNvSpPr>
-            <a:spLocks noGrp="1"/>
-          </p:cNvSpPr>
-          <p:nvPr>
-            <p:ph type="dt" sz="half" idx="10"/>
-          </p:nvPr>
-        </p:nvSpPr>
-        <p:spPr/>
-        <p:txBody>
-          <a:bodyPr/>
-          <a:lstStyle/>
-          <a:p>
-            <a:fld id="{C389EDC9-19E3-47AC-9C57-C6A24DEA81AD}" type="datetime1">
-              <a:rPr lang="zh-TW" altLang="en-US" smtClean="0"/>
-              <a:pPr/>
-              <a:t>2020/9/24</a:t>
-            </a:fld>
-            <a:endParaRPr lang="zh-TW" altLang="en-US"/>
-          </a:p>
-        </p:txBody>
-      </p:sp>
-      <p:sp>
-        <p:nvSpPr>
-          <p:cNvPr id="6" name="投影片編號版面配置區 5"/>
-          <p:cNvSpPr>
-            <a:spLocks noGrp="1"/>
-          </p:cNvSpPr>
-          <p:nvPr>
-            <p:ph type="sldNum" sz="quarter" idx="12"/>
-          </p:nvPr>
-        </p:nvSpPr>
-        <p:spPr/>
-        <p:txBody>
-          <a:bodyPr/>
-          <a:lstStyle/>
-          <a:p>
-            <a:fld id="{E4D7E63D-91F2-4366-A2C4-1B00C9E2590E}" type="slidenum">
-              <a:rPr lang="zh-TW" altLang="en-US" smtClean="0"/>
-              <a:pPr/>
-              <a:t>10</a:t>
-            </a:fld>
-            <a:endParaRPr lang="zh-TW" altLang="en-US"/>
-          </a:p>
-        </p:txBody>
-      </p:sp>
-      <p:pic>
-        <p:nvPicPr>
-          <p:cNvPr id="7" name="Picture 6">
-            <a:extLst>
-              <a:ext uri="{FF2B5EF4-FFF2-40B4-BE49-F238E27FC236}">
-                <a16:creationId xmlns:a16="http://schemas.microsoft.com/office/drawing/2014/main" id="{1BE488C5-DA27-405E-9F7E-A4EF5DF95762}"/>
-              </a:ext>
-            </a:extLst>
-          </p:cNvPr>
-          <p:cNvPicPr>
-            <a:picLocks noChangeAspect="1"/>
-          </p:cNvPicPr>
-          <p:nvPr/>
-        </p:nvPicPr>
-        <p:blipFill>
-          <a:blip r:embed="rId2"/>
-          <a:stretch>
-            <a:fillRect/>
-          </a:stretch>
-        </p:blipFill>
-        <p:spPr>
-          <a:xfrm>
-            <a:off x="3923928" y="3695964"/>
-            <a:ext cx="1004960" cy="885164"/>
-          </a:xfrm>
-          <a:prstGeom prst="rect">
-            <a:avLst/>
-          </a:prstGeom>
-        </p:spPr>
-      </p:pic>
-    </p:spTree>
-    <p:extLst>
-      <p:ext uri="{BB962C8B-B14F-4D97-AF65-F5344CB8AC3E}">
-        <p14:creationId xmlns:p14="http://schemas.microsoft.com/office/powerpoint/2010/main" val="1305646987"/>
-      </p:ext>
-    </p:extLst>
-  </p:cSld>
-  <p:clrMapOvr>
-    <a:masterClrMapping/>
-  </p:clrMapOvr>
-</p:sld>
-</file>
-
-<file path=ppt/slides/slide11.xml><?xml version="1.0" encoding="utf-8"?>
-<p:sld xmlns:a="http://schemas.openxmlformats.org/drawingml/2006/main" xmlns:r="http://schemas.openxmlformats.org/officeDocument/2006/relationships" xmlns:p="http://schemas.openxmlformats.org/presentationml/2006/main">
-  <p:cSld>
-    <p:spTree>
-      <p:nvGrpSpPr>
-        <p:cNvPr id="1" name=""/>
-        <p:cNvGrpSpPr/>
-        <p:nvPr/>
-      </p:nvGrpSpPr>
-      <p:grpSpPr>
-        <a:xfrm>
-          <a:off x="0" y="0"/>
-          <a:ext cx="0" cy="0"/>
-          <a:chOff x="0" y="0"/>
-          <a:chExt cx="0" cy="0"/>
-        </a:xfrm>
-      </p:grpSpPr>
-      <p:sp>
-        <p:nvSpPr>
-          <p:cNvPr id="2" name="標題 1"/>
-          <p:cNvSpPr>
-            <a:spLocks noGrp="1"/>
-          </p:cNvSpPr>
-          <p:nvPr>
-            <p:ph type="ctrTitle"/>
-          </p:nvPr>
-        </p:nvSpPr>
-        <p:spPr>
-          <a:xfrm>
             <a:off x="0" y="0"/>
             <a:ext cx="9144000" cy="764704"/>
           </a:xfrm>
@@ -3837,7 +3689,7 @@
                   <a:srgbClr val="FFFF00"/>
                 </a:solidFill>
               </a:rPr>
-              <a:t>2.2 Create Tensorflow Environment</a:t>
+              <a:t>2.1 Install Anaconda</a:t>
             </a:r>
             <a:endParaRPr lang="zh-TW" altLang="en-US" b="1" dirty="0">
               <a:solidFill>
@@ -3860,7 +3712,7 @@
         <p:spPr>
           <a:xfrm>
             <a:off x="426368" y="1418786"/>
-            <a:ext cx="8291263" cy="1578166"/>
+            <a:ext cx="8291263" cy="714070"/>
           </a:xfrm>
           <a:ln>
             <a:solidFill>
@@ -3888,7 +3740,7 @@
                   <a:srgbClr val="29303B"/>
                 </a:solidFill>
               </a:rPr>
-              <a:t>Create Tensorflow Environment</a:t>
+              <a:t>Install Anaconda</a:t>
             </a:r>
           </a:p>
           <a:p>
@@ -3901,17 +3753,28 @@
               <a:buChar char="u"/>
             </a:pPr>
             <a:r>
-              <a:rPr kumimoji="0" lang="en-US" altLang="en-US" sz="2000" b="1" i="0" u="none" strike="noStrike" cap="none" normalizeH="0" baseline="0" dirty="0">
-                <a:ln>
-                  <a:noFill/>
-                </a:ln>
-                <a:solidFill>
-                  <a:schemeClr val="tx1"/>
-                </a:solidFill>
-                <a:effectLst/>
-                <a:latin typeface="var(--ytd-video-primary-info-renderer-title-font-family, inherit)"/>
+              <a:rPr lang="en-US" altLang="en-US" sz="1800" b="1" dirty="0">
+                <a:solidFill>
+                  <a:srgbClr val="29303B"/>
+                </a:solidFill>
               </a:rPr>
-              <a:t>2020, Installing TensorFlow 2.0, Keras, and Python 3.7 in Windows 10</a:t>
+              <a:t>For MacOS and Linux, we can open </a:t>
+            </a:r>
+            <a:r>
+              <a:rPr lang="en-US" altLang="en-US" sz="1800" b="1" dirty="0" err="1">
+                <a:solidFill>
+                  <a:srgbClr val="29303B"/>
+                </a:solidFill>
+              </a:rPr>
+              <a:t>Anconda</a:t>
+            </a:r>
+            <a:r>
+              <a:rPr lang="en-US" altLang="en-US" sz="1800" b="1" dirty="0">
+                <a:solidFill>
+                  <a:srgbClr val="29303B"/>
+                </a:solidFill>
+              </a:rPr>
+              <a:t> prompt as follow:</a:t>
             </a:r>
           </a:p>
           <a:p>
@@ -3923,29 +3786,10 @@
               <a:buFont typeface="Wingdings" pitchFamily="2" charset="2"/>
               <a:buChar char="u"/>
             </a:pPr>
-            <a:r>
-              <a:rPr lang="en-US" altLang="en-US" sz="2000" b="1" dirty="0">
-                <a:solidFill>
-                  <a:schemeClr val="tx1"/>
-                </a:solidFill>
-                <a:latin typeface="var(--ytd-video-primary-info-renderer-title-font-family, inherit)"/>
-              </a:rPr>
-              <a:t>Download the </a:t>
-            </a:r>
-            <a:r>
-              <a:rPr lang="en-US" altLang="en-US" sz="2000" b="1" dirty="0" err="1">
-                <a:solidFill>
-                  <a:schemeClr val="tx1"/>
-                </a:solidFill>
-                <a:latin typeface="var(--ytd-video-primary-info-renderer-title-font-family, inherit)"/>
-              </a:rPr>
-              <a:t>tensroflow.yml</a:t>
-            </a:r>
-            <a:endParaRPr lang="en-US" altLang="en-US" sz="2000" b="1" dirty="0">
+            <a:endParaRPr lang="en-US" altLang="en-US" sz="1800" b="1" dirty="0">
               <a:solidFill>
-                <a:schemeClr val="tx1"/>
+                <a:srgbClr val="29303B"/>
               </a:solidFill>
-              <a:latin typeface="var(--ytd-video-primary-info-renderer-title-font-family, inherit)"/>
             </a:endParaRPr>
           </a:p>
           <a:p>
@@ -3957,19 +3801,31 @@
               <a:buFont typeface="Wingdings" pitchFamily="2" charset="2"/>
               <a:buChar char="u"/>
             </a:pPr>
-            <a:r>
-              <a:rPr kumimoji="0" lang="en-US" altLang="en-US" sz="2000" b="1" i="0" u="none" strike="noStrike" cap="none" normalizeH="0" baseline="0" dirty="0">
-                <a:ln>
-                  <a:noFill/>
-                </a:ln>
-                <a:solidFill>
-                  <a:schemeClr val="tx1"/>
-                </a:solidFill>
-                <a:effectLst/>
-                <a:latin typeface="var(--ytd-video-primary-info-renderer-title-font-family, inherit)"/>
-              </a:rPr>
-              <a:t>This file contains the environment setup for us.</a:t>
-            </a:r>
+            <a:endParaRPr lang="en-US" altLang="en-US" sz="1800" b="1" dirty="0">
+              <a:solidFill>
+                <a:srgbClr val="29303B"/>
+              </a:solidFill>
+            </a:endParaRPr>
+          </a:p>
+          <a:p>
+            <a:pPr marL="342900" indent="-342900" algn="l">
+              <a:buClr>
+                <a:srgbClr val="0070C0"/>
+              </a:buClr>
+              <a:buSzPct val="80000"/>
+              <a:buFont typeface="Wingdings" pitchFamily="2" charset="2"/>
+              <a:buChar char="u"/>
+            </a:pPr>
+            <a:endParaRPr kumimoji="0" lang="en-US" altLang="en-US" sz="2000" b="1" i="0" u="none" strike="noStrike" cap="none" normalizeH="0" baseline="0" dirty="0">
+              <a:ln>
+                <a:noFill/>
+              </a:ln>
+              <a:solidFill>
+                <a:schemeClr val="tx1"/>
+              </a:solidFill>
+              <a:effectLst/>
+              <a:latin typeface="var(--ytd-video-primary-info-renderer-title-font-family, inherit)"/>
+            </a:endParaRPr>
           </a:p>
         </p:txBody>
       </p:sp>
@@ -4095,7 +3951,7 @@
             <a:fld id="{E4D7E63D-91F2-4366-A2C4-1B00C9E2590E}" type="slidenum">
               <a:rPr lang="zh-TW" altLang="en-US" smtClean="0"/>
               <a:pPr/>
-              <a:t>11</a:t>
+              <a:t>10</a:t>
             </a:fld>
             <a:endParaRPr lang="zh-TW" altLang="en-US"/>
           </a:p>
@@ -4297,10 +4153,10 @@
       </p:sp>
       <p:pic>
         <p:nvPicPr>
-          <p:cNvPr id="23" name="Picture 22">
+          <p:cNvPr id="7" name="Picture 6">
             <a:extLst>
               <a:ext uri="{FF2B5EF4-FFF2-40B4-BE49-F238E27FC236}">
-                <a16:creationId xmlns:a16="http://schemas.microsoft.com/office/drawing/2014/main" id="{177A1777-1F03-41BF-B0C3-E11965306E06}"/>
+                <a16:creationId xmlns:a16="http://schemas.microsoft.com/office/drawing/2014/main" id="{700FFC18-D8AC-4D9A-B2D7-0C4A6B3681AC}"/>
               </a:ext>
             </a:extLst>
           </p:cNvPr>
@@ -4317,8 +4173,8 @@
         </p:blipFill>
         <p:spPr>
           <a:xfrm>
-            <a:off x="6156176" y="2383671"/>
-            <a:ext cx="2636378" cy="4138216"/>
+            <a:off x="1697831" y="2328728"/>
+            <a:ext cx="6053137" cy="3674360"/>
           </a:xfrm>
           <a:prstGeom prst="rect">
             <a:avLst/>
@@ -4333,7 +4189,156 @@
     </p:spTree>
     <p:extLst>
       <p:ext uri="{BB962C8B-B14F-4D97-AF65-F5344CB8AC3E}">
-        <p14:creationId xmlns:p14="http://schemas.microsoft.com/office/powerpoint/2010/main" val="3778792603"/>
+        <p14:creationId xmlns:p14="http://schemas.microsoft.com/office/powerpoint/2010/main" val="895725844"/>
+      </p:ext>
+    </p:extLst>
+  </p:cSld>
+  <p:clrMapOvr>
+    <a:masterClrMapping/>
+  </p:clrMapOvr>
+</p:sld>
+</file>
+
+<file path=ppt/slides/slide11.xml><?xml version="1.0" encoding="utf-8"?>
+<p:sld xmlns:a="http://schemas.openxmlformats.org/drawingml/2006/main" xmlns:r="http://schemas.openxmlformats.org/officeDocument/2006/relationships" xmlns:p="http://schemas.openxmlformats.org/presentationml/2006/main">
+  <p:cSld>
+    <p:spTree>
+      <p:nvGrpSpPr>
+        <p:cNvPr id="1" name=""/>
+        <p:cNvGrpSpPr/>
+        <p:nvPr/>
+      </p:nvGrpSpPr>
+      <p:grpSpPr>
+        <a:xfrm>
+          <a:off x="0" y="0"/>
+          <a:ext cx="0" cy="0"/>
+          <a:chOff x="0" y="0"/>
+          <a:chExt cx="0" cy="0"/>
+        </a:xfrm>
+      </p:grpSpPr>
+      <p:sp>
+        <p:nvSpPr>
+          <p:cNvPr id="2" name="標題 1"/>
+          <p:cNvSpPr>
+            <a:spLocks noGrp="1"/>
+          </p:cNvSpPr>
+          <p:nvPr>
+            <p:ph type="ctrTitle"/>
+          </p:nvPr>
+        </p:nvSpPr>
+        <p:spPr>
+          <a:xfrm>
+            <a:off x="0" y="2130425"/>
+            <a:ext cx="9144000" cy="1470025"/>
+          </a:xfrm>
+          <a:solidFill>
+            <a:srgbClr val="00B0F0"/>
+          </a:solidFill>
+        </p:spPr>
+        <p:txBody>
+          <a:bodyPr>
+            <a:normAutofit/>
+          </a:bodyPr>
+          <a:lstStyle/>
+          <a:p>
+            <a:r>
+              <a:rPr lang="en-US" altLang="zh-TW" sz="4800" b="1" dirty="0">
+                <a:solidFill>
+                  <a:srgbClr val="FFFF00"/>
+                </a:solidFill>
+              </a:rPr>
+              <a:t>2.2 Create Tensorflow Environment</a:t>
+            </a:r>
+            <a:endParaRPr lang="zh-TW" altLang="en-US" sz="4800" b="1" dirty="0">
+              <a:solidFill>
+                <a:srgbClr val="FFFF00"/>
+              </a:solidFill>
+            </a:endParaRPr>
+          </a:p>
+        </p:txBody>
+      </p:sp>
+      <p:sp>
+        <p:nvSpPr>
+          <p:cNvPr id="5" name="日期版面配置區 4"/>
+          <p:cNvSpPr>
+            <a:spLocks noGrp="1"/>
+          </p:cNvSpPr>
+          <p:nvPr>
+            <p:ph type="dt" sz="half" idx="10"/>
+          </p:nvPr>
+        </p:nvSpPr>
+        <p:spPr/>
+        <p:txBody>
+          <a:bodyPr/>
+          <a:lstStyle/>
+          <a:p>
+            <a:fld id="{C389EDC9-19E3-47AC-9C57-C6A24DEA81AD}" type="datetime1">
+              <a:rPr lang="zh-TW" altLang="en-US" smtClean="0"/>
+              <a:pPr/>
+              <a:t>2020/9/24</a:t>
+            </a:fld>
+            <a:endParaRPr lang="zh-TW" altLang="en-US"/>
+          </a:p>
+        </p:txBody>
+      </p:sp>
+      <p:sp>
+        <p:nvSpPr>
+          <p:cNvPr id="6" name="投影片編號版面配置區 5"/>
+          <p:cNvSpPr>
+            <a:spLocks noGrp="1"/>
+          </p:cNvSpPr>
+          <p:nvPr>
+            <p:ph type="sldNum" sz="quarter" idx="12"/>
+          </p:nvPr>
+        </p:nvSpPr>
+        <p:spPr/>
+        <p:txBody>
+          <a:bodyPr/>
+          <a:lstStyle/>
+          <a:p>
+            <a:fld id="{E4D7E63D-91F2-4366-A2C4-1B00C9E2590E}" type="slidenum">
+              <a:rPr lang="zh-TW" altLang="en-US" smtClean="0"/>
+              <a:pPr/>
+              <a:t>11</a:t>
+            </a:fld>
+            <a:endParaRPr lang="zh-TW" altLang="en-US"/>
+          </a:p>
+        </p:txBody>
+      </p:sp>
+      <p:pic>
+        <p:nvPicPr>
+          <p:cNvPr id="7" name="Picture 6">
+            <a:extLst>
+              <a:ext uri="{FF2B5EF4-FFF2-40B4-BE49-F238E27FC236}">
+                <a16:creationId xmlns:a16="http://schemas.microsoft.com/office/drawing/2014/main" id="{1BE488C5-DA27-405E-9F7E-A4EF5DF95762}"/>
+              </a:ext>
+            </a:extLst>
+          </p:cNvPr>
+          <p:cNvPicPr>
+            <a:picLocks noChangeAspect="1"/>
+          </p:cNvPicPr>
+          <p:nvPr/>
+        </p:nvPicPr>
+        <p:blipFill>
+          <a:blip r:embed="rId2"/>
+          <a:stretch>
+            <a:fillRect/>
+          </a:stretch>
+        </p:blipFill>
+        <p:spPr>
+          <a:xfrm>
+            <a:off x="3923928" y="3695964"/>
+            <a:ext cx="1004960" cy="885164"/>
+          </a:xfrm>
+          <a:prstGeom prst="rect">
+            <a:avLst/>
+          </a:prstGeom>
+        </p:spPr>
+      </p:pic>
+    </p:spTree>
+    <p:extLst>
+      <p:ext uri="{BB962C8B-B14F-4D97-AF65-F5344CB8AC3E}">
+        <p14:creationId xmlns:p14="http://schemas.microsoft.com/office/powerpoint/2010/main" val="1305646987"/>
       </p:ext>
     </p:extLst>
   </p:cSld>
@@ -4372,155 +4377,6 @@
         </p:nvSpPr>
         <p:spPr>
           <a:xfrm>
-            <a:off x="0" y="2130425"/>
-            <a:ext cx="9144000" cy="1470025"/>
-          </a:xfrm>
-          <a:solidFill>
-            <a:srgbClr val="00B0F0"/>
-          </a:solidFill>
-        </p:spPr>
-        <p:txBody>
-          <a:bodyPr>
-            <a:normAutofit/>
-          </a:bodyPr>
-          <a:lstStyle/>
-          <a:p>
-            <a:r>
-              <a:rPr lang="en-US" altLang="zh-TW" sz="4800" b="1" dirty="0">
-                <a:solidFill>
-                  <a:srgbClr val="FFFF00"/>
-                </a:solidFill>
-              </a:rPr>
-              <a:t>2.3 Install Jupyter</a:t>
-            </a:r>
-            <a:endParaRPr lang="zh-TW" altLang="en-US" sz="4800" b="1" dirty="0">
-              <a:solidFill>
-                <a:srgbClr val="FFFF00"/>
-              </a:solidFill>
-            </a:endParaRPr>
-          </a:p>
-        </p:txBody>
-      </p:sp>
-      <p:sp>
-        <p:nvSpPr>
-          <p:cNvPr id="5" name="日期版面配置區 4"/>
-          <p:cNvSpPr>
-            <a:spLocks noGrp="1"/>
-          </p:cNvSpPr>
-          <p:nvPr>
-            <p:ph type="dt" sz="half" idx="10"/>
-          </p:nvPr>
-        </p:nvSpPr>
-        <p:spPr/>
-        <p:txBody>
-          <a:bodyPr/>
-          <a:lstStyle/>
-          <a:p>
-            <a:fld id="{C389EDC9-19E3-47AC-9C57-C6A24DEA81AD}" type="datetime1">
-              <a:rPr lang="zh-TW" altLang="en-US" smtClean="0"/>
-              <a:pPr/>
-              <a:t>2020/9/24</a:t>
-            </a:fld>
-            <a:endParaRPr lang="zh-TW" altLang="en-US"/>
-          </a:p>
-        </p:txBody>
-      </p:sp>
-      <p:sp>
-        <p:nvSpPr>
-          <p:cNvPr id="6" name="投影片編號版面配置區 5"/>
-          <p:cNvSpPr>
-            <a:spLocks noGrp="1"/>
-          </p:cNvSpPr>
-          <p:nvPr>
-            <p:ph type="sldNum" sz="quarter" idx="12"/>
-          </p:nvPr>
-        </p:nvSpPr>
-        <p:spPr/>
-        <p:txBody>
-          <a:bodyPr/>
-          <a:lstStyle/>
-          <a:p>
-            <a:fld id="{E4D7E63D-91F2-4366-A2C4-1B00C9E2590E}" type="slidenum">
-              <a:rPr lang="zh-TW" altLang="en-US" smtClean="0"/>
-              <a:pPr/>
-              <a:t>12</a:t>
-            </a:fld>
-            <a:endParaRPr lang="zh-TW" altLang="en-US"/>
-          </a:p>
-        </p:txBody>
-      </p:sp>
-      <p:pic>
-        <p:nvPicPr>
-          <p:cNvPr id="7" name="Picture 6">
-            <a:extLst>
-              <a:ext uri="{FF2B5EF4-FFF2-40B4-BE49-F238E27FC236}">
-                <a16:creationId xmlns:a16="http://schemas.microsoft.com/office/drawing/2014/main" id="{1BE488C5-DA27-405E-9F7E-A4EF5DF95762}"/>
-              </a:ext>
-            </a:extLst>
-          </p:cNvPr>
-          <p:cNvPicPr>
-            <a:picLocks noChangeAspect="1"/>
-          </p:cNvPicPr>
-          <p:nvPr/>
-        </p:nvPicPr>
-        <p:blipFill>
-          <a:blip r:embed="rId2"/>
-          <a:stretch>
-            <a:fillRect/>
-          </a:stretch>
-        </p:blipFill>
-        <p:spPr>
-          <a:xfrm>
-            <a:off x="3923928" y="3695964"/>
-            <a:ext cx="1004960" cy="885164"/>
-          </a:xfrm>
-          <a:prstGeom prst="rect">
-            <a:avLst/>
-          </a:prstGeom>
-        </p:spPr>
-      </p:pic>
-    </p:spTree>
-    <p:extLst>
-      <p:ext uri="{BB962C8B-B14F-4D97-AF65-F5344CB8AC3E}">
-        <p14:creationId xmlns:p14="http://schemas.microsoft.com/office/powerpoint/2010/main" val="663254221"/>
-      </p:ext>
-    </p:extLst>
-  </p:cSld>
-  <p:clrMapOvr>
-    <a:masterClrMapping/>
-  </p:clrMapOvr>
-</p:sld>
-</file>
-
-<file path=ppt/slides/slide13.xml><?xml version="1.0" encoding="utf-8"?>
-<p:sld xmlns:a="http://schemas.openxmlformats.org/drawingml/2006/main" xmlns:r="http://schemas.openxmlformats.org/officeDocument/2006/relationships" xmlns:p="http://schemas.openxmlformats.org/presentationml/2006/main">
-  <p:cSld>
-    <p:spTree>
-      <p:nvGrpSpPr>
-        <p:cNvPr id="1" name=""/>
-        <p:cNvGrpSpPr/>
-        <p:nvPr/>
-      </p:nvGrpSpPr>
-      <p:grpSpPr>
-        <a:xfrm>
-          <a:off x="0" y="0"/>
-          <a:ext cx="0" cy="0"/>
-          <a:chOff x="0" y="0"/>
-          <a:chExt cx="0" cy="0"/>
-        </a:xfrm>
-      </p:grpSpPr>
-      <p:sp>
-        <p:nvSpPr>
-          <p:cNvPr id="2" name="標題 1"/>
-          <p:cNvSpPr>
-            <a:spLocks noGrp="1"/>
-          </p:cNvSpPr>
-          <p:nvPr>
-            <p:ph type="ctrTitle"/>
-          </p:nvPr>
-        </p:nvSpPr>
-        <p:spPr>
-          <a:xfrm>
             <a:off x="0" y="0"/>
             <a:ext cx="9144000" cy="764704"/>
           </a:xfrm>
@@ -4564,7 +4420,7 @@
                   <a:srgbClr val="FFFF00"/>
                 </a:solidFill>
               </a:rPr>
-              <a:t>2.3 Install Jupyter</a:t>
+              <a:t>2.2 Create Tensorflow Environment</a:t>
             </a:r>
             <a:endParaRPr lang="zh-TW" altLang="en-US" b="1" dirty="0">
               <a:solidFill>
@@ -4586,8 +4442,8 @@
         </p:nvSpPr>
         <p:spPr>
           <a:xfrm>
-            <a:off x="365761" y="1312209"/>
-            <a:ext cx="3198127" cy="1756751"/>
+            <a:off x="426368" y="1418786"/>
+            <a:ext cx="8291263" cy="1578166"/>
           </a:xfrm>
           <a:ln>
             <a:solidFill>
@@ -4615,7 +4471,7 @@
                   <a:srgbClr val="29303B"/>
                 </a:solidFill>
               </a:rPr>
-              <a:t>Install Jupyter</a:t>
+              <a:t>Create Tensorflow Environment</a:t>
             </a:r>
           </a:p>
           <a:p>
@@ -4628,13 +4484,17 @@
               <a:buChar char="u"/>
             </a:pPr>
             <a:r>
-              <a:rPr lang="en-US" altLang="en-US" sz="1800" b="1" dirty="0">
+              <a:rPr kumimoji="0" lang="en-US" altLang="en-US" sz="2000" b="1" i="0" u="none" strike="noStrike" cap="none" normalizeH="0" baseline="0" dirty="0">
+                <a:ln>
+                  <a:noFill/>
+                </a:ln>
                 <a:solidFill>
                   <a:schemeClr val="tx1"/>
                 </a:solidFill>
+                <a:effectLst/>
                 <a:latin typeface="var(--ytd-video-primary-info-renderer-title-font-family, inherit)"/>
               </a:rPr>
-              <a:t>Under window 10 prompt or Anaconda prompt:</a:t>
+              <a:t>2020, Installing TensorFlow 2.0, Keras, and Python 3.7 in Windows 10</a:t>
             </a:r>
           </a:p>
           <a:p>
@@ -4647,13 +4507,51 @@
               <a:buChar char="u"/>
             </a:pPr>
             <a:r>
-              <a:rPr lang="en-US" altLang="en-US" sz="1800" b="1" dirty="0">
+              <a:rPr lang="en-US" altLang="en-US" sz="2000" b="1" dirty="0">
                 <a:solidFill>
                   <a:schemeClr val="tx1"/>
                 </a:solidFill>
                 <a:latin typeface="var(--ytd-video-primary-info-renderer-title-font-family, inherit)"/>
               </a:rPr>
-              <a:t>&gt; conda install jupyter</a:t>
+              <a:t>Download the </a:t>
+            </a:r>
+            <a:r>
+              <a:rPr lang="en-US" altLang="en-US" sz="2000" b="1" dirty="0" err="1">
+                <a:solidFill>
+                  <a:schemeClr val="tx1"/>
+                </a:solidFill>
+                <a:latin typeface="var(--ytd-video-primary-info-renderer-title-font-family, inherit)"/>
+              </a:rPr>
+              <a:t>tensroflow.yml</a:t>
+            </a:r>
+            <a:endParaRPr lang="en-US" altLang="en-US" sz="2000" b="1" dirty="0">
+              <a:solidFill>
+                <a:schemeClr val="tx1"/>
+              </a:solidFill>
+              <a:latin typeface="var(--ytd-video-primary-info-renderer-title-font-family, inherit)"/>
+            </a:endParaRPr>
+          </a:p>
+          <a:p>
+            <a:pPr marL="342900" indent="-342900" algn="l">
+              <a:buClr>
+                <a:srgbClr val="0070C0"/>
+              </a:buClr>
+              <a:buSzPct val="80000"/>
+              <a:buFont typeface="Wingdings" pitchFamily="2" charset="2"/>
+              <a:buChar char="u"/>
+            </a:pPr>
+            <a:r>
+              <a:rPr kumimoji="0" lang="en-US" altLang="en-US" sz="2000" b="1" i="0" u="none" strike="noStrike" cap="none" normalizeH="0" baseline="0" dirty="0">
+                <a:ln>
+                  <a:noFill/>
+                </a:ln>
+                <a:solidFill>
+                  <a:schemeClr val="tx1"/>
+                </a:solidFill>
+                <a:effectLst/>
+                <a:latin typeface="var(--ytd-video-primary-info-renderer-title-font-family, inherit)"/>
+              </a:rPr>
+              <a:t>This file contains the environment setup for us.</a:t>
             </a:r>
           </a:p>
         </p:txBody>
@@ -4780,7 +4678,7 @@
             <a:fld id="{E4D7E63D-91F2-4366-A2C4-1B00C9E2590E}" type="slidenum">
               <a:rPr lang="zh-TW" altLang="en-US" smtClean="0"/>
               <a:pPr/>
-              <a:t>13</a:t>
+              <a:t>12</a:t>
             </a:fld>
             <a:endParaRPr lang="zh-TW" altLang="en-US"/>
           </a:p>
@@ -4982,10 +4880,10 @@
       </p:sp>
       <p:pic>
         <p:nvPicPr>
-          <p:cNvPr id="7" name="Picture 6">
+          <p:cNvPr id="23" name="Picture 22">
             <a:extLst>
               <a:ext uri="{FF2B5EF4-FFF2-40B4-BE49-F238E27FC236}">
-                <a16:creationId xmlns:a16="http://schemas.microsoft.com/office/drawing/2014/main" id="{E032919F-754F-4CEF-B996-41C63E4DF2E3}"/>
+                <a16:creationId xmlns:a16="http://schemas.microsoft.com/office/drawing/2014/main" id="{177A1777-1F03-41BF-B0C3-E11965306E06}"/>
               </a:ext>
             </a:extLst>
           </p:cNvPr>
@@ -5002,15 +4900,12 @@
         </p:blipFill>
         <p:spPr>
           <a:xfrm>
-            <a:off x="4264025" y="3933905"/>
-            <a:ext cx="4438650" cy="1695450"/>
+            <a:off x="6156176" y="2383671"/>
+            <a:ext cx="2636378" cy="4138216"/>
           </a:xfrm>
           <a:prstGeom prst="rect">
             <a:avLst/>
           </a:prstGeom>
-          <a:solidFill>
-            <a:schemeClr val="accent2"/>
-          </a:solidFill>
           <a:ln>
             <a:solidFill>
               <a:srgbClr val="C00000"/>
@@ -5018,12 +4913,131 @@
           </a:ln>
         </p:spPr>
       </p:pic>
+    </p:spTree>
+    <p:extLst>
+      <p:ext uri="{BB962C8B-B14F-4D97-AF65-F5344CB8AC3E}">
+        <p14:creationId xmlns:p14="http://schemas.microsoft.com/office/powerpoint/2010/main" val="3778792603"/>
+      </p:ext>
+    </p:extLst>
+  </p:cSld>
+  <p:clrMapOvr>
+    <a:masterClrMapping/>
+  </p:clrMapOvr>
+</p:sld>
+</file>
+
+<file path=ppt/slides/slide13.xml><?xml version="1.0" encoding="utf-8"?>
+<p:sld xmlns:a="http://schemas.openxmlformats.org/drawingml/2006/main" xmlns:r="http://schemas.openxmlformats.org/officeDocument/2006/relationships" xmlns:p="http://schemas.openxmlformats.org/presentationml/2006/main">
+  <p:cSld>
+    <p:spTree>
+      <p:nvGrpSpPr>
+        <p:cNvPr id="1" name=""/>
+        <p:cNvGrpSpPr/>
+        <p:nvPr/>
+      </p:nvGrpSpPr>
+      <p:grpSpPr>
+        <a:xfrm>
+          <a:off x="0" y="0"/>
+          <a:ext cx="0" cy="0"/>
+          <a:chOff x="0" y="0"/>
+          <a:chExt cx="0" cy="0"/>
+        </a:xfrm>
+      </p:grpSpPr>
+      <p:sp>
+        <p:nvSpPr>
+          <p:cNvPr id="2" name="標題 1"/>
+          <p:cNvSpPr>
+            <a:spLocks noGrp="1"/>
+          </p:cNvSpPr>
+          <p:nvPr>
+            <p:ph type="ctrTitle"/>
+          </p:nvPr>
+        </p:nvSpPr>
+        <p:spPr>
+          <a:xfrm>
+            <a:off x="0" y="2130425"/>
+            <a:ext cx="9144000" cy="1470025"/>
+          </a:xfrm>
+          <a:solidFill>
+            <a:srgbClr val="00B0F0"/>
+          </a:solidFill>
+        </p:spPr>
+        <p:txBody>
+          <a:bodyPr>
+            <a:normAutofit/>
+          </a:bodyPr>
+          <a:lstStyle/>
+          <a:p>
+            <a:r>
+              <a:rPr lang="en-US" altLang="zh-TW" sz="4800" b="1" dirty="0">
+                <a:solidFill>
+                  <a:srgbClr val="FFFF00"/>
+                </a:solidFill>
+              </a:rPr>
+              <a:t>2.3 Install Jupyter</a:t>
+            </a:r>
+            <a:endParaRPr lang="zh-TW" altLang="en-US" sz="4800" b="1" dirty="0">
+              <a:solidFill>
+                <a:srgbClr val="FFFF00"/>
+              </a:solidFill>
+            </a:endParaRPr>
+          </a:p>
+        </p:txBody>
+      </p:sp>
+      <p:sp>
+        <p:nvSpPr>
+          <p:cNvPr id="5" name="日期版面配置區 4"/>
+          <p:cNvSpPr>
+            <a:spLocks noGrp="1"/>
+          </p:cNvSpPr>
+          <p:nvPr>
+            <p:ph type="dt" sz="half" idx="10"/>
+          </p:nvPr>
+        </p:nvSpPr>
+        <p:spPr/>
+        <p:txBody>
+          <a:bodyPr/>
+          <a:lstStyle/>
+          <a:p>
+            <a:fld id="{C389EDC9-19E3-47AC-9C57-C6A24DEA81AD}" type="datetime1">
+              <a:rPr lang="zh-TW" altLang="en-US" smtClean="0"/>
+              <a:pPr/>
+              <a:t>2020/9/24</a:t>
+            </a:fld>
+            <a:endParaRPr lang="zh-TW" altLang="en-US"/>
+          </a:p>
+        </p:txBody>
+      </p:sp>
+      <p:sp>
+        <p:nvSpPr>
+          <p:cNvPr id="6" name="投影片編號版面配置區 5"/>
+          <p:cNvSpPr>
+            <a:spLocks noGrp="1"/>
+          </p:cNvSpPr>
+          <p:nvPr>
+            <p:ph type="sldNum" sz="quarter" idx="12"/>
+          </p:nvPr>
+        </p:nvSpPr>
+        <p:spPr/>
+        <p:txBody>
+          <a:bodyPr/>
+          <a:lstStyle/>
+          <a:p>
+            <a:fld id="{E4D7E63D-91F2-4366-A2C4-1B00C9E2590E}" type="slidenum">
+              <a:rPr lang="zh-TW" altLang="en-US" smtClean="0"/>
+              <a:pPr/>
+              <a:t>13</a:t>
+            </a:fld>
+            <a:endParaRPr lang="zh-TW" altLang="en-US"/>
+          </a:p>
+        </p:txBody>
+      </p:sp>
       <p:pic>
         <p:nvPicPr>
-          <p:cNvPr id="8" name="Picture 7">
+          <p:cNvPr id="7" name="Picture 6">
             <a:extLst>
               <a:ext uri="{FF2B5EF4-FFF2-40B4-BE49-F238E27FC236}">
-                <a16:creationId xmlns:a16="http://schemas.microsoft.com/office/drawing/2014/main" id="{33216648-87CC-4915-9778-DF09657876E1}"/>
+                <a16:creationId xmlns:a16="http://schemas.microsoft.com/office/drawing/2014/main" id="{1BE488C5-DA27-405E-9F7E-A4EF5DF95762}"/>
               </a:ext>
             </a:extLst>
           </p:cNvPr>
@@ -5033,30 +5047,25 @@
           <p:nvPr/>
         </p:nvPicPr>
         <p:blipFill>
-          <a:blip r:embed="rId5"/>
+          <a:blip r:embed="rId2"/>
           <a:stretch>
             <a:fillRect/>
           </a:stretch>
         </p:blipFill>
         <p:spPr>
           <a:xfrm>
-            <a:off x="4001125" y="1283327"/>
-            <a:ext cx="4624387" cy="2457219"/>
+            <a:off x="3923928" y="3695964"/>
+            <a:ext cx="1004960" cy="885164"/>
           </a:xfrm>
           <a:prstGeom prst="rect">
             <a:avLst/>
           </a:prstGeom>
-          <a:ln>
-            <a:solidFill>
-              <a:srgbClr val="C00000"/>
-            </a:solidFill>
-          </a:ln>
         </p:spPr>
       </p:pic>
     </p:spTree>
     <p:extLst>
       <p:ext uri="{BB962C8B-B14F-4D97-AF65-F5344CB8AC3E}">
-        <p14:creationId xmlns:p14="http://schemas.microsoft.com/office/powerpoint/2010/main" val="2530418046"/>
+        <p14:creationId xmlns:p14="http://schemas.microsoft.com/office/powerpoint/2010/main" val="663254221"/>
       </p:ext>
     </p:extLst>
   </p:cSld>
@@ -5095,155 +5104,6 @@
         </p:nvSpPr>
         <p:spPr>
           <a:xfrm>
-            <a:off x="0" y="2130425"/>
-            <a:ext cx="9144000" cy="1470025"/>
-          </a:xfrm>
-          <a:solidFill>
-            <a:srgbClr val="00B0F0"/>
-          </a:solidFill>
-        </p:spPr>
-        <p:txBody>
-          <a:bodyPr>
-            <a:normAutofit fontScale="90000"/>
-          </a:bodyPr>
-          <a:lstStyle/>
-          <a:p>
-            <a:r>
-              <a:rPr lang="en-US" altLang="zh-TW" sz="4800" b="1" dirty="0">
-                <a:solidFill>
-                  <a:srgbClr val="FFFF00"/>
-                </a:solidFill>
-              </a:rPr>
-              <a:t>2.4 Install Tensorflow Environments</a:t>
-            </a:r>
-            <a:endParaRPr lang="zh-TW" altLang="en-US" sz="4800" b="1" dirty="0">
-              <a:solidFill>
-                <a:srgbClr val="FFFF00"/>
-              </a:solidFill>
-            </a:endParaRPr>
-          </a:p>
-        </p:txBody>
-      </p:sp>
-      <p:sp>
-        <p:nvSpPr>
-          <p:cNvPr id="5" name="日期版面配置區 4"/>
-          <p:cNvSpPr>
-            <a:spLocks noGrp="1"/>
-          </p:cNvSpPr>
-          <p:nvPr>
-            <p:ph type="dt" sz="half" idx="10"/>
-          </p:nvPr>
-        </p:nvSpPr>
-        <p:spPr/>
-        <p:txBody>
-          <a:bodyPr/>
-          <a:lstStyle/>
-          <a:p>
-            <a:fld id="{C389EDC9-19E3-47AC-9C57-C6A24DEA81AD}" type="datetime1">
-              <a:rPr lang="zh-TW" altLang="en-US" smtClean="0"/>
-              <a:pPr/>
-              <a:t>2020/9/24</a:t>
-            </a:fld>
-            <a:endParaRPr lang="zh-TW" altLang="en-US"/>
-          </a:p>
-        </p:txBody>
-      </p:sp>
-      <p:sp>
-        <p:nvSpPr>
-          <p:cNvPr id="6" name="投影片編號版面配置區 5"/>
-          <p:cNvSpPr>
-            <a:spLocks noGrp="1"/>
-          </p:cNvSpPr>
-          <p:nvPr>
-            <p:ph type="sldNum" sz="quarter" idx="12"/>
-          </p:nvPr>
-        </p:nvSpPr>
-        <p:spPr/>
-        <p:txBody>
-          <a:bodyPr/>
-          <a:lstStyle/>
-          <a:p>
-            <a:fld id="{E4D7E63D-91F2-4366-A2C4-1B00C9E2590E}" type="slidenum">
-              <a:rPr lang="zh-TW" altLang="en-US" smtClean="0"/>
-              <a:pPr/>
-              <a:t>14</a:t>
-            </a:fld>
-            <a:endParaRPr lang="zh-TW" altLang="en-US"/>
-          </a:p>
-        </p:txBody>
-      </p:sp>
-      <p:pic>
-        <p:nvPicPr>
-          <p:cNvPr id="7" name="Picture 6">
-            <a:extLst>
-              <a:ext uri="{FF2B5EF4-FFF2-40B4-BE49-F238E27FC236}">
-                <a16:creationId xmlns:a16="http://schemas.microsoft.com/office/drawing/2014/main" id="{1BE488C5-DA27-405E-9F7E-A4EF5DF95762}"/>
-              </a:ext>
-            </a:extLst>
-          </p:cNvPr>
-          <p:cNvPicPr>
-            <a:picLocks noChangeAspect="1"/>
-          </p:cNvPicPr>
-          <p:nvPr/>
-        </p:nvPicPr>
-        <p:blipFill>
-          <a:blip r:embed="rId2"/>
-          <a:stretch>
-            <a:fillRect/>
-          </a:stretch>
-        </p:blipFill>
-        <p:spPr>
-          <a:xfrm>
-            <a:off x="3923928" y="3695964"/>
-            <a:ext cx="1004960" cy="885164"/>
-          </a:xfrm>
-          <a:prstGeom prst="rect">
-            <a:avLst/>
-          </a:prstGeom>
-        </p:spPr>
-      </p:pic>
-    </p:spTree>
-    <p:extLst>
-      <p:ext uri="{BB962C8B-B14F-4D97-AF65-F5344CB8AC3E}">
-        <p14:creationId xmlns:p14="http://schemas.microsoft.com/office/powerpoint/2010/main" val="3356928856"/>
-      </p:ext>
-    </p:extLst>
-  </p:cSld>
-  <p:clrMapOvr>
-    <a:masterClrMapping/>
-  </p:clrMapOvr>
-</p:sld>
-</file>
-
-<file path=ppt/slides/slide15.xml><?xml version="1.0" encoding="utf-8"?>
-<p:sld xmlns:a="http://schemas.openxmlformats.org/drawingml/2006/main" xmlns:r="http://schemas.openxmlformats.org/officeDocument/2006/relationships" xmlns:p="http://schemas.openxmlformats.org/presentationml/2006/main">
-  <p:cSld>
-    <p:spTree>
-      <p:nvGrpSpPr>
-        <p:cNvPr id="1" name=""/>
-        <p:cNvGrpSpPr/>
-        <p:nvPr/>
-      </p:nvGrpSpPr>
-      <p:grpSpPr>
-        <a:xfrm>
-          <a:off x="0" y="0"/>
-          <a:ext cx="0" cy="0"/>
-          <a:chOff x="0" y="0"/>
-          <a:chExt cx="0" cy="0"/>
-        </a:xfrm>
-      </p:grpSpPr>
-      <p:sp>
-        <p:nvSpPr>
-          <p:cNvPr id="2" name="標題 1"/>
-          <p:cNvSpPr>
-            <a:spLocks noGrp="1"/>
-          </p:cNvSpPr>
-          <p:nvPr>
-            <p:ph type="ctrTitle"/>
-          </p:nvPr>
-        </p:nvSpPr>
-        <p:spPr>
-          <a:xfrm>
             <a:off x="0" y="0"/>
             <a:ext cx="9144000" cy="764704"/>
           </a:xfrm>
@@ -5287,7 +5147,7 @@
                   <a:srgbClr val="FFFF00"/>
                 </a:solidFill>
               </a:rPr>
-              <a:t>2.4 Install Tensorflow Environments</a:t>
+              <a:t>2.3 Install Jupyter</a:t>
             </a:r>
             <a:endParaRPr lang="zh-TW" altLang="en-US" b="1" dirty="0">
               <a:solidFill>
@@ -5309,8 +5169,8 @@
         </p:nvSpPr>
         <p:spPr>
           <a:xfrm>
-            <a:off x="426368" y="1418786"/>
-            <a:ext cx="8291263" cy="1716608"/>
+            <a:off x="365761" y="1312209"/>
+            <a:ext cx="3198127" cy="1756751"/>
           </a:xfrm>
           <a:ln>
             <a:solidFill>
@@ -5338,7 +5198,7 @@
                   <a:srgbClr val="29303B"/>
                 </a:solidFill>
               </a:rPr>
-              <a:t>Install Tensorflow and Associated Environments</a:t>
+              <a:t>Install Jupyter</a:t>
             </a:r>
           </a:p>
           <a:p>
@@ -5353,10 +5213,11 @@
             <a:r>
               <a:rPr lang="en-US" altLang="en-US" sz="1800" b="1" dirty="0">
                 <a:solidFill>
-                  <a:srgbClr val="C00000"/>
-                </a:solidFill>
+                  <a:schemeClr val="tx1"/>
+                </a:solidFill>
+                <a:latin typeface="var(--ytd-video-primary-info-renderer-title-font-family, inherit)"/>
               </a:rPr>
-              <a:t>This is very important: </a:t>
+              <a:t>Under window 10 (MacOS/Linux) prompt or Anaconda prompt:</a:t>
             </a:r>
           </a:p>
           <a:p>
@@ -5371,56 +5232,12 @@
             <a:r>
               <a:rPr lang="en-US" altLang="en-US" sz="1800" b="1" dirty="0">
                 <a:solidFill>
-                  <a:srgbClr val="C00000"/>
-                </a:solidFill>
+                  <a:schemeClr val="tx1"/>
+                </a:solidFill>
+                <a:latin typeface="var(--ytd-video-primary-info-renderer-title-font-family, inherit)"/>
               </a:rPr>
-              <a:t>Download tensorflow.yml includes the verified dependencies and frameworks.</a:t>
-            </a:r>
-          </a:p>
-          <a:p>
-            <a:pPr marL="342900" indent="-342900" algn="l">
-              <a:buClr>
-                <a:srgbClr val="0070C0"/>
-              </a:buClr>
-              <a:buSzPct val="80000"/>
-              <a:buFont typeface="Wingdings" pitchFamily="2" charset="2"/>
-              <a:buChar char="u"/>
-            </a:pPr>
-            <a:r>
-              <a:rPr lang="en-US" altLang="en-US" sz="1800" b="1" dirty="0">
-                <a:solidFill>
-                  <a:srgbClr val="C00000"/>
-                </a:solidFill>
-              </a:rPr>
-              <a:t>This prevent us to use incompatible dependencies and very difficult to fix.</a:t>
-            </a:r>
-          </a:p>
-          <a:p>
-            <a:pPr marL="342900" indent="-342900" algn="l">
-              <a:buClr>
-                <a:srgbClr val="0070C0"/>
-              </a:buClr>
-              <a:buSzPct val="80000"/>
-              <a:buFont typeface="Wingdings" pitchFamily="2" charset="2"/>
-              <a:buChar char="u"/>
-            </a:pPr>
-            <a:r>
-              <a:rPr lang="en-US" altLang="en-US" sz="1800" b="1" dirty="0">
-                <a:solidFill>
-                  <a:schemeClr val="tx1"/>
-                </a:solidFill>
-              </a:rPr>
-              <a:t>C:\[work-folder] &gt; conda env create -v -f tensorflow.yml</a:t>
-            </a:r>
-            <a:endParaRPr kumimoji="0" lang="en-US" altLang="en-US" sz="1800" b="1" i="0" u="none" strike="noStrike" cap="none" normalizeH="0" baseline="0" dirty="0">
-              <a:ln>
-                <a:noFill/>
-              </a:ln>
-              <a:solidFill>
-                <a:schemeClr val="tx1"/>
-              </a:solidFill>
-              <a:effectLst/>
-            </a:endParaRPr>
+              <a:t>&gt; conda install jupyter</a:t>
+            </a:r>
           </a:p>
         </p:txBody>
       </p:sp>
@@ -5546,7 +5363,7 @@
             <a:fld id="{E4D7E63D-91F2-4366-A2C4-1B00C9E2590E}" type="slidenum">
               <a:rPr lang="zh-TW" altLang="en-US" smtClean="0"/>
               <a:pPr/>
-              <a:t>15</a:t>
+              <a:t>14</a:t>
             </a:fld>
             <a:endParaRPr lang="zh-TW" altLang="en-US"/>
           </a:p>
@@ -5748,10 +5565,10 @@
       </p:sp>
       <p:pic>
         <p:nvPicPr>
-          <p:cNvPr id="25" name="Picture 24">
+          <p:cNvPr id="7" name="Picture 6">
             <a:extLst>
               <a:ext uri="{FF2B5EF4-FFF2-40B4-BE49-F238E27FC236}">
-                <a16:creationId xmlns:a16="http://schemas.microsoft.com/office/drawing/2014/main" id="{9966AE01-0DB2-40B9-ACBB-BD2E6C9E343A}"/>
+                <a16:creationId xmlns:a16="http://schemas.microsoft.com/office/drawing/2014/main" id="{E032919F-754F-4CEF-B996-41C63E4DF2E3}"/>
               </a:ext>
             </a:extLst>
           </p:cNvPr>
@@ -5768,8 +5585,46 @@
         </p:blipFill>
         <p:spPr>
           <a:xfrm>
-            <a:off x="2615326" y="3176128"/>
-            <a:ext cx="4361656" cy="2023042"/>
+            <a:off x="4264025" y="3933905"/>
+            <a:ext cx="4438650" cy="1695450"/>
+          </a:xfrm>
+          <a:prstGeom prst="rect">
+            <a:avLst/>
+          </a:prstGeom>
+          <a:solidFill>
+            <a:schemeClr val="accent2"/>
+          </a:solidFill>
+          <a:ln>
+            <a:solidFill>
+              <a:srgbClr val="C00000"/>
+            </a:solidFill>
+          </a:ln>
+        </p:spPr>
+      </p:pic>
+      <p:pic>
+        <p:nvPicPr>
+          <p:cNvPr id="8" name="Picture 7">
+            <a:extLst>
+              <a:ext uri="{FF2B5EF4-FFF2-40B4-BE49-F238E27FC236}">
+                <a16:creationId xmlns:a16="http://schemas.microsoft.com/office/drawing/2014/main" id="{33216648-87CC-4915-9778-DF09657876E1}"/>
+              </a:ext>
+            </a:extLst>
+          </p:cNvPr>
+          <p:cNvPicPr>
+            <a:picLocks noChangeAspect="1"/>
+          </p:cNvPicPr>
+          <p:nvPr/>
+        </p:nvPicPr>
+        <p:blipFill>
+          <a:blip r:embed="rId5"/>
+          <a:stretch>
+            <a:fillRect/>
+          </a:stretch>
+        </p:blipFill>
+        <p:spPr>
+          <a:xfrm>
+            <a:off x="4001125" y="1283327"/>
+            <a:ext cx="4624387" cy="2457219"/>
           </a:xfrm>
           <a:prstGeom prst="rect">
             <a:avLst/>
@@ -5784,7 +5639,156 @@
     </p:spTree>
     <p:extLst>
       <p:ext uri="{BB962C8B-B14F-4D97-AF65-F5344CB8AC3E}">
-        <p14:creationId xmlns:p14="http://schemas.microsoft.com/office/powerpoint/2010/main" val="4058583412"/>
+        <p14:creationId xmlns:p14="http://schemas.microsoft.com/office/powerpoint/2010/main" val="2530418046"/>
+      </p:ext>
+    </p:extLst>
+  </p:cSld>
+  <p:clrMapOvr>
+    <a:masterClrMapping/>
+  </p:clrMapOvr>
+</p:sld>
+</file>
+
+<file path=ppt/slides/slide15.xml><?xml version="1.0" encoding="utf-8"?>
+<p:sld xmlns:a="http://schemas.openxmlformats.org/drawingml/2006/main" xmlns:r="http://schemas.openxmlformats.org/officeDocument/2006/relationships" xmlns:p="http://schemas.openxmlformats.org/presentationml/2006/main">
+  <p:cSld>
+    <p:spTree>
+      <p:nvGrpSpPr>
+        <p:cNvPr id="1" name=""/>
+        <p:cNvGrpSpPr/>
+        <p:nvPr/>
+      </p:nvGrpSpPr>
+      <p:grpSpPr>
+        <a:xfrm>
+          <a:off x="0" y="0"/>
+          <a:ext cx="0" cy="0"/>
+          <a:chOff x="0" y="0"/>
+          <a:chExt cx="0" cy="0"/>
+        </a:xfrm>
+      </p:grpSpPr>
+      <p:sp>
+        <p:nvSpPr>
+          <p:cNvPr id="2" name="標題 1"/>
+          <p:cNvSpPr>
+            <a:spLocks noGrp="1"/>
+          </p:cNvSpPr>
+          <p:nvPr>
+            <p:ph type="ctrTitle"/>
+          </p:nvPr>
+        </p:nvSpPr>
+        <p:spPr>
+          <a:xfrm>
+            <a:off x="0" y="2130425"/>
+            <a:ext cx="9144000" cy="1470025"/>
+          </a:xfrm>
+          <a:solidFill>
+            <a:srgbClr val="00B0F0"/>
+          </a:solidFill>
+        </p:spPr>
+        <p:txBody>
+          <a:bodyPr>
+            <a:normAutofit fontScale="90000"/>
+          </a:bodyPr>
+          <a:lstStyle/>
+          <a:p>
+            <a:r>
+              <a:rPr lang="en-US" altLang="zh-TW" sz="4800" b="1" dirty="0">
+                <a:solidFill>
+                  <a:srgbClr val="FFFF00"/>
+                </a:solidFill>
+              </a:rPr>
+              <a:t>2.4 Install Tensorflow Environments</a:t>
+            </a:r>
+            <a:endParaRPr lang="zh-TW" altLang="en-US" sz="4800" b="1" dirty="0">
+              <a:solidFill>
+                <a:srgbClr val="FFFF00"/>
+              </a:solidFill>
+            </a:endParaRPr>
+          </a:p>
+        </p:txBody>
+      </p:sp>
+      <p:sp>
+        <p:nvSpPr>
+          <p:cNvPr id="5" name="日期版面配置區 4"/>
+          <p:cNvSpPr>
+            <a:spLocks noGrp="1"/>
+          </p:cNvSpPr>
+          <p:nvPr>
+            <p:ph type="dt" sz="half" idx="10"/>
+          </p:nvPr>
+        </p:nvSpPr>
+        <p:spPr/>
+        <p:txBody>
+          <a:bodyPr/>
+          <a:lstStyle/>
+          <a:p>
+            <a:fld id="{C389EDC9-19E3-47AC-9C57-C6A24DEA81AD}" type="datetime1">
+              <a:rPr lang="zh-TW" altLang="en-US" smtClean="0"/>
+              <a:pPr/>
+              <a:t>2020/9/24</a:t>
+            </a:fld>
+            <a:endParaRPr lang="zh-TW" altLang="en-US"/>
+          </a:p>
+        </p:txBody>
+      </p:sp>
+      <p:sp>
+        <p:nvSpPr>
+          <p:cNvPr id="6" name="投影片編號版面配置區 5"/>
+          <p:cNvSpPr>
+            <a:spLocks noGrp="1"/>
+          </p:cNvSpPr>
+          <p:nvPr>
+            <p:ph type="sldNum" sz="quarter" idx="12"/>
+          </p:nvPr>
+        </p:nvSpPr>
+        <p:spPr/>
+        <p:txBody>
+          <a:bodyPr/>
+          <a:lstStyle/>
+          <a:p>
+            <a:fld id="{E4D7E63D-91F2-4366-A2C4-1B00C9E2590E}" type="slidenum">
+              <a:rPr lang="zh-TW" altLang="en-US" smtClean="0"/>
+              <a:pPr/>
+              <a:t>15</a:t>
+            </a:fld>
+            <a:endParaRPr lang="zh-TW" altLang="en-US"/>
+          </a:p>
+        </p:txBody>
+      </p:sp>
+      <p:pic>
+        <p:nvPicPr>
+          <p:cNvPr id="7" name="Picture 6">
+            <a:extLst>
+              <a:ext uri="{FF2B5EF4-FFF2-40B4-BE49-F238E27FC236}">
+                <a16:creationId xmlns:a16="http://schemas.microsoft.com/office/drawing/2014/main" id="{1BE488C5-DA27-405E-9F7E-A4EF5DF95762}"/>
+              </a:ext>
+            </a:extLst>
+          </p:cNvPr>
+          <p:cNvPicPr>
+            <a:picLocks noChangeAspect="1"/>
+          </p:cNvPicPr>
+          <p:nvPr/>
+        </p:nvPicPr>
+        <p:blipFill>
+          <a:blip r:embed="rId2"/>
+          <a:stretch>
+            <a:fillRect/>
+          </a:stretch>
+        </p:blipFill>
+        <p:spPr>
+          <a:xfrm>
+            <a:off x="3923928" y="3695964"/>
+            <a:ext cx="1004960" cy="885164"/>
+          </a:xfrm>
+          <a:prstGeom prst="rect">
+            <a:avLst/>
+          </a:prstGeom>
+        </p:spPr>
+      </p:pic>
+    </p:spTree>
+    <p:extLst>
+      <p:ext uri="{BB962C8B-B14F-4D97-AF65-F5344CB8AC3E}">
+        <p14:creationId xmlns:p14="http://schemas.microsoft.com/office/powerpoint/2010/main" val="3356928856"/>
       </p:ext>
     </p:extLst>
   </p:cSld>
@@ -5888,8 +5892,8 @@
         </p:nvSpPr>
         <p:spPr>
           <a:xfrm>
-            <a:off x="426368" y="1418785"/>
-            <a:ext cx="8291263" cy="1729823"/>
+            <a:off x="426368" y="1418786"/>
+            <a:ext cx="8291263" cy="1716608"/>
           </a:xfrm>
           <a:ln>
             <a:solidFill>
@@ -5914,7 +5918,7 @@
             <a:r>
               <a:rPr lang="en-US" altLang="en-US" sz="1800" b="1" dirty="0">
                 <a:solidFill>
-                  <a:schemeClr val="tx1"/>
+                  <a:srgbClr val="29303B"/>
                 </a:solidFill>
               </a:rPr>
               <a:t>Install Tensorflow and Associated Environments</a:t>
@@ -5932,10 +5936,10 @@
             <a:r>
               <a:rPr lang="en-US" altLang="en-US" sz="1800" b="1" dirty="0">
                 <a:solidFill>
-                  <a:schemeClr val="tx1"/>
+                  <a:srgbClr val="C00000"/>
                 </a:solidFill>
               </a:rPr>
-              <a:t>After tensroflow.yml installed, we have the following message:</a:t>
+              <a:t>This is very important: </a:t>
             </a:r>
           </a:p>
           <a:p>
@@ -5950,10 +5954,10 @@
             <a:r>
               <a:rPr lang="en-US" altLang="en-US" sz="1800" b="1" dirty="0">
                 <a:solidFill>
-                  <a:schemeClr val="tx1"/>
+                  <a:srgbClr val="C00000"/>
                 </a:solidFill>
               </a:rPr>
-              <a:t>Start anaconda prompt</a:t>
+              <a:t>Download tensorflow.yml includes the verified dependencies and frameworks.</a:t>
             </a:r>
           </a:p>
           <a:p>
@@ -5968,44 +5972,11 @@
             <a:r>
               <a:rPr lang="en-US" altLang="en-US" sz="1800" b="1" dirty="0">
                 <a:solidFill>
-                  <a:schemeClr val="tx1"/>
+                  <a:srgbClr val="C00000"/>
                 </a:solidFill>
               </a:rPr>
-              <a:t>(base) </a:t>
-            </a:r>
-            <a:r>
-              <a:rPr kumimoji="0" lang="en-US" altLang="en-US" sz="1800" b="1" i="0" u="none" strike="noStrike" cap="none" normalizeH="0" baseline="0" dirty="0">
-                <a:ln>
-                  <a:noFill/>
-                </a:ln>
-                <a:solidFill>
-                  <a:schemeClr val="tx1"/>
-                </a:solidFill>
-                <a:effectLst/>
-              </a:rPr>
-              <a:t>&gt; conda activate </a:t>
-            </a:r>
-            <a:r>
-              <a:rPr kumimoji="0" lang="en-US" altLang="en-US" sz="1800" b="1" i="0" u="none" strike="noStrike" cap="none" normalizeH="0" baseline="0" dirty="0" err="1">
-                <a:ln>
-                  <a:noFill/>
-                </a:ln>
-                <a:solidFill>
-                  <a:schemeClr val="tx1"/>
-                </a:solidFill>
-                <a:effectLst/>
-              </a:rPr>
-              <a:t>tensroflow</a:t>
-            </a:r>
-            <a:endParaRPr kumimoji="0" lang="en-US" altLang="en-US" sz="1800" b="1" i="0" u="none" strike="noStrike" cap="none" normalizeH="0" baseline="0" dirty="0">
-              <a:ln>
-                <a:noFill/>
-              </a:ln>
-              <a:solidFill>
-                <a:schemeClr val="tx1"/>
-              </a:solidFill>
-              <a:effectLst/>
-            </a:endParaRPr>
+              <a:t>This prevent us to use incompatible dependencies and very difficult to fix.</a:t>
+            </a:r>
           </a:p>
           <a:p>
             <a:pPr marL="342900" indent="-342900" algn="l">
@@ -6017,24 +5988,12 @@
               <a:buChar char="u"/>
             </a:pPr>
             <a:r>
-              <a:rPr kumimoji="0" lang="en-US" altLang="en-US" sz="1800" b="1" i="0" u="none" strike="noStrike" cap="none" normalizeH="0" baseline="0" dirty="0">
-                <a:ln>
-                  <a:noFill/>
-                </a:ln>
+              <a:rPr lang="en-US" altLang="en-US" sz="1800" b="1" dirty="0">
                 <a:solidFill>
                   <a:schemeClr val="tx1"/>
                 </a:solidFill>
-                <a:effectLst/>
               </a:rPr>
-              <a:t>(tensorflow</a:t>
-            </a:r>
-            <a:r>
-              <a:rPr lang="en-US" altLang="en-US" sz="1800" b="1" dirty="0">
-                <a:solidFill>
-                  <a:schemeClr val="tx1"/>
-                </a:solidFill>
-              </a:rPr>
-              <a:t>) &gt; conda deactivate</a:t>
+              <a:t>C:\[work-folder] &gt; conda env create -v -f tensorflow.yml</a:t>
             </a:r>
             <a:endParaRPr kumimoji="0" lang="en-US" altLang="en-US" sz="1800" b="1" i="0" u="none" strike="noStrike" cap="none" normalizeH="0" baseline="0" dirty="0">
               <a:ln>
@@ -6372,10 +6331,10 @@
       </p:sp>
       <p:pic>
         <p:nvPicPr>
-          <p:cNvPr id="24" name="Picture 23">
+          <p:cNvPr id="25" name="Picture 24">
             <a:extLst>
               <a:ext uri="{FF2B5EF4-FFF2-40B4-BE49-F238E27FC236}">
-                <a16:creationId xmlns:a16="http://schemas.microsoft.com/office/drawing/2014/main" id="{C62A9996-771E-4763-9942-5268CE9B8960}"/>
+                <a16:creationId xmlns:a16="http://schemas.microsoft.com/office/drawing/2014/main" id="{9966AE01-0DB2-40B9-ACBB-BD2E6C9E343A}"/>
               </a:ext>
             </a:extLst>
           </p:cNvPr>
@@ -6392,8 +6351,8 @@
         </p:blipFill>
         <p:spPr>
           <a:xfrm>
-            <a:off x="1952624" y="3429000"/>
-            <a:ext cx="3706763" cy="1729823"/>
+            <a:off x="2615326" y="3176128"/>
+            <a:ext cx="4361656" cy="2023042"/>
           </a:xfrm>
           <a:prstGeom prst="rect">
             <a:avLst/>
@@ -6408,7 +6367,7 @@
     </p:spTree>
     <p:extLst>
       <p:ext uri="{BB962C8B-B14F-4D97-AF65-F5344CB8AC3E}">
-        <p14:creationId xmlns:p14="http://schemas.microsoft.com/office/powerpoint/2010/main" val="1105509270"/>
+        <p14:creationId xmlns:p14="http://schemas.microsoft.com/office/powerpoint/2010/main" val="4058583412"/>
       </p:ext>
     </p:extLst>
   </p:cSld>
@@ -6447,155 +6406,6 @@
         </p:nvSpPr>
         <p:spPr>
           <a:xfrm>
-            <a:off x="0" y="2130425"/>
-            <a:ext cx="9144000" cy="1470025"/>
-          </a:xfrm>
-          <a:solidFill>
-            <a:srgbClr val="00B0F0"/>
-          </a:solidFill>
-        </p:spPr>
-        <p:txBody>
-          <a:bodyPr>
-            <a:normAutofit/>
-          </a:bodyPr>
-          <a:lstStyle/>
-          <a:p>
-            <a:r>
-              <a:rPr lang="en-US" altLang="zh-TW" sz="4800" b="1" dirty="0">
-                <a:solidFill>
-                  <a:srgbClr val="FFFF00"/>
-                </a:solidFill>
-              </a:rPr>
-              <a:t>2.5 Start Tensorflow Environments</a:t>
-            </a:r>
-            <a:endParaRPr lang="zh-TW" altLang="en-US" sz="4800" b="1" dirty="0">
-              <a:solidFill>
-                <a:srgbClr val="FFFF00"/>
-              </a:solidFill>
-            </a:endParaRPr>
-          </a:p>
-        </p:txBody>
-      </p:sp>
-      <p:sp>
-        <p:nvSpPr>
-          <p:cNvPr id="5" name="日期版面配置區 4"/>
-          <p:cNvSpPr>
-            <a:spLocks noGrp="1"/>
-          </p:cNvSpPr>
-          <p:nvPr>
-            <p:ph type="dt" sz="half" idx="10"/>
-          </p:nvPr>
-        </p:nvSpPr>
-        <p:spPr/>
-        <p:txBody>
-          <a:bodyPr/>
-          <a:lstStyle/>
-          <a:p>
-            <a:fld id="{C389EDC9-19E3-47AC-9C57-C6A24DEA81AD}" type="datetime1">
-              <a:rPr lang="zh-TW" altLang="en-US" smtClean="0"/>
-              <a:pPr/>
-              <a:t>2020/9/24</a:t>
-            </a:fld>
-            <a:endParaRPr lang="zh-TW" altLang="en-US"/>
-          </a:p>
-        </p:txBody>
-      </p:sp>
-      <p:sp>
-        <p:nvSpPr>
-          <p:cNvPr id="6" name="投影片編號版面配置區 5"/>
-          <p:cNvSpPr>
-            <a:spLocks noGrp="1"/>
-          </p:cNvSpPr>
-          <p:nvPr>
-            <p:ph type="sldNum" sz="quarter" idx="12"/>
-          </p:nvPr>
-        </p:nvSpPr>
-        <p:spPr/>
-        <p:txBody>
-          <a:bodyPr/>
-          <a:lstStyle/>
-          <a:p>
-            <a:fld id="{E4D7E63D-91F2-4366-A2C4-1B00C9E2590E}" type="slidenum">
-              <a:rPr lang="zh-TW" altLang="en-US" smtClean="0"/>
-              <a:pPr/>
-              <a:t>17</a:t>
-            </a:fld>
-            <a:endParaRPr lang="zh-TW" altLang="en-US"/>
-          </a:p>
-        </p:txBody>
-      </p:sp>
-      <p:pic>
-        <p:nvPicPr>
-          <p:cNvPr id="7" name="Picture 6">
-            <a:extLst>
-              <a:ext uri="{FF2B5EF4-FFF2-40B4-BE49-F238E27FC236}">
-                <a16:creationId xmlns:a16="http://schemas.microsoft.com/office/drawing/2014/main" id="{1BE488C5-DA27-405E-9F7E-A4EF5DF95762}"/>
-              </a:ext>
-            </a:extLst>
-          </p:cNvPr>
-          <p:cNvPicPr>
-            <a:picLocks noChangeAspect="1"/>
-          </p:cNvPicPr>
-          <p:nvPr/>
-        </p:nvPicPr>
-        <p:blipFill>
-          <a:blip r:embed="rId2"/>
-          <a:stretch>
-            <a:fillRect/>
-          </a:stretch>
-        </p:blipFill>
-        <p:spPr>
-          <a:xfrm>
-            <a:off x="3923928" y="3695964"/>
-            <a:ext cx="1004960" cy="885164"/>
-          </a:xfrm>
-          <a:prstGeom prst="rect">
-            <a:avLst/>
-          </a:prstGeom>
-        </p:spPr>
-      </p:pic>
-    </p:spTree>
-    <p:extLst>
-      <p:ext uri="{BB962C8B-B14F-4D97-AF65-F5344CB8AC3E}">
-        <p14:creationId xmlns:p14="http://schemas.microsoft.com/office/powerpoint/2010/main" val="2361024071"/>
-      </p:ext>
-    </p:extLst>
-  </p:cSld>
-  <p:clrMapOvr>
-    <a:masterClrMapping/>
-  </p:clrMapOvr>
-</p:sld>
-</file>
-
-<file path=ppt/slides/slide18.xml><?xml version="1.0" encoding="utf-8"?>
-<p:sld xmlns:a="http://schemas.openxmlformats.org/drawingml/2006/main" xmlns:r="http://schemas.openxmlformats.org/officeDocument/2006/relationships" xmlns:p="http://schemas.openxmlformats.org/presentationml/2006/main">
-  <p:cSld>
-    <p:spTree>
-      <p:nvGrpSpPr>
-        <p:cNvPr id="1" name=""/>
-        <p:cNvGrpSpPr/>
-        <p:nvPr/>
-      </p:nvGrpSpPr>
-      <p:grpSpPr>
-        <a:xfrm>
-          <a:off x="0" y="0"/>
-          <a:ext cx="0" cy="0"/>
-          <a:chOff x="0" y="0"/>
-          <a:chExt cx="0" cy="0"/>
-        </a:xfrm>
-      </p:grpSpPr>
-      <p:sp>
-        <p:nvSpPr>
-          <p:cNvPr id="2" name="標題 1"/>
-          <p:cNvSpPr>
-            <a:spLocks noGrp="1"/>
-          </p:cNvSpPr>
-          <p:nvPr>
-            <p:ph type="ctrTitle"/>
-          </p:nvPr>
-        </p:nvSpPr>
-        <p:spPr>
-          <a:xfrm>
             <a:off x="0" y="0"/>
             <a:ext cx="9144000" cy="764704"/>
           </a:xfrm>
@@ -6639,7 +6449,7 @@
                   <a:srgbClr val="FFFF00"/>
                 </a:solidFill>
               </a:rPr>
-              <a:t>2.5 Start Tensorflow Environments</a:t>
+              <a:t>2.4 Install Tensorflow Environments</a:t>
             </a:r>
             <a:endParaRPr lang="zh-TW" altLang="en-US" b="1" dirty="0">
               <a:solidFill>
@@ -6661,8 +6471,8 @@
         </p:nvSpPr>
         <p:spPr>
           <a:xfrm>
-            <a:off x="426368" y="1418787"/>
-            <a:ext cx="8291263" cy="1262752"/>
+            <a:off x="426368" y="1418785"/>
+            <a:ext cx="8291263" cy="1729823"/>
           </a:xfrm>
           <a:ln>
             <a:solidFill>
@@ -6687,10 +6497,10 @@
             <a:r>
               <a:rPr lang="en-US" altLang="en-US" sz="1800" b="1" dirty="0">
                 <a:solidFill>
-                  <a:srgbClr val="29303B"/>
+                  <a:schemeClr val="tx1"/>
                 </a:solidFill>
               </a:rPr>
-              <a:t>Start Tensorflow Environments</a:t>
+              <a:t>Install Tensorflow and Associated Environments</a:t>
             </a:r>
           </a:p>
           <a:p>
@@ -6703,12 +6513,12 @@
               <a:buChar char="u"/>
             </a:pPr>
             <a:r>
-              <a:rPr lang="en-US" sz="1800" b="1" dirty="0">
-                <a:solidFill>
-                  <a:srgbClr val="29303B"/>
+              <a:rPr lang="en-US" altLang="en-US" sz="1800" b="1" dirty="0">
+                <a:solidFill>
+                  <a:schemeClr val="tx1"/>
                 </a:solidFill>
               </a:rPr>
-              <a:t>start anaconda prompt</a:t>
+              <a:t>After tensroflow.yml installed, we have the following message:</a:t>
             </a:r>
           </a:p>
           <a:p>
@@ -6721,13 +6531,12 @@
               <a:buChar char="u"/>
             </a:pPr>
             <a:r>
-              <a:rPr lang="en-US" sz="1800" b="1" i="0" dirty="0">
-                <a:solidFill>
-                  <a:srgbClr val="29303B"/>
-                </a:solidFill>
-                <a:effectLst/>
+              <a:rPr lang="en-US" altLang="en-US" sz="1800" b="1" dirty="0">
+                <a:solidFill>
+                  <a:schemeClr val="tx1"/>
+                </a:solidFill>
               </a:rPr>
-              <a:t>&gt; conda activate tensorflow</a:t>
+              <a:t>Start anaconda prompt</a:t>
             </a:r>
           </a:p>
           <a:p>
@@ -6740,32 +6549,82 @@
               <a:buChar char="u"/>
             </a:pPr>
             <a:r>
-              <a:rPr lang="en-US" sz="1800" b="1" dirty="0">
-                <a:solidFill>
-                  <a:srgbClr val="29303B"/>
+              <a:rPr lang="en-US" altLang="en-US" sz="1800" b="1" dirty="0">
+                <a:solidFill>
+                  <a:schemeClr val="tx1"/>
                 </a:solidFill>
               </a:rPr>
-              <a:t>&gt; </a:t>
-            </a:r>
-            <a:r>
-              <a:rPr lang="en-US" sz="1800" b="1">
-                <a:solidFill>
-                  <a:srgbClr val="29303B"/>
-                </a:solidFill>
+              <a:t>(base) </a:t>
+            </a:r>
+            <a:r>
+              <a:rPr kumimoji="0" lang="en-US" altLang="en-US" sz="1800" b="1" i="0" u="none" strike="noStrike" cap="none" normalizeH="0" baseline="0" dirty="0">
+                <a:ln>
+                  <a:noFill/>
+                </a:ln>
+                <a:solidFill>
+                  <a:schemeClr val="tx1"/>
+                </a:solidFill>
+                <a:effectLst/>
               </a:rPr>
-              <a:t>cd [work-folder</a:t>
-            </a:r>
-            <a:r>
-              <a:rPr lang="en-US" sz="1800" b="1" dirty="0">
-                <a:solidFill>
-                  <a:srgbClr val="29303B"/>
-                </a:solidFill>
+              <a:t>&gt; conda activate </a:t>
+            </a:r>
+            <a:r>
+              <a:rPr kumimoji="0" lang="en-US" altLang="en-US" sz="1800" b="1" i="0" u="none" strike="noStrike" cap="none" normalizeH="0" baseline="0" dirty="0" err="1">
+                <a:ln>
+                  <a:noFill/>
+                </a:ln>
+                <a:solidFill>
+                  <a:schemeClr val="tx1"/>
+                </a:solidFill>
+                <a:effectLst/>
               </a:rPr>
-              <a:t>]</a:t>
-            </a:r>
-            <a:endParaRPr lang="en-US" sz="1800" b="1" i="0" dirty="0">
+              <a:t>tensroflow</a:t>
+            </a:r>
+            <a:endParaRPr kumimoji="0" lang="en-US" altLang="en-US" sz="1800" b="1" i="0" u="none" strike="noStrike" cap="none" normalizeH="0" baseline="0" dirty="0">
+              <a:ln>
+                <a:noFill/>
+              </a:ln>
               <a:solidFill>
-                <a:srgbClr val="29303B"/>
+                <a:schemeClr val="tx1"/>
+              </a:solidFill>
+              <a:effectLst/>
+            </a:endParaRPr>
+          </a:p>
+          <a:p>
+            <a:pPr marL="342900" indent="-342900" algn="l">
+              <a:buClr>
+                <a:srgbClr val="0070C0"/>
+              </a:buClr>
+              <a:buSzPct val="80000"/>
+              <a:buFont typeface="Wingdings" pitchFamily="2" charset="2"/>
+              <a:buChar char="u"/>
+            </a:pPr>
+            <a:r>
+              <a:rPr kumimoji="0" lang="en-US" altLang="en-US" sz="1800" b="1" i="0" u="none" strike="noStrike" cap="none" normalizeH="0" baseline="0" dirty="0">
+                <a:ln>
+                  <a:noFill/>
+                </a:ln>
+                <a:solidFill>
+                  <a:schemeClr val="tx1"/>
+                </a:solidFill>
+                <a:effectLst/>
+              </a:rPr>
+              <a:t>(tensorflow</a:t>
+            </a:r>
+            <a:r>
+              <a:rPr lang="en-US" altLang="en-US" sz="1800" b="1" dirty="0">
+                <a:solidFill>
+                  <a:schemeClr val="tx1"/>
+                </a:solidFill>
+              </a:rPr>
+              <a:t>) &gt; conda deactivate</a:t>
+            </a:r>
+            <a:endParaRPr kumimoji="0" lang="en-US" altLang="en-US" sz="1800" b="1" i="0" u="none" strike="noStrike" cap="none" normalizeH="0" baseline="0" dirty="0">
+              <a:ln>
+                <a:noFill/>
+              </a:ln>
+              <a:solidFill>
+                <a:schemeClr val="tx1"/>
               </a:solidFill>
               <a:effectLst/>
             </a:endParaRPr>
@@ -6894,6 +6753,354 @@
             <a:fld id="{E4D7E63D-91F2-4366-A2C4-1B00C9E2590E}" type="slidenum">
               <a:rPr lang="zh-TW" altLang="en-US" smtClean="0"/>
               <a:pPr/>
+              <a:t>17</a:t>
+            </a:fld>
+            <a:endParaRPr lang="zh-TW" altLang="en-US"/>
+          </a:p>
+        </p:txBody>
+      </p:sp>
+      <p:sp>
+        <p:nvSpPr>
+          <p:cNvPr id="16" name="Rectangle 10">
+            <a:hlinkClick r:id="rId2"/>
+            <a:extLst>
+              <a:ext uri="{FF2B5EF4-FFF2-40B4-BE49-F238E27FC236}">
+                <a16:creationId xmlns:a16="http://schemas.microsoft.com/office/drawing/2014/main" id="{62B2A935-4165-4F58-9F94-8EBD01713D35}"/>
+              </a:ext>
+            </a:extLst>
+          </p:cNvPr>
+          <p:cNvSpPr>
+            <a:spLocks noChangeArrowheads="1"/>
+          </p:cNvSpPr>
+          <p:nvPr/>
+        </p:nvSpPr>
+        <p:spPr bwMode="auto">
+          <a:xfrm>
+            <a:off x="152400" y="152400"/>
+            <a:ext cx="3933825" cy="0"/>
+          </a:xfrm>
+          <a:prstGeom prst="rect">
+            <a:avLst/>
+          </a:prstGeom>
+          <a:solidFill>
+            <a:srgbClr val="F9F9F9"/>
+          </a:solidFill>
+          <a:ln>
+            <a:noFill/>
+          </a:ln>
+          <a:effectLst/>
+          <a:extLst>
+            <a:ext uri="{91240B29-F687-4F45-9708-019B960494DF}">
+              <a14:hiddenLine xmlns:a14="http://schemas.microsoft.com/office/drawing/2010/main" w="9525">
+                <a:solidFill>
+                  <a:schemeClr val="tx1"/>
+                </a:solidFill>
+                <a:miter lim="800000"/>
+                <a:headEnd/>
+                <a:tailEnd/>
+              </a14:hiddenLine>
+            </a:ext>
+            <a:ext uri="{AF507438-7753-43E0-B8FC-AC1667EBCBE1}">
+              <a14:hiddenEffects xmlns:a14="http://schemas.microsoft.com/office/drawing/2010/main">
+                <a:effectLst>
+                  <a:outerShdw dist="35921" dir="2700000" algn="ctr" rotWithShape="0">
+                    <a:schemeClr val="bg2"/>
+                  </a:outerShdw>
+                </a:effectLst>
+              </a14:hiddenEffects>
+            </a:ext>
+          </a:extLst>
+        </p:spPr>
+        <p:txBody>
+          <a:bodyPr vert="horz" wrap="square" lIns="91440" tIns="45720" rIns="91440" bIns="45720" numCol="1" anchor="ctr" anchorCtr="0" compatLnSpc="1">
+            <a:prstTxWarp prst="textNoShape">
+              <a:avLst/>
+            </a:prstTxWarp>
+            <a:spAutoFit/>
+          </a:bodyPr>
+          <a:lstStyle/>
+          <a:p>
+            <a:endParaRPr lang="en-US"/>
+          </a:p>
+        </p:txBody>
+      </p:sp>
+      <p:sp>
+        <p:nvSpPr>
+          <p:cNvPr id="17" name="Rectangle 11">
+            <a:extLst>
+              <a:ext uri="{FF2B5EF4-FFF2-40B4-BE49-F238E27FC236}">
+                <a16:creationId xmlns:a16="http://schemas.microsoft.com/office/drawing/2014/main" id="{F1807D9A-DC3A-4776-8ADF-C87633FC6B84}"/>
+              </a:ext>
+            </a:extLst>
+          </p:cNvPr>
+          <p:cNvSpPr>
+            <a:spLocks noChangeArrowheads="1"/>
+          </p:cNvSpPr>
+          <p:nvPr/>
+        </p:nvSpPr>
+        <p:spPr bwMode="auto">
+          <a:xfrm>
+            <a:off x="152400" y="152400"/>
+            <a:ext cx="9144000" cy="0"/>
+          </a:xfrm>
+          <a:prstGeom prst="rect">
+            <a:avLst/>
+          </a:prstGeom>
+          <a:solidFill>
+            <a:srgbClr val="F9F9F9"/>
+          </a:solidFill>
+          <a:ln>
+            <a:noFill/>
+          </a:ln>
+          <a:effectLst/>
+          <a:extLst>
+            <a:ext uri="{91240B29-F687-4F45-9708-019B960494DF}">
+              <a14:hiddenLine xmlns:a14="http://schemas.microsoft.com/office/drawing/2010/main" w="9525">
+                <a:solidFill>
+                  <a:schemeClr val="tx1"/>
+                </a:solidFill>
+                <a:miter lim="800000"/>
+                <a:headEnd/>
+                <a:tailEnd/>
+              </a14:hiddenLine>
+            </a:ext>
+            <a:ext uri="{AF507438-7753-43E0-B8FC-AC1667EBCBE1}">
+              <a14:hiddenEffects xmlns:a14="http://schemas.microsoft.com/office/drawing/2010/main">
+                <a:effectLst>
+                  <a:outerShdw dist="35921" dir="2700000" algn="ctr" rotWithShape="0">
+                    <a:schemeClr val="bg2"/>
+                  </a:outerShdw>
+                </a:effectLst>
+              </a14:hiddenEffects>
+            </a:ext>
+          </a:extLst>
+        </p:spPr>
+        <p:txBody>
+          <a:bodyPr vert="horz" wrap="square" lIns="91440" tIns="45720" rIns="91440" bIns="45720" numCol="1" anchor="ctr" anchorCtr="0" compatLnSpc="1">
+            <a:prstTxWarp prst="textNoShape">
+              <a:avLst/>
+            </a:prstTxWarp>
+            <a:spAutoFit/>
+          </a:bodyPr>
+          <a:lstStyle/>
+          <a:p>
+            <a:endParaRPr lang="en-US"/>
+          </a:p>
+        </p:txBody>
+      </p:sp>
+      <p:sp>
+        <p:nvSpPr>
+          <p:cNvPr id="19" name="Rectangle 13">
+            <a:hlinkClick r:id="rId3" tooltip="Next (SHIFT+n)"/>
+            <a:extLst>
+              <a:ext uri="{FF2B5EF4-FFF2-40B4-BE49-F238E27FC236}">
+                <a16:creationId xmlns:a16="http://schemas.microsoft.com/office/drawing/2014/main" id="{E441ABD1-4629-43A1-A350-4BDCD5209807}"/>
+              </a:ext>
+            </a:extLst>
+          </p:cNvPr>
+          <p:cNvSpPr>
+            <a:spLocks noChangeArrowheads="1"/>
+          </p:cNvSpPr>
+          <p:nvPr/>
+        </p:nvSpPr>
+        <p:spPr bwMode="auto">
+          <a:xfrm>
+            <a:off x="152400" y="152400"/>
+            <a:ext cx="3819525" cy="0"/>
+          </a:xfrm>
+          <a:prstGeom prst="rect">
+            <a:avLst/>
+          </a:prstGeom>
+          <a:solidFill>
+            <a:srgbClr val="F9F9F9"/>
+          </a:solidFill>
+          <a:ln>
+            <a:noFill/>
+          </a:ln>
+          <a:effectLst/>
+          <a:extLst>
+            <a:ext uri="{91240B29-F687-4F45-9708-019B960494DF}">
+              <a14:hiddenLine xmlns:a14="http://schemas.microsoft.com/office/drawing/2010/main" w="9525">
+                <a:solidFill>
+                  <a:schemeClr val="tx1"/>
+                </a:solidFill>
+                <a:miter lim="800000"/>
+                <a:headEnd/>
+                <a:tailEnd/>
+              </a14:hiddenLine>
+            </a:ext>
+            <a:ext uri="{AF507438-7753-43E0-B8FC-AC1667EBCBE1}">
+              <a14:hiddenEffects xmlns:a14="http://schemas.microsoft.com/office/drawing/2010/main">
+                <a:effectLst>
+                  <a:outerShdw dist="35921" dir="2700000" algn="ctr" rotWithShape="0">
+                    <a:schemeClr val="bg2"/>
+                  </a:outerShdw>
+                </a:effectLst>
+              </a14:hiddenEffects>
+            </a:ext>
+          </a:extLst>
+        </p:spPr>
+        <p:txBody>
+          <a:bodyPr vert="horz" wrap="square" lIns="91440" tIns="45720" rIns="91440" bIns="45720" numCol="1" anchor="ctr" anchorCtr="0" compatLnSpc="1">
+            <a:prstTxWarp prst="textNoShape">
+              <a:avLst/>
+            </a:prstTxWarp>
+            <a:spAutoFit/>
+          </a:bodyPr>
+          <a:lstStyle/>
+          <a:p>
+            <a:endParaRPr lang="en-US"/>
+          </a:p>
+        </p:txBody>
+      </p:sp>
+      <p:pic>
+        <p:nvPicPr>
+          <p:cNvPr id="24" name="Picture 23">
+            <a:extLst>
+              <a:ext uri="{FF2B5EF4-FFF2-40B4-BE49-F238E27FC236}">
+                <a16:creationId xmlns:a16="http://schemas.microsoft.com/office/drawing/2014/main" id="{C62A9996-771E-4763-9942-5268CE9B8960}"/>
+              </a:ext>
+            </a:extLst>
+          </p:cNvPr>
+          <p:cNvPicPr>
+            <a:picLocks noChangeAspect="1"/>
+          </p:cNvPicPr>
+          <p:nvPr/>
+        </p:nvPicPr>
+        <p:blipFill>
+          <a:blip r:embed="rId4"/>
+          <a:stretch>
+            <a:fillRect/>
+          </a:stretch>
+        </p:blipFill>
+        <p:spPr>
+          <a:xfrm>
+            <a:off x="1952624" y="3429000"/>
+            <a:ext cx="3706763" cy="1729823"/>
+          </a:xfrm>
+          <a:prstGeom prst="rect">
+            <a:avLst/>
+          </a:prstGeom>
+          <a:ln>
+            <a:solidFill>
+              <a:srgbClr val="C00000"/>
+            </a:solidFill>
+          </a:ln>
+        </p:spPr>
+      </p:pic>
+    </p:spTree>
+    <p:extLst>
+      <p:ext uri="{BB962C8B-B14F-4D97-AF65-F5344CB8AC3E}">
+        <p14:creationId xmlns:p14="http://schemas.microsoft.com/office/powerpoint/2010/main" val="1105509270"/>
+      </p:ext>
+    </p:extLst>
+  </p:cSld>
+  <p:clrMapOvr>
+    <a:masterClrMapping/>
+  </p:clrMapOvr>
+</p:sld>
+</file>
+
+<file path=ppt/slides/slide18.xml><?xml version="1.0" encoding="utf-8"?>
+<p:sld xmlns:a="http://schemas.openxmlformats.org/drawingml/2006/main" xmlns:r="http://schemas.openxmlformats.org/officeDocument/2006/relationships" xmlns:p="http://schemas.openxmlformats.org/presentationml/2006/main">
+  <p:cSld>
+    <p:spTree>
+      <p:nvGrpSpPr>
+        <p:cNvPr id="1" name=""/>
+        <p:cNvGrpSpPr/>
+        <p:nvPr/>
+      </p:nvGrpSpPr>
+      <p:grpSpPr>
+        <a:xfrm>
+          <a:off x="0" y="0"/>
+          <a:ext cx="0" cy="0"/>
+          <a:chOff x="0" y="0"/>
+          <a:chExt cx="0" cy="0"/>
+        </a:xfrm>
+      </p:grpSpPr>
+      <p:sp>
+        <p:nvSpPr>
+          <p:cNvPr id="2" name="標題 1"/>
+          <p:cNvSpPr>
+            <a:spLocks noGrp="1"/>
+          </p:cNvSpPr>
+          <p:nvPr>
+            <p:ph type="ctrTitle"/>
+          </p:nvPr>
+        </p:nvSpPr>
+        <p:spPr>
+          <a:xfrm>
+            <a:off x="0" y="2130425"/>
+            <a:ext cx="9144000" cy="1470025"/>
+          </a:xfrm>
+          <a:solidFill>
+            <a:srgbClr val="00B0F0"/>
+          </a:solidFill>
+        </p:spPr>
+        <p:txBody>
+          <a:bodyPr>
+            <a:normAutofit/>
+          </a:bodyPr>
+          <a:lstStyle/>
+          <a:p>
+            <a:r>
+              <a:rPr lang="en-US" altLang="zh-TW" sz="4800" b="1" dirty="0">
+                <a:solidFill>
+                  <a:srgbClr val="FFFF00"/>
+                </a:solidFill>
+              </a:rPr>
+              <a:t>2.5 Start Tensorflow Environments</a:t>
+            </a:r>
+            <a:endParaRPr lang="zh-TW" altLang="en-US" sz="4800" b="1" dirty="0">
+              <a:solidFill>
+                <a:srgbClr val="FFFF00"/>
+              </a:solidFill>
+            </a:endParaRPr>
+          </a:p>
+        </p:txBody>
+      </p:sp>
+      <p:sp>
+        <p:nvSpPr>
+          <p:cNvPr id="5" name="日期版面配置區 4"/>
+          <p:cNvSpPr>
+            <a:spLocks noGrp="1"/>
+          </p:cNvSpPr>
+          <p:nvPr>
+            <p:ph type="dt" sz="half" idx="10"/>
+          </p:nvPr>
+        </p:nvSpPr>
+        <p:spPr/>
+        <p:txBody>
+          <a:bodyPr/>
+          <a:lstStyle/>
+          <a:p>
+            <a:fld id="{C389EDC9-19E3-47AC-9C57-C6A24DEA81AD}" type="datetime1">
+              <a:rPr lang="zh-TW" altLang="en-US" smtClean="0"/>
+              <a:pPr/>
+              <a:t>2020/9/24</a:t>
+            </a:fld>
+            <a:endParaRPr lang="zh-TW" altLang="en-US"/>
+          </a:p>
+        </p:txBody>
+      </p:sp>
+      <p:sp>
+        <p:nvSpPr>
+          <p:cNvPr id="6" name="投影片編號版面配置區 5"/>
+          <p:cNvSpPr>
+            <a:spLocks noGrp="1"/>
+          </p:cNvSpPr>
+          <p:nvPr>
+            <p:ph type="sldNum" sz="quarter" idx="12"/>
+          </p:nvPr>
+        </p:nvSpPr>
+        <p:spPr/>
+        <p:txBody>
+          <a:bodyPr/>
+          <a:lstStyle/>
+          <a:p>
+            <a:fld id="{E4D7E63D-91F2-4366-A2C4-1B00C9E2590E}" type="slidenum">
+              <a:rPr lang="zh-TW" altLang="en-US" smtClean="0"/>
+              <a:pPr/>
               <a:t>18</a:t>
             </a:fld>
             <a:endParaRPr lang="zh-TW" altLang="en-US"/>
@@ -6905,7 +7112,7 @@
           <p:cNvPr id="7" name="Picture 6">
             <a:extLst>
               <a:ext uri="{FF2B5EF4-FFF2-40B4-BE49-F238E27FC236}">
-                <a16:creationId xmlns:a16="http://schemas.microsoft.com/office/drawing/2014/main" id="{B97497C3-3299-4B3F-B61A-7D525C18DEDF}"/>
+                <a16:creationId xmlns:a16="http://schemas.microsoft.com/office/drawing/2014/main" id="{1BE488C5-DA27-405E-9F7E-A4EF5DF95762}"/>
               </a:ext>
             </a:extLst>
           </p:cNvPr>
@@ -6922,58 +7129,18 @@
         </p:blipFill>
         <p:spPr>
           <a:xfrm>
-            <a:off x="611560" y="2862555"/>
-            <a:ext cx="2133600" cy="3676357"/>
+            <a:off x="3923928" y="3695964"/>
+            <a:ext cx="1004960" cy="885164"/>
           </a:xfrm>
           <a:prstGeom prst="rect">
             <a:avLst/>
           </a:prstGeom>
-          <a:ln>
-            <a:solidFill>
-              <a:srgbClr val="C00000"/>
-            </a:solidFill>
-          </a:ln>
-        </p:spPr>
-      </p:pic>
-      <p:pic>
-        <p:nvPicPr>
-          <p:cNvPr id="9" name="Picture 8">
-            <a:extLst>
-              <a:ext uri="{FF2B5EF4-FFF2-40B4-BE49-F238E27FC236}">
-                <a16:creationId xmlns:a16="http://schemas.microsoft.com/office/drawing/2014/main" id="{73274987-F3AF-4F4B-A34C-C670E5484275}"/>
-              </a:ext>
-            </a:extLst>
-          </p:cNvPr>
-          <p:cNvPicPr>
-            <a:picLocks noChangeAspect="1"/>
-          </p:cNvPicPr>
-          <p:nvPr/>
-        </p:nvPicPr>
-        <p:blipFill>
-          <a:blip r:embed="rId3"/>
-          <a:stretch>
-            <a:fillRect/>
-          </a:stretch>
-        </p:blipFill>
-        <p:spPr>
-          <a:xfrm>
-            <a:off x="2483768" y="3340374"/>
-            <a:ext cx="6469267" cy="1262751"/>
-          </a:xfrm>
-          <a:prstGeom prst="rect">
-            <a:avLst/>
-          </a:prstGeom>
-          <a:ln>
-            <a:solidFill>
-              <a:srgbClr val="C00000"/>
-            </a:solidFill>
-          </a:ln>
         </p:spPr>
       </p:pic>
     </p:spTree>
     <p:extLst>
       <p:ext uri="{BB962C8B-B14F-4D97-AF65-F5344CB8AC3E}">
-        <p14:creationId xmlns:p14="http://schemas.microsoft.com/office/powerpoint/2010/main" val="1264361562"/>
+        <p14:creationId xmlns:p14="http://schemas.microsoft.com/office/powerpoint/2010/main" val="2361024071"/>
       </p:ext>
     </p:extLst>
   </p:cSld>
@@ -7012,12 +7179,35 @@
         </p:nvSpPr>
         <p:spPr>
           <a:xfrm>
-            <a:off x="0" y="2130425"/>
-            <a:ext cx="9144000" cy="1470025"/>
-          </a:xfrm>
-          <a:solidFill>
-            <a:srgbClr val="00B0F0"/>
-          </a:solidFill>
+            <a:off x="0" y="0"/>
+            <a:ext cx="9144000" cy="764704"/>
+          </a:xfrm>
+          <a:gradFill flip="none" rotWithShape="1">
+            <a:gsLst>
+              <a:gs pos="0">
+                <a:srgbClr val="C00000">
+                  <a:shade val="30000"/>
+                  <a:satMod val="115000"/>
+                </a:srgbClr>
+              </a:gs>
+              <a:gs pos="50000">
+                <a:srgbClr val="C00000">
+                  <a:shade val="67500"/>
+                  <a:satMod val="115000"/>
+                </a:srgbClr>
+              </a:gs>
+              <a:gs pos="100000">
+                <a:srgbClr val="C00000">
+                  <a:shade val="100000"/>
+                  <a:satMod val="115000"/>
+                </a:srgbClr>
+              </a:gs>
+            </a:gsLst>
+            <a:path path="circle">
+              <a:fillToRect t="100000" r="100000"/>
+            </a:path>
+            <a:tileRect l="-100000" b="-100000"/>
+          </a:gradFill>
         </p:spPr>
         <p:txBody>
           <a:bodyPr>
@@ -7025,15 +7215,16 @@
           </a:bodyPr>
           <a:lstStyle/>
           <a:p>
-            <a:r>
-              <a:rPr lang="en-US" altLang="zh-TW" sz="4800" b="1" dirty="0">
+            <a:pPr algn="l"/>
+            <a:r>
+              <a:rPr lang="en-US" altLang="zh-TW" sz="4400" b="1" dirty="0">
                 <a:solidFill>
                   <a:srgbClr val="FFFF00"/>
                 </a:solidFill>
               </a:rPr>
-              <a:t>2.6 Run Jupyter Tensorflow</a:t>
-            </a:r>
-            <a:endParaRPr lang="zh-TW" altLang="en-US" sz="4800" b="1" dirty="0">
+              <a:t>2.5 Start Tensorflow Environments</a:t>
+            </a:r>
+            <a:endParaRPr lang="zh-TW" altLang="en-US" b="1" dirty="0">
               <a:solidFill>
                 <a:srgbClr val="FFFF00"/>
               </a:solidFill>
@@ -7043,6 +7234,188 @@
       </p:sp>
       <p:sp>
         <p:nvSpPr>
+          <p:cNvPr id="3" name="副標題 2"/>
+          <p:cNvSpPr>
+            <a:spLocks noGrp="1"/>
+          </p:cNvSpPr>
+          <p:nvPr>
+            <p:ph type="subTitle" idx="1"/>
+          </p:nvPr>
+        </p:nvSpPr>
+        <p:spPr>
+          <a:xfrm>
+            <a:off x="426368" y="1418787"/>
+            <a:ext cx="8291263" cy="1262752"/>
+          </a:xfrm>
+          <a:ln>
+            <a:solidFill>
+              <a:srgbClr val="C00000"/>
+            </a:solidFill>
+          </a:ln>
+        </p:spPr>
+        <p:txBody>
+          <a:bodyPr>
+            <a:noAutofit/>
+          </a:bodyPr>
+          <a:lstStyle/>
+          <a:p>
+            <a:pPr marL="342900" indent="-342900" algn="l">
+              <a:buClr>
+                <a:srgbClr val="0070C0"/>
+              </a:buClr>
+              <a:buSzPct val="80000"/>
+              <a:buFont typeface="Wingdings" pitchFamily="2" charset="2"/>
+              <a:buChar char="u"/>
+            </a:pPr>
+            <a:r>
+              <a:rPr lang="en-US" altLang="en-US" sz="1800" b="1" dirty="0">
+                <a:solidFill>
+                  <a:srgbClr val="29303B"/>
+                </a:solidFill>
+              </a:rPr>
+              <a:t>Start Tensorflow Environments</a:t>
+            </a:r>
+          </a:p>
+          <a:p>
+            <a:pPr marL="342900" indent="-342900" algn="l">
+              <a:buClr>
+                <a:srgbClr val="0070C0"/>
+              </a:buClr>
+              <a:buSzPct val="80000"/>
+              <a:buFont typeface="Wingdings" pitchFamily="2" charset="2"/>
+              <a:buChar char="u"/>
+            </a:pPr>
+            <a:r>
+              <a:rPr lang="en-US" sz="1800" b="1" dirty="0">
+                <a:solidFill>
+                  <a:srgbClr val="29303B"/>
+                </a:solidFill>
+              </a:rPr>
+              <a:t>start anaconda prompt</a:t>
+            </a:r>
+          </a:p>
+          <a:p>
+            <a:pPr marL="342900" indent="-342900" algn="l">
+              <a:buClr>
+                <a:srgbClr val="0070C0"/>
+              </a:buClr>
+              <a:buSzPct val="80000"/>
+              <a:buFont typeface="Wingdings" pitchFamily="2" charset="2"/>
+              <a:buChar char="u"/>
+            </a:pPr>
+            <a:r>
+              <a:rPr lang="en-US" sz="1800" b="1" i="0" dirty="0">
+                <a:solidFill>
+                  <a:srgbClr val="29303B"/>
+                </a:solidFill>
+                <a:effectLst/>
+              </a:rPr>
+              <a:t>&gt; conda activate tensorflow</a:t>
+            </a:r>
+          </a:p>
+          <a:p>
+            <a:pPr marL="342900" indent="-342900" algn="l">
+              <a:buClr>
+                <a:srgbClr val="0070C0"/>
+              </a:buClr>
+              <a:buSzPct val="80000"/>
+              <a:buFont typeface="Wingdings" pitchFamily="2" charset="2"/>
+              <a:buChar char="u"/>
+            </a:pPr>
+            <a:r>
+              <a:rPr lang="en-US" sz="1800" b="1" dirty="0">
+                <a:solidFill>
+                  <a:srgbClr val="29303B"/>
+                </a:solidFill>
+              </a:rPr>
+              <a:t>&gt; cd [work-folder]</a:t>
+            </a:r>
+            <a:endParaRPr lang="en-US" sz="1800" b="1" i="0" dirty="0">
+              <a:solidFill>
+                <a:srgbClr val="29303B"/>
+              </a:solidFill>
+              <a:effectLst/>
+            </a:endParaRPr>
+          </a:p>
+        </p:txBody>
+      </p:sp>
+      <p:sp>
+        <p:nvSpPr>
+          <p:cNvPr id="4" name="標題 1"/>
+          <p:cNvSpPr txBox="1">
+            <a:spLocks/>
+          </p:cNvSpPr>
+          <p:nvPr/>
+        </p:nvSpPr>
+        <p:spPr>
+          <a:xfrm>
+            <a:off x="0" y="764704"/>
+            <a:ext cx="9144000" cy="360040"/>
+          </a:xfrm>
+          <a:prstGeom prst="rect">
+            <a:avLst/>
+          </a:prstGeom>
+          <a:gradFill flip="none" rotWithShape="1">
+            <a:gsLst>
+              <a:gs pos="0">
+                <a:srgbClr val="00B0F0">
+                  <a:shade val="30000"/>
+                  <a:satMod val="115000"/>
+                </a:srgbClr>
+              </a:gs>
+              <a:gs pos="50000">
+                <a:srgbClr val="00B0F0">
+                  <a:shade val="67500"/>
+                  <a:satMod val="115000"/>
+                </a:srgbClr>
+              </a:gs>
+              <a:gs pos="100000">
+                <a:srgbClr val="00B0F0">
+                  <a:shade val="100000"/>
+                  <a:satMod val="115000"/>
+                </a:srgbClr>
+              </a:gs>
+            </a:gsLst>
+            <a:path path="circle">
+              <a:fillToRect t="100000" r="100000"/>
+            </a:path>
+            <a:tileRect l="-100000" b="-100000"/>
+          </a:gradFill>
+        </p:spPr>
+        <p:txBody>
+          <a:bodyPr vert="horz" lIns="91440" tIns="45720" rIns="91440" bIns="45720" rtlCol="0" anchor="ctr">
+            <a:normAutofit/>
+          </a:bodyPr>
+          <a:lstStyle/>
+          <a:p>
+            <a:pPr lvl="0">
+              <a:spcBef>
+                <a:spcPct val="0"/>
+              </a:spcBef>
+            </a:pPr>
+            <a:r>
+              <a:rPr lang="en-US" sz="1600" dirty="0"/>
+              <a:t>https://github.com/peterhchen/930_Python_ML_DS_DL</a:t>
+            </a:r>
+            <a:endParaRPr kumimoji="0" lang="zh-TW" altLang="en-US" sz="1600" b="0" i="0" u="none" strike="noStrike" kern="1200" cap="none" spc="0" normalizeH="0" baseline="0" noProof="0" dirty="0">
+              <a:ln>
+                <a:noFill/>
+              </a:ln>
+              <a:solidFill>
+                <a:schemeClr val="tx1"/>
+              </a:solidFill>
+              <a:effectLst/>
+              <a:uLnTx/>
+              <a:uFillTx/>
+              <a:latin typeface="+mj-lt"/>
+              <a:ea typeface="+mj-ea"/>
+              <a:cs typeface="+mj-cs"/>
+            </a:endParaRPr>
+          </a:p>
+        </p:txBody>
+      </p:sp>
+      <p:sp>
+        <p:nvSpPr>
           <p:cNvPr id="5" name="日期版面配置區 4"/>
           <p:cNvSpPr>
             <a:spLocks noGrp="1"/>
@@ -7051,12 +7424,17 @@
             <p:ph type="dt" sz="half" idx="10"/>
           </p:nvPr>
         </p:nvSpPr>
-        <p:spPr/>
+        <p:spPr>
+          <a:xfrm>
+            <a:off x="457200" y="6343695"/>
+            <a:ext cx="2133600" cy="365125"/>
+          </a:xfrm>
+        </p:spPr>
         <p:txBody>
           <a:bodyPr/>
           <a:lstStyle/>
           <a:p>
-            <a:fld id="{C389EDC9-19E3-47AC-9C57-C6A24DEA81AD}" type="datetime1">
+            <a:fld id="{A4F910E6-8D00-4BAF-8C48-9688E0B449D3}" type="datetime1">
               <a:rPr lang="zh-TW" altLang="en-US" smtClean="0"/>
               <a:pPr/>
               <a:t>2020/9/24</a:t>
@@ -7094,7 +7472,7 @@
           <p:cNvPr id="7" name="Picture 6">
             <a:extLst>
               <a:ext uri="{FF2B5EF4-FFF2-40B4-BE49-F238E27FC236}">
-                <a16:creationId xmlns:a16="http://schemas.microsoft.com/office/drawing/2014/main" id="{1BE488C5-DA27-405E-9F7E-A4EF5DF95762}"/>
+                <a16:creationId xmlns:a16="http://schemas.microsoft.com/office/drawing/2014/main" id="{B97497C3-3299-4B3F-B61A-7D525C18DEDF}"/>
               </a:ext>
             </a:extLst>
           </p:cNvPr>
@@ -7111,18 +7489,58 @@
         </p:blipFill>
         <p:spPr>
           <a:xfrm>
-            <a:off x="3923928" y="3695964"/>
-            <a:ext cx="1004960" cy="885164"/>
+            <a:off x="611560" y="2862555"/>
+            <a:ext cx="2133600" cy="3676357"/>
           </a:xfrm>
           <a:prstGeom prst="rect">
             <a:avLst/>
           </a:prstGeom>
+          <a:ln>
+            <a:solidFill>
+              <a:srgbClr val="C00000"/>
+            </a:solidFill>
+          </a:ln>
+        </p:spPr>
+      </p:pic>
+      <p:pic>
+        <p:nvPicPr>
+          <p:cNvPr id="9" name="Picture 8">
+            <a:extLst>
+              <a:ext uri="{FF2B5EF4-FFF2-40B4-BE49-F238E27FC236}">
+                <a16:creationId xmlns:a16="http://schemas.microsoft.com/office/drawing/2014/main" id="{73274987-F3AF-4F4B-A34C-C670E5484275}"/>
+              </a:ext>
+            </a:extLst>
+          </p:cNvPr>
+          <p:cNvPicPr>
+            <a:picLocks noChangeAspect="1"/>
+          </p:cNvPicPr>
+          <p:nvPr/>
+        </p:nvPicPr>
+        <p:blipFill>
+          <a:blip r:embed="rId3"/>
+          <a:stretch>
+            <a:fillRect/>
+          </a:stretch>
+        </p:blipFill>
+        <p:spPr>
+          <a:xfrm>
+            <a:off x="2483768" y="3340374"/>
+            <a:ext cx="6469267" cy="1262751"/>
+          </a:xfrm>
+          <a:prstGeom prst="rect">
+            <a:avLst/>
+          </a:prstGeom>
+          <a:ln>
+            <a:solidFill>
+              <a:srgbClr val="C00000"/>
+            </a:solidFill>
+          </a:ln>
         </p:spPr>
       </p:pic>
     </p:spTree>
     <p:extLst>
       <p:ext uri="{BB962C8B-B14F-4D97-AF65-F5344CB8AC3E}">
-        <p14:creationId xmlns:p14="http://schemas.microsoft.com/office/powerpoint/2010/main" val="2574770360"/>
+        <p14:creationId xmlns:p14="http://schemas.microsoft.com/office/powerpoint/2010/main" val="1264361562"/>
       </p:ext>
     </p:extLst>
   </p:cSld>
@@ -7830,6 +8248,155 @@
         </p:nvSpPr>
         <p:spPr>
           <a:xfrm>
+            <a:off x="0" y="2130425"/>
+            <a:ext cx="9144000" cy="1470025"/>
+          </a:xfrm>
+          <a:solidFill>
+            <a:srgbClr val="00B0F0"/>
+          </a:solidFill>
+        </p:spPr>
+        <p:txBody>
+          <a:bodyPr>
+            <a:normAutofit/>
+          </a:bodyPr>
+          <a:lstStyle/>
+          <a:p>
+            <a:r>
+              <a:rPr lang="en-US" altLang="zh-TW" sz="4800" b="1" dirty="0">
+                <a:solidFill>
+                  <a:srgbClr val="FFFF00"/>
+                </a:solidFill>
+              </a:rPr>
+              <a:t>2.6 Run Jupyter Tensorflow</a:t>
+            </a:r>
+            <a:endParaRPr lang="zh-TW" altLang="en-US" sz="4800" b="1" dirty="0">
+              <a:solidFill>
+                <a:srgbClr val="FFFF00"/>
+              </a:solidFill>
+            </a:endParaRPr>
+          </a:p>
+        </p:txBody>
+      </p:sp>
+      <p:sp>
+        <p:nvSpPr>
+          <p:cNvPr id="5" name="日期版面配置區 4"/>
+          <p:cNvSpPr>
+            <a:spLocks noGrp="1"/>
+          </p:cNvSpPr>
+          <p:nvPr>
+            <p:ph type="dt" sz="half" idx="10"/>
+          </p:nvPr>
+        </p:nvSpPr>
+        <p:spPr/>
+        <p:txBody>
+          <a:bodyPr/>
+          <a:lstStyle/>
+          <a:p>
+            <a:fld id="{C389EDC9-19E3-47AC-9C57-C6A24DEA81AD}" type="datetime1">
+              <a:rPr lang="zh-TW" altLang="en-US" smtClean="0"/>
+              <a:pPr/>
+              <a:t>2020/9/24</a:t>
+            </a:fld>
+            <a:endParaRPr lang="zh-TW" altLang="en-US"/>
+          </a:p>
+        </p:txBody>
+      </p:sp>
+      <p:sp>
+        <p:nvSpPr>
+          <p:cNvPr id="6" name="投影片編號版面配置區 5"/>
+          <p:cNvSpPr>
+            <a:spLocks noGrp="1"/>
+          </p:cNvSpPr>
+          <p:nvPr>
+            <p:ph type="sldNum" sz="quarter" idx="12"/>
+          </p:nvPr>
+        </p:nvSpPr>
+        <p:spPr/>
+        <p:txBody>
+          <a:bodyPr/>
+          <a:lstStyle/>
+          <a:p>
+            <a:fld id="{E4D7E63D-91F2-4366-A2C4-1B00C9E2590E}" type="slidenum">
+              <a:rPr lang="zh-TW" altLang="en-US" smtClean="0"/>
+              <a:pPr/>
+              <a:t>20</a:t>
+            </a:fld>
+            <a:endParaRPr lang="zh-TW" altLang="en-US"/>
+          </a:p>
+        </p:txBody>
+      </p:sp>
+      <p:pic>
+        <p:nvPicPr>
+          <p:cNvPr id="7" name="Picture 6">
+            <a:extLst>
+              <a:ext uri="{FF2B5EF4-FFF2-40B4-BE49-F238E27FC236}">
+                <a16:creationId xmlns:a16="http://schemas.microsoft.com/office/drawing/2014/main" id="{1BE488C5-DA27-405E-9F7E-A4EF5DF95762}"/>
+              </a:ext>
+            </a:extLst>
+          </p:cNvPr>
+          <p:cNvPicPr>
+            <a:picLocks noChangeAspect="1"/>
+          </p:cNvPicPr>
+          <p:nvPr/>
+        </p:nvPicPr>
+        <p:blipFill>
+          <a:blip r:embed="rId2"/>
+          <a:stretch>
+            <a:fillRect/>
+          </a:stretch>
+        </p:blipFill>
+        <p:spPr>
+          <a:xfrm>
+            <a:off x="3923928" y="3695964"/>
+            <a:ext cx="1004960" cy="885164"/>
+          </a:xfrm>
+          <a:prstGeom prst="rect">
+            <a:avLst/>
+          </a:prstGeom>
+        </p:spPr>
+      </p:pic>
+    </p:spTree>
+    <p:extLst>
+      <p:ext uri="{BB962C8B-B14F-4D97-AF65-F5344CB8AC3E}">
+        <p14:creationId xmlns:p14="http://schemas.microsoft.com/office/powerpoint/2010/main" val="2574770360"/>
+      </p:ext>
+    </p:extLst>
+  </p:cSld>
+  <p:clrMapOvr>
+    <a:masterClrMapping/>
+  </p:clrMapOvr>
+</p:sld>
+</file>
+
+<file path=ppt/slides/slide21.xml><?xml version="1.0" encoding="utf-8"?>
+<p:sld xmlns:a="http://schemas.openxmlformats.org/drawingml/2006/main" xmlns:r="http://schemas.openxmlformats.org/officeDocument/2006/relationships" xmlns:p="http://schemas.openxmlformats.org/presentationml/2006/main">
+  <p:cSld>
+    <p:spTree>
+      <p:nvGrpSpPr>
+        <p:cNvPr id="1" name=""/>
+        <p:cNvGrpSpPr/>
+        <p:nvPr/>
+      </p:nvGrpSpPr>
+      <p:grpSpPr>
+        <a:xfrm>
+          <a:off x="0" y="0"/>
+          <a:ext cx="0" cy="0"/>
+          <a:chOff x="0" y="0"/>
+          <a:chExt cx="0" cy="0"/>
+        </a:xfrm>
+      </p:grpSpPr>
+      <p:sp>
+        <p:nvSpPr>
+          <p:cNvPr id="2" name="標題 1"/>
+          <p:cNvSpPr>
+            <a:spLocks noGrp="1"/>
+          </p:cNvSpPr>
+          <p:nvPr>
+            <p:ph type="ctrTitle"/>
+          </p:nvPr>
+        </p:nvSpPr>
+        <p:spPr>
+          <a:xfrm>
             <a:off x="0" y="0"/>
             <a:ext cx="9144000" cy="764704"/>
           </a:xfrm>
@@ -8088,7 +8655,7 @@
             <a:fld id="{E4D7E63D-91F2-4366-A2C4-1B00C9E2590E}" type="slidenum">
               <a:rPr lang="zh-TW" altLang="en-US" smtClean="0"/>
               <a:pPr/>
-              <a:t>20</a:t>
+              <a:t>21</a:t>
             </a:fld>
             <a:endParaRPr lang="zh-TW" altLang="en-US"/>
           </a:p>
@@ -8142,7 +8709,7 @@
 </p:sld>
 </file>
 
-<file path=ppt/slides/slide21.xml><?xml version="1.0" encoding="utf-8"?>
+<file path=ppt/slides/slide22.xml><?xml version="1.0" encoding="utf-8"?>
 <p:sld xmlns:a="http://schemas.openxmlformats.org/drawingml/2006/main" xmlns:r="http://schemas.openxmlformats.org/officeDocument/2006/relationships" xmlns:p="http://schemas.openxmlformats.org/presentationml/2006/main">
   <p:cSld>
     <p:spTree>
@@ -8445,7 +9012,7 @@
             <a:fld id="{E4D7E63D-91F2-4366-A2C4-1B00C9E2590E}" type="slidenum">
               <a:rPr lang="zh-TW" altLang="en-US" smtClean="0"/>
               <a:pPr/>
-              <a:t>21</a:t>
+              <a:t>22</a:t>
             </a:fld>
             <a:endParaRPr lang="zh-TW" altLang="en-US"/>
           </a:p>
@@ -8499,7 +9066,7 @@
 </p:sld>
 </file>
 
-<file path=ppt/slides/slide22.xml><?xml version="1.0" encoding="utf-8"?>
+<file path=ppt/slides/slide23.xml><?xml version="1.0" encoding="utf-8"?>
 <p:sld xmlns:a="http://schemas.openxmlformats.org/drawingml/2006/main" xmlns:r="http://schemas.openxmlformats.org/officeDocument/2006/relationships" xmlns:p="http://schemas.openxmlformats.org/presentationml/2006/main">
   <p:cSld>
     <p:spTree>
@@ -8802,7 +9369,7 @@
             <a:fld id="{E4D7E63D-91F2-4366-A2C4-1B00C9E2590E}" type="slidenum">
               <a:rPr lang="zh-TW" altLang="en-US" smtClean="0"/>
               <a:pPr/>
-              <a:t>22</a:t>
+              <a:t>23</a:t>
             </a:fld>
             <a:endParaRPr lang="zh-TW" altLang="en-US"/>
           </a:p>
@@ -8856,7 +9423,7 @@
 </p:sld>
 </file>
 
-<file path=ppt/slides/slide23.xml><?xml version="1.0" encoding="utf-8"?>
+<file path=ppt/slides/slide24.xml><?xml version="1.0" encoding="utf-8"?>
 <p:sld xmlns:a="http://schemas.openxmlformats.org/drawingml/2006/main" xmlns:r="http://schemas.openxmlformats.org/officeDocument/2006/relationships" xmlns:p="http://schemas.openxmlformats.org/presentationml/2006/main">
   <p:cSld>
     <p:spTree>
@@ -8986,7 +9553,7 @@
             <a:fld id="{E4D7E63D-91F2-4366-A2C4-1B00C9E2590E}" type="slidenum">
               <a:rPr lang="zh-TW" altLang="en-US" smtClean="0"/>
               <a:pPr/>
-              <a:t>23</a:t>
+              <a:t>24</a:t>
             </a:fld>
             <a:endParaRPr lang="zh-TW" altLang="en-US"/>
           </a:p>
@@ -9035,7 +9602,7 @@
 </p:sld>
 </file>
 
-<file path=ppt/slides/slide24.xml><?xml version="1.0" encoding="utf-8"?>
+<file path=ppt/slides/slide25.xml><?xml version="1.0" encoding="utf-8"?>
 <p:sld xmlns:a="http://schemas.openxmlformats.org/drawingml/2006/main" xmlns:r="http://schemas.openxmlformats.org/officeDocument/2006/relationships" xmlns:p="http://schemas.openxmlformats.org/presentationml/2006/main">
   <p:cSld>
     <p:spTree>
@@ -9336,7 +9903,7 @@
             <a:fld id="{E4D7E63D-91F2-4366-A2C4-1B00C9E2590E}" type="slidenum">
               <a:rPr lang="zh-TW" altLang="en-US" smtClean="0"/>
               <a:pPr/>
-              <a:t>24</a:t>
+              <a:t>25</a:t>
             </a:fld>
             <a:endParaRPr lang="zh-TW" altLang="en-US"/>
           </a:p>
@@ -9390,7 +9957,7 @@
 </p:sld>
 </file>
 
-<file path=ppt/slides/slide25.xml><?xml version="1.0" encoding="utf-8"?>
+<file path=ppt/slides/slide26.xml><?xml version="1.0" encoding="utf-8"?>
 <p:sld xmlns:a="http://schemas.openxmlformats.org/drawingml/2006/main" xmlns:r="http://schemas.openxmlformats.org/officeDocument/2006/relationships" xmlns:p="http://schemas.openxmlformats.org/presentationml/2006/main">
   <p:cSld>
     <p:spTree>
@@ -9727,7 +10294,7 @@
             <a:fld id="{E4D7E63D-91F2-4366-A2C4-1B00C9E2590E}" type="slidenum">
               <a:rPr lang="zh-TW" altLang="en-US" smtClean="0"/>
               <a:pPr/>
-              <a:t>25</a:t>
+              <a:t>26</a:t>
             </a:fld>
             <a:endParaRPr lang="zh-TW" altLang="en-US"/>
           </a:p>
@@ -9781,7 +10348,7 @@
 </p:sld>
 </file>
 
-<file path=ppt/slides/slide26.xml><?xml version="1.0" encoding="utf-8"?>
+<file path=ppt/slides/slide27.xml><?xml version="1.0" encoding="utf-8"?>
 <p:sld xmlns:a="http://schemas.openxmlformats.org/drawingml/2006/main" xmlns:r="http://schemas.openxmlformats.org/officeDocument/2006/relationships" xmlns:p="http://schemas.openxmlformats.org/presentationml/2006/main">
   <p:cSld>
     <p:spTree>
@@ -9904,7 +10471,7 @@
             <a:fld id="{E4D7E63D-91F2-4366-A2C4-1B00C9E2590E}" type="slidenum">
               <a:rPr lang="zh-TW" altLang="en-US" smtClean="0"/>
               <a:pPr/>
-              <a:t>26</a:t>
+              <a:t>27</a:t>
             </a:fld>
             <a:endParaRPr lang="zh-TW" altLang="en-US"/>
           </a:p>
